--- a/presentation.pptx
+++ b/presentation.pptx
@@ -119,7 +119,7 @@
   </p:defaultTextStyle>
   <p:extLst>
     <p:ext uri="{EFAFB233-063F-42B5-8137-9DF3F51BA10A}">
-      <p15:sldGuideLst xmlns:p15="http://schemas.microsoft.com/office/powerpoint/2012/main" xmlns="">
+      <p15:sldGuideLst xmlns="" xmlns:p15="http://schemas.microsoft.com/office/powerpoint/2012/main">
         <p15:guide id="1" orient="horz" pos="2160">
           <p15:clr>
             <a:srgbClr val="A4A3A4"/>
@@ -133,7 +133,7 @@
       </p15:sldGuideLst>
     </p:ext>
     <p:ext uri="{2D200454-40CA-4A62-9FC3-DE9A4176ACB9}">
-      <p15:notesGuideLst xmlns:p15="http://schemas.microsoft.com/office/powerpoint/2012/main" xmlns="">
+      <p15:notesGuideLst xmlns="" xmlns:p15="http://schemas.microsoft.com/office/powerpoint/2012/main">
         <p15:guide id="1" orient="horz" pos="2880">
           <p15:clr>
             <a:srgbClr val="A4A3A4"/>
@@ -183,15 +183,7 @@
             </a:r>
             <a:r>
               <a:rPr lang="is-IS" baseline="0" dirty="0" smtClean="0"/>
-              <a:t> = </a:t>
-            </a:r>
-            <a:r>
-              <a:rPr lang="is-IS" baseline="0" dirty="0" smtClean="0"/>
-              <a:t>60s, </a:t>
-            </a:r>
-            <a:r>
-              <a:rPr lang="is-IS" baseline="0" dirty="0" smtClean="0"/>
-              <a:t># task = # threads)</a:t>
+              <a:t> = 60s, # task = # threads)</a:t>
             </a:r>
             <a:endParaRPr lang="is-IS" dirty="0"/>
           </a:p>
@@ -259,31 +251,30 @@
                 <c:formatCode>0%</c:formatCode>
                 <c:ptCount val="5"/>
                 <c:pt idx="0">
-                  <c:v>0.30000000000000004</c:v>
+                  <c:v>0.3000000000000001</c:v>
                 </c:pt>
                 <c:pt idx="1">
                   <c:v>0.2</c:v>
                 </c:pt>
                 <c:pt idx="2">
-                  <c:v>8.0000000000000016E-2</c:v>
+                  <c:v>8.0000000000000029E-2</c:v>
                 </c:pt>
                 <c:pt idx="3">
-                  <c:v>5.000000000000001E-2</c:v>
+                  <c:v>5.0000000000000017E-2</c:v>
                 </c:pt>
                 <c:pt idx="4">
-                  <c:v>1.0000000000000002E-2</c:v>
+                  <c:v>1.0000000000000004E-2</c:v>
                 </c:pt>
               </c:numCache>
             </c:numRef>
           </c:val>
         </c:ser>
-        <c:dLbls/>
         <c:marker val="1"/>
-        <c:axId val="145005184"/>
-        <c:axId val="104731008"/>
+        <c:axId val="176681344"/>
+        <c:axId val="176683648"/>
       </c:lineChart>
       <c:catAx>
-        <c:axId val="145005184"/>
+        <c:axId val="176681344"/>
         <c:scaling>
           <c:orientation val="minMax"/>
         </c:scaling>
@@ -324,14 +315,14 @@
             <a:endParaRPr lang="fr-FR"/>
           </a:p>
         </c:txPr>
-        <c:crossAx val="104731008"/>
+        <c:crossAx val="176683648"/>
         <c:crosses val="autoZero"/>
         <c:auto val="1"/>
         <c:lblAlgn val="ctr"/>
         <c:lblOffset val="100"/>
       </c:catAx>
       <c:valAx>
-        <c:axId val="104731008"/>
+        <c:axId val="176683648"/>
         <c:scaling>
           <c:orientation val="minMax"/>
         </c:scaling>
@@ -380,7 +371,7 @@
             <a:endParaRPr lang="fr-FR"/>
           </a:p>
         </c:txPr>
-        <c:crossAx val="145005184"/>
+        <c:crossAx val="176681344"/>
         <c:crosses val="autoZero"/>
         <c:crossBetween val="between"/>
       </c:valAx>
@@ -1255,7 +1246,7 @@
     </p:spTree>
     <p:extLst>
       <p:ext uri="{BB962C8B-B14F-4D97-AF65-F5344CB8AC3E}">
-        <p14:creationId xmlns:p14="http://schemas.microsoft.com/office/powerpoint/2010/main" xmlns="" val="2479878953"/>
+        <p14:creationId xmlns="" xmlns:p14="http://schemas.microsoft.com/office/powerpoint/2010/main" val="2479878953"/>
       </p:ext>
     </p:extLst>
   </p:cSld>
@@ -1499,7 +1490,7 @@
     </p:spTree>
     <p:extLst>
       <p:ext uri="{BB962C8B-B14F-4D97-AF65-F5344CB8AC3E}">
-        <p14:creationId xmlns:p14="http://schemas.microsoft.com/office/powerpoint/2010/main" xmlns="" val="1597653524"/>
+        <p14:creationId xmlns="" xmlns:p14="http://schemas.microsoft.com/office/powerpoint/2010/main" val="1597653524"/>
       </p:ext>
     </p:extLst>
   </p:cSld>
@@ -1695,7 +1686,7 @@
     </p:spTree>
     <p:extLst>
       <p:ext uri="{BB962C8B-B14F-4D97-AF65-F5344CB8AC3E}">
-        <p14:creationId xmlns:p14="http://schemas.microsoft.com/office/powerpoint/2010/main" xmlns="" val="729632784"/>
+        <p14:creationId xmlns="" xmlns:p14="http://schemas.microsoft.com/office/powerpoint/2010/main" val="729632784"/>
       </p:ext>
     </p:extLst>
   </p:cSld>
@@ -1763,7 +1754,7 @@
     </p:spTree>
     <p:extLst>
       <p:ext uri="{BB962C8B-B14F-4D97-AF65-F5344CB8AC3E}">
-        <p14:creationId xmlns:p14="http://schemas.microsoft.com/office/powerpoint/2010/main" xmlns="" val="1056886810"/>
+        <p14:creationId xmlns="" xmlns:p14="http://schemas.microsoft.com/office/powerpoint/2010/main" val="1056886810"/>
       </p:ext>
     </p:extLst>
   </p:cSld>
@@ -1986,7 +1977,7 @@
     </p:spTree>
     <p:extLst>
       <p:ext uri="{BB962C8B-B14F-4D97-AF65-F5344CB8AC3E}">
-        <p14:creationId xmlns:p14="http://schemas.microsoft.com/office/powerpoint/2010/main" xmlns="" val="856040511"/>
+        <p14:creationId xmlns="" xmlns:p14="http://schemas.microsoft.com/office/powerpoint/2010/main" val="856040511"/>
       </p:ext>
     </p:extLst>
   </p:cSld>
@@ -2147,7 +2138,7 @@
     </p:spTree>
     <p:extLst>
       <p:ext uri="{BB962C8B-B14F-4D97-AF65-F5344CB8AC3E}">
-        <p14:creationId xmlns:p14="http://schemas.microsoft.com/office/powerpoint/2010/main" xmlns="" val="1491625700"/>
+        <p14:creationId xmlns="" xmlns:p14="http://schemas.microsoft.com/office/powerpoint/2010/main" val="1491625700"/>
       </p:ext>
     </p:extLst>
   </p:cSld>
@@ -2432,7 +2423,7 @@
     </p:spTree>
     <p:extLst>
       <p:ext uri="{BB962C8B-B14F-4D97-AF65-F5344CB8AC3E}">
-        <p14:creationId xmlns:p14="http://schemas.microsoft.com/office/powerpoint/2010/main" xmlns="" val="3368652214"/>
+        <p14:creationId xmlns="" xmlns:p14="http://schemas.microsoft.com/office/powerpoint/2010/main" val="3368652214"/>
       </p:ext>
     </p:extLst>
   </p:cSld>
@@ -3337,7 +3328,7 @@
     </p:spTree>
     <p:extLst>
       <p:ext uri="{BB962C8B-B14F-4D97-AF65-F5344CB8AC3E}">
-        <p14:creationId xmlns:p14="http://schemas.microsoft.com/office/powerpoint/2010/main" xmlns="" val="4143547553"/>
+        <p14:creationId xmlns="" xmlns:p14="http://schemas.microsoft.com/office/powerpoint/2010/main" val="4143547553"/>
       </p:ext>
     </p:extLst>
   </p:cSld>
@@ -3473,7 +3464,7 @@
     </p:spTree>
     <p:extLst>
       <p:ext uri="{BB962C8B-B14F-4D97-AF65-F5344CB8AC3E}">
-        <p14:creationId xmlns:p14="http://schemas.microsoft.com/office/powerpoint/2010/main" xmlns="" val="4027527166"/>
+        <p14:creationId xmlns="" xmlns:p14="http://schemas.microsoft.com/office/powerpoint/2010/main" val="4027527166"/>
       </p:ext>
     </p:extLst>
   </p:cSld>
@@ -3547,7 +3538,7 @@
     </p:spTree>
     <p:extLst>
       <p:ext uri="{BB962C8B-B14F-4D97-AF65-F5344CB8AC3E}">
-        <p14:creationId xmlns:p14="http://schemas.microsoft.com/office/powerpoint/2010/main" xmlns="" val="3304082058"/>
+        <p14:creationId xmlns="" xmlns:p14="http://schemas.microsoft.com/office/powerpoint/2010/main" val="3304082058"/>
       </p:ext>
     </p:extLst>
   </p:cSld>
@@ -3663,7 +3654,7 @@
     </p:spTree>
     <p:extLst>
       <p:ext uri="{BB962C8B-B14F-4D97-AF65-F5344CB8AC3E}">
-        <p14:creationId xmlns:p14="http://schemas.microsoft.com/office/powerpoint/2010/main" xmlns="" val="3081517712"/>
+        <p14:creationId xmlns="" xmlns:p14="http://schemas.microsoft.com/office/powerpoint/2010/main" val="3081517712"/>
       </p:ext>
     </p:extLst>
   </p:cSld>
@@ -3871,7 +3862,7 @@
     </p:spTree>
     <p:extLst>
       <p:ext uri="{BB962C8B-B14F-4D97-AF65-F5344CB8AC3E}">
-        <p14:creationId xmlns:p14="http://schemas.microsoft.com/office/powerpoint/2010/main" xmlns="" val="3142083048"/>
+        <p14:creationId xmlns="" xmlns:p14="http://schemas.microsoft.com/office/powerpoint/2010/main" val="3142083048"/>
       </p:ext>
     </p:extLst>
   </p:cSld>
@@ -5557,7 +5548,7 @@
             <a:blip r:embed="rId7">
               <a:extLst>
                 <a:ext uri="{28A0092B-C50C-407E-A947-70E740481C1C}">
-                  <a14:useLocalDpi xmlns:a14="http://schemas.microsoft.com/office/drawing/2010/main" xmlns="" val="0"/>
+                  <a14:useLocalDpi xmlns="" xmlns:a14="http://schemas.microsoft.com/office/drawing/2010/main" val="0"/>
                 </a:ext>
               </a:extLst>
             </a:blip>
@@ -5575,7 +5566,7 @@
             <a:noFill/>
             <a:extLst>
               <a:ext uri="{909E8E84-426E-40dd-AFC4-6F175D3DCCD1}">
-                <a14:hiddenFill xmlns="" xmlns:a14="http://schemas.microsoft.com/office/drawing/2010/main">
+                <a14:hiddenFill xmlns:a14="http://schemas.microsoft.com/office/drawing/2010/main" xmlns="">
                   <a:solidFill>
                     <a:srgbClr val="FFFFFF"/>
                   </a:solidFill>
@@ -5596,7 +5587,7 @@
             <a:blip r:embed="rId8" cstate="print">
               <a:extLst>
                 <a:ext uri="{28A0092B-C50C-407E-A947-70E740481C1C}">
-                  <a14:useLocalDpi xmlns:a14="http://schemas.microsoft.com/office/drawing/2010/main" xmlns="" val="0"/>
+                  <a14:useLocalDpi xmlns="" xmlns:a14="http://schemas.microsoft.com/office/drawing/2010/main" val="0"/>
                 </a:ext>
               </a:extLst>
             </a:blip>
@@ -5616,7 +5607,7 @@
             <a:noFill/>
             <a:extLst>
               <a:ext uri="{909E8E84-426E-40dd-AFC4-6F175D3DCCD1}">
-                <a14:hiddenFill xmlns="" xmlns:a14="http://schemas.microsoft.com/office/drawing/2010/main">
+                <a14:hiddenFill xmlns:a14="http://schemas.microsoft.com/office/drawing/2010/main" xmlns="">
                   <a:solidFill>
                     <a:srgbClr val="FFFFFF"/>
                   </a:solidFill>
@@ -5687,7 +5678,7 @@
             <a:blip r:embed="rId9" cstate="print">
               <a:extLst>
                 <a:ext uri="{28A0092B-C50C-407E-A947-70E740481C1C}">
-                  <a14:useLocalDpi xmlns:a14="http://schemas.microsoft.com/office/drawing/2010/main" xmlns="" val="0"/>
+                  <a14:useLocalDpi xmlns="" xmlns:a14="http://schemas.microsoft.com/office/drawing/2010/main" val="0"/>
                 </a:ext>
               </a:extLst>
             </a:blip>
@@ -5705,7 +5696,7 @@
             <a:noFill/>
             <a:extLst>
               <a:ext uri="{909E8E84-426E-40dd-AFC4-6F175D3DCCD1}">
-                <a14:hiddenFill xmlns="" xmlns:a14="http://schemas.microsoft.com/office/drawing/2010/main">
+                <a14:hiddenFill xmlns:a14="http://schemas.microsoft.com/office/drawing/2010/main" xmlns="">
                   <a:solidFill>
                     <a:srgbClr val="FFFFFF"/>
                   </a:solidFill>
@@ -5766,7 +5757,7 @@
     </p:spTree>
     <p:extLst>
       <p:ext uri="{BB962C8B-B14F-4D97-AF65-F5344CB8AC3E}">
-        <p14:creationId xmlns:p14="http://schemas.microsoft.com/office/powerpoint/2010/main" xmlns="" val="547571833"/>
+        <p14:creationId xmlns="" xmlns:p14="http://schemas.microsoft.com/office/powerpoint/2010/main" val="547571833"/>
       </p:ext>
     </p:extLst>
   </p:cSld>
@@ -7667,7 +7658,7 @@
     </p:spTree>
     <p:extLst>
       <p:ext uri="{BB962C8B-B14F-4D97-AF65-F5344CB8AC3E}">
-        <p14:creationId xmlns:p14="http://schemas.microsoft.com/office/powerpoint/2010/main" xmlns="" val="2357226408"/>
+        <p14:creationId xmlns="" xmlns:p14="http://schemas.microsoft.com/office/powerpoint/2010/main" val="2357226408"/>
       </p:ext>
     </p:extLst>
   </p:cSld>
@@ -8016,7 +8007,7 @@
             <a:blip r:embed="rId6">
               <a:extLst>
                 <a:ext uri="{28A0092B-C50C-407E-A947-70E740481C1C}">
-                  <a14:useLocalDpi xmlns:a14="http://schemas.microsoft.com/office/drawing/2010/main" xmlns="" val="0"/>
+                  <a14:useLocalDpi xmlns="" xmlns:a14="http://schemas.microsoft.com/office/drawing/2010/main" val="0"/>
                 </a:ext>
               </a:extLst>
             </a:blip>
@@ -8034,7 +8025,7 @@
             <a:noFill/>
             <a:extLst>
               <a:ext uri="{909E8E84-426E-40dd-AFC4-6F175D3DCCD1}">
-                <a14:hiddenFill xmlns="" xmlns:a14="http://schemas.microsoft.com/office/drawing/2010/main">
+                <a14:hiddenFill xmlns:a14="http://schemas.microsoft.com/office/drawing/2010/main" xmlns="">
                   <a:solidFill>
                     <a:srgbClr val="FFFFFF"/>
                   </a:solidFill>
@@ -8055,7 +8046,7 @@
             <a:blip r:embed="rId7" cstate="print">
               <a:extLst>
                 <a:ext uri="{28A0092B-C50C-407E-A947-70E740481C1C}">
-                  <a14:useLocalDpi xmlns:a14="http://schemas.microsoft.com/office/drawing/2010/main" xmlns="" val="0"/>
+                  <a14:useLocalDpi xmlns="" xmlns:a14="http://schemas.microsoft.com/office/drawing/2010/main" val="0"/>
                 </a:ext>
               </a:extLst>
             </a:blip>
@@ -8075,7 +8066,7 @@
             <a:noFill/>
             <a:extLst>
               <a:ext uri="{909E8E84-426E-40dd-AFC4-6F175D3DCCD1}">
-                <a14:hiddenFill xmlns="" xmlns:a14="http://schemas.microsoft.com/office/drawing/2010/main">
+                <a14:hiddenFill xmlns:a14="http://schemas.microsoft.com/office/drawing/2010/main" xmlns="">
                   <a:solidFill>
                     <a:srgbClr val="FFFFFF"/>
                   </a:solidFill>
@@ -8146,7 +8137,7 @@
             <a:blip r:embed="rId8" cstate="print">
               <a:extLst>
                 <a:ext uri="{28A0092B-C50C-407E-A947-70E740481C1C}">
-                  <a14:useLocalDpi xmlns:a14="http://schemas.microsoft.com/office/drawing/2010/main" xmlns="" val="0"/>
+                  <a14:useLocalDpi xmlns="" xmlns:a14="http://schemas.microsoft.com/office/drawing/2010/main" val="0"/>
                 </a:ext>
               </a:extLst>
             </a:blip>
@@ -8164,7 +8155,7 @@
             <a:noFill/>
             <a:extLst>
               <a:ext uri="{909E8E84-426E-40dd-AFC4-6F175D3DCCD1}">
-                <a14:hiddenFill xmlns="" xmlns:a14="http://schemas.microsoft.com/office/drawing/2010/main">
+                <a14:hiddenFill xmlns:a14="http://schemas.microsoft.com/office/drawing/2010/main" xmlns="">
                   <a:solidFill>
                     <a:srgbClr val="FFFFFF"/>
                   </a:solidFill>
@@ -9026,7 +9017,7 @@
     </p:spTree>
     <p:extLst>
       <p:ext uri="{BB962C8B-B14F-4D97-AF65-F5344CB8AC3E}">
-        <p14:creationId xmlns:p14="http://schemas.microsoft.com/office/powerpoint/2010/main" xmlns="" val="168395928"/>
+        <p14:creationId xmlns="" xmlns:p14="http://schemas.microsoft.com/office/powerpoint/2010/main" val="168395928"/>
       </p:ext>
     </p:extLst>
   </p:cSld>
@@ -9424,7 +9415,7 @@
     </p:spTree>
     <p:extLst>
       <p:ext uri="{BB962C8B-B14F-4D97-AF65-F5344CB8AC3E}">
-        <p14:creationId xmlns:p14="http://schemas.microsoft.com/office/powerpoint/2010/main" xmlns="" val="3707583858"/>
+        <p14:creationId xmlns="" xmlns:p14="http://schemas.microsoft.com/office/powerpoint/2010/main" val="3707583858"/>
       </p:ext>
     </p:extLst>
   </p:cSld>
@@ -9759,10 +9750,18 @@
           <a:lstStyle/>
           <a:p>
             <a:r>
-              <a:rPr lang="en-US" dirty="0" smtClean="0"/>
-              <a:t>A parallel multi-start local search for the traveling salesman problem</a:t>
+              <a:rPr lang="fr-FR" dirty="0" smtClean="0"/>
+              <a:t>Un algorithme de recherche locale </a:t>
             </a:r>
-            <a:endParaRPr lang="en-US" dirty="0"/>
+            <a:r>
+              <a:rPr lang="fr-FR" dirty="0" err="1" smtClean="0"/>
+              <a:t>multi-thread</a:t>
+            </a:r>
+            <a:r>
+              <a:rPr lang="fr-FR" dirty="0" smtClean="0"/>
+              <a:t> pour le problème du voyageur de commerce.</a:t>
+            </a:r>
+            <a:endParaRPr lang="fr-FR" dirty="0"/>
           </a:p>
         </p:txBody>
       </p:sp>
@@ -9792,7 +9791,7 @@
     </p:spTree>
     <p:extLst>
       <p:ext uri="{BB962C8B-B14F-4D97-AF65-F5344CB8AC3E}">
-        <p14:creationId xmlns:p14="http://schemas.microsoft.com/office/powerpoint/2010/main" xmlns="" val="98231638"/>
+        <p14:creationId xmlns="" xmlns:p14="http://schemas.microsoft.com/office/powerpoint/2010/main" val="98231638"/>
       </p:ext>
     </p:extLst>
   </p:cSld>
@@ -9841,11 +9840,56 @@
           <a:bodyPr/>
           <a:lstStyle/>
           <a:p>
+            <a:pPr>
+              <a:buNone/>
+            </a:pPr>
             <a:r>
               <a:rPr lang="en-US" dirty="0" smtClean="0"/>
-              <a:t>Explain the traveling salesman problem with your own words/figures/ideas</a:t>
+              <a:t>		Le </a:t>
             </a:r>
-            <a:endParaRPr lang="en-US" dirty="0"/>
+            <a:r>
+              <a:rPr lang="fr-FR" dirty="0" smtClean="0"/>
+              <a:t>problème</a:t>
+            </a:r>
+            <a:r>
+              <a:rPr lang="en-US" dirty="0" smtClean="0"/>
+              <a:t> du voyageur de </a:t>
+            </a:r>
+            <a:r>
+              <a:rPr lang="fr-FR" dirty="0" smtClean="0"/>
+              <a:t>commerce est un problème d’optimisation. On relie n villes tel que toutes les villes soient reliées à deux villes et qu’on ne passe qu’une fois par chaque ville.</a:t>
+            </a:r>
+          </a:p>
+          <a:p>
+            <a:pPr>
+              <a:buNone/>
+            </a:pPr>
+            <a:r>
+              <a:rPr lang="fr-FR" dirty="0" smtClean="0"/>
+              <a:t>	</a:t>
+            </a:r>
+            <a:r>
+              <a:rPr lang="fr-FR" dirty="0" smtClean="0"/>
+              <a:t>	La fonction objectif est la distance totale du trajet créé en reliant les villes. On essaie ici de minimiser cette distance.</a:t>
+            </a:r>
+          </a:p>
+          <a:p>
+            <a:pPr>
+              <a:buNone/>
+            </a:pPr>
+            <a:r>
+              <a:rPr lang="fr-FR" dirty="0" smtClean="0"/>
+              <a:t>		La </a:t>
+            </a:r>
+            <a:r>
+              <a:rPr lang="fr-FR" dirty="0" err="1" smtClean="0"/>
+              <a:t>métaheuristique</a:t>
+            </a:r>
+            <a:r>
+              <a:rPr lang="fr-FR" dirty="0" smtClean="0"/>
+              <a:t> utilisée est la recherche locale.</a:t>
+            </a:r>
+            <a:endParaRPr lang="fr-FR" dirty="0" smtClean="0"/>
           </a:p>
         </p:txBody>
       </p:sp>
@@ -9871,7 +9915,15 @@
           <a:p>
             <a:r>
               <a:rPr lang="en-US" dirty="0" smtClean="0"/>
-              <a:t>The problem (1 slide)</a:t>
+              <a:t>Le </a:t>
+            </a:r>
+            <a:r>
+              <a:rPr lang="fr-FR" dirty="0" smtClean="0"/>
+              <a:t>problème</a:t>
+            </a:r>
+            <a:r>
+              <a:rPr lang="en-US" dirty="0" smtClean="0"/>
+              <a:t> du voyageur de commerce</a:t>
             </a:r>
             <a:endParaRPr lang="en-US" dirty="0"/>
           </a:p>
@@ -9880,7 +9932,7 @@
     </p:spTree>
     <p:extLst>
       <p:ext uri="{BB962C8B-B14F-4D97-AF65-F5344CB8AC3E}">
-        <p14:creationId xmlns:p14="http://schemas.microsoft.com/office/powerpoint/2010/main" xmlns="" val="3773551245"/>
+        <p14:creationId xmlns="" xmlns:p14="http://schemas.microsoft.com/office/powerpoint/2010/main" val="3773551245"/>
       </p:ext>
     </p:extLst>
   </p:cSld>
@@ -9986,7 +10038,7 @@
     </p:spTree>
     <p:extLst>
       <p:ext uri="{BB962C8B-B14F-4D97-AF65-F5344CB8AC3E}">
-        <p14:creationId xmlns:p14="http://schemas.microsoft.com/office/powerpoint/2010/main" xmlns="" val="565318803"/>
+        <p14:creationId xmlns="" xmlns:p14="http://schemas.microsoft.com/office/powerpoint/2010/main" val="565318803"/>
       </p:ext>
     </p:extLst>
   </p:cSld>
@@ -10068,7 +10120,7 @@
     </p:spTree>
     <p:extLst>
       <p:ext uri="{BB962C8B-B14F-4D97-AF65-F5344CB8AC3E}">
-        <p14:creationId xmlns:p14="http://schemas.microsoft.com/office/powerpoint/2010/main" xmlns="" val="2014737294"/>
+        <p14:creationId xmlns="" xmlns:p14="http://schemas.microsoft.com/office/powerpoint/2010/main" val="2014737294"/>
       </p:ext>
     </p:extLst>
   </p:cSld>
@@ -10168,7 +10220,7 @@
     </p:spTree>
     <p:extLst>
       <p:ext uri="{BB962C8B-B14F-4D97-AF65-F5344CB8AC3E}">
-        <p14:creationId xmlns:p14="http://schemas.microsoft.com/office/powerpoint/2010/main" xmlns="" val="493409273"/>
+        <p14:creationId xmlns="" xmlns:p14="http://schemas.microsoft.com/office/powerpoint/2010/main" val="493409273"/>
       </p:ext>
     </p:extLst>
   </p:cSld>
@@ -10234,7 +10286,7 @@
           <p:nvPr>
             <p:extLst>
               <p:ext uri="{D42A27DB-BD31-4B8C-83A1-F6EECF244321}">
-                <p14:modId xmlns:p14="http://schemas.microsoft.com/office/powerpoint/2010/main" xmlns="" val="1785705513"/>
+                <p14:modId xmlns="" xmlns:p14="http://schemas.microsoft.com/office/powerpoint/2010/main" val="1785705513"/>
               </p:ext>
             </p:extLst>
           </p:nvPr>
@@ -10534,7 +10586,7 @@
         </a:graphic>
       </p:graphicFrame>
       <mc:AlternateContent xmlns:mc="http://schemas.openxmlformats.org/markup-compatibility/2006">
-        <mc:Choice xmlns:a14="http://schemas.microsoft.com/office/drawing/2010/main" xmlns="" Requires="a14">
+        <mc:Choice xmlns="" xmlns:a14="http://schemas.microsoft.com/office/drawing/2010/main" Requires="a14">
           <p:sp>
             <p:nvSpPr>
               <p:cNvPr id="7" name="TextBox 6"/>
@@ -10805,7 +10857,7 @@
     </p:spTree>
     <p:extLst>
       <p:ext uri="{BB962C8B-B14F-4D97-AF65-F5344CB8AC3E}">
-        <p14:creationId xmlns:p14="http://schemas.microsoft.com/office/powerpoint/2010/main" xmlns="" val="2033306419"/>
+        <p14:creationId xmlns="" xmlns:p14="http://schemas.microsoft.com/office/powerpoint/2010/main" val="2033306419"/>
       </p:ext>
     </p:extLst>
   </p:cSld>
@@ -10924,7 +10976,7 @@
           <p:nvPr>
             <p:extLst>
               <p:ext uri="{D42A27DB-BD31-4B8C-83A1-F6EECF244321}">
-                <p14:modId xmlns:p14="http://schemas.microsoft.com/office/powerpoint/2010/main" xmlns="" val="1882126371"/>
+                <p14:modId xmlns="" xmlns:p14="http://schemas.microsoft.com/office/powerpoint/2010/main" val="1882126371"/>
               </p:ext>
             </p:extLst>
           </p:nvPr>
@@ -10942,7 +10994,7 @@
     </p:spTree>
     <p:extLst>
       <p:ext uri="{BB962C8B-B14F-4D97-AF65-F5344CB8AC3E}">
-        <p14:creationId xmlns:p14="http://schemas.microsoft.com/office/powerpoint/2010/main" xmlns="" val="44227942"/>
+        <p14:creationId xmlns="" xmlns:p14="http://schemas.microsoft.com/office/powerpoint/2010/main" val="44227942"/>
       </p:ext>
     </p:extLst>
   </p:cSld>
@@ -11036,7 +11088,7 @@
     </p:spTree>
     <p:extLst>
       <p:ext uri="{BB962C8B-B14F-4D97-AF65-F5344CB8AC3E}">
-        <p14:creationId xmlns:p14="http://schemas.microsoft.com/office/powerpoint/2010/main" xmlns="" val="894479036"/>
+        <p14:creationId xmlns="" xmlns:p14="http://schemas.microsoft.com/office/powerpoint/2010/main" val="894479036"/>
       </p:ext>
     </p:extLst>
   </p:cSld>

--- a/presentation.pptx
+++ b/presentation.pptx
@@ -9889,6 +9889,19 @@
               <a:rPr lang="fr-FR" dirty="0" smtClean="0"/>
               <a:t> utilisée est la recherche locale.</a:t>
             </a:r>
+          </a:p>
+          <a:p>
+            <a:pPr>
+              <a:buNone/>
+            </a:pPr>
+            <a:r>
+              <a:rPr lang="fr-FR" dirty="0" smtClean="0"/>
+              <a:t>	</a:t>
+            </a:r>
+            <a:r>
+              <a:rPr lang="fr-FR" dirty="0" smtClean="0"/>
+              <a:t>	L’opérateur de voisinage utilisé est « relocalisation ».</a:t>
+            </a:r>
             <a:endParaRPr lang="fr-FR" dirty="0" smtClean="0"/>
           </a:p>
         </p:txBody>
@@ -9982,33 +9995,79 @@
           <a:lstStyle/>
           <a:p>
             <a:r>
-              <a:rPr lang="en-US" dirty="0" smtClean="0"/>
-              <a:t>How did you decompose the problem (what decomposition technique)?</a:t>
+              <a:rPr lang="fr-FR" dirty="0" smtClean="0"/>
+              <a:t>Nous avons décomposé le problème en plusieurs tâches. Une première tâche consiste à générer une solution aléatoirement. Cette solution est ensuite utilisée pour les autres tâches. Chaque tâche fait toutes les relocations pour une ville donnée et renvoie la meilleur solution </a:t>
+            </a:r>
+            <a:r>
+              <a:rPr lang="fr-FR" smtClean="0"/>
+              <a:t>trouvée.</a:t>
+            </a:r>
+            <a:endParaRPr lang="fr-FR" dirty="0" smtClean="0"/>
+          </a:p>
+          <a:p>
+            <a:r>
+              <a:rPr lang="fr-FR" dirty="0" smtClean="0"/>
+              <a:t>Show the </a:t>
+            </a:r>
+            <a:r>
+              <a:rPr lang="fr-FR" dirty="0" err="1" smtClean="0"/>
+              <a:t>task</a:t>
+            </a:r>
+            <a:r>
+              <a:rPr lang="fr-FR" dirty="0" smtClean="0"/>
+              <a:t> interaction graph</a:t>
             </a:r>
           </a:p>
           <a:p>
             <a:r>
-              <a:rPr lang="en-US" dirty="0" smtClean="0"/>
-              <a:t>Show the exact definition of the tasks in your design</a:t>
+              <a:rPr lang="fr-FR" dirty="0" err="1" smtClean="0"/>
+              <a:t>What</a:t>
             </a:r>
-          </a:p>
-          <a:p>
             <a:r>
-              <a:rPr lang="en-US" dirty="0" smtClean="0"/>
-              <a:t>Show the task dependency graph</a:t>
+              <a:rPr lang="fr-FR" dirty="0" smtClean="0"/>
+              <a:t> </a:t>
             </a:r>
-          </a:p>
-          <a:p>
             <a:r>
-              <a:rPr lang="en-US" dirty="0" smtClean="0"/>
-              <a:t>Show the task interaction graph</a:t>
+              <a:rPr lang="fr-FR" dirty="0" err="1" smtClean="0"/>
+              <a:t>is</a:t>
             </a:r>
-          </a:p>
-          <a:p>
             <a:r>
-              <a:rPr lang="en-US" dirty="0" smtClean="0"/>
-              <a:t>What is the maximum degree of concurrency in your decomposition?</a:t>
+              <a:rPr lang="fr-FR" dirty="0" smtClean="0"/>
+              <a:t> the maximum </a:t>
             </a:r>
+            <a:r>
+              <a:rPr lang="fr-FR" dirty="0" err="1" smtClean="0"/>
+              <a:t>degree</a:t>
+            </a:r>
+            <a:r>
+              <a:rPr lang="fr-FR" dirty="0" smtClean="0"/>
+              <a:t> of </a:t>
+            </a:r>
+            <a:r>
+              <a:rPr lang="fr-FR" dirty="0" err="1" smtClean="0"/>
+              <a:t>concurrency</a:t>
+            </a:r>
+            <a:r>
+              <a:rPr lang="fr-FR" dirty="0" smtClean="0"/>
+              <a:t> in </a:t>
+            </a:r>
+            <a:r>
+              <a:rPr lang="fr-FR" dirty="0" err="1" smtClean="0"/>
+              <a:t>your</a:t>
+            </a:r>
+            <a:r>
+              <a:rPr lang="fr-FR" dirty="0" smtClean="0"/>
+              <a:t> </a:t>
+            </a:r>
+            <a:r>
+              <a:rPr lang="fr-FR" dirty="0" err="1" smtClean="0"/>
+              <a:t>decomposition</a:t>
+            </a:r>
+            <a:r>
+              <a:rPr lang="fr-FR" dirty="0" smtClean="0"/>
+              <a:t>?</a:t>
+            </a:r>
+            <a:endParaRPr lang="fr-FR" dirty="0" smtClean="0"/>
           </a:p>
         </p:txBody>
       </p:sp>

--- a/presentation.pptx
+++ b/presentation.pptx
@@ -119,7 +119,7 @@
   </p:defaultTextStyle>
   <p:extLst>
     <p:ext uri="{EFAFB233-063F-42B5-8137-9DF3F51BA10A}">
-      <p15:sldGuideLst xmlns="" xmlns:p15="http://schemas.microsoft.com/office/powerpoint/2012/main">
+      <p15:sldGuideLst xmlns:p15="http://schemas.microsoft.com/office/powerpoint/2012/main">
         <p15:guide id="1" orient="horz" pos="2160">
           <p15:clr>
             <a:srgbClr val="A4A3A4"/>
@@ -133,7 +133,7 @@
       </p15:sldGuideLst>
     </p:ext>
     <p:ext uri="{2D200454-40CA-4A62-9FC3-DE9A4176ACB9}">
-      <p15:notesGuideLst xmlns="" xmlns:p15="http://schemas.microsoft.com/office/powerpoint/2012/main">
+      <p15:notesGuideLst xmlns:p15="http://schemas.microsoft.com/office/powerpoint/2012/main">
         <p15:guide id="1" orient="horz" pos="2880">
           <p15:clr>
             <a:srgbClr val="A4A3A4"/>
@@ -151,8 +151,18 @@
 </file>
 
 <file path=ppt/charts/chart1.xml><?xml version="1.0" encoding="utf-8"?>
-<c:chartSpace xmlns:c="http://schemas.openxmlformats.org/drawingml/2006/chart" xmlns:a="http://schemas.openxmlformats.org/drawingml/2006/main" xmlns:r="http://schemas.openxmlformats.org/officeDocument/2006/relationships">
+<c:chartSpace xmlns:c="http://schemas.openxmlformats.org/drawingml/2006/chart" xmlns:a="http://schemas.openxmlformats.org/drawingml/2006/main" xmlns:r="http://schemas.openxmlformats.org/officeDocument/2006/relationships" xmlns:c16r2="http://schemas.microsoft.com/office/drawing/2015/06/chart">
+  <c:date1904 val="0"/>
   <c:lang val="fr-FR"/>
+  <c:roundedCorners val="0"/>
+  <mc:AlternateContent xmlns:mc="http://schemas.openxmlformats.org/markup-compatibility/2006">
+    <mc:Choice xmlns:c14="http://schemas.microsoft.com/office/drawing/2007/8/2/chart" Requires="c14">
+      <c14:style val="102"/>
+    </mc:Choice>
+    <mc:Fallback>
+      <c:style val="2"/>
+    </mc:Fallback>
+  </mc:AlternateContent>
   <c:chart>
     <c:title>
       <c:tx>
@@ -189,7 +199,7 @@
           </a:p>
         </c:rich>
       </c:tx>
-      <c:layout/>
+      <c:overlay val="0"/>
       <c:spPr>
         <a:noFill/>
         <a:ln>
@@ -197,11 +207,33 @@
         </a:ln>
         <a:effectLst/>
       </c:spPr>
+      <c:txPr>
+        <a:bodyPr rot="0" spcFirstLastPara="1" vertOverflow="ellipsis" vert="horz" wrap="square" anchor="ctr" anchorCtr="1"/>
+        <a:lstStyle/>
+        <a:p>
+          <a:pPr>
+            <a:defRPr lang="en-US" sz="1400" b="0" i="0" u="none" strike="noStrike" kern="1200" spc="0" baseline="0">
+              <a:solidFill>
+                <a:schemeClr val="tx1">
+                  <a:lumMod val="65000"/>
+                  <a:lumOff val="35000"/>
+                </a:schemeClr>
+              </a:solidFill>
+              <a:latin typeface="+mn-lt"/>
+              <a:ea typeface="+mn-ea"/>
+              <a:cs typeface="+mn-cs"/>
+            </a:defRPr>
+          </a:pPr>
+          <a:endParaRPr lang="fr-FR"/>
+        </a:p>
+      </c:txPr>
     </c:title>
+    <c:autoTitleDeleted val="0"/>
     <c:plotArea>
       <c:layout/>
       <c:lineChart>
         <c:grouping val="standard"/>
+        <c:varyColors val="0"/>
         <c:ser>
           <c:idx val="1"/>
           <c:order val="0"/>
@@ -268,8 +300,22 @@
               </c:numCache>
             </c:numRef>
           </c:val>
+          <c:smooth val="0"/>
+          <c:extLst>
+            <c:ext xmlns:c16="http://schemas.microsoft.com/office/drawing/2014/chart" uri="{C3380CC4-5D6E-409C-BE32-E72D297353CC}">
+              <c16:uniqueId val="{00000000-EF17-4B01-8E48-F15C6C6E8E5B}"/>
+            </c:ext>
+          </c:extLst>
         </c:ser>
-        <c:marker val="1"/>
+        <c:dLbls>
+          <c:showLegendKey val="0"/>
+          <c:showVal val="0"/>
+          <c:showCatName val="0"/>
+          <c:showSerName val="0"/>
+          <c:showPercent val="0"/>
+          <c:showBubbleSize val="0"/>
+        </c:dLbls>
+        <c:smooth val="0"/>
         <c:axId val="176681344"/>
         <c:axId val="176683648"/>
       </c:lineChart>
@@ -278,9 +324,11 @@
         <c:scaling>
           <c:orientation val="minMax"/>
         </c:scaling>
+        <c:delete val="0"/>
         <c:axPos val="b"/>
         <c:numFmt formatCode="General" sourceLinked="1"/>
         <c:majorTickMark val="none"/>
+        <c:minorTickMark val="none"/>
         <c:tickLblPos val="nextTo"/>
         <c:spPr>
           <a:noFill/>
@@ -320,12 +368,14 @@
         <c:auto val="1"/>
         <c:lblAlgn val="ctr"/>
         <c:lblOffset val="100"/>
+        <c:noMultiLvlLbl val="0"/>
       </c:catAx>
       <c:valAx>
         <c:axId val="176683648"/>
         <c:scaling>
           <c:orientation val="minMax"/>
         </c:scaling>
+        <c:delete val="0"/>
         <c:axPos val="l"/>
         <c:majorGridlines>
           <c:spPr>
@@ -343,6 +393,7 @@
         </c:majorGridlines>
         <c:numFmt formatCode="#,##0.00" sourceLinked="0"/>
         <c:majorTickMark val="none"/>
+        <c:minorTickMark val="none"/>
         <c:tickLblPos val="nextTo"/>
         <c:spPr>
           <a:noFill/>
@@ -385,7 +436,7 @@
     </c:plotArea>
     <c:legend>
       <c:legendPos val="b"/>
-      <c:layout/>
+      <c:overlay val="0"/>
       <c:spPr>
         <a:noFill/>
         <a:ln>
@@ -416,6 +467,7 @@
     </c:legend>
     <c:plotVisOnly val="1"/>
     <c:dispBlanksAs val="gap"/>
+    <c:showDLblsOverMax val="0"/>
   </c:chart>
   <c:spPr>
     <a:noFill/>
@@ -434,7 +486,9 @@
       <a:endParaRPr lang="fr-FR"/>
     </a:p>
   </c:txPr>
-  <c:externalData r:id="rId1"/>
+  <c:externalData r:id="rId3">
+    <c:autoUpdate val="0"/>
+  </c:externalData>
 </c:chartSpace>
 </file>
 
@@ -1077,7 +1131,7 @@
             <a:fld id="{C844735A-6EBE-4F02-86E9-F605F9C2786C}" type="datetimeFigureOut">
               <a:rPr lang="fr-FR" smtClean="0"/>
               <a:pPr/>
-              <a:t>26/03/2018</a:t>
+              <a:t>13/04/2018</a:t>
             </a:fld>
             <a:endParaRPr lang="fr-FR"/>
           </a:p>
@@ -1246,7 +1300,7 @@
     </p:spTree>
     <p:extLst>
       <p:ext uri="{BB962C8B-B14F-4D97-AF65-F5344CB8AC3E}">
-        <p14:creationId xmlns="" xmlns:p14="http://schemas.microsoft.com/office/powerpoint/2010/main" val="2479878953"/>
+        <p14:creationId xmlns:p14="http://schemas.microsoft.com/office/powerpoint/2010/main" val="2479878953"/>
       </p:ext>
     </p:extLst>
   </p:cSld>
@@ -1490,7 +1544,7 @@
     </p:spTree>
     <p:extLst>
       <p:ext uri="{BB962C8B-B14F-4D97-AF65-F5344CB8AC3E}">
-        <p14:creationId xmlns="" xmlns:p14="http://schemas.microsoft.com/office/powerpoint/2010/main" val="1597653524"/>
+        <p14:creationId xmlns:p14="http://schemas.microsoft.com/office/powerpoint/2010/main" val="1597653524"/>
       </p:ext>
     </p:extLst>
   </p:cSld>
@@ -1686,7 +1740,7 @@
     </p:spTree>
     <p:extLst>
       <p:ext uri="{BB962C8B-B14F-4D97-AF65-F5344CB8AC3E}">
-        <p14:creationId xmlns="" xmlns:p14="http://schemas.microsoft.com/office/powerpoint/2010/main" val="729632784"/>
+        <p14:creationId xmlns:p14="http://schemas.microsoft.com/office/powerpoint/2010/main" val="729632784"/>
       </p:ext>
     </p:extLst>
   </p:cSld>
@@ -1754,7 +1808,7 @@
     </p:spTree>
     <p:extLst>
       <p:ext uri="{BB962C8B-B14F-4D97-AF65-F5344CB8AC3E}">
-        <p14:creationId xmlns="" xmlns:p14="http://schemas.microsoft.com/office/powerpoint/2010/main" val="1056886810"/>
+        <p14:creationId xmlns:p14="http://schemas.microsoft.com/office/powerpoint/2010/main" val="1056886810"/>
       </p:ext>
     </p:extLst>
   </p:cSld>
@@ -1977,7 +2031,7 @@
     </p:spTree>
     <p:extLst>
       <p:ext uri="{BB962C8B-B14F-4D97-AF65-F5344CB8AC3E}">
-        <p14:creationId xmlns="" xmlns:p14="http://schemas.microsoft.com/office/powerpoint/2010/main" val="856040511"/>
+        <p14:creationId xmlns:p14="http://schemas.microsoft.com/office/powerpoint/2010/main" val="856040511"/>
       </p:ext>
     </p:extLst>
   </p:cSld>
@@ -2138,7 +2192,7 @@
     </p:spTree>
     <p:extLst>
       <p:ext uri="{BB962C8B-B14F-4D97-AF65-F5344CB8AC3E}">
-        <p14:creationId xmlns="" xmlns:p14="http://schemas.microsoft.com/office/powerpoint/2010/main" val="1491625700"/>
+        <p14:creationId xmlns:p14="http://schemas.microsoft.com/office/powerpoint/2010/main" val="1491625700"/>
       </p:ext>
     </p:extLst>
   </p:cSld>
@@ -2423,7 +2477,7 @@
     </p:spTree>
     <p:extLst>
       <p:ext uri="{BB962C8B-B14F-4D97-AF65-F5344CB8AC3E}">
-        <p14:creationId xmlns="" xmlns:p14="http://schemas.microsoft.com/office/powerpoint/2010/main" val="3368652214"/>
+        <p14:creationId xmlns:p14="http://schemas.microsoft.com/office/powerpoint/2010/main" val="3368652214"/>
       </p:ext>
     </p:extLst>
   </p:cSld>
@@ -3328,7 +3382,7 @@
     </p:spTree>
     <p:extLst>
       <p:ext uri="{BB962C8B-B14F-4D97-AF65-F5344CB8AC3E}">
-        <p14:creationId xmlns="" xmlns:p14="http://schemas.microsoft.com/office/powerpoint/2010/main" val="4143547553"/>
+        <p14:creationId xmlns:p14="http://schemas.microsoft.com/office/powerpoint/2010/main" val="4143547553"/>
       </p:ext>
     </p:extLst>
   </p:cSld>
@@ -3464,7 +3518,7 @@
     </p:spTree>
     <p:extLst>
       <p:ext uri="{BB962C8B-B14F-4D97-AF65-F5344CB8AC3E}">
-        <p14:creationId xmlns="" xmlns:p14="http://schemas.microsoft.com/office/powerpoint/2010/main" val="4027527166"/>
+        <p14:creationId xmlns:p14="http://schemas.microsoft.com/office/powerpoint/2010/main" val="4027527166"/>
       </p:ext>
     </p:extLst>
   </p:cSld>
@@ -3538,7 +3592,7 @@
     </p:spTree>
     <p:extLst>
       <p:ext uri="{BB962C8B-B14F-4D97-AF65-F5344CB8AC3E}">
-        <p14:creationId xmlns="" xmlns:p14="http://schemas.microsoft.com/office/powerpoint/2010/main" val="3304082058"/>
+        <p14:creationId xmlns:p14="http://schemas.microsoft.com/office/powerpoint/2010/main" val="3304082058"/>
       </p:ext>
     </p:extLst>
   </p:cSld>
@@ -3654,7 +3708,7 @@
     </p:spTree>
     <p:extLst>
       <p:ext uri="{BB962C8B-B14F-4D97-AF65-F5344CB8AC3E}">
-        <p14:creationId xmlns="" xmlns:p14="http://schemas.microsoft.com/office/powerpoint/2010/main" val="3081517712"/>
+        <p14:creationId xmlns:p14="http://schemas.microsoft.com/office/powerpoint/2010/main" val="3081517712"/>
       </p:ext>
     </p:extLst>
   </p:cSld>
@@ -3862,7 +3916,7 @@
     </p:spTree>
     <p:extLst>
       <p:ext uri="{BB962C8B-B14F-4D97-AF65-F5344CB8AC3E}">
-        <p14:creationId xmlns="" xmlns:p14="http://schemas.microsoft.com/office/powerpoint/2010/main" val="3142083048"/>
+        <p14:creationId xmlns:p14="http://schemas.microsoft.com/office/powerpoint/2010/main" val="3142083048"/>
       </p:ext>
     </p:extLst>
   </p:cSld>
@@ -5548,7 +5602,7 @@
             <a:blip r:embed="rId7">
               <a:extLst>
                 <a:ext uri="{28A0092B-C50C-407E-A947-70E740481C1C}">
-                  <a14:useLocalDpi xmlns="" xmlns:a14="http://schemas.microsoft.com/office/drawing/2010/main" val="0"/>
+                  <a14:useLocalDpi xmlns:a14="http://schemas.microsoft.com/office/drawing/2010/main" val="0"/>
                 </a:ext>
               </a:extLst>
             </a:blip>
@@ -5566,7 +5620,7 @@
             <a:noFill/>
             <a:extLst>
               <a:ext uri="{909E8E84-426E-40dd-AFC4-6F175D3DCCD1}">
-                <a14:hiddenFill xmlns:a14="http://schemas.microsoft.com/office/drawing/2010/main" xmlns="">
+                <a14:hiddenFill xmlns="" xmlns:a14="http://schemas.microsoft.com/office/drawing/2010/main">
                   <a:solidFill>
                     <a:srgbClr val="FFFFFF"/>
                   </a:solidFill>
@@ -5587,7 +5641,7 @@
             <a:blip r:embed="rId8" cstate="print">
               <a:extLst>
                 <a:ext uri="{28A0092B-C50C-407E-A947-70E740481C1C}">
-                  <a14:useLocalDpi xmlns="" xmlns:a14="http://schemas.microsoft.com/office/drawing/2010/main" val="0"/>
+                  <a14:useLocalDpi xmlns:a14="http://schemas.microsoft.com/office/drawing/2010/main" val="0"/>
                 </a:ext>
               </a:extLst>
             </a:blip>
@@ -5607,7 +5661,7 @@
             <a:noFill/>
             <a:extLst>
               <a:ext uri="{909E8E84-426E-40dd-AFC4-6F175D3DCCD1}">
-                <a14:hiddenFill xmlns:a14="http://schemas.microsoft.com/office/drawing/2010/main" xmlns="">
+                <a14:hiddenFill xmlns="" xmlns:a14="http://schemas.microsoft.com/office/drawing/2010/main">
                   <a:solidFill>
                     <a:srgbClr val="FFFFFF"/>
                   </a:solidFill>
@@ -5678,7 +5732,7 @@
             <a:blip r:embed="rId9" cstate="print">
               <a:extLst>
                 <a:ext uri="{28A0092B-C50C-407E-A947-70E740481C1C}">
-                  <a14:useLocalDpi xmlns="" xmlns:a14="http://schemas.microsoft.com/office/drawing/2010/main" val="0"/>
+                  <a14:useLocalDpi xmlns:a14="http://schemas.microsoft.com/office/drawing/2010/main" val="0"/>
                 </a:ext>
               </a:extLst>
             </a:blip>
@@ -5696,7 +5750,7 @@
             <a:noFill/>
             <a:extLst>
               <a:ext uri="{909E8E84-426E-40dd-AFC4-6F175D3DCCD1}">
-                <a14:hiddenFill xmlns:a14="http://schemas.microsoft.com/office/drawing/2010/main" xmlns="">
+                <a14:hiddenFill xmlns="" xmlns:a14="http://schemas.microsoft.com/office/drawing/2010/main">
                   <a:solidFill>
                     <a:srgbClr val="FFFFFF"/>
                   </a:solidFill>
@@ -5757,7 +5811,7 @@
     </p:spTree>
     <p:extLst>
       <p:ext uri="{BB962C8B-B14F-4D97-AF65-F5344CB8AC3E}">
-        <p14:creationId xmlns="" xmlns:p14="http://schemas.microsoft.com/office/powerpoint/2010/main" val="547571833"/>
+        <p14:creationId xmlns:p14="http://schemas.microsoft.com/office/powerpoint/2010/main" val="547571833"/>
       </p:ext>
     </p:extLst>
   </p:cSld>
@@ -7658,7 +7712,7 @@
     </p:spTree>
     <p:extLst>
       <p:ext uri="{BB962C8B-B14F-4D97-AF65-F5344CB8AC3E}">
-        <p14:creationId xmlns="" xmlns:p14="http://schemas.microsoft.com/office/powerpoint/2010/main" val="2357226408"/>
+        <p14:creationId xmlns:p14="http://schemas.microsoft.com/office/powerpoint/2010/main" val="2357226408"/>
       </p:ext>
     </p:extLst>
   </p:cSld>
@@ -8007,7 +8061,7 @@
             <a:blip r:embed="rId6">
               <a:extLst>
                 <a:ext uri="{28A0092B-C50C-407E-A947-70E740481C1C}">
-                  <a14:useLocalDpi xmlns="" xmlns:a14="http://schemas.microsoft.com/office/drawing/2010/main" val="0"/>
+                  <a14:useLocalDpi xmlns:a14="http://schemas.microsoft.com/office/drawing/2010/main" val="0"/>
                 </a:ext>
               </a:extLst>
             </a:blip>
@@ -8025,7 +8079,7 @@
             <a:noFill/>
             <a:extLst>
               <a:ext uri="{909E8E84-426E-40dd-AFC4-6F175D3DCCD1}">
-                <a14:hiddenFill xmlns:a14="http://schemas.microsoft.com/office/drawing/2010/main" xmlns="">
+                <a14:hiddenFill xmlns="" xmlns:a14="http://schemas.microsoft.com/office/drawing/2010/main">
                   <a:solidFill>
                     <a:srgbClr val="FFFFFF"/>
                   </a:solidFill>
@@ -8046,7 +8100,7 @@
             <a:blip r:embed="rId7" cstate="print">
               <a:extLst>
                 <a:ext uri="{28A0092B-C50C-407E-A947-70E740481C1C}">
-                  <a14:useLocalDpi xmlns="" xmlns:a14="http://schemas.microsoft.com/office/drawing/2010/main" val="0"/>
+                  <a14:useLocalDpi xmlns:a14="http://schemas.microsoft.com/office/drawing/2010/main" val="0"/>
                 </a:ext>
               </a:extLst>
             </a:blip>
@@ -8066,7 +8120,7 @@
             <a:noFill/>
             <a:extLst>
               <a:ext uri="{909E8E84-426E-40dd-AFC4-6F175D3DCCD1}">
-                <a14:hiddenFill xmlns:a14="http://schemas.microsoft.com/office/drawing/2010/main" xmlns="">
+                <a14:hiddenFill xmlns="" xmlns:a14="http://schemas.microsoft.com/office/drawing/2010/main">
                   <a:solidFill>
                     <a:srgbClr val="FFFFFF"/>
                   </a:solidFill>
@@ -8137,7 +8191,7 @@
             <a:blip r:embed="rId8" cstate="print">
               <a:extLst>
                 <a:ext uri="{28A0092B-C50C-407E-A947-70E740481C1C}">
-                  <a14:useLocalDpi xmlns="" xmlns:a14="http://schemas.microsoft.com/office/drawing/2010/main" val="0"/>
+                  <a14:useLocalDpi xmlns:a14="http://schemas.microsoft.com/office/drawing/2010/main" val="0"/>
                 </a:ext>
               </a:extLst>
             </a:blip>
@@ -8155,7 +8209,7 @@
             <a:noFill/>
             <a:extLst>
               <a:ext uri="{909E8E84-426E-40dd-AFC4-6F175D3DCCD1}">
-                <a14:hiddenFill xmlns:a14="http://schemas.microsoft.com/office/drawing/2010/main" xmlns="">
+                <a14:hiddenFill xmlns="" xmlns:a14="http://schemas.microsoft.com/office/drawing/2010/main">
                   <a:solidFill>
                     <a:srgbClr val="FFFFFF"/>
                   </a:solidFill>
@@ -9017,7 +9071,7 @@
     </p:spTree>
     <p:extLst>
       <p:ext uri="{BB962C8B-B14F-4D97-AF65-F5344CB8AC3E}">
-        <p14:creationId xmlns="" xmlns:p14="http://schemas.microsoft.com/office/powerpoint/2010/main" val="168395928"/>
+        <p14:creationId xmlns:p14="http://schemas.microsoft.com/office/powerpoint/2010/main" val="168395928"/>
       </p:ext>
     </p:extLst>
   </p:cSld>
@@ -9415,7 +9469,7 @@
     </p:spTree>
     <p:extLst>
       <p:ext uri="{BB962C8B-B14F-4D97-AF65-F5344CB8AC3E}">
-        <p14:creationId xmlns="" xmlns:p14="http://schemas.microsoft.com/office/powerpoint/2010/main" val="3707583858"/>
+        <p14:creationId xmlns:p14="http://schemas.microsoft.com/office/powerpoint/2010/main" val="3707583858"/>
       </p:ext>
     </p:extLst>
   </p:cSld>
@@ -9791,7 +9845,7 @@
     </p:spTree>
     <p:extLst>
       <p:ext uri="{BB962C8B-B14F-4D97-AF65-F5344CB8AC3E}">
-        <p14:creationId xmlns="" xmlns:p14="http://schemas.microsoft.com/office/powerpoint/2010/main" val="98231638"/>
+        <p14:creationId xmlns:p14="http://schemas.microsoft.com/office/powerpoint/2010/main" val="98231638"/>
       </p:ext>
     </p:extLst>
   </p:cSld>
@@ -9866,11 +9920,7 @@
             </a:pPr>
             <a:r>
               <a:rPr lang="fr-FR" dirty="0" smtClean="0"/>
-              <a:t>	</a:t>
-            </a:r>
-            <a:r>
-              <a:rPr lang="fr-FR" dirty="0" smtClean="0"/>
-              <a:t>	La fonction objectif est la distance totale du trajet créé en reliant les villes. On essaie ici de minimiser cette distance.</a:t>
+              <a:t>		La fonction objectif est la distance totale du trajet créé en reliant les villes. On essaie ici de minimiser cette distance.</a:t>
             </a:r>
           </a:p>
           <a:p>
@@ -9896,13 +9946,8 @@
             </a:pPr>
             <a:r>
               <a:rPr lang="fr-FR" dirty="0" smtClean="0"/>
-              <a:t>	</a:t>
-            </a:r>
-            <a:r>
-              <a:rPr lang="fr-FR" dirty="0" smtClean="0"/>
-              <a:t>	L’opérateur de voisinage utilisé est « relocalisation ».</a:t>
-            </a:r>
-            <a:endParaRPr lang="fr-FR" dirty="0" smtClean="0"/>
+              <a:t>		L’opérateur de voisinage utilisé est « relocalisation ».</a:t>
+            </a:r>
           </a:p>
         </p:txBody>
       </p:sp>
@@ -9945,7 +9990,7 @@
     </p:spTree>
     <p:extLst>
       <p:ext uri="{BB962C8B-B14F-4D97-AF65-F5344CB8AC3E}">
-        <p14:creationId xmlns="" xmlns:p14="http://schemas.microsoft.com/office/powerpoint/2010/main" val="3773551245"/>
+        <p14:creationId xmlns:p14="http://schemas.microsoft.com/office/powerpoint/2010/main" val="3773551245"/>
       </p:ext>
     </p:extLst>
   </p:cSld>
@@ -9996,13 +10041,16 @@
           <a:p>
             <a:r>
               <a:rPr lang="fr-FR" dirty="0" smtClean="0"/>
-              <a:t>Nous avons décomposé le problème en plusieurs tâches. Une première tâche consiste à générer une solution aléatoirement. Cette solution est ensuite utilisée pour les autres tâches. Chaque tâche fait toutes les relocations pour une ville donnée et renvoie la meilleur solution </a:t>
-            </a:r>
-            <a:r>
-              <a:rPr lang="fr-FR" smtClean="0"/>
-              <a:t>trouvée.</a:t>
-            </a:r>
-            <a:endParaRPr lang="fr-FR" dirty="0" smtClean="0"/>
+              <a:t>Nous avons décomposé le problème en plusieurs tâches. Une première tâche consiste à générer une solution aléatoirement. Cette solution est ensuite utilisée pour les autres tâches. Chaque tâche </a:t>
+            </a:r>
+            <a:r>
+              <a:rPr lang="fr-FR" dirty="0" smtClean="0"/>
+              <a:t>réalise </a:t>
+            </a:r>
+            <a:r>
+              <a:rPr lang="fr-FR" dirty="0" smtClean="0"/>
+              <a:t>toutes les relocations pour une ville donnée et renvoie la meilleur solution trouvée.</a:t>
+            </a:r>
           </a:p>
           <a:p>
             <a:r>
@@ -10067,7 +10115,6 @@
               <a:rPr lang="fr-FR" dirty="0" smtClean="0"/>
               <a:t>?</a:t>
             </a:r>
-            <a:endParaRPr lang="fr-FR" dirty="0" smtClean="0"/>
           </a:p>
         </p:txBody>
       </p:sp>
@@ -10097,7 +10144,7 @@
     </p:spTree>
     <p:extLst>
       <p:ext uri="{BB962C8B-B14F-4D97-AF65-F5344CB8AC3E}">
-        <p14:creationId xmlns="" xmlns:p14="http://schemas.microsoft.com/office/powerpoint/2010/main" val="565318803"/>
+        <p14:creationId xmlns:p14="http://schemas.microsoft.com/office/powerpoint/2010/main" val="565318803"/>
       </p:ext>
     </p:extLst>
   </p:cSld>
@@ -10148,8 +10195,400 @@
           <a:p>
             <a:r>
               <a:rPr lang="en-US" dirty="0" smtClean="0"/>
-              <a:t>How do you map (i.e., assign) tasks to threads?</a:t>
-            </a:r>
+              <a:t>A </a:t>
+            </a:r>
+            <a:r>
+              <a:rPr lang="en-US" dirty="0" err="1" smtClean="0"/>
+              <a:t>l’aide</a:t>
+            </a:r>
+            <a:r>
+              <a:rPr lang="en-US" dirty="0" smtClean="0"/>
+              <a:t> d’un objet </a:t>
+            </a:r>
+            <a:r>
+              <a:rPr lang="en-US" i="1" dirty="0" smtClean="0"/>
+              <a:t>executor</a:t>
+            </a:r>
+            <a:r>
+              <a:rPr lang="en-US" dirty="0" smtClean="0"/>
+              <a:t> de la </a:t>
+            </a:r>
+            <a:r>
+              <a:rPr lang="en-US" dirty="0" err="1" smtClean="0"/>
+              <a:t>classe</a:t>
+            </a:r>
+            <a:r>
+              <a:rPr lang="en-US" dirty="0" smtClean="0"/>
+              <a:t> </a:t>
+            </a:r>
+            <a:r>
+              <a:rPr lang="en-US" dirty="0" err="1" smtClean="0"/>
+              <a:t>ExecutorService</a:t>
+            </a:r>
+            <a:r>
+              <a:rPr lang="en-US" dirty="0" smtClean="0"/>
+              <a:t>, on </a:t>
+            </a:r>
+            <a:r>
+              <a:rPr lang="en-US" dirty="0" err="1" smtClean="0"/>
+              <a:t>réalise</a:t>
+            </a:r>
+            <a:r>
+              <a:rPr lang="en-US" dirty="0" smtClean="0"/>
+              <a:t> </a:t>
+            </a:r>
+            <a:r>
+              <a:rPr lang="en-US" dirty="0" err="1" smtClean="0"/>
+              <a:t>une</a:t>
+            </a:r>
+            <a:r>
+              <a:rPr lang="en-US" dirty="0" smtClean="0"/>
+              <a:t> “</a:t>
+            </a:r>
+            <a:r>
+              <a:rPr lang="en-US" dirty="0" err="1" smtClean="0"/>
+              <a:t>newFixedThreadPool</a:t>
+            </a:r>
+            <a:r>
+              <a:rPr lang="en-US" dirty="0" smtClean="0"/>
+              <a:t>” qui </a:t>
+            </a:r>
+            <a:r>
+              <a:rPr lang="en-US" dirty="0" err="1" smtClean="0"/>
+              <a:t>contiendra</a:t>
+            </a:r>
+            <a:r>
+              <a:rPr lang="en-US" dirty="0" smtClean="0"/>
+              <a:t> </a:t>
+            </a:r>
+            <a:r>
+              <a:rPr lang="en-US" dirty="0" err="1" smtClean="0"/>
+              <a:t>autant</a:t>
+            </a:r>
+            <a:r>
+              <a:rPr lang="en-US" dirty="0" smtClean="0"/>
+              <a:t> de thread que le </a:t>
+            </a:r>
+            <a:r>
+              <a:rPr lang="en-US" dirty="0" err="1" smtClean="0"/>
+              <a:t>nombre</a:t>
+            </a:r>
+            <a:r>
+              <a:rPr lang="en-US" dirty="0" smtClean="0"/>
+              <a:t> </a:t>
+            </a:r>
+            <a:r>
+              <a:rPr lang="en-US" dirty="0" err="1" smtClean="0"/>
+              <a:t>indiqué</a:t>
+            </a:r>
+            <a:r>
+              <a:rPr lang="en-US" dirty="0" smtClean="0"/>
+              <a:t> </a:t>
+            </a:r>
+            <a:r>
+              <a:rPr lang="en-US" dirty="0" err="1" smtClean="0"/>
+              <a:t>dans</a:t>
+            </a:r>
+            <a:r>
+              <a:rPr lang="en-US" dirty="0" smtClean="0"/>
+              <a:t> le </a:t>
+            </a:r>
+            <a:r>
+              <a:rPr lang="en-US" dirty="0" err="1" smtClean="0"/>
+              <a:t>fichier</a:t>
+            </a:r>
+            <a:r>
+              <a:rPr lang="en-US" dirty="0" smtClean="0"/>
+              <a:t> de configuration. On </a:t>
+            </a:r>
+            <a:r>
+              <a:rPr lang="en-US" dirty="0" err="1" smtClean="0"/>
+              <a:t>crée</a:t>
+            </a:r>
+            <a:r>
+              <a:rPr lang="en-US" dirty="0" smtClean="0"/>
+              <a:t> </a:t>
+            </a:r>
+            <a:r>
+              <a:rPr lang="en-US" dirty="0" err="1" smtClean="0"/>
+              <a:t>ensuite</a:t>
+            </a:r>
+            <a:r>
+              <a:rPr lang="en-US" dirty="0" smtClean="0"/>
+              <a:t> les taches </a:t>
+            </a:r>
+            <a:r>
+              <a:rPr lang="en-US" dirty="0" err="1" smtClean="0"/>
+              <a:t>en</a:t>
+            </a:r>
+            <a:r>
+              <a:rPr lang="en-US" dirty="0" smtClean="0"/>
+              <a:t> les </a:t>
+            </a:r>
+            <a:r>
+              <a:rPr lang="en-US" dirty="0" err="1" smtClean="0"/>
+              <a:t>ajoutant</a:t>
+            </a:r>
+            <a:r>
+              <a:rPr lang="en-US" dirty="0" smtClean="0"/>
+              <a:t> à </a:t>
+            </a:r>
+            <a:r>
+              <a:rPr lang="en-US" dirty="0" err="1" smtClean="0"/>
+              <a:t>une</a:t>
+            </a:r>
+            <a:r>
+              <a:rPr lang="en-US" dirty="0" smtClean="0"/>
+              <a:t> </a:t>
+            </a:r>
+            <a:r>
+              <a:rPr lang="en-US" dirty="0" err="1" smtClean="0"/>
+              <a:t>ArrayList</a:t>
+            </a:r>
+            <a:r>
+              <a:rPr lang="en-US" dirty="0" smtClean="0"/>
+              <a:t> </a:t>
+            </a:r>
+            <a:r>
+              <a:rPr lang="en-US" dirty="0" err="1" smtClean="0"/>
+              <a:t>puis</a:t>
+            </a:r>
+            <a:r>
+              <a:rPr lang="en-US" dirty="0" smtClean="0"/>
+              <a:t> on </a:t>
+            </a:r>
+            <a:r>
+              <a:rPr lang="en-US" dirty="0" err="1" smtClean="0"/>
+              <a:t>appelle</a:t>
+            </a:r>
+            <a:r>
+              <a:rPr lang="en-US" dirty="0" smtClean="0"/>
+              <a:t> la </a:t>
+            </a:r>
+            <a:r>
+              <a:rPr lang="en-US" dirty="0" err="1" smtClean="0"/>
+              <a:t>méthode</a:t>
+            </a:r>
+            <a:r>
+              <a:rPr lang="en-US" dirty="0" smtClean="0"/>
+              <a:t> </a:t>
+            </a:r>
+            <a:r>
+              <a:rPr lang="en-US" i="1" dirty="0" err="1" smtClean="0"/>
+              <a:t>invokeAll</a:t>
+            </a:r>
+            <a:r>
+              <a:rPr lang="en-US" i="1" dirty="0" smtClean="0"/>
+              <a:t>() </a:t>
+            </a:r>
+            <a:r>
+              <a:rPr lang="en-US" dirty="0" smtClean="0"/>
+              <a:t>de </a:t>
+            </a:r>
+            <a:r>
+              <a:rPr lang="en-US" dirty="0" err="1" smtClean="0"/>
+              <a:t>l’objet</a:t>
+            </a:r>
+            <a:r>
+              <a:rPr lang="en-US" dirty="0" smtClean="0"/>
+              <a:t> </a:t>
+            </a:r>
+            <a:r>
+              <a:rPr lang="en-US" i="1" dirty="0" smtClean="0"/>
+              <a:t>executor</a:t>
+            </a:r>
+            <a:r>
+              <a:rPr lang="en-US" dirty="0" smtClean="0"/>
+              <a:t> </a:t>
+            </a:r>
+            <a:r>
+              <a:rPr lang="en-US" dirty="0" err="1" smtClean="0"/>
+              <a:t>en</a:t>
+            </a:r>
+            <a:r>
+              <a:rPr lang="en-US" dirty="0" smtClean="0"/>
+              <a:t> passant </a:t>
+            </a:r>
+            <a:r>
+              <a:rPr lang="en-US" dirty="0" err="1" smtClean="0"/>
+              <a:t>en</a:t>
+            </a:r>
+            <a:r>
+              <a:rPr lang="en-US" dirty="0" smtClean="0"/>
+              <a:t> parameter la </a:t>
+            </a:r>
+            <a:r>
+              <a:rPr lang="en-US" dirty="0" err="1" smtClean="0"/>
+              <a:t>liste</a:t>
+            </a:r>
+            <a:r>
+              <a:rPr lang="en-US" dirty="0" smtClean="0"/>
+              <a:t> de taches à executer.</a:t>
+            </a:r>
+            <a:endParaRPr lang="en-US" i="1" dirty="0" smtClean="0"/>
+          </a:p>
+          <a:p>
+            <a:r>
+              <a:rPr lang="en-US" dirty="0" err="1" smtClean="0"/>
+              <a:t>En</a:t>
+            </a:r>
+            <a:r>
+              <a:rPr lang="en-US" dirty="0" smtClean="0"/>
+              <a:t> retour de </a:t>
+            </a:r>
+            <a:r>
+              <a:rPr lang="en-US" dirty="0" err="1" smtClean="0"/>
+              <a:t>cette</a:t>
+            </a:r>
+            <a:r>
+              <a:rPr lang="en-US" dirty="0" smtClean="0"/>
+              <a:t> </a:t>
+            </a:r>
+            <a:r>
+              <a:rPr lang="en-US" dirty="0" err="1" smtClean="0"/>
+              <a:t>méthode</a:t>
+            </a:r>
+            <a:r>
+              <a:rPr lang="en-US" dirty="0" smtClean="0"/>
+              <a:t>, on </a:t>
+            </a:r>
+            <a:r>
+              <a:rPr lang="en-US" dirty="0" err="1" smtClean="0"/>
+              <a:t>obtient</a:t>
+            </a:r>
+            <a:r>
+              <a:rPr lang="en-US" dirty="0" smtClean="0"/>
+              <a:t> </a:t>
+            </a:r>
+            <a:r>
+              <a:rPr lang="en-US" dirty="0" err="1" smtClean="0"/>
+              <a:t>une</a:t>
+            </a:r>
+            <a:r>
+              <a:rPr lang="en-US" dirty="0" smtClean="0"/>
+              <a:t> </a:t>
+            </a:r>
+            <a:r>
+              <a:rPr lang="en-US" dirty="0" err="1" smtClean="0"/>
+              <a:t>liste</a:t>
+            </a:r>
+            <a:r>
+              <a:rPr lang="en-US" dirty="0" smtClean="0"/>
+              <a:t> qui </a:t>
+            </a:r>
+            <a:r>
+              <a:rPr lang="en-US" dirty="0" err="1" smtClean="0"/>
+              <a:t>contient</a:t>
+            </a:r>
+            <a:r>
+              <a:rPr lang="en-US" dirty="0" smtClean="0"/>
+              <a:t> </a:t>
+            </a:r>
+            <a:r>
+              <a:rPr lang="en-US" dirty="0" err="1" smtClean="0"/>
+              <a:t>toutes</a:t>
+            </a:r>
+            <a:r>
+              <a:rPr lang="en-US" dirty="0" smtClean="0"/>
+              <a:t> les </a:t>
+            </a:r>
+            <a:r>
+              <a:rPr lang="en-US" dirty="0" err="1" smtClean="0"/>
+              <a:t>différentes</a:t>
+            </a:r>
+            <a:r>
+              <a:rPr lang="en-US" dirty="0" smtClean="0"/>
+              <a:t> </a:t>
+            </a:r>
+            <a:r>
+              <a:rPr lang="en-US" dirty="0" err="1" smtClean="0"/>
+              <a:t>meilleures</a:t>
+            </a:r>
+            <a:r>
+              <a:rPr lang="en-US" dirty="0" smtClean="0"/>
+              <a:t> solutions pour </a:t>
+            </a:r>
+            <a:r>
+              <a:rPr lang="en-US" dirty="0" err="1" smtClean="0"/>
+              <a:t>chaque</a:t>
+            </a:r>
+            <a:r>
+              <a:rPr lang="en-US" dirty="0" smtClean="0"/>
+              <a:t> </a:t>
+            </a:r>
+            <a:r>
+              <a:rPr lang="en-US" dirty="0" err="1" smtClean="0"/>
+              <a:t>ville</a:t>
+            </a:r>
+            <a:r>
+              <a:rPr lang="en-US" dirty="0" smtClean="0"/>
+              <a:t>, </a:t>
+            </a:r>
+            <a:r>
+              <a:rPr lang="en-US" dirty="0" err="1" smtClean="0"/>
+              <a:t>il</a:t>
+            </a:r>
+            <a:r>
+              <a:rPr lang="en-US" dirty="0" smtClean="0"/>
+              <a:t> ne nous </a:t>
+            </a:r>
+            <a:r>
+              <a:rPr lang="en-US" dirty="0" err="1" smtClean="0"/>
+              <a:t>reste</a:t>
+            </a:r>
+            <a:r>
+              <a:rPr lang="en-US" dirty="0" smtClean="0"/>
+              <a:t> </a:t>
+            </a:r>
+            <a:r>
+              <a:rPr lang="en-US" dirty="0" err="1" smtClean="0"/>
+              <a:t>ensuite</a:t>
+            </a:r>
+            <a:r>
+              <a:rPr lang="en-US" dirty="0" smtClean="0"/>
+              <a:t> plus </a:t>
+            </a:r>
+            <a:r>
+              <a:rPr lang="en-US" dirty="0" err="1" smtClean="0"/>
+              <a:t>qu’à</a:t>
+            </a:r>
+            <a:r>
+              <a:rPr lang="en-US" dirty="0" smtClean="0"/>
+              <a:t> </a:t>
+            </a:r>
+            <a:r>
+              <a:rPr lang="en-US" dirty="0" err="1" smtClean="0"/>
+              <a:t>récupérer</a:t>
+            </a:r>
+            <a:r>
+              <a:rPr lang="en-US" dirty="0" smtClean="0"/>
+              <a:t> la </a:t>
+            </a:r>
+            <a:r>
+              <a:rPr lang="en-US" dirty="0" err="1" smtClean="0"/>
+              <a:t>meilleure</a:t>
+            </a:r>
+            <a:r>
+              <a:rPr lang="en-US" dirty="0" smtClean="0"/>
+              <a:t> </a:t>
+            </a:r>
+            <a:r>
+              <a:rPr lang="en-US" dirty="0" err="1" smtClean="0"/>
+              <a:t>d’entre</a:t>
+            </a:r>
+            <a:r>
+              <a:rPr lang="en-US" dirty="0" smtClean="0"/>
+              <a:t> </a:t>
+            </a:r>
+            <a:r>
+              <a:rPr lang="en-US" dirty="0" err="1" smtClean="0"/>
+              <a:t>elle</a:t>
+            </a:r>
+            <a:r>
+              <a:rPr lang="en-US" dirty="0" smtClean="0"/>
+              <a:t>.</a:t>
+            </a:r>
+            <a:endParaRPr lang="en-US" dirty="0" smtClean="0"/>
           </a:p>
         </p:txBody>
       </p:sp>
@@ -10170,7 +10609,11 @@
           <a:p>
             <a:r>
               <a:rPr lang="en-US" dirty="0" smtClean="0"/>
-              <a:t>Mapping (1 slide)</a:t>
+              <a:t>Assignation des </a:t>
+            </a:r>
+            <a:r>
+              <a:rPr lang="en-US" dirty="0" err="1" smtClean="0"/>
+              <a:t>tâches</a:t>
             </a:r>
             <a:endParaRPr lang="en-US" dirty="0"/>
           </a:p>
@@ -10179,7 +10622,7 @@
     </p:spTree>
     <p:extLst>
       <p:ext uri="{BB962C8B-B14F-4D97-AF65-F5344CB8AC3E}">
-        <p14:creationId xmlns="" xmlns:p14="http://schemas.microsoft.com/office/powerpoint/2010/main" val="2014737294"/>
+        <p14:creationId xmlns:p14="http://schemas.microsoft.com/office/powerpoint/2010/main" val="2014737294"/>
       </p:ext>
     </p:extLst>
   </p:cSld>
@@ -10279,7 +10722,7 @@
     </p:spTree>
     <p:extLst>
       <p:ext uri="{BB962C8B-B14F-4D97-AF65-F5344CB8AC3E}">
-        <p14:creationId xmlns="" xmlns:p14="http://schemas.microsoft.com/office/powerpoint/2010/main" val="493409273"/>
+        <p14:creationId xmlns:p14="http://schemas.microsoft.com/office/powerpoint/2010/main" val="493409273"/>
       </p:ext>
     </p:extLst>
   </p:cSld>
@@ -10345,7 +10788,7 @@
           <p:nvPr>
             <p:extLst>
               <p:ext uri="{D42A27DB-BD31-4B8C-83A1-F6EECF244321}">
-                <p14:modId xmlns="" xmlns:p14="http://schemas.microsoft.com/office/powerpoint/2010/main" val="1785705513"/>
+                <p14:modId xmlns:p14="http://schemas.microsoft.com/office/powerpoint/2010/main" val="1785705513"/>
               </p:ext>
             </p:extLst>
           </p:nvPr>
@@ -10361,9 +10804,27 @@
                 <a:tableStyleId>{5C22544A-7EE6-4342-B048-85BDC9FD1C3A}</a:tableStyleId>
               </a:tblPr>
               <a:tblGrid>
-                <a:gridCol w="2032000"/>
-                <a:gridCol w="2032000"/>
-                <a:gridCol w="2110296"/>
+                <a:gridCol w="2032000">
+                  <a:extLst>
+                    <a:ext uri="{9D8B030D-6E8A-4147-A177-3AD203B41FA5}">
+                      <a16:colId xmlns:a16="http://schemas.microsoft.com/office/drawing/2014/main" val="20000"/>
+                    </a:ext>
+                  </a:extLst>
+                </a:gridCol>
+                <a:gridCol w="2032000">
+                  <a:extLst>
+                    <a:ext uri="{9D8B030D-6E8A-4147-A177-3AD203B41FA5}">
+                      <a16:colId xmlns:a16="http://schemas.microsoft.com/office/drawing/2014/main" val="20001"/>
+                    </a:ext>
+                  </a:extLst>
+                </a:gridCol>
+                <a:gridCol w="2110296">
+                  <a:extLst>
+                    <a:ext uri="{9D8B030D-6E8A-4147-A177-3AD203B41FA5}">
+                      <a16:colId xmlns:a16="http://schemas.microsoft.com/office/drawing/2014/main" val="20002"/>
+                    </a:ext>
+                  </a:extLst>
+                </a:gridCol>
               </a:tblGrid>
               <a:tr h="370840">
                 <a:tc>
@@ -10419,6 +10880,11 @@
                   </a:txBody>
                   <a:tcPr/>
                 </a:tc>
+                <a:extLst>
+                  <a:ext uri="{0D108BD9-81ED-4DB2-BD59-A6C34878D82A}">
+                    <a16:rowId xmlns:a16="http://schemas.microsoft.com/office/drawing/2014/main" val="10000"/>
+                  </a:ext>
+                </a:extLst>
               </a:tr>
               <a:tr h="370840">
                 <a:tc>
@@ -10463,6 +10929,11 @@
                   </a:txBody>
                   <a:tcPr/>
                 </a:tc>
+                <a:extLst>
+                  <a:ext uri="{0D108BD9-81ED-4DB2-BD59-A6C34878D82A}">
+                    <a16:rowId xmlns:a16="http://schemas.microsoft.com/office/drawing/2014/main" val="10001"/>
+                  </a:ext>
+                </a:extLst>
               </a:tr>
               <a:tr h="370840">
                 <a:tc>
@@ -10507,6 +10978,11 @@
                   </a:txBody>
                   <a:tcPr/>
                 </a:tc>
+                <a:extLst>
+                  <a:ext uri="{0D108BD9-81ED-4DB2-BD59-A6C34878D82A}">
+                    <a16:rowId xmlns:a16="http://schemas.microsoft.com/office/drawing/2014/main" val="10002"/>
+                  </a:ext>
+                </a:extLst>
               </a:tr>
               <a:tr h="370840">
                 <a:tc>
@@ -10551,6 +11027,11 @@
                   </a:txBody>
                   <a:tcPr/>
                 </a:tc>
+                <a:extLst>
+                  <a:ext uri="{0D108BD9-81ED-4DB2-BD59-A6C34878D82A}">
+                    <a16:rowId xmlns:a16="http://schemas.microsoft.com/office/drawing/2014/main" val="10003"/>
+                  </a:ext>
+                </a:extLst>
               </a:tr>
               <a:tr h="370840">
                 <a:tc>
@@ -10595,6 +11076,11 @@
                   </a:txBody>
                   <a:tcPr/>
                 </a:tc>
+                <a:extLst>
+                  <a:ext uri="{0D108BD9-81ED-4DB2-BD59-A6C34878D82A}">
+                    <a16:rowId xmlns:a16="http://schemas.microsoft.com/office/drawing/2014/main" val="10004"/>
+                  </a:ext>
+                </a:extLst>
               </a:tr>
               <a:tr h="370840">
                 <a:tc>
@@ -10639,13 +11125,18 @@
                   </a:txBody>
                   <a:tcPr/>
                 </a:tc>
+                <a:extLst>
+                  <a:ext uri="{0D108BD9-81ED-4DB2-BD59-A6C34878D82A}">
+                    <a16:rowId xmlns:a16="http://schemas.microsoft.com/office/drawing/2014/main" val="10005"/>
+                  </a:ext>
+                </a:extLst>
               </a:tr>
             </a:tbl>
           </a:graphicData>
         </a:graphic>
       </p:graphicFrame>
-      <mc:AlternateContent xmlns:mc="http://schemas.openxmlformats.org/markup-compatibility/2006">
-        <mc:Choice xmlns="" xmlns:a14="http://schemas.microsoft.com/office/drawing/2010/main" Requires="a14">
+      <mc:AlternateContent xmlns:mc="http://schemas.openxmlformats.org/markup-compatibility/2006" xmlns:a14="http://schemas.microsoft.com/office/drawing/2010/main">
+        <mc:Choice Requires="a14">
           <p:sp>
             <p:nvSpPr>
               <p:cNvPr id="7" name="TextBox 6"/>
@@ -10668,6 +11159,7 @@
               </a:bodyPr>
               <a:lstStyle/>
               <a:p>
+                <a:pPr/>
                 <a14:m>
                   <m:oMathPara xmlns:m="http://schemas.openxmlformats.org/officeDocument/2006/math">
                     <m:oMathParaPr>
@@ -10690,7 +11182,7 @@
                         <m:fPr>
                           <m:ctrlPr>
                             <a:rPr lang="bg-BG" b="0" i="1" smtClean="0">
-                              <a:latin typeface="Cambria Math" charset="0"/>
+                              <a:latin typeface="Cambria Math" panose="02040503050406030204" pitchFamily="18" charset="0"/>
                             </a:rPr>
                           </m:ctrlPr>
                         </m:fPr>
@@ -10705,7 +11197,7 @@
                             <m:dPr>
                               <m:ctrlPr>
                                 <a:rPr lang="es-ES" i="1">
-                                  <a:latin typeface="Cambria Math" charset="0"/>
+                                  <a:latin typeface="Cambria Math" panose="02040503050406030204" pitchFamily="18" charset="0"/>
                                 </a:rPr>
                               </m:ctrlPr>
                             </m:dPr>
@@ -10820,7 +11312,7 @@
             </p:txBody>
           </p:sp>
         </mc:Choice>
-        <mc:Fallback>
+        <mc:Fallback xmlns="">
           <p:sp>
             <p:nvSpPr>
               <p:cNvPr id="7" name="TextBox 6"/>
@@ -10916,7 +11408,7 @@
     </p:spTree>
     <p:extLst>
       <p:ext uri="{BB962C8B-B14F-4D97-AF65-F5344CB8AC3E}">
-        <p14:creationId xmlns="" xmlns:p14="http://schemas.microsoft.com/office/powerpoint/2010/main" val="2033306419"/>
+        <p14:creationId xmlns:p14="http://schemas.microsoft.com/office/powerpoint/2010/main" val="2033306419"/>
       </p:ext>
     </p:extLst>
   </p:cSld>
@@ -11035,7 +11527,7 @@
           <p:nvPr>
             <p:extLst>
               <p:ext uri="{D42A27DB-BD31-4B8C-83A1-F6EECF244321}">
-                <p14:modId xmlns="" xmlns:p14="http://schemas.microsoft.com/office/powerpoint/2010/main" val="1882126371"/>
+                <p14:modId xmlns:p14="http://schemas.microsoft.com/office/powerpoint/2010/main" val="1882126371"/>
               </p:ext>
             </p:extLst>
           </p:nvPr>
@@ -11053,7 +11545,7 @@
     </p:spTree>
     <p:extLst>
       <p:ext uri="{BB962C8B-B14F-4D97-AF65-F5344CB8AC3E}">
-        <p14:creationId xmlns="" xmlns:p14="http://schemas.microsoft.com/office/powerpoint/2010/main" val="44227942"/>
+        <p14:creationId xmlns:p14="http://schemas.microsoft.com/office/powerpoint/2010/main" val="44227942"/>
       </p:ext>
     </p:extLst>
   </p:cSld>
@@ -11147,7 +11639,7 @@
     </p:spTree>
     <p:extLst>
       <p:ext uri="{BB962C8B-B14F-4D97-AF65-F5344CB8AC3E}">
-        <p14:creationId xmlns="" xmlns:p14="http://schemas.microsoft.com/office/powerpoint/2010/main" val="894479036"/>
+        <p14:creationId xmlns:p14="http://schemas.microsoft.com/office/powerpoint/2010/main" val="894479036"/>
       </p:ext>
     </p:extLst>
   </p:cSld>

--- a/presentation.pptx
+++ b/presentation.pptx
@@ -119,7 +119,7 @@
   </p:defaultTextStyle>
   <p:extLst>
     <p:ext uri="{EFAFB233-063F-42B5-8137-9DF3F51BA10A}">
-      <p15:sldGuideLst xmlns:p15="http://schemas.microsoft.com/office/powerpoint/2012/main">
+      <p15:sldGuideLst xmlns:p15="http://schemas.microsoft.com/office/powerpoint/2012/main" xmlns="">
         <p15:guide id="1" orient="horz" pos="2160">
           <p15:clr>
             <a:srgbClr val="A4A3A4"/>
@@ -133,7 +133,7 @@
       </p15:sldGuideLst>
     </p:ext>
     <p:ext uri="{2D200454-40CA-4A62-9FC3-DE9A4176ACB9}">
-      <p15:notesGuideLst xmlns:p15="http://schemas.microsoft.com/office/powerpoint/2012/main">
+      <p15:notesGuideLst xmlns:p15="http://schemas.microsoft.com/office/powerpoint/2012/main" xmlns="">
         <p15:guide id="1" orient="horz" pos="2880">
           <p15:clr>
             <a:srgbClr val="A4A3A4"/>
@@ -151,18 +151,8 @@
 </file>
 
 <file path=ppt/charts/chart1.xml><?xml version="1.0" encoding="utf-8"?>
-<c:chartSpace xmlns:c="http://schemas.openxmlformats.org/drawingml/2006/chart" xmlns:a="http://schemas.openxmlformats.org/drawingml/2006/main" xmlns:r="http://schemas.openxmlformats.org/officeDocument/2006/relationships" xmlns:c16r2="http://schemas.microsoft.com/office/drawing/2015/06/chart">
-  <c:date1904 val="0"/>
+<c:chartSpace xmlns:c="http://schemas.openxmlformats.org/drawingml/2006/chart" xmlns:a="http://schemas.openxmlformats.org/drawingml/2006/main" xmlns:r="http://schemas.openxmlformats.org/officeDocument/2006/relationships">
   <c:lang val="fr-FR"/>
-  <c:roundedCorners val="0"/>
-  <mc:AlternateContent xmlns:mc="http://schemas.openxmlformats.org/markup-compatibility/2006">
-    <mc:Choice xmlns:c14="http://schemas.microsoft.com/office/drawing/2007/8/2/chart" Requires="c14">
-      <c14:style val="102"/>
-    </mc:Choice>
-    <mc:Fallback>
-      <c:style val="2"/>
-    </mc:Fallback>
-  </mc:AlternateContent>
   <c:chart>
     <c:title>
       <c:tx>
@@ -199,7 +189,7 @@
           </a:p>
         </c:rich>
       </c:tx>
-      <c:overlay val="0"/>
+      <c:layout/>
       <c:spPr>
         <a:noFill/>
         <a:ln>
@@ -207,33 +197,11 @@
         </a:ln>
         <a:effectLst/>
       </c:spPr>
-      <c:txPr>
-        <a:bodyPr rot="0" spcFirstLastPara="1" vertOverflow="ellipsis" vert="horz" wrap="square" anchor="ctr" anchorCtr="1"/>
-        <a:lstStyle/>
-        <a:p>
-          <a:pPr>
-            <a:defRPr lang="en-US" sz="1400" b="0" i="0" u="none" strike="noStrike" kern="1200" spc="0" baseline="0">
-              <a:solidFill>
-                <a:schemeClr val="tx1">
-                  <a:lumMod val="65000"/>
-                  <a:lumOff val="35000"/>
-                </a:schemeClr>
-              </a:solidFill>
-              <a:latin typeface="+mn-lt"/>
-              <a:ea typeface="+mn-ea"/>
-              <a:cs typeface="+mn-cs"/>
-            </a:defRPr>
-          </a:pPr>
-          <a:endParaRPr lang="fr-FR"/>
-        </a:p>
-      </c:txPr>
     </c:title>
-    <c:autoTitleDeleted val="0"/>
     <c:plotArea>
       <c:layout/>
       <c:lineChart>
         <c:grouping val="standard"/>
-        <c:varyColors val="0"/>
         <c:ser>
           <c:idx val="1"/>
           <c:order val="0"/>
@@ -283,52 +251,42 @@
                 <c:formatCode>0%</c:formatCode>
                 <c:ptCount val="5"/>
                 <c:pt idx="0">
-                  <c:v>0.3000000000000001</c:v>
+                  <c:v>0.30000000000000016</c:v>
                 </c:pt>
                 <c:pt idx="1">
                   <c:v>0.2</c:v>
                 </c:pt>
                 <c:pt idx="2">
-                  <c:v>8.0000000000000029E-2</c:v>
+                  <c:v>8.0000000000000057E-2</c:v>
                 </c:pt>
                 <c:pt idx="3">
-                  <c:v>5.0000000000000017E-2</c:v>
+                  <c:v>5.0000000000000031E-2</c:v>
                 </c:pt>
                 <c:pt idx="4">
-                  <c:v>1.0000000000000004E-2</c:v>
+                  <c:v>1.0000000000000007E-2</c:v>
                 </c:pt>
               </c:numCache>
             </c:numRef>
           </c:val>
-          <c:smooth val="0"/>
-          <c:extLst>
+          <c:extLst xmlns:c16r2="http://schemas.microsoft.com/office/drawing/2015/06/chart">
             <c:ext xmlns:c16="http://schemas.microsoft.com/office/drawing/2014/chart" uri="{C3380CC4-5D6E-409C-BE32-E72D297353CC}">
               <c16:uniqueId val="{00000000-EF17-4B01-8E48-F15C6C6E8E5B}"/>
             </c:ext>
           </c:extLst>
         </c:ser>
-        <c:dLbls>
-          <c:showLegendKey val="0"/>
-          <c:showVal val="0"/>
-          <c:showCatName val="0"/>
-          <c:showSerName val="0"/>
-          <c:showPercent val="0"/>
-          <c:showBubbleSize val="0"/>
-        </c:dLbls>
-        <c:smooth val="0"/>
-        <c:axId val="176681344"/>
-        <c:axId val="176683648"/>
+        <c:dLbls/>
+        <c:marker val="1"/>
+        <c:axId val="118685056"/>
+        <c:axId val="112526464"/>
       </c:lineChart>
       <c:catAx>
-        <c:axId val="176681344"/>
+        <c:axId val="118685056"/>
         <c:scaling>
           <c:orientation val="minMax"/>
         </c:scaling>
-        <c:delete val="0"/>
         <c:axPos val="b"/>
         <c:numFmt formatCode="General" sourceLinked="1"/>
         <c:majorTickMark val="none"/>
-        <c:minorTickMark val="none"/>
         <c:tickLblPos val="nextTo"/>
         <c:spPr>
           <a:noFill/>
@@ -363,19 +321,17 @@
             <a:endParaRPr lang="fr-FR"/>
           </a:p>
         </c:txPr>
-        <c:crossAx val="176683648"/>
+        <c:crossAx val="112526464"/>
         <c:crosses val="autoZero"/>
         <c:auto val="1"/>
         <c:lblAlgn val="ctr"/>
         <c:lblOffset val="100"/>
-        <c:noMultiLvlLbl val="0"/>
       </c:catAx>
       <c:valAx>
-        <c:axId val="176683648"/>
+        <c:axId val="112526464"/>
         <c:scaling>
           <c:orientation val="minMax"/>
         </c:scaling>
-        <c:delete val="0"/>
         <c:axPos val="l"/>
         <c:majorGridlines>
           <c:spPr>
@@ -393,7 +349,6 @@
         </c:majorGridlines>
         <c:numFmt formatCode="#,##0.00" sourceLinked="0"/>
         <c:majorTickMark val="none"/>
-        <c:minorTickMark val="none"/>
         <c:tickLblPos val="nextTo"/>
         <c:spPr>
           <a:noFill/>
@@ -422,7 +377,7 @@
             <a:endParaRPr lang="fr-FR"/>
           </a:p>
         </c:txPr>
-        <c:crossAx val="176681344"/>
+        <c:crossAx val="118685056"/>
         <c:crosses val="autoZero"/>
         <c:crossBetween val="between"/>
       </c:valAx>
@@ -436,7 +391,7 @@
     </c:plotArea>
     <c:legend>
       <c:legendPos val="b"/>
-      <c:overlay val="0"/>
+      <c:layout/>
       <c:spPr>
         <a:noFill/>
         <a:ln>
@@ -467,7 +422,6 @@
     </c:legend>
     <c:plotVisOnly val="1"/>
     <c:dispBlanksAs val="gap"/>
-    <c:showDLblsOverMax val="0"/>
   </c:chart>
   <c:spPr>
     <a:noFill/>
@@ -486,9 +440,7 @@
       <a:endParaRPr lang="fr-FR"/>
     </a:p>
   </c:txPr>
-  <c:externalData r:id="rId3">
-    <c:autoUpdate val="0"/>
-  </c:externalData>
+  <c:externalData r:id="rId1"/>
 </c:chartSpace>
 </file>
 
@@ -1300,7 +1252,7 @@
     </p:spTree>
     <p:extLst>
       <p:ext uri="{BB962C8B-B14F-4D97-AF65-F5344CB8AC3E}">
-        <p14:creationId xmlns:p14="http://schemas.microsoft.com/office/powerpoint/2010/main" val="2479878953"/>
+        <p14:creationId xmlns:p14="http://schemas.microsoft.com/office/powerpoint/2010/main" xmlns="" val="2479878953"/>
       </p:ext>
     </p:extLst>
   </p:cSld>
@@ -1544,7 +1496,7 @@
     </p:spTree>
     <p:extLst>
       <p:ext uri="{BB962C8B-B14F-4D97-AF65-F5344CB8AC3E}">
-        <p14:creationId xmlns:p14="http://schemas.microsoft.com/office/powerpoint/2010/main" val="1597653524"/>
+        <p14:creationId xmlns:p14="http://schemas.microsoft.com/office/powerpoint/2010/main" xmlns="" val="1597653524"/>
       </p:ext>
     </p:extLst>
   </p:cSld>
@@ -1740,7 +1692,7 @@
     </p:spTree>
     <p:extLst>
       <p:ext uri="{BB962C8B-B14F-4D97-AF65-F5344CB8AC3E}">
-        <p14:creationId xmlns:p14="http://schemas.microsoft.com/office/powerpoint/2010/main" val="729632784"/>
+        <p14:creationId xmlns:p14="http://schemas.microsoft.com/office/powerpoint/2010/main" xmlns="" val="729632784"/>
       </p:ext>
     </p:extLst>
   </p:cSld>
@@ -1808,7 +1760,7 @@
     </p:spTree>
     <p:extLst>
       <p:ext uri="{BB962C8B-B14F-4D97-AF65-F5344CB8AC3E}">
-        <p14:creationId xmlns:p14="http://schemas.microsoft.com/office/powerpoint/2010/main" val="1056886810"/>
+        <p14:creationId xmlns:p14="http://schemas.microsoft.com/office/powerpoint/2010/main" xmlns="" val="1056886810"/>
       </p:ext>
     </p:extLst>
   </p:cSld>
@@ -2031,7 +1983,7 @@
     </p:spTree>
     <p:extLst>
       <p:ext uri="{BB962C8B-B14F-4D97-AF65-F5344CB8AC3E}">
-        <p14:creationId xmlns:p14="http://schemas.microsoft.com/office/powerpoint/2010/main" val="856040511"/>
+        <p14:creationId xmlns:p14="http://schemas.microsoft.com/office/powerpoint/2010/main" xmlns="" val="856040511"/>
       </p:ext>
     </p:extLst>
   </p:cSld>
@@ -2192,7 +2144,7 @@
     </p:spTree>
     <p:extLst>
       <p:ext uri="{BB962C8B-B14F-4D97-AF65-F5344CB8AC3E}">
-        <p14:creationId xmlns:p14="http://schemas.microsoft.com/office/powerpoint/2010/main" val="1491625700"/>
+        <p14:creationId xmlns:p14="http://schemas.microsoft.com/office/powerpoint/2010/main" xmlns="" val="1491625700"/>
       </p:ext>
     </p:extLst>
   </p:cSld>
@@ -2477,7 +2429,7 @@
     </p:spTree>
     <p:extLst>
       <p:ext uri="{BB962C8B-B14F-4D97-AF65-F5344CB8AC3E}">
-        <p14:creationId xmlns:p14="http://schemas.microsoft.com/office/powerpoint/2010/main" val="3368652214"/>
+        <p14:creationId xmlns:p14="http://schemas.microsoft.com/office/powerpoint/2010/main" xmlns="" val="3368652214"/>
       </p:ext>
     </p:extLst>
   </p:cSld>
@@ -3382,7 +3334,7 @@
     </p:spTree>
     <p:extLst>
       <p:ext uri="{BB962C8B-B14F-4D97-AF65-F5344CB8AC3E}">
-        <p14:creationId xmlns:p14="http://schemas.microsoft.com/office/powerpoint/2010/main" val="4143547553"/>
+        <p14:creationId xmlns:p14="http://schemas.microsoft.com/office/powerpoint/2010/main" xmlns="" val="4143547553"/>
       </p:ext>
     </p:extLst>
   </p:cSld>
@@ -3518,7 +3470,7 @@
     </p:spTree>
     <p:extLst>
       <p:ext uri="{BB962C8B-B14F-4D97-AF65-F5344CB8AC3E}">
-        <p14:creationId xmlns:p14="http://schemas.microsoft.com/office/powerpoint/2010/main" val="4027527166"/>
+        <p14:creationId xmlns:p14="http://schemas.microsoft.com/office/powerpoint/2010/main" xmlns="" val="4027527166"/>
       </p:ext>
     </p:extLst>
   </p:cSld>
@@ -3592,7 +3544,7 @@
     </p:spTree>
     <p:extLst>
       <p:ext uri="{BB962C8B-B14F-4D97-AF65-F5344CB8AC3E}">
-        <p14:creationId xmlns:p14="http://schemas.microsoft.com/office/powerpoint/2010/main" val="3304082058"/>
+        <p14:creationId xmlns:p14="http://schemas.microsoft.com/office/powerpoint/2010/main" xmlns="" val="3304082058"/>
       </p:ext>
     </p:extLst>
   </p:cSld>
@@ -3708,7 +3660,7 @@
     </p:spTree>
     <p:extLst>
       <p:ext uri="{BB962C8B-B14F-4D97-AF65-F5344CB8AC3E}">
-        <p14:creationId xmlns:p14="http://schemas.microsoft.com/office/powerpoint/2010/main" val="3081517712"/>
+        <p14:creationId xmlns:p14="http://schemas.microsoft.com/office/powerpoint/2010/main" xmlns="" val="3081517712"/>
       </p:ext>
     </p:extLst>
   </p:cSld>
@@ -3916,7 +3868,7 @@
     </p:spTree>
     <p:extLst>
       <p:ext uri="{BB962C8B-B14F-4D97-AF65-F5344CB8AC3E}">
-        <p14:creationId xmlns:p14="http://schemas.microsoft.com/office/powerpoint/2010/main" val="3142083048"/>
+        <p14:creationId xmlns:p14="http://schemas.microsoft.com/office/powerpoint/2010/main" xmlns="" val="3142083048"/>
       </p:ext>
     </p:extLst>
   </p:cSld>
@@ -5602,7 +5554,7 @@
             <a:blip r:embed="rId7">
               <a:extLst>
                 <a:ext uri="{28A0092B-C50C-407E-A947-70E740481C1C}">
-                  <a14:useLocalDpi xmlns:a14="http://schemas.microsoft.com/office/drawing/2010/main" val="0"/>
+                  <a14:useLocalDpi xmlns:a14="http://schemas.microsoft.com/office/drawing/2010/main" xmlns="" val="0"/>
                 </a:ext>
               </a:extLst>
             </a:blip>
@@ -5620,7 +5572,7 @@
             <a:noFill/>
             <a:extLst>
               <a:ext uri="{909E8E84-426E-40dd-AFC4-6F175D3DCCD1}">
-                <a14:hiddenFill xmlns="" xmlns:a14="http://schemas.microsoft.com/office/drawing/2010/main">
+                <a14:hiddenFill xmlns:a14="http://schemas.microsoft.com/office/drawing/2010/main" xmlns="">
                   <a:solidFill>
                     <a:srgbClr val="FFFFFF"/>
                   </a:solidFill>
@@ -5641,7 +5593,7 @@
             <a:blip r:embed="rId8" cstate="print">
               <a:extLst>
                 <a:ext uri="{28A0092B-C50C-407E-A947-70E740481C1C}">
-                  <a14:useLocalDpi xmlns:a14="http://schemas.microsoft.com/office/drawing/2010/main" val="0"/>
+                  <a14:useLocalDpi xmlns:a14="http://schemas.microsoft.com/office/drawing/2010/main" xmlns="" val="0"/>
                 </a:ext>
               </a:extLst>
             </a:blip>
@@ -5661,7 +5613,7 @@
             <a:noFill/>
             <a:extLst>
               <a:ext uri="{909E8E84-426E-40dd-AFC4-6F175D3DCCD1}">
-                <a14:hiddenFill xmlns="" xmlns:a14="http://schemas.microsoft.com/office/drawing/2010/main">
+                <a14:hiddenFill xmlns:a14="http://schemas.microsoft.com/office/drawing/2010/main" xmlns="">
                   <a:solidFill>
                     <a:srgbClr val="FFFFFF"/>
                   </a:solidFill>
@@ -5732,7 +5684,7 @@
             <a:blip r:embed="rId9" cstate="print">
               <a:extLst>
                 <a:ext uri="{28A0092B-C50C-407E-A947-70E740481C1C}">
-                  <a14:useLocalDpi xmlns:a14="http://schemas.microsoft.com/office/drawing/2010/main" val="0"/>
+                  <a14:useLocalDpi xmlns:a14="http://schemas.microsoft.com/office/drawing/2010/main" xmlns="" val="0"/>
                 </a:ext>
               </a:extLst>
             </a:blip>
@@ -5750,7 +5702,7 @@
             <a:noFill/>
             <a:extLst>
               <a:ext uri="{909E8E84-426E-40dd-AFC4-6F175D3DCCD1}">
-                <a14:hiddenFill xmlns="" xmlns:a14="http://schemas.microsoft.com/office/drawing/2010/main">
+                <a14:hiddenFill xmlns:a14="http://schemas.microsoft.com/office/drawing/2010/main" xmlns="">
                   <a:solidFill>
                     <a:srgbClr val="FFFFFF"/>
                   </a:solidFill>
@@ -5811,7 +5763,7 @@
     </p:spTree>
     <p:extLst>
       <p:ext uri="{BB962C8B-B14F-4D97-AF65-F5344CB8AC3E}">
-        <p14:creationId xmlns:p14="http://schemas.microsoft.com/office/powerpoint/2010/main" val="547571833"/>
+        <p14:creationId xmlns:p14="http://schemas.microsoft.com/office/powerpoint/2010/main" xmlns="" val="547571833"/>
       </p:ext>
     </p:extLst>
   </p:cSld>
@@ -7712,7 +7664,7 @@
     </p:spTree>
     <p:extLst>
       <p:ext uri="{BB962C8B-B14F-4D97-AF65-F5344CB8AC3E}">
-        <p14:creationId xmlns:p14="http://schemas.microsoft.com/office/powerpoint/2010/main" val="2357226408"/>
+        <p14:creationId xmlns:p14="http://schemas.microsoft.com/office/powerpoint/2010/main" xmlns="" val="2357226408"/>
       </p:ext>
     </p:extLst>
   </p:cSld>
@@ -8061,7 +8013,7 @@
             <a:blip r:embed="rId6">
               <a:extLst>
                 <a:ext uri="{28A0092B-C50C-407E-A947-70E740481C1C}">
-                  <a14:useLocalDpi xmlns:a14="http://schemas.microsoft.com/office/drawing/2010/main" val="0"/>
+                  <a14:useLocalDpi xmlns:a14="http://schemas.microsoft.com/office/drawing/2010/main" xmlns="" val="0"/>
                 </a:ext>
               </a:extLst>
             </a:blip>
@@ -8079,7 +8031,7 @@
             <a:noFill/>
             <a:extLst>
               <a:ext uri="{909E8E84-426E-40dd-AFC4-6F175D3DCCD1}">
-                <a14:hiddenFill xmlns="" xmlns:a14="http://schemas.microsoft.com/office/drawing/2010/main">
+                <a14:hiddenFill xmlns:a14="http://schemas.microsoft.com/office/drawing/2010/main" xmlns="">
                   <a:solidFill>
                     <a:srgbClr val="FFFFFF"/>
                   </a:solidFill>
@@ -8100,7 +8052,7 @@
             <a:blip r:embed="rId7" cstate="print">
               <a:extLst>
                 <a:ext uri="{28A0092B-C50C-407E-A947-70E740481C1C}">
-                  <a14:useLocalDpi xmlns:a14="http://schemas.microsoft.com/office/drawing/2010/main" val="0"/>
+                  <a14:useLocalDpi xmlns:a14="http://schemas.microsoft.com/office/drawing/2010/main" xmlns="" val="0"/>
                 </a:ext>
               </a:extLst>
             </a:blip>
@@ -8120,7 +8072,7 @@
             <a:noFill/>
             <a:extLst>
               <a:ext uri="{909E8E84-426E-40dd-AFC4-6F175D3DCCD1}">
-                <a14:hiddenFill xmlns="" xmlns:a14="http://schemas.microsoft.com/office/drawing/2010/main">
+                <a14:hiddenFill xmlns:a14="http://schemas.microsoft.com/office/drawing/2010/main" xmlns="">
                   <a:solidFill>
                     <a:srgbClr val="FFFFFF"/>
                   </a:solidFill>
@@ -8191,7 +8143,7 @@
             <a:blip r:embed="rId8" cstate="print">
               <a:extLst>
                 <a:ext uri="{28A0092B-C50C-407E-A947-70E740481C1C}">
-                  <a14:useLocalDpi xmlns:a14="http://schemas.microsoft.com/office/drawing/2010/main" val="0"/>
+                  <a14:useLocalDpi xmlns:a14="http://schemas.microsoft.com/office/drawing/2010/main" xmlns="" val="0"/>
                 </a:ext>
               </a:extLst>
             </a:blip>
@@ -8209,7 +8161,7 @@
             <a:noFill/>
             <a:extLst>
               <a:ext uri="{909E8E84-426E-40dd-AFC4-6F175D3DCCD1}">
-                <a14:hiddenFill xmlns="" xmlns:a14="http://schemas.microsoft.com/office/drawing/2010/main">
+                <a14:hiddenFill xmlns:a14="http://schemas.microsoft.com/office/drawing/2010/main" xmlns="">
                   <a:solidFill>
                     <a:srgbClr val="FFFFFF"/>
                   </a:solidFill>
@@ -9071,7 +9023,7 @@
     </p:spTree>
     <p:extLst>
       <p:ext uri="{BB962C8B-B14F-4D97-AF65-F5344CB8AC3E}">
-        <p14:creationId xmlns:p14="http://schemas.microsoft.com/office/powerpoint/2010/main" val="168395928"/>
+        <p14:creationId xmlns:p14="http://schemas.microsoft.com/office/powerpoint/2010/main" xmlns="" val="168395928"/>
       </p:ext>
     </p:extLst>
   </p:cSld>
@@ -9469,7 +9421,7 @@
     </p:spTree>
     <p:extLst>
       <p:ext uri="{BB962C8B-B14F-4D97-AF65-F5344CB8AC3E}">
-        <p14:creationId xmlns:p14="http://schemas.microsoft.com/office/powerpoint/2010/main" val="3707583858"/>
+        <p14:creationId xmlns:p14="http://schemas.microsoft.com/office/powerpoint/2010/main" xmlns="" val="3707583858"/>
       </p:ext>
     </p:extLst>
   </p:cSld>
@@ -9845,7 +9797,7 @@
     </p:spTree>
     <p:extLst>
       <p:ext uri="{BB962C8B-B14F-4D97-AF65-F5344CB8AC3E}">
-        <p14:creationId xmlns:p14="http://schemas.microsoft.com/office/powerpoint/2010/main" val="98231638"/>
+        <p14:creationId xmlns:p14="http://schemas.microsoft.com/office/powerpoint/2010/main" xmlns="" val="98231638"/>
       </p:ext>
     </p:extLst>
   </p:cSld>
@@ -9990,7 +9942,7 @@
     </p:spTree>
     <p:extLst>
       <p:ext uri="{BB962C8B-B14F-4D97-AF65-F5344CB8AC3E}">
-        <p14:creationId xmlns:p14="http://schemas.microsoft.com/office/powerpoint/2010/main" val="3773551245"/>
+        <p14:creationId xmlns:p14="http://schemas.microsoft.com/office/powerpoint/2010/main" xmlns="" val="3773551245"/>
       </p:ext>
     </p:extLst>
   </p:cSld>
@@ -10041,15 +9993,7 @@
           <a:p>
             <a:r>
               <a:rPr lang="fr-FR" dirty="0" smtClean="0"/>
-              <a:t>Nous avons décomposé le problème en plusieurs tâches. Une première tâche consiste à générer une solution aléatoirement. Cette solution est ensuite utilisée pour les autres tâches. Chaque tâche </a:t>
-            </a:r>
-            <a:r>
-              <a:rPr lang="fr-FR" dirty="0" smtClean="0"/>
-              <a:t>réalise </a:t>
-            </a:r>
-            <a:r>
-              <a:rPr lang="fr-FR" dirty="0" smtClean="0"/>
-              <a:t>toutes les relocations pour une ville donnée et renvoie la meilleur solution trouvée.</a:t>
+              <a:t>Nous avons décomposé le problème en plusieurs tâches. Une première tâche consiste à générer une solution aléatoirement. Cette solution est ensuite utilisée pour les autres tâches. Chaque tâche réalise toutes les relocations pour une ville donnée et renvoie la meilleur solution trouvée.</a:t>
             </a:r>
           </a:p>
           <a:p>
@@ -10134,8 +10078,24 @@
           <a:lstStyle/>
           <a:p>
             <a:r>
+              <a:rPr lang="en-US" dirty="0" err="1" smtClean="0"/>
+              <a:t>Décomposition</a:t>
+            </a:r>
+            <a:r>
               <a:rPr lang="en-US" dirty="0" smtClean="0"/>
-              <a:t>Problem decomposition (2-3 slides)</a:t>
+              <a:t> du </a:t>
+            </a:r>
+            <a:r>
+              <a:rPr lang="en-US" dirty="0" err="1" smtClean="0"/>
+              <a:t>problème</a:t>
+            </a:r>
+            <a:r>
+              <a:rPr lang="en-US" dirty="0" smtClean="0"/>
+              <a:t> </a:t>
+            </a:r>
+            <a:r>
+              <a:rPr lang="en-US" dirty="0" smtClean="0"/>
+              <a:t>(2-3 slides)</a:t>
             </a:r>
             <a:endParaRPr lang="en-US" dirty="0"/>
           </a:p>
@@ -10144,7 +10104,7 @@
     </p:spTree>
     <p:extLst>
       <p:ext uri="{BB962C8B-B14F-4D97-AF65-F5344CB8AC3E}">
-        <p14:creationId xmlns:p14="http://schemas.microsoft.com/office/powerpoint/2010/main" val="565318803"/>
+        <p14:creationId xmlns:p14="http://schemas.microsoft.com/office/powerpoint/2010/main" xmlns="" val="565318803"/>
       </p:ext>
     </p:extLst>
   </p:cSld>
@@ -10194,401 +10154,77 @@
           <a:lstStyle/>
           <a:p>
             <a:r>
-              <a:rPr lang="en-US" dirty="0" smtClean="0"/>
-              <a:t>A </a:t>
-            </a:r>
-            <a:r>
-              <a:rPr lang="en-US" dirty="0" err="1" smtClean="0"/>
-              <a:t>l’aide</a:t>
-            </a:r>
-            <a:r>
-              <a:rPr lang="en-US" dirty="0" smtClean="0"/>
-              <a:t> d’un objet </a:t>
-            </a:r>
-            <a:r>
-              <a:rPr lang="en-US" i="1" dirty="0" smtClean="0"/>
+              <a:rPr lang="fr-FR" dirty="0" smtClean="0"/>
+              <a:t>A l’aide d’un objet </a:t>
+            </a:r>
+            <a:r>
+              <a:rPr lang="fr-FR" i="1" dirty="0" err="1" smtClean="0"/>
               <a:t>executor</a:t>
             </a:r>
             <a:r>
-              <a:rPr lang="en-US" dirty="0" smtClean="0"/>
-              <a:t> de la </a:t>
-            </a:r>
-            <a:r>
-              <a:rPr lang="en-US" dirty="0" err="1" smtClean="0"/>
-              <a:t>classe</a:t>
-            </a:r>
-            <a:r>
-              <a:rPr lang="en-US" dirty="0" smtClean="0"/>
-              <a:t> </a:t>
-            </a:r>
-            <a:r>
-              <a:rPr lang="en-US" dirty="0" err="1" smtClean="0"/>
+              <a:rPr lang="fr-FR" dirty="0" smtClean="0"/>
+              <a:t> de la classe </a:t>
+            </a:r>
+            <a:r>
+              <a:rPr lang="fr-FR" dirty="0" err="1" smtClean="0"/>
               <a:t>ExecutorService</a:t>
             </a:r>
             <a:r>
-              <a:rPr lang="en-US" dirty="0" smtClean="0"/>
-              <a:t>, on </a:t>
-            </a:r>
-            <a:r>
-              <a:rPr lang="en-US" dirty="0" err="1" smtClean="0"/>
-              <a:t>réalise</a:t>
-            </a:r>
-            <a:r>
-              <a:rPr lang="en-US" dirty="0" smtClean="0"/>
-              <a:t> </a:t>
-            </a:r>
-            <a:r>
-              <a:rPr lang="en-US" dirty="0" err="1" smtClean="0"/>
-              <a:t>une</a:t>
-            </a:r>
-            <a:r>
-              <a:rPr lang="en-US" dirty="0" smtClean="0"/>
-              <a:t> “</a:t>
-            </a:r>
-            <a:r>
-              <a:rPr lang="en-US" dirty="0" err="1" smtClean="0"/>
+              <a:rPr lang="fr-FR" dirty="0" smtClean="0"/>
+              <a:t>, on réalise une “</a:t>
+            </a:r>
+            <a:r>
+              <a:rPr lang="fr-FR" dirty="0" err="1" smtClean="0"/>
               <a:t>newFixedThreadPool</a:t>
             </a:r>
             <a:r>
-              <a:rPr lang="en-US" dirty="0" smtClean="0"/>
-              <a:t>” qui </a:t>
-            </a:r>
-            <a:r>
-              <a:rPr lang="en-US" dirty="0" err="1" smtClean="0"/>
-              <a:t>contiendra</a:t>
-            </a:r>
-            <a:r>
-              <a:rPr lang="en-US" dirty="0" smtClean="0"/>
-              <a:t> </a:t>
-            </a:r>
-            <a:r>
-              <a:rPr lang="en-US" dirty="0" err="1" smtClean="0"/>
-              <a:t>autant</a:t>
-            </a:r>
-            <a:r>
-              <a:rPr lang="en-US" dirty="0" smtClean="0"/>
-              <a:t> de thread que le </a:t>
-            </a:r>
-            <a:r>
-              <a:rPr lang="en-US" dirty="0" err="1" smtClean="0"/>
-              <a:t>nombre</a:t>
-            </a:r>
-            <a:r>
-              <a:rPr lang="en-US" dirty="0" smtClean="0"/>
-              <a:t> </a:t>
-            </a:r>
-            <a:r>
-              <a:rPr lang="en-US" dirty="0" err="1" smtClean="0"/>
-              <a:t>indiqué</a:t>
-            </a:r>
-            <a:r>
-              <a:rPr lang="en-US" dirty="0" smtClean="0"/>
-              <a:t> </a:t>
-            </a:r>
-            <a:r>
-              <a:rPr lang="en-US" dirty="0" err="1" smtClean="0"/>
-              <a:t>dans</a:t>
-            </a:r>
-            <a:r>
-              <a:rPr lang="en-US" dirty="0" smtClean="0"/>
-              <a:t> le </a:t>
-            </a:r>
-            <a:r>
-              <a:rPr lang="en-US" dirty="0" err="1" smtClean="0"/>
-              <a:t>fichier</a:t>
-            </a:r>
-            <a:r>
-              <a:rPr lang="en-US" dirty="0" smtClean="0"/>
-              <a:t> de configuration. On </a:t>
-            </a:r>
-            <a:r>
-              <a:rPr lang="en-US" dirty="0" err="1" smtClean="0"/>
-              <a:t>crée</a:t>
-            </a:r>
-            <a:r>
-              <a:rPr lang="en-US" dirty="0" smtClean="0"/>
-              <a:t> </a:t>
-            </a:r>
-            <a:r>
-              <a:rPr lang="en-US" dirty="0" err="1" smtClean="0"/>
-              <a:t>ensuite</a:t>
-            </a:r>
-            <a:r>
-              <a:rPr lang="en-US" dirty="0" smtClean="0"/>
-              <a:t> les taches </a:t>
-            </a:r>
-            <a:r>
-              <a:rPr lang="en-US" dirty="0" err="1" smtClean="0"/>
-              <a:t>en</a:t>
-            </a:r>
-            <a:r>
-              <a:rPr lang="en-US" dirty="0" smtClean="0"/>
-              <a:t> les </a:t>
-            </a:r>
-            <a:r>
-              <a:rPr lang="en-US" dirty="0" err="1" smtClean="0"/>
-              <a:t>ajoutant</a:t>
-            </a:r>
-            <a:r>
-              <a:rPr lang="en-US" dirty="0" smtClean="0"/>
-              <a:t> à </a:t>
-            </a:r>
-            <a:r>
-              <a:rPr lang="en-US" dirty="0" err="1" smtClean="0"/>
-              <a:t>une</a:t>
-            </a:r>
-            <a:r>
-              <a:rPr lang="en-US" dirty="0" smtClean="0"/>
-              <a:t> </a:t>
-            </a:r>
-            <a:r>
-              <a:rPr lang="en-US" dirty="0" err="1" smtClean="0"/>
+              <a:rPr lang="fr-FR" dirty="0" smtClean="0"/>
+              <a:t>” qui contiendra autant de thread que le nombre indiqué dans le fichier de configuration. On crée ensuite les taches en les ajoutant à une </a:t>
+            </a:r>
+            <a:r>
+              <a:rPr lang="fr-FR" dirty="0" err="1" smtClean="0"/>
               <a:t>ArrayList</a:t>
             </a:r>
             <a:r>
-              <a:rPr lang="en-US" dirty="0" smtClean="0"/>
-              <a:t> </a:t>
-            </a:r>
-            <a:r>
-              <a:rPr lang="en-US" dirty="0" err="1" smtClean="0"/>
-              <a:t>puis</a:t>
-            </a:r>
-            <a:r>
-              <a:rPr lang="en-US" dirty="0" smtClean="0"/>
-              <a:t> on </a:t>
-            </a:r>
-            <a:r>
-              <a:rPr lang="en-US" dirty="0" err="1" smtClean="0"/>
-              <a:t>appelle</a:t>
-            </a:r>
-            <a:r>
-              <a:rPr lang="en-US" dirty="0" smtClean="0"/>
-              <a:t> la </a:t>
-            </a:r>
-            <a:r>
-              <a:rPr lang="en-US" dirty="0" err="1" smtClean="0"/>
-              <a:t>méthode</a:t>
-            </a:r>
-            <a:r>
-              <a:rPr lang="en-US" dirty="0" smtClean="0"/>
-              <a:t> </a:t>
-            </a:r>
-            <a:r>
-              <a:rPr lang="en-US" i="1" dirty="0" err="1" smtClean="0"/>
+              <a:rPr lang="fr-FR" dirty="0" smtClean="0"/>
+              <a:t> puis on appelle la méthode </a:t>
+            </a:r>
+            <a:r>
+              <a:rPr lang="fr-FR" i="1" dirty="0" err="1" smtClean="0"/>
               <a:t>invokeAll</a:t>
             </a:r>
             <a:r>
-              <a:rPr lang="en-US" i="1" dirty="0" smtClean="0"/>
+              <a:rPr lang="fr-FR" i="1" dirty="0" smtClean="0"/>
               <a:t>() </a:t>
             </a:r>
             <a:r>
-              <a:rPr lang="en-US" dirty="0" smtClean="0"/>
-              <a:t>de </a:t>
-            </a:r>
-            <a:r>
-              <a:rPr lang="en-US" dirty="0" err="1" smtClean="0"/>
-              <a:t>l’objet</a:t>
-            </a:r>
-            <a:r>
-              <a:rPr lang="en-US" dirty="0" smtClean="0"/>
-              <a:t> </a:t>
-            </a:r>
-            <a:r>
-              <a:rPr lang="en-US" i="1" dirty="0" smtClean="0"/>
+              <a:rPr lang="fr-FR" dirty="0" smtClean="0"/>
+              <a:t>de l’objet </a:t>
+            </a:r>
+            <a:r>
+              <a:rPr lang="fr-FR" i="1" dirty="0" err="1" smtClean="0"/>
               <a:t>executor</a:t>
             </a:r>
             <a:r>
-              <a:rPr lang="en-US" dirty="0" smtClean="0"/>
-              <a:t> </a:t>
-            </a:r>
-            <a:r>
-              <a:rPr lang="en-US" dirty="0" err="1" smtClean="0"/>
-              <a:t>en</a:t>
-            </a:r>
-            <a:r>
-              <a:rPr lang="en-US" dirty="0" smtClean="0"/>
-              <a:t> passant </a:t>
-            </a:r>
-            <a:r>
-              <a:rPr lang="en-US" dirty="0" err="1" smtClean="0"/>
-              <a:t>en</a:t>
-            </a:r>
-            <a:r>
-              <a:rPr lang="en-US" dirty="0" smtClean="0"/>
-              <a:t> parameter la </a:t>
-            </a:r>
-            <a:r>
-              <a:rPr lang="en-US" dirty="0" err="1" smtClean="0"/>
-              <a:t>liste</a:t>
-            </a:r>
-            <a:r>
-              <a:rPr lang="en-US" dirty="0" smtClean="0"/>
-              <a:t> de taches à executer.</a:t>
-            </a:r>
-            <a:endParaRPr lang="en-US" i="1" dirty="0" smtClean="0"/>
+              <a:rPr lang="fr-FR" dirty="0" smtClean="0"/>
+              <a:t> en passant en </a:t>
+            </a:r>
+            <a:r>
+              <a:rPr lang="fr-FR" dirty="0" err="1" smtClean="0"/>
+              <a:t>parameter</a:t>
+            </a:r>
+            <a:r>
+              <a:rPr lang="fr-FR" dirty="0" smtClean="0"/>
+              <a:t> la liste de taches à exécuter.</a:t>
+            </a:r>
+            <a:endParaRPr lang="fr-FR" i="1" dirty="0" smtClean="0"/>
           </a:p>
           <a:p>
             <a:r>
-              <a:rPr lang="en-US" dirty="0" err="1" smtClean="0"/>
-              <a:t>En</a:t>
-            </a:r>
-            <a:r>
-              <a:rPr lang="en-US" dirty="0" smtClean="0"/>
-              <a:t> retour de </a:t>
-            </a:r>
-            <a:r>
-              <a:rPr lang="en-US" dirty="0" err="1" smtClean="0"/>
-              <a:t>cette</a:t>
-            </a:r>
-            <a:r>
-              <a:rPr lang="en-US" dirty="0" smtClean="0"/>
-              <a:t> </a:t>
-            </a:r>
-            <a:r>
-              <a:rPr lang="en-US" dirty="0" err="1" smtClean="0"/>
-              <a:t>méthode</a:t>
-            </a:r>
-            <a:r>
-              <a:rPr lang="en-US" dirty="0" smtClean="0"/>
-              <a:t>, on </a:t>
-            </a:r>
-            <a:r>
-              <a:rPr lang="en-US" dirty="0" err="1" smtClean="0"/>
-              <a:t>obtient</a:t>
-            </a:r>
-            <a:r>
-              <a:rPr lang="en-US" dirty="0" smtClean="0"/>
-              <a:t> </a:t>
-            </a:r>
-            <a:r>
-              <a:rPr lang="en-US" dirty="0" err="1" smtClean="0"/>
-              <a:t>une</a:t>
-            </a:r>
-            <a:r>
-              <a:rPr lang="en-US" dirty="0" smtClean="0"/>
-              <a:t> </a:t>
-            </a:r>
-            <a:r>
-              <a:rPr lang="en-US" dirty="0" err="1" smtClean="0"/>
-              <a:t>liste</a:t>
-            </a:r>
-            <a:r>
-              <a:rPr lang="en-US" dirty="0" smtClean="0"/>
-              <a:t> qui </a:t>
-            </a:r>
-            <a:r>
-              <a:rPr lang="en-US" dirty="0" err="1" smtClean="0"/>
-              <a:t>contient</a:t>
-            </a:r>
-            <a:r>
-              <a:rPr lang="en-US" dirty="0" smtClean="0"/>
-              <a:t> </a:t>
-            </a:r>
-            <a:r>
-              <a:rPr lang="en-US" dirty="0" err="1" smtClean="0"/>
-              <a:t>toutes</a:t>
-            </a:r>
-            <a:r>
-              <a:rPr lang="en-US" dirty="0" smtClean="0"/>
-              <a:t> les </a:t>
-            </a:r>
-            <a:r>
-              <a:rPr lang="en-US" dirty="0" err="1" smtClean="0"/>
-              <a:t>différentes</a:t>
-            </a:r>
-            <a:r>
-              <a:rPr lang="en-US" dirty="0" smtClean="0"/>
-              <a:t> </a:t>
-            </a:r>
-            <a:r>
-              <a:rPr lang="en-US" dirty="0" err="1" smtClean="0"/>
-              <a:t>meilleures</a:t>
-            </a:r>
-            <a:r>
-              <a:rPr lang="en-US" dirty="0" smtClean="0"/>
-              <a:t> solutions pour </a:t>
-            </a:r>
-            <a:r>
-              <a:rPr lang="en-US" dirty="0" err="1" smtClean="0"/>
-              <a:t>chaque</a:t>
-            </a:r>
-            <a:r>
-              <a:rPr lang="en-US" dirty="0" smtClean="0"/>
-              <a:t> </a:t>
-            </a:r>
-            <a:r>
-              <a:rPr lang="en-US" dirty="0" err="1" smtClean="0"/>
-              <a:t>ville</a:t>
-            </a:r>
-            <a:r>
-              <a:rPr lang="en-US" dirty="0" smtClean="0"/>
-              <a:t>, </a:t>
-            </a:r>
-            <a:r>
-              <a:rPr lang="en-US" dirty="0" err="1" smtClean="0"/>
-              <a:t>il</a:t>
-            </a:r>
-            <a:r>
-              <a:rPr lang="en-US" dirty="0" smtClean="0"/>
-              <a:t> ne nous </a:t>
-            </a:r>
-            <a:r>
-              <a:rPr lang="en-US" dirty="0" err="1" smtClean="0"/>
-              <a:t>reste</a:t>
-            </a:r>
-            <a:r>
-              <a:rPr lang="en-US" dirty="0" smtClean="0"/>
-              <a:t> </a:t>
-            </a:r>
-            <a:r>
-              <a:rPr lang="en-US" dirty="0" err="1" smtClean="0"/>
-              <a:t>ensuite</a:t>
-            </a:r>
-            <a:r>
-              <a:rPr lang="en-US" dirty="0" smtClean="0"/>
-              <a:t> plus </a:t>
-            </a:r>
-            <a:r>
-              <a:rPr lang="en-US" dirty="0" err="1" smtClean="0"/>
-              <a:t>qu’à</a:t>
-            </a:r>
-            <a:r>
-              <a:rPr lang="en-US" dirty="0" smtClean="0"/>
-              <a:t> </a:t>
-            </a:r>
-            <a:r>
-              <a:rPr lang="en-US" dirty="0" err="1" smtClean="0"/>
-              <a:t>récupérer</a:t>
-            </a:r>
-            <a:r>
-              <a:rPr lang="en-US" dirty="0" smtClean="0"/>
-              <a:t> la </a:t>
-            </a:r>
-            <a:r>
-              <a:rPr lang="en-US" dirty="0" err="1" smtClean="0"/>
-              <a:t>meilleure</a:t>
-            </a:r>
-            <a:r>
-              <a:rPr lang="en-US" dirty="0" smtClean="0"/>
-              <a:t> </a:t>
-            </a:r>
-            <a:r>
-              <a:rPr lang="en-US" dirty="0" err="1" smtClean="0"/>
-              <a:t>d’entre</a:t>
-            </a:r>
-            <a:r>
-              <a:rPr lang="en-US" dirty="0" smtClean="0"/>
-              <a:t> </a:t>
-            </a:r>
-            <a:r>
-              <a:rPr lang="en-US" dirty="0" err="1" smtClean="0"/>
-              <a:t>elle</a:t>
-            </a:r>
-            <a:r>
-              <a:rPr lang="en-US" dirty="0" smtClean="0"/>
-              <a:t>.</a:t>
-            </a:r>
-            <a:endParaRPr lang="en-US" dirty="0" smtClean="0"/>
+              <a:rPr lang="fr-FR" dirty="0" smtClean="0"/>
+              <a:t>En retour de cette méthode, on obtient une liste qui contient toutes les différentes meilleures solutions pour chaque ville, il ne nous reste ensuite plus qu’à récupérer la meilleure d’entre elle.</a:t>
+            </a:r>
+            <a:endParaRPr lang="fr-FR" dirty="0" smtClean="0"/>
           </a:p>
         </p:txBody>
       </p:sp>
@@ -10622,7 +10258,7 @@
     </p:spTree>
     <p:extLst>
       <p:ext uri="{BB962C8B-B14F-4D97-AF65-F5344CB8AC3E}">
-        <p14:creationId xmlns:p14="http://schemas.microsoft.com/office/powerpoint/2010/main" val="2014737294"/>
+        <p14:creationId xmlns:p14="http://schemas.microsoft.com/office/powerpoint/2010/main" xmlns="" val="2014737294"/>
       </p:ext>
     </p:extLst>
   </p:cSld>
@@ -10722,7 +10358,7 @@
     </p:spTree>
     <p:extLst>
       <p:ext uri="{BB962C8B-B14F-4D97-AF65-F5344CB8AC3E}">
-        <p14:creationId xmlns:p14="http://schemas.microsoft.com/office/powerpoint/2010/main" val="493409273"/>
+        <p14:creationId xmlns:p14="http://schemas.microsoft.com/office/powerpoint/2010/main" xmlns="" val="493409273"/>
       </p:ext>
     </p:extLst>
   </p:cSld>
@@ -10788,7 +10424,7 @@
           <p:nvPr>
             <p:extLst>
               <p:ext uri="{D42A27DB-BD31-4B8C-83A1-F6EECF244321}">
-                <p14:modId xmlns:p14="http://schemas.microsoft.com/office/powerpoint/2010/main" val="1785705513"/>
+                <p14:modId xmlns:p14="http://schemas.microsoft.com/office/powerpoint/2010/main" xmlns="" val="1785705513"/>
               </p:ext>
             </p:extLst>
           </p:nvPr>
@@ -10807,21 +10443,21 @@
                 <a:gridCol w="2032000">
                   <a:extLst>
                     <a:ext uri="{9D8B030D-6E8A-4147-A177-3AD203B41FA5}">
-                      <a16:colId xmlns:a16="http://schemas.microsoft.com/office/drawing/2014/main" val="20000"/>
+                      <a16:colId xmlns:a16="http://schemas.microsoft.com/office/drawing/2014/main" xmlns="" val="20000"/>
                     </a:ext>
                   </a:extLst>
                 </a:gridCol>
                 <a:gridCol w="2032000">
                   <a:extLst>
                     <a:ext uri="{9D8B030D-6E8A-4147-A177-3AD203B41FA5}">
-                      <a16:colId xmlns:a16="http://schemas.microsoft.com/office/drawing/2014/main" val="20001"/>
+                      <a16:colId xmlns:a16="http://schemas.microsoft.com/office/drawing/2014/main" xmlns="" val="20001"/>
                     </a:ext>
                   </a:extLst>
                 </a:gridCol>
                 <a:gridCol w="2110296">
                   <a:extLst>
                     <a:ext uri="{9D8B030D-6E8A-4147-A177-3AD203B41FA5}">
-                      <a16:colId xmlns:a16="http://schemas.microsoft.com/office/drawing/2014/main" val="20002"/>
+                      <a16:colId xmlns:a16="http://schemas.microsoft.com/office/drawing/2014/main" xmlns="" val="20002"/>
                     </a:ext>
                   </a:extLst>
                 </a:gridCol>
@@ -10882,7 +10518,7 @@
                 </a:tc>
                 <a:extLst>
                   <a:ext uri="{0D108BD9-81ED-4DB2-BD59-A6C34878D82A}">
-                    <a16:rowId xmlns:a16="http://schemas.microsoft.com/office/drawing/2014/main" val="10000"/>
+                    <a16:rowId xmlns:a16="http://schemas.microsoft.com/office/drawing/2014/main" xmlns="" val="10000"/>
                   </a:ext>
                 </a:extLst>
               </a:tr>
@@ -10931,7 +10567,7 @@
                 </a:tc>
                 <a:extLst>
                   <a:ext uri="{0D108BD9-81ED-4DB2-BD59-A6C34878D82A}">
-                    <a16:rowId xmlns:a16="http://schemas.microsoft.com/office/drawing/2014/main" val="10001"/>
+                    <a16:rowId xmlns:a16="http://schemas.microsoft.com/office/drawing/2014/main" xmlns="" val="10001"/>
                   </a:ext>
                 </a:extLst>
               </a:tr>
@@ -10980,7 +10616,7 @@
                 </a:tc>
                 <a:extLst>
                   <a:ext uri="{0D108BD9-81ED-4DB2-BD59-A6C34878D82A}">
-                    <a16:rowId xmlns:a16="http://schemas.microsoft.com/office/drawing/2014/main" val="10002"/>
+                    <a16:rowId xmlns:a16="http://schemas.microsoft.com/office/drawing/2014/main" xmlns="" val="10002"/>
                   </a:ext>
                 </a:extLst>
               </a:tr>
@@ -11029,7 +10665,7 @@
                 </a:tc>
                 <a:extLst>
                   <a:ext uri="{0D108BD9-81ED-4DB2-BD59-A6C34878D82A}">
-                    <a16:rowId xmlns:a16="http://schemas.microsoft.com/office/drawing/2014/main" val="10003"/>
+                    <a16:rowId xmlns:a16="http://schemas.microsoft.com/office/drawing/2014/main" xmlns="" val="10003"/>
                   </a:ext>
                 </a:extLst>
               </a:tr>
@@ -11078,7 +10714,7 @@
                 </a:tc>
                 <a:extLst>
                   <a:ext uri="{0D108BD9-81ED-4DB2-BD59-A6C34878D82A}">
-                    <a16:rowId xmlns:a16="http://schemas.microsoft.com/office/drawing/2014/main" val="10004"/>
+                    <a16:rowId xmlns:a16="http://schemas.microsoft.com/office/drawing/2014/main" xmlns="" val="10004"/>
                   </a:ext>
                 </a:extLst>
               </a:tr>
@@ -11127,7 +10763,7 @@
                 </a:tc>
                 <a:extLst>
                   <a:ext uri="{0D108BD9-81ED-4DB2-BD59-A6C34878D82A}">
-                    <a16:rowId xmlns:a16="http://schemas.microsoft.com/office/drawing/2014/main" val="10005"/>
+                    <a16:rowId xmlns:a16="http://schemas.microsoft.com/office/drawing/2014/main" xmlns="" val="10005"/>
                   </a:ext>
                 </a:extLst>
               </a:tr>
@@ -11135,8 +10771,8 @@
           </a:graphicData>
         </a:graphic>
       </p:graphicFrame>
-      <mc:AlternateContent xmlns:mc="http://schemas.openxmlformats.org/markup-compatibility/2006" xmlns:a14="http://schemas.microsoft.com/office/drawing/2010/main">
-        <mc:Choice Requires="a14">
+      <mc:AlternateContent xmlns:mc="http://schemas.openxmlformats.org/markup-compatibility/2006">
+        <mc:Choice xmlns:a14="http://schemas.microsoft.com/office/drawing/2010/main" xmlns="" Requires="a14">
           <p:sp>
             <p:nvSpPr>
               <p:cNvPr id="7" name="TextBox 6"/>
@@ -11312,7 +10948,7 @@
             </p:txBody>
           </p:sp>
         </mc:Choice>
-        <mc:Fallback xmlns="">
+        <mc:Fallback>
           <p:sp>
             <p:nvSpPr>
               <p:cNvPr id="7" name="TextBox 6"/>
@@ -11408,7 +11044,7 @@
     </p:spTree>
     <p:extLst>
       <p:ext uri="{BB962C8B-B14F-4D97-AF65-F5344CB8AC3E}">
-        <p14:creationId xmlns:p14="http://schemas.microsoft.com/office/powerpoint/2010/main" val="2033306419"/>
+        <p14:creationId xmlns:p14="http://schemas.microsoft.com/office/powerpoint/2010/main" xmlns="" val="2033306419"/>
       </p:ext>
     </p:extLst>
   </p:cSld>
@@ -11527,7 +11163,7 @@
           <p:nvPr>
             <p:extLst>
               <p:ext uri="{D42A27DB-BD31-4B8C-83A1-F6EECF244321}">
-                <p14:modId xmlns:p14="http://schemas.microsoft.com/office/powerpoint/2010/main" val="1882126371"/>
+                <p14:modId xmlns:p14="http://schemas.microsoft.com/office/powerpoint/2010/main" xmlns="" val="1882126371"/>
               </p:ext>
             </p:extLst>
           </p:nvPr>
@@ -11545,7 +11181,7 @@
     </p:spTree>
     <p:extLst>
       <p:ext uri="{BB962C8B-B14F-4D97-AF65-F5344CB8AC3E}">
-        <p14:creationId xmlns:p14="http://schemas.microsoft.com/office/powerpoint/2010/main" val="44227942"/>
+        <p14:creationId xmlns:p14="http://schemas.microsoft.com/office/powerpoint/2010/main" xmlns="" val="44227942"/>
       </p:ext>
     </p:extLst>
   </p:cSld>
@@ -11639,7 +11275,7 @@
     </p:spTree>
     <p:extLst>
       <p:ext uri="{BB962C8B-B14F-4D97-AF65-F5344CB8AC3E}">
-        <p14:creationId xmlns:p14="http://schemas.microsoft.com/office/powerpoint/2010/main" val="894479036"/>
+        <p14:creationId xmlns:p14="http://schemas.microsoft.com/office/powerpoint/2010/main" xmlns="" val="894479036"/>
       </p:ext>
     </p:extLst>
   </p:cSld>

--- a/presentation.pptx
+++ b/presentation.pptx
@@ -8,7 +8,7 @@
     <p:sldMasterId id="2147484023" r:id="rId5"/>
   </p:sldMasterIdLst>
   <p:notesMasterIdLst>
-    <p:notesMasterId r:id="rId14"/>
+    <p:notesMasterId r:id="rId15"/>
   </p:notesMasterIdLst>
   <p:sldIdLst>
     <p:sldId id="256" r:id="rId6"/>
@@ -17,8 +17,9 @@
     <p:sldId id="261" r:id="rId9"/>
     <p:sldId id="259" r:id="rId10"/>
     <p:sldId id="260" r:id="rId11"/>
-    <p:sldId id="262" r:id="rId12"/>
-    <p:sldId id="263" r:id="rId13"/>
+    <p:sldId id="264" r:id="rId12"/>
+    <p:sldId id="262" r:id="rId13"/>
+    <p:sldId id="263" r:id="rId14"/>
   </p:sldIdLst>
   <p:sldSz cx="12192000" cy="6858000"/>
   <p:notesSz cx="6858000" cy="9144000"/>
@@ -119,7 +120,7 @@
   </p:defaultTextStyle>
   <p:extLst>
     <p:ext uri="{EFAFB233-063F-42B5-8137-9DF3F51BA10A}">
-      <p15:sldGuideLst xmlns:p15="http://schemas.microsoft.com/office/powerpoint/2012/main" xmlns="">
+      <p15:sldGuideLst xmlns:p15="http://schemas.microsoft.com/office/powerpoint/2012/main">
         <p15:guide id="1" orient="horz" pos="2160">
           <p15:clr>
             <a:srgbClr val="A4A3A4"/>
@@ -133,7 +134,7 @@
       </p15:sldGuideLst>
     </p:ext>
     <p:ext uri="{2D200454-40CA-4A62-9FC3-DE9A4176ACB9}">
-      <p15:notesGuideLst xmlns:p15="http://schemas.microsoft.com/office/powerpoint/2012/main" xmlns="">
+      <p15:notesGuideLst xmlns:p15="http://schemas.microsoft.com/office/powerpoint/2012/main">
         <p15:guide id="1" orient="horz" pos="2880">
           <p15:clr>
             <a:srgbClr val="A4A3A4"/>
@@ -151,8 +152,18 @@
 </file>
 
 <file path=ppt/charts/chart1.xml><?xml version="1.0" encoding="utf-8"?>
-<c:chartSpace xmlns:c="http://schemas.openxmlformats.org/drawingml/2006/chart" xmlns:a="http://schemas.openxmlformats.org/drawingml/2006/main" xmlns:r="http://schemas.openxmlformats.org/officeDocument/2006/relationships">
+<c:chartSpace xmlns:c="http://schemas.openxmlformats.org/drawingml/2006/chart" xmlns:a="http://schemas.openxmlformats.org/drawingml/2006/main" xmlns:r="http://schemas.openxmlformats.org/officeDocument/2006/relationships" xmlns:c16r2="http://schemas.microsoft.com/office/drawing/2015/06/chart">
+  <c:date1904 val="0"/>
   <c:lang val="fr-FR"/>
+  <c:roundedCorners val="0"/>
+  <mc:AlternateContent xmlns:mc="http://schemas.openxmlformats.org/markup-compatibility/2006">
+    <mc:Choice xmlns:c14="http://schemas.microsoft.com/office/drawing/2007/8/2/chart" Requires="c14">
+      <c14:style val="102"/>
+    </mc:Choice>
+    <mc:Fallback>
+      <c:style val="2"/>
+    </mc:Fallback>
+  </mc:AlternateContent>
   <c:chart>
     <c:title>
       <c:tx>
@@ -189,7 +200,7 @@
           </a:p>
         </c:rich>
       </c:tx>
-      <c:layout/>
+      <c:overlay val="0"/>
       <c:spPr>
         <a:noFill/>
         <a:ln>
@@ -198,10 +209,12 @@
         <a:effectLst/>
       </c:spPr>
     </c:title>
+    <c:autoTitleDeleted val="0"/>
     <c:plotArea>
       <c:layout/>
       <c:lineChart>
         <c:grouping val="standard"/>
+        <c:varyColors val="0"/>
         <c:ser>
           <c:idx val="1"/>
           <c:order val="0"/>
@@ -268,14 +281,22 @@
               </c:numCache>
             </c:numRef>
           </c:val>
-          <c:extLst xmlns:c16r2="http://schemas.microsoft.com/office/drawing/2015/06/chart">
+          <c:smooth val="0"/>
+          <c:extLst>
             <c:ext xmlns:c16="http://schemas.microsoft.com/office/drawing/2014/chart" uri="{C3380CC4-5D6E-409C-BE32-E72D297353CC}">
               <c16:uniqueId val="{00000000-EF17-4B01-8E48-F15C6C6E8E5B}"/>
             </c:ext>
           </c:extLst>
         </c:ser>
-        <c:dLbls/>
-        <c:marker val="1"/>
+        <c:dLbls>
+          <c:showLegendKey val="0"/>
+          <c:showVal val="0"/>
+          <c:showCatName val="0"/>
+          <c:showSerName val="0"/>
+          <c:showPercent val="0"/>
+          <c:showBubbleSize val="0"/>
+        </c:dLbls>
+        <c:smooth val="0"/>
         <c:axId val="118685056"/>
         <c:axId val="112526464"/>
       </c:lineChart>
@@ -284,9 +305,11 @@
         <c:scaling>
           <c:orientation val="minMax"/>
         </c:scaling>
+        <c:delete val="0"/>
         <c:axPos val="b"/>
         <c:numFmt formatCode="General" sourceLinked="1"/>
         <c:majorTickMark val="none"/>
+        <c:minorTickMark val="none"/>
         <c:tickLblPos val="nextTo"/>
         <c:spPr>
           <a:noFill/>
@@ -326,12 +349,14 @@
         <c:auto val="1"/>
         <c:lblAlgn val="ctr"/>
         <c:lblOffset val="100"/>
+        <c:noMultiLvlLbl val="0"/>
       </c:catAx>
       <c:valAx>
         <c:axId val="112526464"/>
         <c:scaling>
           <c:orientation val="minMax"/>
         </c:scaling>
+        <c:delete val="0"/>
         <c:axPos val="l"/>
         <c:majorGridlines>
           <c:spPr>
@@ -349,6 +374,7 @@
         </c:majorGridlines>
         <c:numFmt formatCode="#,##0.00" sourceLinked="0"/>
         <c:majorTickMark val="none"/>
+        <c:minorTickMark val="none"/>
         <c:tickLblPos val="nextTo"/>
         <c:spPr>
           <a:noFill/>
@@ -391,7 +417,7 @@
     </c:plotArea>
     <c:legend>
       <c:legendPos val="b"/>
-      <c:layout/>
+      <c:overlay val="0"/>
       <c:spPr>
         <a:noFill/>
         <a:ln>
@@ -422,6 +448,7 @@
     </c:legend>
     <c:plotVisOnly val="1"/>
     <c:dispBlanksAs val="gap"/>
+    <c:showDLblsOverMax val="0"/>
   </c:chart>
   <c:spPr>
     <a:noFill/>
@@ -440,564 +467,10 @@
       <a:endParaRPr lang="fr-FR"/>
     </a:p>
   </c:txPr>
-  <c:externalData r:id="rId1"/>
+  <c:externalData r:id="rId1">
+    <c:autoUpdate val="0"/>
+  </c:externalData>
 </c:chartSpace>
-</file>
-
-<file path=ppt/charts/colors1.xml><?xml version="1.0" encoding="utf-8"?>
-<cs:colorStyle xmlns:cs="http://schemas.microsoft.com/office/drawing/2012/chartStyle" xmlns:a="http://schemas.openxmlformats.org/drawingml/2006/main" meth="cycle" id="10">
-  <a:schemeClr val="accent1"/>
-  <a:schemeClr val="accent2"/>
-  <a:schemeClr val="accent3"/>
-  <a:schemeClr val="accent4"/>
-  <a:schemeClr val="accent5"/>
-  <a:schemeClr val="accent6"/>
-  <cs:variation/>
-  <cs:variation>
-    <a:lumMod val="60000"/>
-  </cs:variation>
-  <cs:variation>
-    <a:lumMod val="80000"/>
-    <a:lumOff val="20000"/>
-  </cs:variation>
-  <cs:variation>
-    <a:lumMod val="80000"/>
-  </cs:variation>
-  <cs:variation>
-    <a:lumMod val="60000"/>
-    <a:lumOff val="40000"/>
-  </cs:variation>
-  <cs:variation>
-    <a:lumMod val="50000"/>
-  </cs:variation>
-  <cs:variation>
-    <a:lumMod val="70000"/>
-    <a:lumOff val="30000"/>
-  </cs:variation>
-  <cs:variation>
-    <a:lumMod val="70000"/>
-  </cs:variation>
-  <cs:variation>
-    <a:lumMod val="50000"/>
-    <a:lumOff val="50000"/>
-  </cs:variation>
-</cs:colorStyle>
-</file>
-
-<file path=ppt/charts/style1.xml><?xml version="1.0" encoding="utf-8"?>
-<cs:chartStyle xmlns:cs="http://schemas.microsoft.com/office/drawing/2012/chartStyle" xmlns:a="http://schemas.openxmlformats.org/drawingml/2006/main" id="227">
-  <cs:axisTitle>
-    <cs:lnRef idx="0"/>
-    <cs:fillRef idx="0"/>
-    <cs:effectRef idx="0"/>
-    <cs:fontRef idx="minor">
-      <a:schemeClr val="tx1">
-        <a:lumMod val="65000"/>
-        <a:lumOff val="35000"/>
-      </a:schemeClr>
-    </cs:fontRef>
-    <cs:defRPr sz="1000" kern="1200"/>
-  </cs:axisTitle>
-  <cs:categoryAxis>
-    <cs:lnRef idx="0"/>
-    <cs:fillRef idx="0"/>
-    <cs:effectRef idx="0"/>
-    <cs:fontRef idx="minor">
-      <a:schemeClr val="tx1">
-        <a:lumMod val="65000"/>
-        <a:lumOff val="35000"/>
-      </a:schemeClr>
-    </cs:fontRef>
-    <cs:spPr>
-      <a:ln w="9525" cap="flat" cmpd="sng" algn="ctr">
-        <a:solidFill>
-          <a:schemeClr val="tx1">
-            <a:lumMod val="15000"/>
-            <a:lumOff val="85000"/>
-          </a:schemeClr>
-        </a:solidFill>
-        <a:round/>
-      </a:ln>
-    </cs:spPr>
-    <cs:defRPr sz="900" kern="1200"/>
-  </cs:categoryAxis>
-  <cs:chartArea mods="allowNoFillOverride allowNoLineOverride">
-    <cs:lnRef idx="0"/>
-    <cs:fillRef idx="0"/>
-    <cs:effectRef idx="0"/>
-    <cs:fontRef idx="minor">
-      <a:schemeClr val="tx1"/>
-    </cs:fontRef>
-    <cs:spPr>
-      <a:solidFill>
-        <a:schemeClr val="bg1"/>
-      </a:solidFill>
-      <a:ln w="9525" cap="flat" cmpd="sng" algn="ctr">
-        <a:solidFill>
-          <a:schemeClr val="tx1">
-            <a:lumMod val="15000"/>
-            <a:lumOff val="85000"/>
-          </a:schemeClr>
-        </a:solidFill>
-        <a:round/>
-      </a:ln>
-    </cs:spPr>
-    <cs:defRPr sz="1000" kern="1200"/>
-  </cs:chartArea>
-  <cs:dataLabel>
-    <cs:lnRef idx="0"/>
-    <cs:fillRef idx="0"/>
-    <cs:effectRef idx="0"/>
-    <cs:fontRef idx="minor">
-      <a:schemeClr val="tx1">
-        <a:lumMod val="75000"/>
-        <a:lumOff val="25000"/>
-      </a:schemeClr>
-    </cs:fontRef>
-    <cs:defRPr sz="900" kern="1200"/>
-  </cs:dataLabel>
-  <cs:dataLabelCallout>
-    <cs:lnRef idx="0"/>
-    <cs:fillRef idx="0"/>
-    <cs:effectRef idx="0"/>
-    <cs:fontRef idx="minor">
-      <a:schemeClr val="dk1">
-        <a:lumMod val="65000"/>
-        <a:lumOff val="35000"/>
-      </a:schemeClr>
-    </cs:fontRef>
-    <cs:spPr>
-      <a:solidFill>
-        <a:schemeClr val="lt1"/>
-      </a:solidFill>
-      <a:ln>
-        <a:solidFill>
-          <a:schemeClr val="dk1">
-            <a:lumMod val="25000"/>
-            <a:lumOff val="75000"/>
-          </a:schemeClr>
-        </a:solidFill>
-      </a:ln>
-    </cs:spPr>
-    <cs:defRPr sz="900" kern="1200"/>
-    <cs:bodyPr rot="0" spcFirstLastPara="1" vertOverflow="clip" horzOverflow="clip" vert="horz" wrap="square" lIns="36576" tIns="18288" rIns="36576" bIns="18288" anchor="ctr" anchorCtr="1">
-      <a:spAutoFit/>
-    </cs:bodyPr>
-  </cs:dataLabelCallout>
-  <cs:dataPoint>
-    <cs:lnRef idx="0"/>
-    <cs:fillRef idx="1">
-      <cs:styleClr val="auto"/>
-    </cs:fillRef>
-    <cs:effectRef idx="0"/>
-    <cs:fontRef idx="minor">
-      <a:schemeClr val="tx1"/>
-    </cs:fontRef>
-    <cs:spPr>
-      <a:solidFill>
-        <a:schemeClr val="phClr"/>
-      </a:solidFill>
-    </cs:spPr>
-  </cs:dataPoint>
-  <cs:dataPoint3D>
-    <cs:lnRef idx="0"/>
-    <cs:fillRef idx="1">
-      <cs:styleClr val="auto"/>
-    </cs:fillRef>
-    <cs:effectRef idx="0"/>
-    <cs:fontRef idx="minor">
-      <a:schemeClr val="tx1"/>
-    </cs:fontRef>
-    <cs:spPr>
-      <a:solidFill>
-        <a:schemeClr val="phClr"/>
-      </a:solidFill>
-    </cs:spPr>
-  </cs:dataPoint3D>
-  <cs:dataPointLine>
-    <cs:lnRef idx="0">
-      <cs:styleClr val="auto"/>
-    </cs:lnRef>
-    <cs:fillRef idx="1"/>
-    <cs:effectRef idx="0"/>
-    <cs:fontRef idx="minor">
-      <a:schemeClr val="tx1"/>
-    </cs:fontRef>
-    <cs:spPr>
-      <a:ln w="28575" cap="rnd">
-        <a:solidFill>
-          <a:schemeClr val="phClr"/>
-        </a:solidFill>
-        <a:round/>
-      </a:ln>
-    </cs:spPr>
-  </cs:dataPointLine>
-  <cs:dataPointMarker>
-    <cs:lnRef idx="0">
-      <cs:styleClr val="auto"/>
-    </cs:lnRef>
-    <cs:fillRef idx="1">
-      <cs:styleClr val="auto"/>
-    </cs:fillRef>
-    <cs:effectRef idx="0"/>
-    <cs:fontRef idx="minor">
-      <a:schemeClr val="tx1"/>
-    </cs:fontRef>
-    <cs:spPr>
-      <a:solidFill>
-        <a:schemeClr val="phClr"/>
-      </a:solidFill>
-      <a:ln w="9525">
-        <a:solidFill>
-          <a:schemeClr val="phClr"/>
-        </a:solidFill>
-      </a:ln>
-    </cs:spPr>
-  </cs:dataPointMarker>
-  <cs:dataPointMarkerLayout symbol="circle" size="5"/>
-  <cs:dataPointWireframe>
-    <cs:lnRef idx="0">
-      <cs:styleClr val="auto"/>
-    </cs:lnRef>
-    <cs:fillRef idx="1"/>
-    <cs:effectRef idx="0"/>
-    <cs:fontRef idx="minor">
-      <a:schemeClr val="tx1"/>
-    </cs:fontRef>
-    <cs:spPr>
-      <a:ln w="9525" cap="rnd">
-        <a:solidFill>
-          <a:schemeClr val="phClr"/>
-        </a:solidFill>
-        <a:round/>
-      </a:ln>
-    </cs:spPr>
-  </cs:dataPointWireframe>
-  <cs:dataTable>
-    <cs:lnRef idx="0"/>
-    <cs:fillRef idx="0"/>
-    <cs:effectRef idx="0"/>
-    <cs:fontRef idx="minor">
-      <a:schemeClr val="tx1">
-        <a:lumMod val="65000"/>
-        <a:lumOff val="35000"/>
-      </a:schemeClr>
-    </cs:fontRef>
-    <cs:spPr>
-      <a:noFill/>
-      <a:ln w="9525" cap="flat" cmpd="sng" algn="ctr">
-        <a:solidFill>
-          <a:schemeClr val="tx1">
-            <a:lumMod val="15000"/>
-            <a:lumOff val="85000"/>
-          </a:schemeClr>
-        </a:solidFill>
-        <a:round/>
-      </a:ln>
-    </cs:spPr>
-    <cs:defRPr sz="900" kern="1200"/>
-  </cs:dataTable>
-  <cs:downBar>
-    <cs:lnRef idx="0"/>
-    <cs:fillRef idx="0"/>
-    <cs:effectRef idx="0"/>
-    <cs:fontRef idx="minor">
-      <a:schemeClr val="dk1"/>
-    </cs:fontRef>
-    <cs:spPr>
-      <a:solidFill>
-        <a:schemeClr val="dk1">
-          <a:lumMod val="65000"/>
-          <a:lumOff val="35000"/>
-        </a:schemeClr>
-      </a:solidFill>
-      <a:ln w="9525">
-        <a:solidFill>
-          <a:schemeClr val="tx1">
-            <a:lumMod val="65000"/>
-            <a:lumOff val="35000"/>
-          </a:schemeClr>
-        </a:solidFill>
-      </a:ln>
-    </cs:spPr>
-  </cs:downBar>
-  <cs:dropLine>
-    <cs:lnRef idx="0"/>
-    <cs:fillRef idx="0"/>
-    <cs:effectRef idx="0"/>
-    <cs:fontRef idx="minor">
-      <a:schemeClr val="tx1"/>
-    </cs:fontRef>
-    <cs:spPr>
-      <a:ln w="9525" cap="flat" cmpd="sng" algn="ctr">
-        <a:solidFill>
-          <a:schemeClr val="tx1">
-            <a:lumMod val="35000"/>
-            <a:lumOff val="65000"/>
-          </a:schemeClr>
-        </a:solidFill>
-        <a:round/>
-      </a:ln>
-    </cs:spPr>
-  </cs:dropLine>
-  <cs:errorBar>
-    <cs:lnRef idx="0"/>
-    <cs:fillRef idx="0"/>
-    <cs:effectRef idx="0"/>
-    <cs:fontRef idx="minor">
-      <a:schemeClr val="tx1"/>
-    </cs:fontRef>
-    <cs:spPr>
-      <a:ln w="9525" cap="flat" cmpd="sng" algn="ctr">
-        <a:solidFill>
-          <a:schemeClr val="tx1">
-            <a:lumMod val="65000"/>
-            <a:lumOff val="35000"/>
-          </a:schemeClr>
-        </a:solidFill>
-        <a:round/>
-      </a:ln>
-    </cs:spPr>
-  </cs:errorBar>
-  <cs:floor>
-    <cs:lnRef idx="0"/>
-    <cs:fillRef idx="0"/>
-    <cs:effectRef idx="0"/>
-    <cs:fontRef idx="minor">
-      <a:schemeClr val="tx1"/>
-    </cs:fontRef>
-    <cs:spPr>
-      <a:noFill/>
-      <a:ln>
-        <a:noFill/>
-      </a:ln>
-    </cs:spPr>
-  </cs:floor>
-  <cs:gridlineMajor>
-    <cs:lnRef idx="0"/>
-    <cs:fillRef idx="0"/>
-    <cs:effectRef idx="0"/>
-    <cs:fontRef idx="minor">
-      <a:schemeClr val="tx1"/>
-    </cs:fontRef>
-    <cs:spPr>
-      <a:ln w="9525" cap="flat" cmpd="sng" algn="ctr">
-        <a:solidFill>
-          <a:schemeClr val="tx1">
-            <a:lumMod val="15000"/>
-            <a:lumOff val="85000"/>
-          </a:schemeClr>
-        </a:solidFill>
-        <a:round/>
-      </a:ln>
-    </cs:spPr>
-  </cs:gridlineMajor>
-  <cs:gridlineMinor>
-    <cs:lnRef idx="0"/>
-    <cs:fillRef idx="0"/>
-    <cs:effectRef idx="0"/>
-    <cs:fontRef idx="minor">
-      <a:schemeClr val="tx1"/>
-    </cs:fontRef>
-    <cs:spPr>
-      <a:ln w="9525" cap="flat" cmpd="sng" algn="ctr">
-        <a:solidFill>
-          <a:schemeClr val="tx1">
-            <a:lumMod val="5000"/>
-            <a:lumOff val="95000"/>
-          </a:schemeClr>
-        </a:solidFill>
-        <a:round/>
-      </a:ln>
-    </cs:spPr>
-  </cs:gridlineMinor>
-  <cs:hiLoLine>
-    <cs:lnRef idx="0"/>
-    <cs:fillRef idx="0"/>
-    <cs:effectRef idx="0"/>
-    <cs:fontRef idx="minor">
-      <a:schemeClr val="tx1"/>
-    </cs:fontRef>
-    <cs:spPr>
-      <a:ln w="9525" cap="flat" cmpd="sng" algn="ctr">
-        <a:solidFill>
-          <a:schemeClr val="tx1">
-            <a:lumMod val="75000"/>
-            <a:lumOff val="25000"/>
-          </a:schemeClr>
-        </a:solidFill>
-        <a:round/>
-      </a:ln>
-    </cs:spPr>
-  </cs:hiLoLine>
-  <cs:leaderLine>
-    <cs:lnRef idx="0"/>
-    <cs:fillRef idx="0"/>
-    <cs:effectRef idx="0"/>
-    <cs:fontRef idx="minor">
-      <a:schemeClr val="tx1"/>
-    </cs:fontRef>
-    <cs:spPr>
-      <a:ln w="9525" cap="flat" cmpd="sng" algn="ctr">
-        <a:solidFill>
-          <a:schemeClr val="tx1">
-            <a:lumMod val="35000"/>
-            <a:lumOff val="65000"/>
-          </a:schemeClr>
-        </a:solidFill>
-        <a:round/>
-      </a:ln>
-    </cs:spPr>
-  </cs:leaderLine>
-  <cs:legend>
-    <cs:lnRef idx="0"/>
-    <cs:fillRef idx="0"/>
-    <cs:effectRef idx="0"/>
-    <cs:fontRef idx="minor">
-      <a:schemeClr val="tx1">
-        <a:lumMod val="65000"/>
-        <a:lumOff val="35000"/>
-      </a:schemeClr>
-    </cs:fontRef>
-    <cs:defRPr sz="900" kern="1200"/>
-  </cs:legend>
-  <cs:plotArea mods="allowNoFillOverride allowNoLineOverride">
-    <cs:lnRef idx="0"/>
-    <cs:fillRef idx="0"/>
-    <cs:effectRef idx="0"/>
-    <cs:fontRef idx="minor">
-      <a:schemeClr val="tx1"/>
-    </cs:fontRef>
-  </cs:plotArea>
-  <cs:plotArea3D mods="allowNoFillOverride allowNoLineOverride">
-    <cs:lnRef idx="0"/>
-    <cs:fillRef idx="0"/>
-    <cs:effectRef idx="0"/>
-    <cs:fontRef idx="minor">
-      <a:schemeClr val="tx1"/>
-    </cs:fontRef>
-  </cs:plotArea3D>
-  <cs:seriesAxis>
-    <cs:lnRef idx="0"/>
-    <cs:fillRef idx="0"/>
-    <cs:effectRef idx="0"/>
-    <cs:fontRef idx="minor">
-      <a:schemeClr val="tx1">
-        <a:lumMod val="65000"/>
-        <a:lumOff val="35000"/>
-      </a:schemeClr>
-    </cs:fontRef>
-    <cs:defRPr sz="900" kern="1200"/>
-  </cs:seriesAxis>
-  <cs:seriesLine>
-    <cs:lnRef idx="0"/>
-    <cs:fillRef idx="0"/>
-    <cs:effectRef idx="0"/>
-    <cs:fontRef idx="minor">
-      <a:schemeClr val="tx1"/>
-    </cs:fontRef>
-    <cs:spPr>
-      <a:ln w="9525" cap="flat" cmpd="sng" algn="ctr">
-        <a:solidFill>
-          <a:schemeClr val="tx1">
-            <a:lumMod val="35000"/>
-            <a:lumOff val="65000"/>
-          </a:schemeClr>
-        </a:solidFill>
-        <a:round/>
-      </a:ln>
-    </cs:spPr>
-  </cs:seriesLine>
-  <cs:title>
-    <cs:lnRef idx="0"/>
-    <cs:fillRef idx="0"/>
-    <cs:effectRef idx="0"/>
-    <cs:fontRef idx="minor">
-      <a:schemeClr val="tx1">
-        <a:lumMod val="65000"/>
-        <a:lumOff val="35000"/>
-      </a:schemeClr>
-    </cs:fontRef>
-    <cs:defRPr sz="1400" b="0" kern="1200" spc="0" baseline="0"/>
-  </cs:title>
-  <cs:trendline>
-    <cs:lnRef idx="0">
-      <cs:styleClr val="auto"/>
-    </cs:lnRef>
-    <cs:fillRef idx="0"/>
-    <cs:effectRef idx="0"/>
-    <cs:fontRef idx="minor">
-      <a:schemeClr val="tx1"/>
-    </cs:fontRef>
-    <cs:spPr>
-      <a:ln w="19050" cap="rnd">
-        <a:solidFill>
-          <a:schemeClr val="phClr"/>
-        </a:solidFill>
-        <a:prstDash val="sysDot"/>
-      </a:ln>
-    </cs:spPr>
-  </cs:trendline>
-  <cs:trendlineLabel>
-    <cs:lnRef idx="0"/>
-    <cs:fillRef idx="0"/>
-    <cs:effectRef idx="0"/>
-    <cs:fontRef idx="minor">
-      <a:schemeClr val="tx1">
-        <a:lumMod val="65000"/>
-        <a:lumOff val="35000"/>
-      </a:schemeClr>
-    </cs:fontRef>
-    <cs:defRPr sz="900" kern="1200"/>
-  </cs:trendlineLabel>
-  <cs:upBar>
-    <cs:lnRef idx="0"/>
-    <cs:fillRef idx="0"/>
-    <cs:effectRef idx="0"/>
-    <cs:fontRef idx="minor">
-      <a:schemeClr val="dk1"/>
-    </cs:fontRef>
-    <cs:spPr>
-      <a:solidFill>
-        <a:schemeClr val="lt1"/>
-      </a:solidFill>
-      <a:ln w="9525">
-        <a:solidFill>
-          <a:schemeClr val="tx1">
-            <a:lumMod val="15000"/>
-            <a:lumOff val="85000"/>
-          </a:schemeClr>
-        </a:solidFill>
-      </a:ln>
-    </cs:spPr>
-  </cs:upBar>
-  <cs:valueAxis>
-    <cs:lnRef idx="0"/>
-    <cs:fillRef idx="0"/>
-    <cs:effectRef idx="0"/>
-    <cs:fontRef idx="minor">
-      <a:schemeClr val="tx1">
-        <a:lumMod val="65000"/>
-        <a:lumOff val="35000"/>
-      </a:schemeClr>
-    </cs:fontRef>
-    <cs:defRPr sz="900" kern="1200"/>
-  </cs:valueAxis>
-  <cs:wall>
-    <cs:lnRef idx="0"/>
-    <cs:fillRef idx="0"/>
-    <cs:effectRef idx="0"/>
-    <cs:fontRef idx="minor">
-      <a:schemeClr val="tx1"/>
-    </cs:fontRef>
-    <cs:spPr>
-      <a:noFill/>
-      <a:ln>
-        <a:noFill/>
-      </a:ln>
-    </cs:spPr>
-  </cs:wall>
-</cs:chartStyle>
 </file>
 
 <file path=ppt/notesMasters/notesMaster1.xml><?xml version="1.0" encoding="utf-8"?>
@@ -1083,7 +556,7 @@
             <a:fld id="{C844735A-6EBE-4F02-86E9-F605F9C2786C}" type="datetimeFigureOut">
               <a:rPr lang="fr-FR" smtClean="0"/>
               <a:pPr/>
-              <a:t>13/04/2018</a:t>
+              <a:t>14/04/2018</a:t>
             </a:fld>
             <a:endParaRPr lang="fr-FR"/>
           </a:p>
@@ -1252,7 +725,7 @@
     </p:spTree>
     <p:extLst>
       <p:ext uri="{BB962C8B-B14F-4D97-AF65-F5344CB8AC3E}">
-        <p14:creationId xmlns:p14="http://schemas.microsoft.com/office/powerpoint/2010/main" xmlns="" val="2479878953"/>
+        <p14:creationId xmlns:p14="http://schemas.microsoft.com/office/powerpoint/2010/main" val="2479878953"/>
       </p:ext>
     </p:extLst>
   </p:cSld>
@@ -1496,7 +969,7 @@
     </p:spTree>
     <p:extLst>
       <p:ext uri="{BB962C8B-B14F-4D97-AF65-F5344CB8AC3E}">
-        <p14:creationId xmlns:p14="http://schemas.microsoft.com/office/powerpoint/2010/main" xmlns="" val="1597653524"/>
+        <p14:creationId xmlns:p14="http://schemas.microsoft.com/office/powerpoint/2010/main" val="1597653524"/>
       </p:ext>
     </p:extLst>
   </p:cSld>
@@ -1692,7 +1165,7 @@
     </p:spTree>
     <p:extLst>
       <p:ext uri="{BB962C8B-B14F-4D97-AF65-F5344CB8AC3E}">
-        <p14:creationId xmlns:p14="http://schemas.microsoft.com/office/powerpoint/2010/main" xmlns="" val="729632784"/>
+        <p14:creationId xmlns:p14="http://schemas.microsoft.com/office/powerpoint/2010/main" val="729632784"/>
       </p:ext>
     </p:extLst>
   </p:cSld>
@@ -1760,7 +1233,7 @@
     </p:spTree>
     <p:extLst>
       <p:ext uri="{BB962C8B-B14F-4D97-AF65-F5344CB8AC3E}">
-        <p14:creationId xmlns:p14="http://schemas.microsoft.com/office/powerpoint/2010/main" xmlns="" val="1056886810"/>
+        <p14:creationId xmlns:p14="http://schemas.microsoft.com/office/powerpoint/2010/main" val="1056886810"/>
       </p:ext>
     </p:extLst>
   </p:cSld>
@@ -1983,7 +1456,7 @@
     </p:spTree>
     <p:extLst>
       <p:ext uri="{BB962C8B-B14F-4D97-AF65-F5344CB8AC3E}">
-        <p14:creationId xmlns:p14="http://schemas.microsoft.com/office/powerpoint/2010/main" xmlns="" val="856040511"/>
+        <p14:creationId xmlns:p14="http://schemas.microsoft.com/office/powerpoint/2010/main" val="856040511"/>
       </p:ext>
     </p:extLst>
   </p:cSld>
@@ -2144,7 +1617,7 @@
     </p:spTree>
     <p:extLst>
       <p:ext uri="{BB962C8B-B14F-4D97-AF65-F5344CB8AC3E}">
-        <p14:creationId xmlns:p14="http://schemas.microsoft.com/office/powerpoint/2010/main" xmlns="" val="1491625700"/>
+        <p14:creationId xmlns:p14="http://schemas.microsoft.com/office/powerpoint/2010/main" val="1491625700"/>
       </p:ext>
     </p:extLst>
   </p:cSld>
@@ -2429,7 +1902,7 @@
     </p:spTree>
     <p:extLst>
       <p:ext uri="{BB962C8B-B14F-4D97-AF65-F5344CB8AC3E}">
-        <p14:creationId xmlns:p14="http://schemas.microsoft.com/office/powerpoint/2010/main" xmlns="" val="3368652214"/>
+        <p14:creationId xmlns:p14="http://schemas.microsoft.com/office/powerpoint/2010/main" val="3368652214"/>
       </p:ext>
     </p:extLst>
   </p:cSld>
@@ -3334,7 +2807,7 @@
     </p:spTree>
     <p:extLst>
       <p:ext uri="{BB962C8B-B14F-4D97-AF65-F5344CB8AC3E}">
-        <p14:creationId xmlns:p14="http://schemas.microsoft.com/office/powerpoint/2010/main" xmlns="" val="4143547553"/>
+        <p14:creationId xmlns:p14="http://schemas.microsoft.com/office/powerpoint/2010/main" val="4143547553"/>
       </p:ext>
     </p:extLst>
   </p:cSld>
@@ -3470,7 +2943,7 @@
     </p:spTree>
     <p:extLst>
       <p:ext uri="{BB962C8B-B14F-4D97-AF65-F5344CB8AC3E}">
-        <p14:creationId xmlns:p14="http://schemas.microsoft.com/office/powerpoint/2010/main" xmlns="" val="4027527166"/>
+        <p14:creationId xmlns:p14="http://schemas.microsoft.com/office/powerpoint/2010/main" val="4027527166"/>
       </p:ext>
     </p:extLst>
   </p:cSld>
@@ -3544,7 +3017,7 @@
     </p:spTree>
     <p:extLst>
       <p:ext uri="{BB962C8B-B14F-4D97-AF65-F5344CB8AC3E}">
-        <p14:creationId xmlns:p14="http://schemas.microsoft.com/office/powerpoint/2010/main" xmlns="" val="3304082058"/>
+        <p14:creationId xmlns:p14="http://schemas.microsoft.com/office/powerpoint/2010/main" val="3304082058"/>
       </p:ext>
     </p:extLst>
   </p:cSld>
@@ -3660,7 +3133,7 @@
     </p:spTree>
     <p:extLst>
       <p:ext uri="{BB962C8B-B14F-4D97-AF65-F5344CB8AC3E}">
-        <p14:creationId xmlns:p14="http://schemas.microsoft.com/office/powerpoint/2010/main" xmlns="" val="3081517712"/>
+        <p14:creationId xmlns:p14="http://schemas.microsoft.com/office/powerpoint/2010/main" val="3081517712"/>
       </p:ext>
     </p:extLst>
   </p:cSld>
@@ -3868,7 +3341,7 @@
     </p:spTree>
     <p:extLst>
       <p:ext uri="{BB962C8B-B14F-4D97-AF65-F5344CB8AC3E}">
-        <p14:creationId xmlns:p14="http://schemas.microsoft.com/office/powerpoint/2010/main" xmlns="" val="3142083048"/>
+        <p14:creationId xmlns:p14="http://schemas.microsoft.com/office/powerpoint/2010/main" val="3142083048"/>
       </p:ext>
     </p:extLst>
   </p:cSld>
@@ -5554,7 +5027,7 @@
             <a:blip r:embed="rId7">
               <a:extLst>
                 <a:ext uri="{28A0092B-C50C-407E-A947-70E740481C1C}">
-                  <a14:useLocalDpi xmlns:a14="http://schemas.microsoft.com/office/drawing/2010/main" xmlns="" val="0"/>
+                  <a14:useLocalDpi xmlns:a14="http://schemas.microsoft.com/office/drawing/2010/main" val="0"/>
                 </a:ext>
               </a:extLst>
             </a:blip>
@@ -5572,7 +5045,7 @@
             <a:noFill/>
             <a:extLst>
               <a:ext uri="{909E8E84-426E-40dd-AFC4-6F175D3DCCD1}">
-                <a14:hiddenFill xmlns:a14="http://schemas.microsoft.com/office/drawing/2010/main" xmlns="">
+                <a14:hiddenFill xmlns="" xmlns:a14="http://schemas.microsoft.com/office/drawing/2010/main">
                   <a:solidFill>
                     <a:srgbClr val="FFFFFF"/>
                   </a:solidFill>
@@ -5593,7 +5066,7 @@
             <a:blip r:embed="rId8" cstate="print">
               <a:extLst>
                 <a:ext uri="{28A0092B-C50C-407E-A947-70E740481C1C}">
-                  <a14:useLocalDpi xmlns:a14="http://schemas.microsoft.com/office/drawing/2010/main" xmlns="" val="0"/>
+                  <a14:useLocalDpi xmlns:a14="http://schemas.microsoft.com/office/drawing/2010/main" val="0"/>
                 </a:ext>
               </a:extLst>
             </a:blip>
@@ -5613,7 +5086,7 @@
             <a:noFill/>
             <a:extLst>
               <a:ext uri="{909E8E84-426E-40dd-AFC4-6F175D3DCCD1}">
-                <a14:hiddenFill xmlns:a14="http://schemas.microsoft.com/office/drawing/2010/main" xmlns="">
+                <a14:hiddenFill xmlns="" xmlns:a14="http://schemas.microsoft.com/office/drawing/2010/main">
                   <a:solidFill>
                     <a:srgbClr val="FFFFFF"/>
                   </a:solidFill>
@@ -5684,7 +5157,7 @@
             <a:blip r:embed="rId9" cstate="print">
               <a:extLst>
                 <a:ext uri="{28A0092B-C50C-407E-A947-70E740481C1C}">
-                  <a14:useLocalDpi xmlns:a14="http://schemas.microsoft.com/office/drawing/2010/main" xmlns="" val="0"/>
+                  <a14:useLocalDpi xmlns:a14="http://schemas.microsoft.com/office/drawing/2010/main" val="0"/>
                 </a:ext>
               </a:extLst>
             </a:blip>
@@ -5702,7 +5175,7 @@
             <a:noFill/>
             <a:extLst>
               <a:ext uri="{909E8E84-426E-40dd-AFC4-6F175D3DCCD1}">
-                <a14:hiddenFill xmlns:a14="http://schemas.microsoft.com/office/drawing/2010/main" xmlns="">
+                <a14:hiddenFill xmlns="" xmlns:a14="http://schemas.microsoft.com/office/drawing/2010/main">
                   <a:solidFill>
                     <a:srgbClr val="FFFFFF"/>
                   </a:solidFill>
@@ -5763,7 +5236,7 @@
     </p:spTree>
     <p:extLst>
       <p:ext uri="{BB962C8B-B14F-4D97-AF65-F5344CB8AC3E}">
-        <p14:creationId xmlns:p14="http://schemas.microsoft.com/office/powerpoint/2010/main" xmlns="" val="547571833"/>
+        <p14:creationId xmlns:p14="http://schemas.microsoft.com/office/powerpoint/2010/main" val="547571833"/>
       </p:ext>
     </p:extLst>
   </p:cSld>
@@ -7664,7 +7137,7 @@
     </p:spTree>
     <p:extLst>
       <p:ext uri="{BB962C8B-B14F-4D97-AF65-F5344CB8AC3E}">
-        <p14:creationId xmlns:p14="http://schemas.microsoft.com/office/powerpoint/2010/main" xmlns="" val="2357226408"/>
+        <p14:creationId xmlns:p14="http://schemas.microsoft.com/office/powerpoint/2010/main" val="2357226408"/>
       </p:ext>
     </p:extLst>
   </p:cSld>
@@ -8013,7 +7486,7 @@
             <a:blip r:embed="rId6">
               <a:extLst>
                 <a:ext uri="{28A0092B-C50C-407E-A947-70E740481C1C}">
-                  <a14:useLocalDpi xmlns:a14="http://schemas.microsoft.com/office/drawing/2010/main" xmlns="" val="0"/>
+                  <a14:useLocalDpi xmlns:a14="http://schemas.microsoft.com/office/drawing/2010/main" val="0"/>
                 </a:ext>
               </a:extLst>
             </a:blip>
@@ -8031,7 +7504,7 @@
             <a:noFill/>
             <a:extLst>
               <a:ext uri="{909E8E84-426E-40dd-AFC4-6F175D3DCCD1}">
-                <a14:hiddenFill xmlns:a14="http://schemas.microsoft.com/office/drawing/2010/main" xmlns="">
+                <a14:hiddenFill xmlns="" xmlns:a14="http://schemas.microsoft.com/office/drawing/2010/main">
                   <a:solidFill>
                     <a:srgbClr val="FFFFFF"/>
                   </a:solidFill>
@@ -8052,7 +7525,7 @@
             <a:blip r:embed="rId7" cstate="print">
               <a:extLst>
                 <a:ext uri="{28A0092B-C50C-407E-A947-70E740481C1C}">
-                  <a14:useLocalDpi xmlns:a14="http://schemas.microsoft.com/office/drawing/2010/main" xmlns="" val="0"/>
+                  <a14:useLocalDpi xmlns:a14="http://schemas.microsoft.com/office/drawing/2010/main" val="0"/>
                 </a:ext>
               </a:extLst>
             </a:blip>
@@ -8072,7 +7545,7 @@
             <a:noFill/>
             <a:extLst>
               <a:ext uri="{909E8E84-426E-40dd-AFC4-6F175D3DCCD1}">
-                <a14:hiddenFill xmlns:a14="http://schemas.microsoft.com/office/drawing/2010/main" xmlns="">
+                <a14:hiddenFill xmlns="" xmlns:a14="http://schemas.microsoft.com/office/drawing/2010/main">
                   <a:solidFill>
                     <a:srgbClr val="FFFFFF"/>
                   </a:solidFill>
@@ -8143,7 +7616,7 @@
             <a:blip r:embed="rId8" cstate="print">
               <a:extLst>
                 <a:ext uri="{28A0092B-C50C-407E-A947-70E740481C1C}">
-                  <a14:useLocalDpi xmlns:a14="http://schemas.microsoft.com/office/drawing/2010/main" xmlns="" val="0"/>
+                  <a14:useLocalDpi xmlns:a14="http://schemas.microsoft.com/office/drawing/2010/main" val="0"/>
                 </a:ext>
               </a:extLst>
             </a:blip>
@@ -8161,7 +7634,7 @@
             <a:noFill/>
             <a:extLst>
               <a:ext uri="{909E8E84-426E-40dd-AFC4-6F175D3DCCD1}">
-                <a14:hiddenFill xmlns:a14="http://schemas.microsoft.com/office/drawing/2010/main" xmlns="">
+                <a14:hiddenFill xmlns="" xmlns:a14="http://schemas.microsoft.com/office/drawing/2010/main">
                   <a:solidFill>
                     <a:srgbClr val="FFFFFF"/>
                   </a:solidFill>
@@ -9023,7 +8496,7 @@
     </p:spTree>
     <p:extLst>
       <p:ext uri="{BB962C8B-B14F-4D97-AF65-F5344CB8AC3E}">
-        <p14:creationId xmlns:p14="http://schemas.microsoft.com/office/powerpoint/2010/main" xmlns="" val="168395928"/>
+        <p14:creationId xmlns:p14="http://schemas.microsoft.com/office/powerpoint/2010/main" val="168395928"/>
       </p:ext>
     </p:extLst>
   </p:cSld>
@@ -9421,7 +8894,7 @@
     </p:spTree>
     <p:extLst>
       <p:ext uri="{BB962C8B-B14F-4D97-AF65-F5344CB8AC3E}">
-        <p14:creationId xmlns:p14="http://schemas.microsoft.com/office/powerpoint/2010/main" xmlns="" val="3707583858"/>
+        <p14:creationId xmlns:p14="http://schemas.microsoft.com/office/powerpoint/2010/main" val="3707583858"/>
       </p:ext>
     </p:extLst>
   </p:cSld>
@@ -9797,7 +9270,7 @@
     </p:spTree>
     <p:extLst>
       <p:ext uri="{BB962C8B-B14F-4D97-AF65-F5344CB8AC3E}">
-        <p14:creationId xmlns:p14="http://schemas.microsoft.com/office/powerpoint/2010/main" xmlns="" val="98231638"/>
+        <p14:creationId xmlns:p14="http://schemas.microsoft.com/office/powerpoint/2010/main" val="98231638"/>
       </p:ext>
     </p:extLst>
   </p:cSld>
@@ -9942,7 +9415,7 @@
     </p:spTree>
     <p:extLst>
       <p:ext uri="{BB962C8B-B14F-4D97-AF65-F5344CB8AC3E}">
-        <p14:creationId xmlns:p14="http://schemas.microsoft.com/office/powerpoint/2010/main" xmlns="" val="3773551245"/>
+        <p14:creationId xmlns:p14="http://schemas.microsoft.com/office/powerpoint/2010/main" val="3773551245"/>
       </p:ext>
     </p:extLst>
   </p:cSld>
@@ -10091,11 +9564,7 @@
             </a:r>
             <a:r>
               <a:rPr lang="en-US" dirty="0" smtClean="0"/>
-              <a:t> </a:t>
-            </a:r>
-            <a:r>
-              <a:rPr lang="en-US" dirty="0" smtClean="0"/>
-              <a:t>(2-3 slides)</a:t>
+              <a:t> (2-3 slides)</a:t>
             </a:r>
             <a:endParaRPr lang="en-US" dirty="0"/>
           </a:p>
@@ -10104,7 +9573,7 @@
     </p:spTree>
     <p:extLst>
       <p:ext uri="{BB962C8B-B14F-4D97-AF65-F5344CB8AC3E}">
-        <p14:creationId xmlns:p14="http://schemas.microsoft.com/office/powerpoint/2010/main" xmlns="" val="565318803"/>
+        <p14:creationId xmlns:p14="http://schemas.microsoft.com/office/powerpoint/2010/main" val="565318803"/>
       </p:ext>
     </p:extLst>
   </p:cSld>
@@ -10224,7 +9693,6 @@
               <a:rPr lang="fr-FR" dirty="0" smtClean="0"/>
               <a:t>En retour de cette méthode, on obtient une liste qui contient toutes les différentes meilleures solutions pour chaque ville, il ne nous reste ensuite plus qu’à récupérer la meilleure d’entre elle.</a:t>
             </a:r>
-            <a:endParaRPr lang="fr-FR" dirty="0" smtClean="0"/>
           </a:p>
         </p:txBody>
       </p:sp>
@@ -10258,7 +9726,7 @@
     </p:spTree>
     <p:extLst>
       <p:ext uri="{BB962C8B-B14F-4D97-AF65-F5344CB8AC3E}">
-        <p14:creationId xmlns:p14="http://schemas.microsoft.com/office/powerpoint/2010/main" xmlns="" val="2014737294"/>
+        <p14:creationId xmlns:p14="http://schemas.microsoft.com/office/powerpoint/2010/main" val="2014737294"/>
       </p:ext>
     </p:extLst>
   </p:cSld>
@@ -10358,7 +9826,7 @@
     </p:spTree>
     <p:extLst>
       <p:ext uri="{BB962C8B-B14F-4D97-AF65-F5344CB8AC3E}">
-        <p14:creationId xmlns:p14="http://schemas.microsoft.com/office/powerpoint/2010/main" xmlns="" val="493409273"/>
+        <p14:creationId xmlns:p14="http://schemas.microsoft.com/office/powerpoint/2010/main" val="493409273"/>
       </p:ext>
     </p:extLst>
   </p:cSld>
@@ -10408,8 +9876,8 @@
           <a:lstStyle/>
           <a:p>
             <a:r>
-              <a:rPr lang="en-US" dirty="0" smtClean="0"/>
-              <a:t>Results (2 slides)</a:t>
+              <a:rPr lang="en-US" dirty="0" err="1" smtClean="0"/>
+              <a:t>Résultats</a:t>
             </a:r>
             <a:endParaRPr lang="en-US" dirty="0"/>
           </a:p>
@@ -10424,14 +9892,14 @@
           <p:nvPr>
             <p:extLst>
               <p:ext uri="{D42A27DB-BD31-4B8C-83A1-F6EECF244321}">
-                <p14:modId xmlns:p14="http://schemas.microsoft.com/office/powerpoint/2010/main" xmlns="" val="1785705513"/>
+                <p14:modId xmlns:p14="http://schemas.microsoft.com/office/powerpoint/2010/main" val="2166556259"/>
               </p:ext>
             </p:extLst>
           </p:nvPr>
         </p:nvGraphicFramePr>
         <p:xfrm>
-          <a:off x="2893662" y="1202405"/>
-          <a:ext cx="6174296" cy="2494280"/>
+          <a:off x="6399273" y="1398007"/>
+          <a:ext cx="5355191" cy="3977640"/>
         </p:xfrm>
         <a:graphic>
           <a:graphicData uri="http://schemas.openxmlformats.org/drawingml/2006/table">
@@ -10440,24 +9908,24 @@
                 <a:tableStyleId>{5C22544A-7EE6-4342-B048-85BDC9FD1C3A}</a:tableStyleId>
               </a:tblPr>
               <a:tblGrid>
-                <a:gridCol w="2032000">
+                <a:gridCol w="1075835">
                   <a:extLst>
                     <a:ext uri="{9D8B030D-6E8A-4147-A177-3AD203B41FA5}">
-                      <a16:colId xmlns:a16="http://schemas.microsoft.com/office/drawing/2014/main" xmlns="" val="20000"/>
+                      <a16:colId xmlns:a16="http://schemas.microsoft.com/office/drawing/2014/main" val="20000"/>
                     </a:ext>
                   </a:extLst>
                 </a:gridCol>
-                <a:gridCol w="2032000">
+                <a:gridCol w="1560601">
                   <a:extLst>
                     <a:ext uri="{9D8B030D-6E8A-4147-A177-3AD203B41FA5}">
-                      <a16:colId xmlns:a16="http://schemas.microsoft.com/office/drawing/2014/main" xmlns="" val="20001"/>
+                      <a16:colId xmlns:a16="http://schemas.microsoft.com/office/drawing/2014/main" val="20001"/>
                     </a:ext>
                   </a:extLst>
                 </a:gridCol>
-                <a:gridCol w="2110296">
+                <a:gridCol w="2718755">
                   <a:extLst>
                     <a:ext uri="{9D8B030D-6E8A-4147-A177-3AD203B41FA5}">
-                      <a16:colId xmlns:a16="http://schemas.microsoft.com/office/drawing/2014/main" xmlns="" val="20002"/>
+                      <a16:colId xmlns:a16="http://schemas.microsoft.com/office/drawing/2014/main" val="20002"/>
                     </a:ext>
                   </a:extLst>
                 </a:gridCol>
@@ -10473,24 +9941,20 @@
                         <a:rPr lang="en-US" dirty="0" smtClean="0"/>
                         <a:t>Instance</a:t>
                       </a:r>
-                      <a:endParaRPr lang="en-US" dirty="0"/>
                     </a:p>
-                  </a:txBody>
-                  <a:tcPr/>
-                </a:tc>
-                <a:tc>
-                  <a:txBody>
-                    <a:bodyPr/>
-                    <a:lstStyle/>
                     <a:p>
                       <a:pPr algn="ctr"/>
                       <a:r>
                         <a:rPr lang="en-US" dirty="0" smtClean="0"/>
-                        <a:t>Time</a:t>
+                        <a:t>(</a:t>
                       </a:r>
                       <a:r>
-                        <a:rPr lang="en-US" baseline="0" dirty="0" smtClean="0"/>
-                        <a:t> limit (s)</a:t>
+                        <a:rPr lang="en-US" dirty="0" err="1" smtClean="0"/>
+                        <a:t>fichier</a:t>
+                      </a:r>
+                      <a:r>
+                        <a:rPr lang="en-US" dirty="0" smtClean="0"/>
+                        <a:t>)</a:t>
                       </a:r>
                       <a:endParaRPr lang="en-US" dirty="0"/>
                     </a:p>
@@ -10504,33 +9968,36 @@
                     <a:p>
                       <a:pPr algn="ctr"/>
                       <a:r>
+                        <a:rPr lang="en-US" dirty="0" err="1" smtClean="0"/>
+                        <a:t>Durée</a:t>
+                      </a:r>
+                      <a:r>
                         <a:rPr lang="en-US" dirty="0" smtClean="0"/>
-                        <a:t>Avg. optimality</a:t>
+                        <a:t> max</a:t>
+                      </a:r>
+                      <a:endParaRPr lang="en-US" baseline="0" dirty="0" smtClean="0"/>
+                    </a:p>
+                    <a:p>
+                      <a:pPr algn="ctr"/>
+                      <a:r>
+                        <a:rPr lang="en-US" baseline="0" dirty="0" smtClean="0"/>
+                        <a:t>(</a:t>
+                      </a:r>
+                      <a:r>
+                        <a:rPr lang="en-US" baseline="0" dirty="0" err="1" smtClean="0"/>
+                        <a:t>en</a:t>
                       </a:r>
                       <a:r>
                         <a:rPr lang="en-US" baseline="0" dirty="0" smtClean="0"/>
-                        <a:t> gap*</a:t>
+                        <a:t> </a:t>
                       </a:r>
-                      <a:endParaRPr lang="en-US" dirty="0"/>
-                    </a:p>
-                  </a:txBody>
-                  <a:tcPr/>
-                </a:tc>
-                <a:extLst>
-                  <a:ext uri="{0D108BD9-81ED-4DB2-BD59-A6C34878D82A}">
-                    <a16:rowId xmlns:a16="http://schemas.microsoft.com/office/drawing/2014/main" xmlns="" val="10000"/>
-                  </a:ext>
-                </a:extLst>
-              </a:tr>
-              <a:tr h="370840">
-                <a:tc>
-                  <a:txBody>
-                    <a:bodyPr/>
-                    <a:lstStyle/>
-                    <a:p>
                       <a:r>
-                        <a:rPr lang="en-US" dirty="0" smtClean="0"/>
-                        <a:t>wi29</a:t>
+                        <a:rPr lang="en-US" baseline="0" dirty="0" err="1" smtClean="0"/>
+                        <a:t>secondes</a:t>
+                      </a:r>
+                      <a:r>
+                        <a:rPr lang="en-US" baseline="0" dirty="0" smtClean="0"/>
+                        <a:t>)</a:t>
                       </a:r>
                       <a:endParaRPr lang="en-US" dirty="0"/>
                     </a:p>
@@ -10542,11 +10009,61 @@
                     <a:bodyPr/>
                     <a:lstStyle/>
                     <a:p>
+                      <a:pPr algn="ctr"/>
+                      <a:r>
+                        <a:rPr lang="en-US" dirty="0" err="1" smtClean="0"/>
+                        <a:t>Ecart</a:t>
+                      </a:r>
                       <a:r>
                         <a:rPr lang="en-US" dirty="0" smtClean="0"/>
-                        <a:t>10</a:t>
+                        <a:t> </a:t>
+                      </a:r>
+                      <a:r>
+                        <a:rPr lang="en-US" dirty="0" err="1" smtClean="0"/>
+                        <a:t>moyen</a:t>
+                      </a:r>
+                      <a:r>
+                        <a:rPr lang="en-US" baseline="0" dirty="0" smtClean="0"/>
+                        <a:t> optimum</a:t>
+                      </a:r>
+                    </a:p>
+                    <a:p>
+                      <a:pPr algn="ctr"/>
+                      <a:r>
+                        <a:rPr lang="en-US" baseline="0" dirty="0" smtClean="0"/>
+                        <a:t>(</a:t>
+                      </a:r>
+                      <a:r>
+                        <a:rPr lang="en-US" baseline="0" dirty="0" err="1" smtClean="0"/>
+                        <a:t>en</a:t>
+                      </a:r>
+                      <a:r>
+                        <a:rPr lang="en-US" baseline="0" dirty="0" smtClean="0"/>
+                        <a:t> %)</a:t>
                       </a:r>
                       <a:endParaRPr lang="en-US" dirty="0"/>
+                    </a:p>
+                  </a:txBody>
+                  <a:tcPr/>
+                </a:tc>
+                <a:extLst>
+                  <a:ext uri="{0D108BD9-81ED-4DB2-BD59-A6C34878D82A}">
+                    <a16:rowId xmlns:a16="http://schemas.microsoft.com/office/drawing/2014/main" val="10000"/>
+                  </a:ext>
+                </a:extLst>
+              </a:tr>
+              <a:tr h="370840">
+                <a:tc>
+                  <a:txBody>
+                    <a:bodyPr/>
+                    <a:lstStyle/>
+                    <a:p>
+                      <a:pPr algn="ctr"/>
+                      <a:r>
+                        <a:rPr lang="en-US" sz="1600" dirty="0" smtClean="0"/>
+                        <a:t>wi29</a:t>
+                      </a:r>
+                      <a:endParaRPr lang="en-US" sz="1600" dirty="0"/>
                     </a:p>
                   </a:txBody>
                   <a:tcPr/>
@@ -10556,18 +10073,34 @@
                     <a:bodyPr/>
                     <a:lstStyle/>
                     <a:p>
+                      <a:pPr algn="ctr"/>
                       <a:r>
-                        <a:rPr lang="en-US" dirty="0" smtClean="0"/>
-                        <a:t>X</a:t>
+                        <a:rPr lang="en-US" sz="1600" dirty="0" smtClean="0"/>
+                        <a:t>10</a:t>
                       </a:r>
-                      <a:endParaRPr lang="en-US" dirty="0"/>
+                      <a:endParaRPr lang="en-US" sz="1600" dirty="0"/>
+                    </a:p>
+                  </a:txBody>
+                  <a:tcPr/>
+                </a:tc>
+                <a:tc>
+                  <a:txBody>
+                    <a:bodyPr/>
+                    <a:lstStyle/>
+                    <a:p>
+                      <a:pPr algn="ctr"/>
+                      <a:r>
+                        <a:rPr lang="en-US" sz="1600" dirty="0" smtClean="0"/>
+                        <a:t>1.59</a:t>
+                      </a:r>
+                      <a:endParaRPr lang="en-US" sz="1600" dirty="0"/>
                     </a:p>
                   </a:txBody>
                   <a:tcPr/>
                 </a:tc>
                 <a:extLst>
                   <a:ext uri="{0D108BD9-81ED-4DB2-BD59-A6C34878D82A}">
-                    <a16:rowId xmlns:a16="http://schemas.microsoft.com/office/drawing/2014/main" xmlns="" val="10001"/>
+                    <a16:rowId xmlns:a16="http://schemas.microsoft.com/office/drawing/2014/main" val="874662559"/>
                   </a:ext>
                 </a:extLst>
               </a:tr>
@@ -10577,11 +10110,12 @@
                     <a:bodyPr/>
                     <a:lstStyle/>
                     <a:p>
+                      <a:pPr algn="ctr"/>
                       <a:r>
-                        <a:rPr lang="en-US" dirty="0" smtClean="0"/>
+                        <a:rPr lang="en-US" sz="1600" dirty="0" smtClean="0"/>
                         <a:t>wi29</a:t>
                       </a:r>
-                      <a:endParaRPr lang="en-US" dirty="0"/>
+                      <a:endParaRPr lang="en-US" sz="1600" dirty="0"/>
                     </a:p>
                   </a:txBody>
                   <a:tcPr/>
@@ -10591,11 +10125,12 @@
                     <a:bodyPr/>
                     <a:lstStyle/>
                     <a:p>
+                      <a:pPr algn="ctr"/>
                       <a:r>
-                        <a:rPr lang="en-US" dirty="0" smtClean="0"/>
+                        <a:rPr lang="en-US" sz="1600" dirty="0" smtClean="0"/>
                         <a:t>20</a:t>
                       </a:r>
-                      <a:endParaRPr lang="en-US" dirty="0"/>
+                      <a:endParaRPr lang="en-US" sz="1600" dirty="0"/>
                     </a:p>
                   </a:txBody>
                   <a:tcPr/>
@@ -10605,18 +10140,19 @@
                     <a:bodyPr/>
                     <a:lstStyle/>
                     <a:p>
+                      <a:pPr algn="ctr"/>
                       <a:r>
-                        <a:rPr lang="en-US" dirty="0" smtClean="0"/>
-                        <a:t>Y</a:t>
+                        <a:rPr lang="en-US" sz="1600" dirty="0" smtClean="0"/>
+                        <a:t>1.49</a:t>
                       </a:r>
-                      <a:endParaRPr lang="en-US" dirty="0"/>
+                      <a:endParaRPr lang="en-US" sz="1600" dirty="0"/>
                     </a:p>
                   </a:txBody>
                   <a:tcPr/>
                 </a:tc>
                 <a:extLst>
                   <a:ext uri="{0D108BD9-81ED-4DB2-BD59-A6C34878D82A}">
-                    <a16:rowId xmlns:a16="http://schemas.microsoft.com/office/drawing/2014/main" xmlns="" val="10002"/>
+                    <a16:rowId xmlns:a16="http://schemas.microsoft.com/office/drawing/2014/main" val="10001"/>
                   </a:ext>
                 </a:extLst>
               </a:tr>
@@ -10626,11 +10162,12 @@
                     <a:bodyPr/>
                     <a:lstStyle/>
                     <a:p>
+                      <a:pPr algn="ctr"/>
                       <a:r>
-                        <a:rPr lang="en-US" dirty="0" smtClean="0"/>
+                        <a:rPr lang="en-US" sz="1600" dirty="0" smtClean="0"/>
                         <a:t>wi29</a:t>
                       </a:r>
-                      <a:endParaRPr lang="en-US" dirty="0"/>
+                      <a:endParaRPr lang="en-US" sz="1600" dirty="0"/>
                     </a:p>
                   </a:txBody>
                   <a:tcPr/>
@@ -10640,11 +10177,12 @@
                     <a:bodyPr/>
                     <a:lstStyle/>
                     <a:p>
+                      <a:pPr algn="ctr"/>
                       <a:r>
-                        <a:rPr lang="en-US" dirty="0" smtClean="0"/>
+                        <a:rPr lang="en-US" sz="1600" dirty="0" smtClean="0"/>
                         <a:t>40</a:t>
                       </a:r>
-                      <a:endParaRPr lang="en-US" dirty="0"/>
+                      <a:endParaRPr lang="en-US" sz="1600" dirty="0"/>
                     </a:p>
                   </a:txBody>
                   <a:tcPr/>
@@ -10654,18 +10192,19 @@
                     <a:bodyPr/>
                     <a:lstStyle/>
                     <a:p>
+                      <a:pPr algn="ctr"/>
                       <a:r>
-                        <a:rPr lang="en-US" dirty="0" smtClean="0"/>
-                        <a:t>Z</a:t>
+                        <a:rPr lang="en-US" sz="1600" dirty="0" smtClean="0"/>
+                        <a:t>1.41</a:t>
                       </a:r>
-                      <a:endParaRPr lang="en-US" dirty="0"/>
+                      <a:endParaRPr lang="en-US" sz="1600" dirty="0"/>
                     </a:p>
                   </a:txBody>
                   <a:tcPr/>
                 </a:tc>
                 <a:extLst>
                   <a:ext uri="{0D108BD9-81ED-4DB2-BD59-A6C34878D82A}">
-                    <a16:rowId xmlns:a16="http://schemas.microsoft.com/office/drawing/2014/main" xmlns="" val="10003"/>
+                    <a16:rowId xmlns:a16="http://schemas.microsoft.com/office/drawing/2014/main" val="1361785963"/>
                   </a:ext>
                 </a:extLst>
               </a:tr>
@@ -10675,11 +10214,12 @@
                     <a:bodyPr/>
                     <a:lstStyle/>
                     <a:p>
+                      <a:pPr algn="ctr"/>
                       <a:r>
-                        <a:rPr lang="it-IT" dirty="0" smtClean="0"/>
+                        <a:rPr lang="en-US" sz="1600" dirty="0" smtClean="0"/>
                         <a:t>qa194</a:t>
                       </a:r>
-                      <a:endParaRPr lang="en-US" dirty="0"/>
+                      <a:endParaRPr lang="en-US" sz="1600" dirty="0"/>
                     </a:p>
                   </a:txBody>
                   <a:tcPr/>
@@ -10689,11 +10229,12 @@
                     <a:bodyPr/>
                     <a:lstStyle/>
                     <a:p>
+                      <a:pPr algn="ctr"/>
                       <a:r>
-                        <a:rPr lang="en-US" dirty="0" smtClean="0"/>
+                        <a:rPr lang="en-US" sz="1600" dirty="0" smtClean="0"/>
                         <a:t>10</a:t>
                       </a:r>
-                      <a:endParaRPr lang="en-US" dirty="0"/>
+                      <a:endParaRPr lang="en-US" sz="1600" dirty="0"/>
                     </a:p>
                   </a:txBody>
                   <a:tcPr/>
@@ -10703,18 +10244,19 @@
                     <a:bodyPr/>
                     <a:lstStyle/>
                     <a:p>
+                      <a:pPr algn="ctr"/>
                       <a:r>
-                        <a:rPr lang="en-US" dirty="0" smtClean="0"/>
-                        <a:t>X’</a:t>
+                        <a:rPr lang="en-US" sz="1600" dirty="0" smtClean="0"/>
+                        <a:t>7.59</a:t>
                       </a:r>
-                      <a:endParaRPr lang="en-US" dirty="0"/>
+                      <a:endParaRPr lang="en-US" sz="1600" dirty="0"/>
                     </a:p>
                   </a:txBody>
                   <a:tcPr/>
                 </a:tc>
                 <a:extLst>
                   <a:ext uri="{0D108BD9-81ED-4DB2-BD59-A6C34878D82A}">
-                    <a16:rowId xmlns:a16="http://schemas.microsoft.com/office/drawing/2014/main" xmlns="" val="10004"/>
+                    <a16:rowId xmlns:a16="http://schemas.microsoft.com/office/drawing/2014/main" val="10002"/>
                   </a:ext>
                 </a:extLst>
               </a:tr>
@@ -10724,11 +10266,27 @@
                     <a:bodyPr/>
                     <a:lstStyle/>
                     <a:p>
+                      <a:pPr marL="0" marR="0" lvl="0" indent="0" algn="ctr" defTabSz="914400" rtl="0" eaLnBrk="1" fontAlgn="auto" latinLnBrk="0" hangingPunct="1">
+                        <a:lnSpc>
+                          <a:spcPct val="100000"/>
+                        </a:lnSpc>
+                        <a:spcBef>
+                          <a:spcPts val="0"/>
+                        </a:spcBef>
+                        <a:spcAft>
+                          <a:spcPts val="0"/>
+                        </a:spcAft>
+                        <a:buClrTx/>
+                        <a:buSzTx/>
+                        <a:buFontTx/>
+                        <a:buNone/>
+                        <a:tabLst/>
+                        <a:defRPr/>
+                      </a:pPr>
                       <a:r>
-                        <a:rPr lang="is-IS" dirty="0" smtClean="0"/>
-                        <a:t>…</a:t>
+                        <a:rPr lang="en-US" sz="1600" dirty="0" smtClean="0"/>
+                        <a:t>qa194</a:t>
                       </a:r>
-                      <a:endParaRPr lang="en-US" dirty="0"/>
                     </a:p>
                   </a:txBody>
                   <a:tcPr/>
@@ -10738,11 +10296,12 @@
                     <a:bodyPr/>
                     <a:lstStyle/>
                     <a:p>
+                      <a:pPr algn="ctr"/>
                       <a:r>
-                        <a:rPr lang="is-IS" dirty="0" smtClean="0"/>
-                        <a:t>…</a:t>
+                        <a:rPr lang="en-US" sz="1600" dirty="0" smtClean="0"/>
+                        <a:t>20</a:t>
                       </a:r>
-                      <a:endParaRPr lang="en-US" dirty="0"/>
+                      <a:endParaRPr lang="en-US" sz="1600" dirty="0"/>
                     </a:p>
                   </a:txBody>
                   <a:tcPr/>
@@ -10752,18 +10311,272 @@
                     <a:bodyPr/>
                     <a:lstStyle/>
                     <a:p>
+                      <a:pPr algn="ctr"/>
                       <a:r>
-                        <a:rPr lang="is-IS" dirty="0" smtClean="0"/>
-                        <a:t>…</a:t>
+                        <a:rPr lang="en-US" sz="1600" dirty="0" smtClean="0"/>
+                        <a:t>7.34</a:t>
                       </a:r>
-                      <a:endParaRPr lang="en-US" dirty="0"/>
+                      <a:endParaRPr lang="en-US" sz="1600" dirty="0"/>
                     </a:p>
                   </a:txBody>
                   <a:tcPr/>
                 </a:tc>
                 <a:extLst>
                   <a:ext uri="{0D108BD9-81ED-4DB2-BD59-A6C34878D82A}">
-                    <a16:rowId xmlns:a16="http://schemas.microsoft.com/office/drawing/2014/main" xmlns="" val="10005"/>
+                    <a16:rowId xmlns:a16="http://schemas.microsoft.com/office/drawing/2014/main" val="10003"/>
+                  </a:ext>
+                </a:extLst>
+              </a:tr>
+              <a:tr h="370840">
+                <a:tc>
+                  <a:txBody>
+                    <a:bodyPr/>
+                    <a:lstStyle/>
+                    <a:p>
+                      <a:pPr marL="0" marR="0" lvl="0" indent="0" algn="ctr" defTabSz="914400" rtl="0" eaLnBrk="1" fontAlgn="auto" latinLnBrk="0" hangingPunct="1">
+                        <a:lnSpc>
+                          <a:spcPct val="100000"/>
+                        </a:lnSpc>
+                        <a:spcBef>
+                          <a:spcPts val="0"/>
+                        </a:spcBef>
+                        <a:spcAft>
+                          <a:spcPts val="0"/>
+                        </a:spcAft>
+                        <a:buClrTx/>
+                        <a:buSzTx/>
+                        <a:buFontTx/>
+                        <a:buNone/>
+                        <a:tabLst/>
+                        <a:defRPr/>
+                      </a:pPr>
+                      <a:r>
+                        <a:rPr lang="en-US" sz="1600" dirty="0" smtClean="0"/>
+                        <a:t>qa194</a:t>
+                      </a:r>
+                    </a:p>
+                  </a:txBody>
+                  <a:tcPr/>
+                </a:tc>
+                <a:tc>
+                  <a:txBody>
+                    <a:bodyPr/>
+                    <a:lstStyle/>
+                    <a:p>
+                      <a:pPr algn="ctr"/>
+                      <a:r>
+                        <a:rPr lang="en-US" sz="1600" dirty="0" smtClean="0"/>
+                        <a:t>40</a:t>
+                      </a:r>
+                      <a:endParaRPr lang="en-US" sz="1600" dirty="0"/>
+                    </a:p>
+                  </a:txBody>
+                  <a:tcPr/>
+                </a:tc>
+                <a:tc>
+                  <a:txBody>
+                    <a:bodyPr/>
+                    <a:lstStyle/>
+                    <a:p>
+                      <a:pPr algn="ctr"/>
+                      <a:r>
+                        <a:rPr lang="en-US" sz="1600" dirty="0" smtClean="0"/>
+                        <a:t>7.33</a:t>
+                      </a:r>
+                      <a:endParaRPr lang="en-US" sz="1600" dirty="0"/>
+                    </a:p>
+                  </a:txBody>
+                  <a:tcPr/>
+                </a:tc>
+                <a:extLst>
+                  <a:ext uri="{0D108BD9-81ED-4DB2-BD59-A6C34878D82A}">
+                    <a16:rowId xmlns:a16="http://schemas.microsoft.com/office/drawing/2014/main" val="1527334627"/>
+                  </a:ext>
+                </a:extLst>
+              </a:tr>
+              <a:tr h="370840">
+                <a:tc>
+                  <a:txBody>
+                    <a:bodyPr/>
+                    <a:lstStyle/>
+                    <a:p>
+                      <a:pPr algn="ctr"/>
+                      <a:r>
+                        <a:rPr lang="en-US" sz="1600" dirty="0" smtClean="0"/>
+                        <a:t>uy734</a:t>
+                      </a:r>
+                      <a:endParaRPr lang="en-US" sz="1600" dirty="0"/>
+                    </a:p>
+                  </a:txBody>
+                  <a:tcPr/>
+                </a:tc>
+                <a:tc>
+                  <a:txBody>
+                    <a:bodyPr/>
+                    <a:lstStyle/>
+                    <a:p>
+                      <a:pPr algn="ctr"/>
+                      <a:r>
+                        <a:rPr lang="en-US" sz="1600" dirty="0" smtClean="0"/>
+                        <a:t>10</a:t>
+                      </a:r>
+                      <a:endParaRPr lang="en-US" sz="1600" dirty="0"/>
+                    </a:p>
+                  </a:txBody>
+                  <a:tcPr/>
+                </a:tc>
+                <a:tc>
+                  <a:txBody>
+                    <a:bodyPr/>
+                    <a:lstStyle/>
+                    <a:p>
+                      <a:pPr algn="ctr"/>
+                      <a:r>
+                        <a:rPr lang="en-US" sz="1600" dirty="0" smtClean="0"/>
+                        <a:t>18.98</a:t>
+                      </a:r>
+                      <a:endParaRPr lang="en-US" sz="1600" dirty="0"/>
+                    </a:p>
+                  </a:txBody>
+                  <a:tcPr/>
+                </a:tc>
+                <a:extLst>
+                  <a:ext uri="{0D108BD9-81ED-4DB2-BD59-A6C34878D82A}">
+                    <a16:rowId xmlns:a16="http://schemas.microsoft.com/office/drawing/2014/main" val="3792653972"/>
+                  </a:ext>
+                </a:extLst>
+              </a:tr>
+              <a:tr h="370840">
+                <a:tc>
+                  <a:txBody>
+                    <a:bodyPr/>
+                    <a:lstStyle/>
+                    <a:p>
+                      <a:pPr marL="0" marR="0" lvl="0" indent="0" algn="ctr" defTabSz="914400" rtl="0" eaLnBrk="1" fontAlgn="auto" latinLnBrk="0" hangingPunct="1">
+                        <a:lnSpc>
+                          <a:spcPct val="100000"/>
+                        </a:lnSpc>
+                        <a:spcBef>
+                          <a:spcPts val="0"/>
+                        </a:spcBef>
+                        <a:spcAft>
+                          <a:spcPts val="0"/>
+                        </a:spcAft>
+                        <a:buClrTx/>
+                        <a:buSzTx/>
+                        <a:buFontTx/>
+                        <a:buNone/>
+                        <a:tabLst/>
+                        <a:defRPr/>
+                      </a:pPr>
+                      <a:r>
+                        <a:rPr lang="en-US" sz="1600" dirty="0" smtClean="0"/>
+                        <a:t>uy734</a:t>
+                      </a:r>
+                    </a:p>
+                  </a:txBody>
+                  <a:tcPr/>
+                </a:tc>
+                <a:tc>
+                  <a:txBody>
+                    <a:bodyPr/>
+                    <a:lstStyle/>
+                    <a:p>
+                      <a:pPr algn="ctr"/>
+                      <a:r>
+                        <a:rPr lang="en-US" sz="1600" dirty="0" smtClean="0"/>
+                        <a:t>20</a:t>
+                      </a:r>
+                      <a:endParaRPr lang="en-US" sz="1600" dirty="0"/>
+                    </a:p>
+                  </a:txBody>
+                  <a:tcPr/>
+                </a:tc>
+                <a:tc>
+                  <a:txBody>
+                    <a:bodyPr/>
+                    <a:lstStyle/>
+                    <a:p>
+                      <a:pPr algn="ctr"/>
+                      <a:r>
+                        <a:rPr lang="en-US" sz="1600" dirty="0" smtClean="0"/>
+                        <a:t>18.73</a:t>
+                      </a:r>
+                      <a:endParaRPr lang="en-US" sz="1600" dirty="0"/>
+                    </a:p>
+                  </a:txBody>
+                  <a:tcPr/>
+                </a:tc>
+                <a:extLst>
+                  <a:ext uri="{0D108BD9-81ED-4DB2-BD59-A6C34878D82A}">
+                    <a16:rowId xmlns:a16="http://schemas.microsoft.com/office/drawing/2014/main" val="2943019833"/>
+                  </a:ext>
+                </a:extLst>
+              </a:tr>
+              <a:tr h="370840">
+                <a:tc>
+                  <a:txBody>
+                    <a:bodyPr/>
+                    <a:lstStyle/>
+                    <a:p>
+                      <a:pPr marL="0" marR="0" lvl="0" indent="0" algn="ctr" defTabSz="914400" rtl="0" eaLnBrk="1" fontAlgn="auto" latinLnBrk="0" hangingPunct="1">
+                        <a:lnSpc>
+                          <a:spcPct val="100000"/>
+                        </a:lnSpc>
+                        <a:spcBef>
+                          <a:spcPts val="0"/>
+                        </a:spcBef>
+                        <a:spcAft>
+                          <a:spcPts val="0"/>
+                        </a:spcAft>
+                        <a:buClrTx/>
+                        <a:buSzTx/>
+                        <a:buFontTx/>
+                        <a:buNone/>
+                        <a:tabLst/>
+                        <a:defRPr/>
+                      </a:pPr>
+                      <a:r>
+                        <a:rPr lang="en-US" sz="1600" dirty="0" smtClean="0"/>
+                        <a:t>uy734</a:t>
+                      </a:r>
+                    </a:p>
+                  </a:txBody>
+                  <a:tcPr/>
+                </a:tc>
+                <a:tc>
+                  <a:txBody>
+                    <a:bodyPr/>
+                    <a:lstStyle/>
+                    <a:p>
+                      <a:pPr algn="ctr"/>
+                      <a:r>
+                        <a:rPr lang="en-US" sz="1600" dirty="0" smtClean="0"/>
+                        <a:t>40</a:t>
+                      </a:r>
+                      <a:endParaRPr lang="en-US" sz="1600" dirty="0"/>
+                    </a:p>
+                  </a:txBody>
+                  <a:tcPr/>
+                </a:tc>
+                <a:tc>
+                  <a:txBody>
+                    <a:bodyPr/>
+                    <a:lstStyle/>
+                    <a:p>
+                      <a:pPr algn="ctr"/>
+                      <a:r>
+                        <a:rPr lang="en-US" sz="1600" dirty="0" smtClean="0"/>
+                        <a:t>18.60</a:t>
+                      </a:r>
+                      <a:endParaRPr lang="en-US" sz="1600" dirty="0"/>
+                    </a:p>
+                  </a:txBody>
+                  <a:tcPr/>
+                </a:tc>
+                <a:extLst>
+                  <a:ext uri="{0D108BD9-81ED-4DB2-BD59-A6C34878D82A}">
+                    <a16:rowId xmlns:a16="http://schemas.microsoft.com/office/drawing/2014/main" val="3543114398"/>
                   </a:ext>
                 </a:extLst>
               </a:tr>
@@ -10772,7 +10585,7 @@
         </a:graphic>
       </p:graphicFrame>
       <mc:AlternateContent xmlns:mc="http://schemas.openxmlformats.org/markup-compatibility/2006">
-        <mc:Choice xmlns:a14="http://schemas.microsoft.com/office/drawing/2010/main" xmlns="" Requires="a14">
+        <mc:Choice xmlns:a14="http://schemas.microsoft.com/office/drawing/2010/main" Requires="a14">
           <p:sp>
             <p:nvSpPr>
               <p:cNvPr id="7" name="TextBox 6"/>
@@ -10781,8 +10594,8 @@
             </p:nvSpPr>
             <p:spPr>
               <a:xfrm>
-                <a:off x="6998683" y="4684091"/>
-                <a:ext cx="5029197" cy="586122"/>
+                <a:off x="362710" y="5082298"/>
+                <a:ext cx="5482911" cy="586699"/>
               </a:xfrm>
               <a:prstGeom prst="rect">
                 <a:avLst/>
@@ -10803,10 +10616,16 @@
                     </m:oMathParaPr>
                     <m:oMath xmlns:m="http://schemas.openxmlformats.org/officeDocument/2006/math">
                       <m:r>
-                        <a:rPr lang="es-ES" b="0" i="1" smtClean="0">
-                          <a:latin typeface="Cambria Math" charset="0"/>
+                        <a:rPr lang="fr-FR" b="0" i="1" smtClean="0">
+                          <a:latin typeface="Cambria Math" panose="02040503050406030204" pitchFamily="18" charset="0"/>
                         </a:rPr>
-                        <m:t>𝑔𝑎𝑝</m:t>
+                        <m:t>é</m:t>
+                      </m:r>
+                      <m:r>
+                        <a:rPr lang="fr-FR" b="0" i="1" smtClean="0">
+                          <a:latin typeface="Cambria Math" panose="02040503050406030204" pitchFamily="18" charset="0"/>
+                        </a:rPr>
+                        <m:t>𝑐𝑎𝑟𝑡</m:t>
                       </m:r>
                       <m:r>
                         <a:rPr lang="es-ES" b="0" i="1" smtClean="0">
@@ -10839,22 +10658,28 @@
                             </m:dPr>
                             <m:e>
                               <m:r>
-                                <a:rPr lang="es-ES" i="1">
-                                  <a:latin typeface="Cambria Math" charset="0"/>
+                                <a:rPr lang="fr-FR" i="1" smtClean="0">
+                                  <a:latin typeface="Cambria Math" panose="02040503050406030204" pitchFamily="18" charset="0"/>
                                 </a:rPr>
-                                <m:t>𝑦𝑜𝑢𝑟</m:t>
+                                <m:t>𝑛</m:t>
                               </m:r>
                               <m:r>
-                                <a:rPr lang="es-ES" i="1">
-                                  <a:latin typeface="Cambria Math" charset="0"/>
+                                <a:rPr lang="fr-FR" b="0" i="1" smtClean="0">
+                                  <a:latin typeface="Cambria Math" panose="02040503050406030204" pitchFamily="18" charset="0"/>
+                                </a:rPr>
+                                <m:t>𝑜𝑡𝑟𝑒</m:t>
+                              </m:r>
+                              <m:r>
+                                <a:rPr lang="fr-FR" b="0" i="1" smtClean="0">
+                                  <a:latin typeface="Cambria Math" panose="02040503050406030204" pitchFamily="18" charset="0"/>
                                 </a:rPr>
                                 <m:t> </m:t>
                               </m:r>
                               <m:r>
-                                <a:rPr lang="es-ES" i="1">
-                                  <a:latin typeface="Cambria Math" charset="0"/>
+                                <a:rPr lang="fr-FR" b="0" i="1" smtClean="0">
+                                  <a:latin typeface="Cambria Math" panose="02040503050406030204" pitchFamily="18" charset="0"/>
                                 </a:rPr>
-                                <m:t>𝑎𝑙𝑔𝑜𝑟𝑖𝑡h𝑚</m:t>
+                                <m:t>𝑎𝑙𝑔𝑜𝑟𝑖𝑡h𝑚𝑒</m:t>
                               </m:r>
                             </m:e>
                           </m:d>
@@ -10880,11 +10705,11 @@
                             <a:rPr lang="es-ES" i="1">
                               <a:latin typeface="Cambria Math" charset="0"/>
                             </a:rPr>
-                            <m:t>𝑜𝑝𝑡𝑖𝑚𝑎𝑙</m:t>
+                            <m:t>𝑠𝑜𝑙𝑢𝑡𝑖𝑜𝑛</m:t>
                           </m:r>
                           <m:r>
-                            <a:rPr lang="es-ES" i="1">
-                              <a:latin typeface="Cambria Math" charset="0"/>
+                            <a:rPr lang="fr-FR" b="0" i="1" smtClean="0">
+                              <a:latin typeface="Cambria Math" panose="02040503050406030204" pitchFamily="18" charset="0"/>
                             </a:rPr>
                             <m:t> </m:t>
                           </m:r>
@@ -10892,7 +10717,13 @@
                             <a:rPr lang="es-ES" i="1">
                               <a:latin typeface="Cambria Math" charset="0"/>
                             </a:rPr>
-                            <m:t>𝑠𝑜𝑙𝑢𝑡𝑖𝑜𝑛</m:t>
+                            <m:t>𝑜𝑝𝑡𝑖𝑚𝑎𝑙</m:t>
+                          </m:r>
+                          <m:r>
+                            <a:rPr lang="fr-FR" b="0" i="1" smtClean="0">
+                              <a:latin typeface="Cambria Math" panose="02040503050406030204" pitchFamily="18" charset="0"/>
+                            </a:rPr>
+                            <m:t>𝑒</m:t>
                           </m:r>
                           <m:r>
                             <a:rPr lang="es-ES" i="1">
@@ -10915,22 +10746,28 @@
                             <m:t>(</m:t>
                           </m:r>
                           <m:r>
-                            <a:rPr lang="es-ES" b="0" i="1" smtClean="0">
+                            <a:rPr lang="es-ES" i="1">
+                              <a:latin typeface="Cambria Math" charset="0"/>
+                            </a:rPr>
+                            <m:t>𝑠𝑜𝑙𝑢𝑡𝑖𝑜𝑛</m:t>
+                          </m:r>
+                          <m:r>
+                            <a:rPr lang="fr-FR" i="1">
+                              <a:latin typeface="Cambria Math" panose="02040503050406030204" pitchFamily="18" charset="0"/>
+                            </a:rPr>
+                            <m:t> </m:t>
+                          </m:r>
+                          <m:r>
+                            <a:rPr lang="es-ES" i="1">
                               <a:latin typeface="Cambria Math" charset="0"/>
                             </a:rPr>
                             <m:t>𝑜𝑝𝑡𝑖𝑚𝑎𝑙</m:t>
                           </m:r>
                           <m:r>
-                            <a:rPr lang="es-ES" b="0" i="1" smtClean="0">
-                              <a:latin typeface="Cambria Math" charset="0"/>
+                            <a:rPr lang="fr-FR" i="1">
+                              <a:latin typeface="Cambria Math" panose="02040503050406030204" pitchFamily="18" charset="0"/>
                             </a:rPr>
-                            <m:t> </m:t>
-                          </m:r>
-                          <m:r>
-                            <a:rPr lang="es-ES" b="0" i="1" smtClean="0">
-                              <a:latin typeface="Cambria Math" charset="0"/>
-                            </a:rPr>
-                            <m:t>𝑠𝑜𝑙𝑢𝑡𝑖𝑜𝑛</m:t>
+                            <m:t>𝑒</m:t>
                           </m:r>
                           <m:r>
                             <a:rPr lang="es-ES" b="0" i="1" smtClean="0">
@@ -10959,13 +10796,13 @@
             </p:nvSpPr>
             <p:spPr>
               <a:xfrm>
-                <a:off x="6998683" y="4684091"/>
-                <a:ext cx="5029197" cy="586122"/>
+                <a:off x="362710" y="5082298"/>
+                <a:ext cx="5482911" cy="586699"/>
               </a:xfrm>
               <a:prstGeom prst="rect">
                 <a:avLst/>
               </a:prstGeom>
-              <a:blipFill rotWithShape="0">
+              <a:blipFill>
                 <a:blip r:embed="rId2"/>
                 <a:stretch>
                   <a:fillRect/>
@@ -10977,7 +10814,7 @@
               <a:lstStyle/>
               <a:p>
                 <a:r>
-                  <a:rPr lang="en-US">
+                  <a:rPr lang="fr-FR">
                     <a:noFill/>
                   </a:rPr>
                   <a:t> </a:t>
@@ -10995,8 +10832,8 @@
         </p:nvSpPr>
         <p:spPr>
           <a:xfrm>
-            <a:off x="292664" y="3822990"/>
-            <a:ext cx="6706019" cy="2308324"/>
+            <a:off x="117248" y="1398007"/>
+            <a:ext cx="5973836" cy="2862322"/>
           </a:xfrm>
           <a:prstGeom prst="rect">
             <a:avLst/>
@@ -11009,42 +10846,370 @@
           </a:bodyPr>
           <a:lstStyle/>
           <a:p>
-            <a:pPr marL="285750" indent="-285750">
+            <a:pPr marL="285750" indent="-285750" algn="just">
               <a:buFont typeface="Arial" charset="0"/>
               <a:buChar char="•"/>
             </a:pPr>
             <a:r>
               <a:rPr lang="en-US" dirty="0" smtClean="0"/>
-              <a:t>Fix a set of parameters (e.g., a number of threads and a number of tasks) – Explain in a line how you fixed the parameters</a:t>
+              <a:t>Après divers tests, nous </a:t>
+            </a:r>
+            <a:r>
+              <a:rPr lang="en-US" dirty="0" err="1" smtClean="0"/>
+              <a:t>avons</a:t>
+            </a:r>
+            <a:r>
+              <a:rPr lang="en-US" dirty="0" smtClean="0"/>
+              <a:t> </a:t>
+            </a:r>
+            <a:r>
+              <a:rPr lang="en-US" dirty="0" err="1" smtClean="0"/>
+              <a:t>décidé</a:t>
+            </a:r>
+            <a:r>
+              <a:rPr lang="en-US" dirty="0" smtClean="0"/>
+              <a:t> de </a:t>
+            </a:r>
+            <a:r>
+              <a:rPr lang="en-US" dirty="0" err="1" smtClean="0"/>
+              <a:t>réaliser</a:t>
+            </a:r>
+            <a:r>
+              <a:rPr lang="en-US" dirty="0" smtClean="0"/>
+              <a:t> </a:t>
+            </a:r>
+            <a:r>
+              <a:rPr lang="en-US" dirty="0" err="1" smtClean="0"/>
+              <a:t>tous</a:t>
+            </a:r>
+            <a:r>
+              <a:rPr lang="en-US" dirty="0" smtClean="0"/>
+              <a:t> </a:t>
+            </a:r>
+            <a:r>
+              <a:rPr lang="en-US" dirty="0" err="1" smtClean="0"/>
+              <a:t>nos</a:t>
+            </a:r>
+            <a:r>
+              <a:rPr lang="en-US" dirty="0" smtClean="0"/>
+              <a:t> tests avec 24 </a:t>
+            </a:r>
+            <a:r>
+              <a:rPr lang="en-US" dirty="0" err="1" smtClean="0"/>
+              <a:t>tâches</a:t>
+            </a:r>
+            <a:r>
+              <a:rPr lang="en-US" dirty="0" smtClean="0"/>
+              <a:t> </a:t>
+            </a:r>
+            <a:r>
+              <a:rPr lang="en-US" dirty="0" err="1" smtClean="0"/>
+              <a:t>réparties</a:t>
+            </a:r>
+            <a:r>
+              <a:rPr lang="en-US" dirty="0" smtClean="0"/>
+              <a:t> sur 6 threads. Nous </a:t>
+            </a:r>
+            <a:r>
+              <a:rPr lang="en-US" dirty="0" err="1" smtClean="0"/>
+              <a:t>avons</a:t>
+            </a:r>
+            <a:r>
+              <a:rPr lang="en-US" dirty="0" smtClean="0"/>
+              <a:t> </a:t>
+            </a:r>
+            <a:r>
+              <a:rPr lang="en-US" dirty="0" err="1" smtClean="0"/>
+              <a:t>fixé</a:t>
+            </a:r>
+            <a:r>
+              <a:rPr lang="en-US" dirty="0" smtClean="0"/>
+              <a:t> le </a:t>
+            </a:r>
+            <a:r>
+              <a:rPr lang="en-US" dirty="0" err="1" smtClean="0"/>
+              <a:t>nombre</a:t>
+            </a:r>
+            <a:r>
+              <a:rPr lang="en-US" dirty="0" smtClean="0"/>
+              <a:t> de thread à 6 car </a:t>
+            </a:r>
+            <a:r>
+              <a:rPr lang="en-US" dirty="0" err="1" smtClean="0"/>
+              <a:t>nos</a:t>
+            </a:r>
+            <a:r>
+              <a:rPr lang="en-US" dirty="0" smtClean="0"/>
+              <a:t> PC </a:t>
+            </a:r>
+            <a:r>
+              <a:rPr lang="en-US" dirty="0" err="1" smtClean="0"/>
+              <a:t>disposaient</a:t>
+            </a:r>
+            <a:r>
+              <a:rPr lang="en-US" dirty="0" smtClean="0"/>
+              <a:t> de 4 </a:t>
+            </a:r>
+            <a:r>
+              <a:rPr lang="en-US" dirty="0" err="1" smtClean="0"/>
+              <a:t>coeurs</a:t>
+            </a:r>
+            <a:r>
+              <a:rPr lang="en-US" dirty="0" smtClean="0"/>
+              <a:t>, or </a:t>
+            </a:r>
+            <a:r>
+              <a:rPr lang="en-US" dirty="0" err="1" smtClean="0"/>
+              <a:t>lors</a:t>
+            </a:r>
+            <a:r>
+              <a:rPr lang="en-US" dirty="0" smtClean="0"/>
+              <a:t> de </a:t>
+            </a:r>
+            <a:r>
+              <a:rPr lang="en-US" dirty="0" err="1" smtClean="0"/>
+              <a:t>notre</a:t>
+            </a:r>
+            <a:r>
+              <a:rPr lang="en-US" dirty="0" smtClean="0"/>
+              <a:t> CM </a:t>
+            </a:r>
+            <a:r>
+              <a:rPr lang="en-US" dirty="0" err="1" smtClean="0"/>
+              <a:t>d’ASR</a:t>
+            </a:r>
+            <a:r>
+              <a:rPr lang="en-US" dirty="0" smtClean="0"/>
+              <a:t> multi-thread, </a:t>
+            </a:r>
+            <a:r>
+              <a:rPr lang="en-US" dirty="0" err="1" smtClean="0"/>
+              <a:t>il</a:t>
+            </a:r>
+            <a:r>
+              <a:rPr lang="en-US" dirty="0" smtClean="0"/>
+              <a:t> nous a </a:t>
+            </a:r>
+            <a:r>
+              <a:rPr lang="en-US" dirty="0" err="1" smtClean="0"/>
+              <a:t>été</a:t>
+            </a:r>
+            <a:r>
+              <a:rPr lang="en-US" dirty="0" smtClean="0"/>
+              <a:t> </a:t>
+            </a:r>
+            <a:r>
+              <a:rPr lang="en-US" dirty="0" err="1" smtClean="0"/>
+              <a:t>dit</a:t>
+            </a:r>
+            <a:r>
+              <a:rPr lang="en-US" dirty="0" smtClean="0"/>
+              <a:t>  </a:t>
+            </a:r>
+            <a:r>
+              <a:rPr lang="en-US" dirty="0" err="1" smtClean="0"/>
+              <a:t>qu’il</a:t>
+            </a:r>
+            <a:r>
+              <a:rPr lang="en-US" dirty="0" smtClean="0"/>
+              <a:t> </a:t>
+            </a:r>
+            <a:r>
+              <a:rPr lang="en-US" dirty="0" err="1" smtClean="0"/>
+              <a:t>fallait</a:t>
+            </a:r>
+            <a:r>
+              <a:rPr lang="en-US" dirty="0" smtClean="0"/>
+              <a:t> </a:t>
+            </a:r>
+            <a:r>
+              <a:rPr lang="en-US" dirty="0" err="1" smtClean="0"/>
+              <a:t>toujours</a:t>
+            </a:r>
+            <a:r>
+              <a:rPr lang="en-US" dirty="0" smtClean="0"/>
+              <a:t> </a:t>
+            </a:r>
+            <a:r>
+              <a:rPr lang="en-US" dirty="0" err="1" smtClean="0"/>
+              <a:t>avoir</a:t>
+            </a:r>
+            <a:r>
+              <a:rPr lang="en-US" dirty="0" smtClean="0"/>
+              <a:t> plus de threads que de </a:t>
+            </a:r>
+            <a:r>
+              <a:rPr lang="en-US" dirty="0" err="1" smtClean="0"/>
+              <a:t>coeurs</a:t>
+            </a:r>
+            <a:r>
+              <a:rPr lang="en-US" dirty="0" smtClean="0"/>
+              <a:t>.</a:t>
             </a:r>
           </a:p>
           <a:p>
-            <a:pPr marL="285750" indent="-285750">
+            <a:pPr marL="285750" indent="-285750" algn="just">
               <a:buFont typeface="Arial" charset="0"/>
               <a:buChar char="•"/>
             </a:pPr>
             <a:r>
               <a:rPr lang="en-US" dirty="0" smtClean="0"/>
-              <a:t>Run your algorithm, with the fixed parameters, 10 times (with different seeds) for different execution times (e.g., 10, 20, and 40 s)</a:t>
+              <a:t>Les </a:t>
+            </a:r>
+            <a:r>
+              <a:rPr lang="en-US" dirty="0" err="1" smtClean="0"/>
+              <a:t>différents</a:t>
+            </a:r>
+            <a:r>
+              <a:rPr lang="en-US" dirty="0" smtClean="0"/>
+              <a:t> </a:t>
+            </a:r>
+            <a:r>
+              <a:rPr lang="en-US" dirty="0" err="1" smtClean="0"/>
+              <a:t>résultats</a:t>
+            </a:r>
+            <a:r>
+              <a:rPr lang="en-US" dirty="0" smtClean="0"/>
+              <a:t> que nous </a:t>
+            </a:r>
+            <a:r>
+              <a:rPr lang="en-US" dirty="0" err="1" smtClean="0"/>
+              <a:t>avons</a:t>
+            </a:r>
+            <a:r>
+              <a:rPr lang="en-US" dirty="0" smtClean="0"/>
+              <a:t> </a:t>
+            </a:r>
+            <a:r>
+              <a:rPr lang="en-US" dirty="0" err="1" smtClean="0"/>
+              <a:t>ensuite</a:t>
+            </a:r>
+            <a:r>
+              <a:rPr lang="en-US" dirty="0" smtClean="0"/>
+              <a:t> </a:t>
+            </a:r>
+            <a:r>
+              <a:rPr lang="en-US" dirty="0" err="1" smtClean="0"/>
+              <a:t>obtenus</a:t>
+            </a:r>
+            <a:r>
+              <a:rPr lang="en-US" dirty="0" smtClean="0"/>
+              <a:t> </a:t>
+            </a:r>
+            <a:r>
+              <a:rPr lang="en-US" dirty="0" err="1" smtClean="0"/>
+              <a:t>sont</a:t>
+            </a:r>
+            <a:r>
+              <a:rPr lang="en-US" dirty="0" smtClean="0"/>
+              <a:t> </a:t>
+            </a:r>
+            <a:r>
+              <a:rPr lang="en-US" dirty="0" err="1" smtClean="0"/>
+              <a:t>tous</a:t>
+            </a:r>
+            <a:r>
+              <a:rPr lang="en-US" dirty="0" smtClean="0"/>
+              <a:t> </a:t>
+            </a:r>
+            <a:r>
+              <a:rPr lang="en-US" dirty="0" err="1" smtClean="0"/>
+              <a:t>indiqués</a:t>
+            </a:r>
+            <a:r>
+              <a:rPr lang="en-US" dirty="0" smtClean="0"/>
+              <a:t> </a:t>
+            </a:r>
+            <a:r>
+              <a:rPr lang="en-US" dirty="0" err="1" smtClean="0"/>
+              <a:t>dans</a:t>
+            </a:r>
+            <a:r>
+              <a:rPr lang="en-US" dirty="0" smtClean="0"/>
+              <a:t> le tableau ci-</a:t>
+            </a:r>
+            <a:r>
+              <a:rPr lang="en-US" dirty="0" err="1" smtClean="0"/>
+              <a:t>contre</a:t>
+            </a:r>
+            <a:r>
+              <a:rPr lang="en-US" dirty="0" smtClean="0"/>
+              <a:t>.</a:t>
             </a:r>
           </a:p>
           <a:p>
-            <a:pPr marL="285750" indent="-285750">
+            <a:pPr marL="285750" indent="-285750" algn="just">
               <a:buFont typeface="Arial" charset="0"/>
               <a:buChar char="•"/>
             </a:pPr>
             <a:r>
               <a:rPr lang="en-US" dirty="0" smtClean="0"/>
-              <a:t>For each run compute the gap between the objective function of your solution, and the optimal solution (see the expression on the right) and report the average (over the 10 runs on the table)</a:t>
-            </a:r>
-            <a:endParaRPr lang="en-US" dirty="0"/>
+              <a:t>Le </a:t>
+            </a:r>
+            <a:r>
+              <a:rPr lang="en-US" dirty="0" err="1" smtClean="0"/>
+              <a:t>calcul</a:t>
+            </a:r>
+            <a:r>
+              <a:rPr lang="en-US" dirty="0" smtClean="0"/>
+              <a:t> de </a:t>
+            </a:r>
+            <a:r>
+              <a:rPr lang="en-US" dirty="0" err="1" smtClean="0"/>
+              <a:t>l’écart</a:t>
+            </a:r>
+            <a:r>
+              <a:rPr lang="en-US" dirty="0" smtClean="0"/>
+              <a:t> </a:t>
+            </a:r>
+            <a:r>
+              <a:rPr lang="en-US" dirty="0" err="1" smtClean="0"/>
+              <a:t>moyen</a:t>
+            </a:r>
+            <a:r>
+              <a:rPr lang="en-US" dirty="0" smtClean="0"/>
+              <a:t> </a:t>
+            </a:r>
+            <a:r>
+              <a:rPr lang="en-US" dirty="0" err="1" smtClean="0"/>
+              <a:t>est</a:t>
+            </a:r>
+            <a:r>
+              <a:rPr lang="en-US" dirty="0" smtClean="0"/>
+              <a:t> fait à </a:t>
+            </a:r>
+            <a:r>
+              <a:rPr lang="en-US" dirty="0" err="1" smtClean="0"/>
+              <a:t>l’aide</a:t>
+            </a:r>
+            <a:r>
+              <a:rPr lang="en-US" dirty="0" smtClean="0"/>
+              <a:t> de la </a:t>
+            </a:r>
+            <a:r>
+              <a:rPr lang="en-US" dirty="0" err="1" smtClean="0"/>
+              <a:t>formule</a:t>
+            </a:r>
+            <a:r>
+              <a:rPr lang="en-US" dirty="0" smtClean="0"/>
+              <a:t> ci-</a:t>
+            </a:r>
+            <a:r>
+              <a:rPr lang="en-US" dirty="0" err="1" smtClean="0"/>
+              <a:t>dessous</a:t>
+            </a:r>
+            <a:r>
+              <a:rPr lang="en-US" dirty="0" smtClean="0"/>
+              <a:t>.</a:t>
+            </a:r>
+            <a:endParaRPr lang="en-US" dirty="0" smtClean="0"/>
           </a:p>
         </p:txBody>
       </p:sp>
     </p:spTree>
     <p:extLst>
       <p:ext uri="{BB962C8B-B14F-4D97-AF65-F5344CB8AC3E}">
-        <p14:creationId xmlns:p14="http://schemas.microsoft.com/office/powerpoint/2010/main" xmlns="" val="2033306419"/>
+        <p14:creationId xmlns:p14="http://schemas.microsoft.com/office/powerpoint/2010/main" val="2033306419"/>
       </p:ext>
     </p:extLst>
   </p:cSld>
@@ -11094,13 +11259,654 @@
           <a:lstStyle/>
           <a:p>
             <a:r>
-              <a:rPr lang="en-US" dirty="0" smtClean="0"/>
-              <a:t>Results (2 slides)</a:t>
+              <a:rPr lang="en-US" dirty="0" err="1" smtClean="0"/>
+              <a:t>Résultats</a:t>
             </a:r>
             <a:endParaRPr lang="en-US" dirty="0"/>
           </a:p>
         </p:txBody>
       </p:sp>
+      <p:graphicFrame>
+        <p:nvGraphicFramePr>
+          <p:cNvPr id="3" name="Table 2"/>
+          <p:cNvGraphicFramePr>
+            <a:graphicFrameLocks noGrp="1"/>
+          </p:cNvGraphicFramePr>
+          <p:nvPr>
+            <p:extLst>
+              <p:ext uri="{D42A27DB-BD31-4B8C-83A1-F6EECF244321}">
+                <p14:modId xmlns:p14="http://schemas.microsoft.com/office/powerpoint/2010/main" val="3839855374"/>
+              </p:ext>
+            </p:extLst>
+          </p:nvPr>
+        </p:nvGraphicFramePr>
+        <p:xfrm>
+          <a:off x="6414020" y="1425162"/>
+          <a:ext cx="5355191" cy="3977640"/>
+        </p:xfrm>
+        <a:graphic>
+          <a:graphicData uri="http://schemas.openxmlformats.org/drawingml/2006/table">
+            <a:tbl>
+              <a:tblPr firstRow="1" bandRow="1">
+                <a:tableStyleId>{5C22544A-7EE6-4342-B048-85BDC9FD1C3A}</a:tableStyleId>
+              </a:tblPr>
+              <a:tblGrid>
+                <a:gridCol w="1075835">
+                  <a:extLst>
+                    <a:ext uri="{9D8B030D-6E8A-4147-A177-3AD203B41FA5}">
+                      <a16:colId xmlns:a16="http://schemas.microsoft.com/office/drawing/2014/main" val="20000"/>
+                    </a:ext>
+                  </a:extLst>
+                </a:gridCol>
+                <a:gridCol w="1560601">
+                  <a:extLst>
+                    <a:ext uri="{9D8B030D-6E8A-4147-A177-3AD203B41FA5}">
+                      <a16:colId xmlns:a16="http://schemas.microsoft.com/office/drawing/2014/main" val="20001"/>
+                    </a:ext>
+                  </a:extLst>
+                </a:gridCol>
+                <a:gridCol w="2718755">
+                  <a:extLst>
+                    <a:ext uri="{9D8B030D-6E8A-4147-A177-3AD203B41FA5}">
+                      <a16:colId xmlns:a16="http://schemas.microsoft.com/office/drawing/2014/main" val="20002"/>
+                    </a:ext>
+                  </a:extLst>
+                </a:gridCol>
+              </a:tblGrid>
+              <a:tr h="370840">
+                <a:tc>
+                  <a:txBody>
+                    <a:bodyPr/>
+                    <a:lstStyle/>
+                    <a:p>
+                      <a:pPr algn="ctr"/>
+                      <a:r>
+                        <a:rPr lang="en-US" dirty="0" smtClean="0"/>
+                        <a:t>Instance</a:t>
+                      </a:r>
+                    </a:p>
+                    <a:p>
+                      <a:pPr algn="ctr"/>
+                      <a:r>
+                        <a:rPr lang="en-US" dirty="0" smtClean="0"/>
+                        <a:t>(</a:t>
+                      </a:r>
+                      <a:r>
+                        <a:rPr lang="en-US" dirty="0" err="1" smtClean="0"/>
+                        <a:t>fichier</a:t>
+                      </a:r>
+                      <a:r>
+                        <a:rPr lang="en-US" dirty="0" smtClean="0"/>
+                        <a:t>)</a:t>
+                      </a:r>
+                      <a:endParaRPr lang="en-US" dirty="0"/>
+                    </a:p>
+                  </a:txBody>
+                  <a:tcPr/>
+                </a:tc>
+                <a:tc>
+                  <a:txBody>
+                    <a:bodyPr/>
+                    <a:lstStyle/>
+                    <a:p>
+                      <a:pPr algn="ctr"/>
+                      <a:r>
+                        <a:rPr lang="en-US" dirty="0" err="1" smtClean="0"/>
+                        <a:t>Durée</a:t>
+                      </a:r>
+                      <a:r>
+                        <a:rPr lang="en-US" dirty="0" smtClean="0"/>
+                        <a:t> max</a:t>
+                      </a:r>
+                      <a:endParaRPr lang="en-US" baseline="0" dirty="0" smtClean="0"/>
+                    </a:p>
+                    <a:p>
+                      <a:pPr algn="ctr"/>
+                      <a:r>
+                        <a:rPr lang="en-US" baseline="0" dirty="0" smtClean="0"/>
+                        <a:t>(</a:t>
+                      </a:r>
+                      <a:r>
+                        <a:rPr lang="en-US" baseline="0" dirty="0" err="1" smtClean="0"/>
+                        <a:t>en</a:t>
+                      </a:r>
+                      <a:r>
+                        <a:rPr lang="en-US" baseline="0" dirty="0" smtClean="0"/>
+                        <a:t> </a:t>
+                      </a:r>
+                      <a:r>
+                        <a:rPr lang="en-US" baseline="0" dirty="0" err="1" smtClean="0"/>
+                        <a:t>secondes</a:t>
+                      </a:r>
+                      <a:r>
+                        <a:rPr lang="en-US" baseline="0" dirty="0" smtClean="0"/>
+                        <a:t>)</a:t>
+                      </a:r>
+                      <a:endParaRPr lang="en-US" dirty="0"/>
+                    </a:p>
+                  </a:txBody>
+                  <a:tcPr/>
+                </a:tc>
+                <a:tc>
+                  <a:txBody>
+                    <a:bodyPr/>
+                    <a:lstStyle/>
+                    <a:p>
+                      <a:pPr algn="ctr"/>
+                      <a:r>
+                        <a:rPr lang="en-US" dirty="0" err="1" smtClean="0"/>
+                        <a:t>Ecart</a:t>
+                      </a:r>
+                      <a:r>
+                        <a:rPr lang="en-US" dirty="0" smtClean="0"/>
+                        <a:t> </a:t>
+                      </a:r>
+                      <a:r>
+                        <a:rPr lang="en-US" dirty="0" err="1" smtClean="0"/>
+                        <a:t>moyen</a:t>
+                      </a:r>
+                      <a:r>
+                        <a:rPr lang="en-US" baseline="0" dirty="0" smtClean="0"/>
+                        <a:t> optimum</a:t>
+                      </a:r>
+                    </a:p>
+                    <a:p>
+                      <a:pPr algn="ctr"/>
+                      <a:r>
+                        <a:rPr lang="en-US" baseline="0" dirty="0" smtClean="0"/>
+                        <a:t>(</a:t>
+                      </a:r>
+                      <a:r>
+                        <a:rPr lang="en-US" baseline="0" dirty="0" err="1" smtClean="0"/>
+                        <a:t>en</a:t>
+                      </a:r>
+                      <a:r>
+                        <a:rPr lang="en-US" baseline="0" dirty="0" smtClean="0"/>
+                        <a:t> %)</a:t>
+                      </a:r>
+                      <a:endParaRPr lang="en-US" dirty="0"/>
+                    </a:p>
+                  </a:txBody>
+                  <a:tcPr/>
+                </a:tc>
+                <a:extLst>
+                  <a:ext uri="{0D108BD9-81ED-4DB2-BD59-A6C34878D82A}">
+                    <a16:rowId xmlns:a16="http://schemas.microsoft.com/office/drawing/2014/main" val="10000"/>
+                  </a:ext>
+                </a:extLst>
+              </a:tr>
+              <a:tr h="370840">
+                <a:tc>
+                  <a:txBody>
+                    <a:bodyPr/>
+                    <a:lstStyle/>
+                    <a:p>
+                      <a:pPr algn="ctr"/>
+                      <a:r>
+                        <a:rPr lang="en-US" sz="1600" dirty="0" smtClean="0"/>
+                        <a:t>zi929</a:t>
+                      </a:r>
+                      <a:endParaRPr lang="en-US" sz="1600" dirty="0"/>
+                    </a:p>
+                  </a:txBody>
+                  <a:tcPr/>
+                </a:tc>
+                <a:tc>
+                  <a:txBody>
+                    <a:bodyPr/>
+                    <a:lstStyle/>
+                    <a:p>
+                      <a:pPr algn="ctr"/>
+                      <a:r>
+                        <a:rPr lang="en-US" sz="1600" dirty="0" smtClean="0"/>
+                        <a:t>10</a:t>
+                      </a:r>
+                      <a:endParaRPr lang="en-US" sz="1600" dirty="0"/>
+                    </a:p>
+                  </a:txBody>
+                  <a:tcPr/>
+                </a:tc>
+                <a:tc>
+                  <a:txBody>
+                    <a:bodyPr/>
+                    <a:lstStyle/>
+                    <a:p>
+                      <a:pPr algn="ctr"/>
+                      <a:r>
+                        <a:rPr lang="en-US" sz="1600" dirty="0" smtClean="0"/>
+                        <a:t>22.77</a:t>
+                      </a:r>
+                      <a:endParaRPr lang="en-US" sz="1600" dirty="0"/>
+                    </a:p>
+                  </a:txBody>
+                  <a:tcPr/>
+                </a:tc>
+                <a:extLst>
+                  <a:ext uri="{0D108BD9-81ED-4DB2-BD59-A6C34878D82A}">
+                    <a16:rowId xmlns:a16="http://schemas.microsoft.com/office/drawing/2014/main" val="2808459390"/>
+                  </a:ext>
+                </a:extLst>
+              </a:tr>
+              <a:tr h="370840">
+                <a:tc>
+                  <a:txBody>
+                    <a:bodyPr/>
+                    <a:lstStyle/>
+                    <a:p>
+                      <a:pPr algn="ctr"/>
+                      <a:r>
+                        <a:rPr lang="en-US" sz="1600" dirty="0" smtClean="0"/>
+                        <a:t>zi929</a:t>
+                      </a:r>
+                      <a:endParaRPr lang="en-US" sz="1600" dirty="0"/>
+                    </a:p>
+                  </a:txBody>
+                  <a:tcPr/>
+                </a:tc>
+                <a:tc>
+                  <a:txBody>
+                    <a:bodyPr/>
+                    <a:lstStyle/>
+                    <a:p>
+                      <a:pPr algn="ctr"/>
+                      <a:r>
+                        <a:rPr lang="en-US" sz="1600" dirty="0" smtClean="0"/>
+                        <a:t>20</a:t>
+                      </a:r>
+                      <a:endParaRPr lang="en-US" sz="1600" dirty="0"/>
+                    </a:p>
+                  </a:txBody>
+                  <a:tcPr/>
+                </a:tc>
+                <a:tc>
+                  <a:txBody>
+                    <a:bodyPr/>
+                    <a:lstStyle/>
+                    <a:p>
+                      <a:pPr algn="ctr"/>
+                      <a:r>
+                        <a:rPr lang="en-US" sz="1600" dirty="0" smtClean="0"/>
+                        <a:t>22.70</a:t>
+                      </a:r>
+                      <a:endParaRPr lang="en-US" sz="1600" dirty="0"/>
+                    </a:p>
+                  </a:txBody>
+                  <a:tcPr/>
+                </a:tc>
+                <a:extLst>
+                  <a:ext uri="{0D108BD9-81ED-4DB2-BD59-A6C34878D82A}">
+                    <a16:rowId xmlns:a16="http://schemas.microsoft.com/office/drawing/2014/main" val="10001"/>
+                  </a:ext>
+                </a:extLst>
+              </a:tr>
+              <a:tr h="370840">
+                <a:tc>
+                  <a:txBody>
+                    <a:bodyPr/>
+                    <a:lstStyle/>
+                    <a:p>
+                      <a:pPr algn="ctr"/>
+                      <a:r>
+                        <a:rPr lang="en-US" sz="1600" dirty="0" smtClean="0"/>
+                        <a:t>zi929</a:t>
+                      </a:r>
+                      <a:endParaRPr lang="en-US" sz="1600" dirty="0"/>
+                    </a:p>
+                  </a:txBody>
+                  <a:tcPr/>
+                </a:tc>
+                <a:tc>
+                  <a:txBody>
+                    <a:bodyPr/>
+                    <a:lstStyle/>
+                    <a:p>
+                      <a:pPr algn="ctr"/>
+                      <a:r>
+                        <a:rPr lang="en-US" sz="1600" dirty="0" smtClean="0"/>
+                        <a:t>40</a:t>
+                      </a:r>
+                      <a:endParaRPr lang="en-US" sz="1600" dirty="0"/>
+                    </a:p>
+                  </a:txBody>
+                  <a:tcPr/>
+                </a:tc>
+                <a:tc>
+                  <a:txBody>
+                    <a:bodyPr/>
+                    <a:lstStyle/>
+                    <a:p>
+                      <a:pPr algn="ctr"/>
+                      <a:r>
+                        <a:rPr lang="en-US" sz="1600" dirty="0" smtClean="0"/>
+                        <a:t>22.68</a:t>
+                      </a:r>
+                      <a:endParaRPr lang="en-US" sz="1600" dirty="0"/>
+                    </a:p>
+                  </a:txBody>
+                  <a:tcPr/>
+                </a:tc>
+                <a:extLst>
+                  <a:ext uri="{0D108BD9-81ED-4DB2-BD59-A6C34878D82A}">
+                    <a16:rowId xmlns:a16="http://schemas.microsoft.com/office/drawing/2014/main" val="1361785963"/>
+                  </a:ext>
+                </a:extLst>
+              </a:tr>
+              <a:tr h="370840">
+                <a:tc>
+                  <a:txBody>
+                    <a:bodyPr/>
+                    <a:lstStyle/>
+                    <a:p>
+                      <a:pPr algn="ctr"/>
+                      <a:r>
+                        <a:rPr lang="en-US" sz="1600" dirty="0" smtClean="0"/>
+                        <a:t>lu980</a:t>
+                      </a:r>
+                      <a:endParaRPr lang="en-US" sz="1600" dirty="0"/>
+                    </a:p>
+                  </a:txBody>
+                  <a:tcPr/>
+                </a:tc>
+                <a:tc>
+                  <a:txBody>
+                    <a:bodyPr/>
+                    <a:lstStyle/>
+                    <a:p>
+                      <a:pPr algn="ctr"/>
+                      <a:r>
+                        <a:rPr lang="en-US" sz="1600" dirty="0" smtClean="0"/>
+                        <a:t>10</a:t>
+                      </a:r>
+                      <a:endParaRPr lang="en-US" sz="1600" dirty="0"/>
+                    </a:p>
+                  </a:txBody>
+                  <a:tcPr/>
+                </a:tc>
+                <a:tc>
+                  <a:txBody>
+                    <a:bodyPr/>
+                    <a:lstStyle/>
+                    <a:p>
+                      <a:pPr algn="ctr"/>
+                      <a:r>
+                        <a:rPr lang="en-US" sz="1600" dirty="0" smtClean="0"/>
+                        <a:t>23.23</a:t>
+                      </a:r>
+                      <a:endParaRPr lang="en-US" sz="1600" dirty="0"/>
+                    </a:p>
+                  </a:txBody>
+                  <a:tcPr/>
+                </a:tc>
+                <a:extLst>
+                  <a:ext uri="{0D108BD9-81ED-4DB2-BD59-A6C34878D82A}">
+                    <a16:rowId xmlns:a16="http://schemas.microsoft.com/office/drawing/2014/main" val="10002"/>
+                  </a:ext>
+                </a:extLst>
+              </a:tr>
+              <a:tr h="370840">
+                <a:tc>
+                  <a:txBody>
+                    <a:bodyPr/>
+                    <a:lstStyle/>
+                    <a:p>
+                      <a:pPr algn="ctr"/>
+                      <a:r>
+                        <a:rPr lang="en-US" sz="1600" dirty="0" smtClean="0"/>
+                        <a:t>lu980</a:t>
+                      </a:r>
+                      <a:endParaRPr lang="en-US" sz="1600" dirty="0"/>
+                    </a:p>
+                  </a:txBody>
+                  <a:tcPr/>
+                </a:tc>
+                <a:tc>
+                  <a:txBody>
+                    <a:bodyPr/>
+                    <a:lstStyle/>
+                    <a:p>
+                      <a:pPr algn="ctr"/>
+                      <a:r>
+                        <a:rPr lang="en-US" sz="1600" dirty="0" smtClean="0"/>
+                        <a:t>20</a:t>
+                      </a:r>
+                      <a:endParaRPr lang="en-US" sz="1600" dirty="0"/>
+                    </a:p>
+                  </a:txBody>
+                  <a:tcPr/>
+                </a:tc>
+                <a:tc>
+                  <a:txBody>
+                    <a:bodyPr/>
+                    <a:lstStyle/>
+                    <a:p>
+                      <a:pPr algn="ctr"/>
+                      <a:r>
+                        <a:rPr lang="en-US" sz="1600" dirty="0" smtClean="0"/>
+                        <a:t>25.23</a:t>
+                      </a:r>
+                      <a:endParaRPr lang="en-US" sz="1600" dirty="0"/>
+                    </a:p>
+                  </a:txBody>
+                  <a:tcPr/>
+                </a:tc>
+                <a:extLst>
+                  <a:ext uri="{0D108BD9-81ED-4DB2-BD59-A6C34878D82A}">
+                    <a16:rowId xmlns:a16="http://schemas.microsoft.com/office/drawing/2014/main" val="10003"/>
+                  </a:ext>
+                </a:extLst>
+              </a:tr>
+              <a:tr h="370840">
+                <a:tc>
+                  <a:txBody>
+                    <a:bodyPr/>
+                    <a:lstStyle/>
+                    <a:p>
+                      <a:pPr algn="ctr"/>
+                      <a:r>
+                        <a:rPr lang="en-US" sz="1600" dirty="0" smtClean="0"/>
+                        <a:t>lu980</a:t>
+                      </a:r>
+                      <a:endParaRPr lang="en-US" sz="1600" dirty="0"/>
+                    </a:p>
+                  </a:txBody>
+                  <a:tcPr/>
+                </a:tc>
+                <a:tc>
+                  <a:txBody>
+                    <a:bodyPr/>
+                    <a:lstStyle/>
+                    <a:p>
+                      <a:pPr algn="ctr"/>
+                      <a:r>
+                        <a:rPr lang="en-US" sz="1600" dirty="0" smtClean="0"/>
+                        <a:t>40</a:t>
+                      </a:r>
+                      <a:endParaRPr lang="en-US" sz="1600" dirty="0"/>
+                    </a:p>
+                  </a:txBody>
+                  <a:tcPr/>
+                </a:tc>
+                <a:tc>
+                  <a:txBody>
+                    <a:bodyPr/>
+                    <a:lstStyle/>
+                    <a:p>
+                      <a:pPr algn="ctr"/>
+                      <a:r>
+                        <a:rPr lang="en-US" sz="1600" dirty="0" smtClean="0"/>
+                        <a:t>24.90</a:t>
+                      </a:r>
+                      <a:endParaRPr lang="en-US" sz="1600" dirty="0"/>
+                    </a:p>
+                  </a:txBody>
+                  <a:tcPr/>
+                </a:tc>
+                <a:extLst>
+                  <a:ext uri="{0D108BD9-81ED-4DB2-BD59-A6C34878D82A}">
+                    <a16:rowId xmlns:a16="http://schemas.microsoft.com/office/drawing/2014/main" val="1527334627"/>
+                  </a:ext>
+                </a:extLst>
+              </a:tr>
+              <a:tr h="370840">
+                <a:tc>
+                  <a:txBody>
+                    <a:bodyPr/>
+                    <a:lstStyle/>
+                    <a:p>
+                      <a:pPr algn="ctr"/>
+                      <a:r>
+                        <a:rPr lang="en-US" sz="1600" dirty="0" smtClean="0"/>
+                        <a:t>mu1979</a:t>
+                      </a:r>
+                      <a:endParaRPr lang="en-US" sz="1600" dirty="0"/>
+                    </a:p>
+                  </a:txBody>
+                  <a:tcPr/>
+                </a:tc>
+                <a:tc>
+                  <a:txBody>
+                    <a:bodyPr/>
+                    <a:lstStyle/>
+                    <a:p>
+                      <a:pPr algn="ctr"/>
+                      <a:r>
+                        <a:rPr lang="en-US" sz="1600" dirty="0" smtClean="0"/>
+                        <a:t>10</a:t>
+                      </a:r>
+                      <a:endParaRPr lang="en-US" sz="1600" dirty="0"/>
+                    </a:p>
+                  </a:txBody>
+                  <a:tcPr/>
+                </a:tc>
+                <a:tc>
+                  <a:txBody>
+                    <a:bodyPr/>
+                    <a:lstStyle/>
+                    <a:p>
+                      <a:pPr algn="ctr"/>
+                      <a:r>
+                        <a:rPr lang="en-US" sz="1600" dirty="0" smtClean="0"/>
+                        <a:t>61.99</a:t>
+                      </a:r>
+                      <a:endParaRPr lang="en-US" sz="1600" dirty="0"/>
+                    </a:p>
+                  </a:txBody>
+                  <a:tcPr/>
+                </a:tc>
+                <a:extLst>
+                  <a:ext uri="{0D108BD9-81ED-4DB2-BD59-A6C34878D82A}">
+                    <a16:rowId xmlns:a16="http://schemas.microsoft.com/office/drawing/2014/main" val="3792653972"/>
+                  </a:ext>
+                </a:extLst>
+              </a:tr>
+              <a:tr h="370840">
+                <a:tc>
+                  <a:txBody>
+                    <a:bodyPr/>
+                    <a:lstStyle/>
+                    <a:p>
+                      <a:pPr algn="ctr"/>
+                      <a:r>
+                        <a:rPr lang="en-US" sz="1600" dirty="0" smtClean="0"/>
+                        <a:t>mu1979</a:t>
+                      </a:r>
+                      <a:endParaRPr lang="en-US" sz="1600" dirty="0"/>
+                    </a:p>
+                  </a:txBody>
+                  <a:tcPr/>
+                </a:tc>
+                <a:tc>
+                  <a:txBody>
+                    <a:bodyPr/>
+                    <a:lstStyle/>
+                    <a:p>
+                      <a:pPr algn="ctr"/>
+                      <a:r>
+                        <a:rPr lang="en-US" sz="1600" dirty="0" smtClean="0"/>
+                        <a:t>20</a:t>
+                      </a:r>
+                      <a:endParaRPr lang="en-US" sz="1600" dirty="0"/>
+                    </a:p>
+                  </a:txBody>
+                  <a:tcPr/>
+                </a:tc>
+                <a:tc>
+                  <a:txBody>
+                    <a:bodyPr/>
+                    <a:lstStyle/>
+                    <a:p>
+                      <a:pPr algn="ctr"/>
+                      <a:r>
+                        <a:rPr lang="en-US" sz="1600" dirty="0" smtClean="0"/>
+                        <a:t>61.97</a:t>
+                      </a:r>
+                      <a:endParaRPr lang="en-US" sz="1600" dirty="0"/>
+                    </a:p>
+                  </a:txBody>
+                  <a:tcPr/>
+                </a:tc>
+                <a:extLst>
+                  <a:ext uri="{0D108BD9-81ED-4DB2-BD59-A6C34878D82A}">
+                    <a16:rowId xmlns:a16="http://schemas.microsoft.com/office/drawing/2014/main" val="2943019833"/>
+                  </a:ext>
+                </a:extLst>
+              </a:tr>
+              <a:tr h="370840">
+                <a:tc>
+                  <a:txBody>
+                    <a:bodyPr/>
+                    <a:lstStyle/>
+                    <a:p>
+                      <a:pPr algn="ctr"/>
+                      <a:r>
+                        <a:rPr lang="en-US" sz="1600" dirty="0" smtClean="0"/>
+                        <a:t>mu1979</a:t>
+                      </a:r>
+                      <a:endParaRPr lang="en-US" sz="1600" dirty="0"/>
+                    </a:p>
+                  </a:txBody>
+                  <a:tcPr/>
+                </a:tc>
+                <a:tc>
+                  <a:txBody>
+                    <a:bodyPr/>
+                    <a:lstStyle/>
+                    <a:p>
+                      <a:pPr algn="ctr"/>
+                      <a:r>
+                        <a:rPr lang="en-US" sz="1600" dirty="0" smtClean="0"/>
+                        <a:t>40</a:t>
+                      </a:r>
+                      <a:endParaRPr lang="en-US" sz="1600" dirty="0"/>
+                    </a:p>
+                  </a:txBody>
+                  <a:tcPr/>
+                </a:tc>
+                <a:tc>
+                  <a:txBody>
+                    <a:bodyPr/>
+                    <a:lstStyle/>
+                    <a:p>
+                      <a:pPr algn="ctr"/>
+                      <a:r>
+                        <a:rPr lang="en-US" sz="1600" dirty="0" smtClean="0"/>
+                        <a:t>61.27</a:t>
+                      </a:r>
+                      <a:endParaRPr lang="en-US" sz="1600" dirty="0"/>
+                    </a:p>
+                  </a:txBody>
+                  <a:tcPr/>
+                </a:tc>
+                <a:extLst>
+                  <a:ext uri="{0D108BD9-81ED-4DB2-BD59-A6C34878D82A}">
+                    <a16:rowId xmlns:a16="http://schemas.microsoft.com/office/drawing/2014/main" val="3543114398"/>
+                  </a:ext>
+                </a:extLst>
+              </a:tr>
+            </a:tbl>
+          </a:graphicData>
+        </a:graphic>
+      </p:graphicFrame>
       <p:sp>
         <p:nvSpPr>
           <p:cNvPr id="8" name="TextBox 7"/>
@@ -11109,8 +11915,8 @@
         </p:nvSpPr>
         <p:spPr>
           <a:xfrm>
-            <a:off x="384916" y="4928576"/>
-            <a:ext cx="11375296" cy="923330"/>
+            <a:off x="117248" y="1705382"/>
+            <a:ext cx="5973836" cy="1200329"/>
           </a:xfrm>
           <a:prstGeom prst="rect">
             <a:avLst/>
@@ -11123,65 +11929,175 @@
           </a:bodyPr>
           <a:lstStyle/>
           <a:p>
-            <a:pPr marL="285750" indent="-285750">
+            <a:pPr marL="285750" indent="-285750" algn="just">
               <a:buFont typeface="Arial" charset="0"/>
               <a:buChar char="•"/>
             </a:pPr>
             <a:r>
               <a:rPr lang="en-US" dirty="0" smtClean="0"/>
-              <a:t>Select one or two instances</a:t>
+              <a:t>A </a:t>
+            </a:r>
+            <a:r>
+              <a:rPr lang="en-US" dirty="0" err="1"/>
+              <a:t>partir</a:t>
+            </a:r>
+            <a:r>
+              <a:rPr lang="en-US" dirty="0"/>
+              <a:t> de </a:t>
+            </a:r>
+            <a:r>
+              <a:rPr lang="en-US" dirty="0" err="1"/>
+              <a:t>l’échantillon</a:t>
+            </a:r>
+            <a:r>
+              <a:rPr lang="en-US" dirty="0"/>
+              <a:t> </a:t>
+            </a:r>
+            <a:r>
+              <a:rPr lang="en-US" i="1" dirty="0"/>
+              <a:t>nu3496</a:t>
+            </a:r>
+            <a:r>
+              <a:rPr lang="en-US" dirty="0"/>
+              <a:t>, le </a:t>
+            </a:r>
+            <a:r>
+              <a:rPr lang="en-US" dirty="0" err="1"/>
+              <a:t>programme</a:t>
+            </a:r>
+            <a:r>
+              <a:rPr lang="en-US" dirty="0"/>
+              <a:t> </a:t>
+            </a:r>
+            <a:r>
+              <a:rPr lang="en-US" dirty="0" err="1"/>
+              <a:t>n’a</a:t>
+            </a:r>
+            <a:r>
+              <a:rPr lang="en-US" dirty="0"/>
+              <a:t> plus </a:t>
+            </a:r>
+            <a:r>
+              <a:rPr lang="en-US" dirty="0" err="1"/>
+              <a:t>assez</a:t>
+            </a:r>
+            <a:r>
+              <a:rPr lang="en-US" dirty="0"/>
+              <a:t> de temps pour </a:t>
+            </a:r>
+            <a:r>
+              <a:rPr lang="en-US" dirty="0" err="1"/>
+              <a:t>terminer</a:t>
+            </a:r>
+            <a:r>
+              <a:rPr lang="en-US" dirty="0"/>
+              <a:t> les </a:t>
+            </a:r>
+            <a:r>
+              <a:rPr lang="en-US" dirty="0" err="1"/>
+              <a:t>calculs</a:t>
+            </a:r>
+            <a:r>
+              <a:rPr lang="en-US" dirty="0"/>
+              <a:t> : </a:t>
+            </a:r>
+            <a:r>
+              <a:rPr lang="en-US" dirty="0" err="1"/>
+              <a:t>une</a:t>
+            </a:r>
+            <a:r>
+              <a:rPr lang="en-US" dirty="0"/>
+              <a:t> exception </a:t>
+            </a:r>
+            <a:r>
+              <a:rPr lang="en-US" dirty="0" err="1"/>
+              <a:t>est</a:t>
+            </a:r>
+            <a:r>
+              <a:rPr lang="en-US" dirty="0"/>
+              <a:t> levee </a:t>
+            </a:r>
+            <a:r>
+              <a:rPr lang="en-US" dirty="0" smtClean="0"/>
+              <a:t>(</a:t>
+            </a:r>
+            <a:r>
+              <a:rPr lang="en-US" dirty="0" err="1" smtClean="0"/>
+              <a:t>voir</a:t>
+            </a:r>
+            <a:r>
+              <a:rPr lang="en-US" dirty="0" smtClean="0"/>
+              <a:t> </a:t>
+            </a:r>
+            <a:r>
+              <a:rPr lang="en-US" dirty="0" err="1" smtClean="0"/>
+              <a:t>l’image</a:t>
+            </a:r>
+            <a:r>
+              <a:rPr lang="en-US" dirty="0" smtClean="0"/>
+              <a:t> ci-</a:t>
+            </a:r>
+            <a:r>
+              <a:rPr lang="en-US" dirty="0" err="1" smtClean="0"/>
+              <a:t>dessous</a:t>
+            </a:r>
+            <a:r>
+              <a:rPr lang="en-US" dirty="0" smtClean="0"/>
+              <a:t>).</a:t>
             </a:r>
           </a:p>
           <a:p>
-            <a:pPr marL="285750" indent="-285750">
+            <a:pPr marL="285750" indent="-285750" algn="just">
               <a:buFont typeface="Arial" charset="0"/>
               <a:buChar char="•"/>
             </a:pPr>
             <a:r>
               <a:rPr lang="en-US" dirty="0" smtClean="0"/>
-              <a:t>Run your algorithm for 60 s with different parameters (e.g., # of threads, # of tasks)</a:t>
-            </a:r>
-          </a:p>
-          <a:p>
-            <a:pPr marL="285750" indent="-285750">
-              <a:buFont typeface="Arial" charset="0"/>
-              <a:buChar char="•"/>
-            </a:pPr>
-            <a:r>
-              <a:rPr lang="en-US" dirty="0" smtClean="0"/>
-              <a:t>Build a chart showing the change on the gap with respect to the change of parameters (see the example above)</a:t>
+              <a:t>Idem </a:t>
+            </a:r>
+            <a:r>
+              <a:rPr lang="en-US" dirty="0"/>
+              <a:t>pour les instances de plus de 3496 </a:t>
+            </a:r>
+            <a:r>
+              <a:rPr lang="en-US" dirty="0" err="1"/>
+              <a:t>villes</a:t>
+            </a:r>
+            <a:r>
+              <a:rPr lang="en-US" dirty="0"/>
+              <a:t>.</a:t>
             </a:r>
           </a:p>
         </p:txBody>
       </p:sp>
-      <p:graphicFrame>
-        <p:nvGraphicFramePr>
-          <p:cNvPr id="10" name="Chart 9"/>
-          <p:cNvGraphicFramePr>
-            <a:graphicFrameLocks/>
-          </p:cNvGraphicFramePr>
-          <p:nvPr>
-            <p:extLst>
-              <p:ext uri="{D42A27DB-BD31-4B8C-83A1-F6EECF244321}">
-                <p14:modId xmlns:p14="http://schemas.microsoft.com/office/powerpoint/2010/main" xmlns="" val="1882126371"/>
-              </p:ext>
-            </p:extLst>
-          </p:nvPr>
-        </p:nvGraphicFramePr>
-        <p:xfrm>
-          <a:off x="2115136" y="1120204"/>
-          <a:ext cx="8176728" cy="3412886"/>
-        </p:xfrm>
-        <a:graphic>
-          <a:graphicData uri="http://schemas.openxmlformats.org/drawingml/2006/chart">
-            <c:chart xmlns:c="http://schemas.openxmlformats.org/drawingml/2006/chart" xmlns:r="http://schemas.openxmlformats.org/officeDocument/2006/relationships" r:id="rId2"/>
-          </a:graphicData>
-        </a:graphic>
-      </p:graphicFrame>
+      <p:pic>
+        <p:nvPicPr>
+          <p:cNvPr id="2" name="Image 1"/>
+          <p:cNvPicPr>
+            <a:picLocks noChangeAspect="1"/>
+          </p:cNvPicPr>
+          <p:nvPr/>
+        </p:nvPicPr>
+        <p:blipFill>
+          <a:blip r:embed="rId2"/>
+          <a:stretch>
+            <a:fillRect/>
+          </a:stretch>
+        </p:blipFill>
+        <p:spPr>
+          <a:xfrm>
+            <a:off x="198733" y="3925288"/>
+            <a:ext cx="5892351" cy="1177909"/>
+          </a:xfrm>
+          <a:prstGeom prst="rect">
+            <a:avLst/>
+          </a:prstGeom>
+        </p:spPr>
+      </p:pic>
     </p:spTree>
     <p:extLst>
       <p:ext uri="{BB962C8B-B14F-4D97-AF65-F5344CB8AC3E}">
-        <p14:creationId xmlns:p14="http://schemas.microsoft.com/office/powerpoint/2010/main" xmlns="" val="44227942"/>
+        <p14:creationId xmlns:p14="http://schemas.microsoft.com/office/powerpoint/2010/main" val="1879248739"/>
       </p:ext>
     </p:extLst>
   </p:cSld>
@@ -11217,6 +12133,143 @@
       </p:grpSpPr>
       <p:sp>
         <p:nvSpPr>
+          <p:cNvPr id="5" name="Titre 4"/>
+          <p:cNvSpPr>
+            <a:spLocks noGrp="1"/>
+          </p:cNvSpPr>
+          <p:nvPr>
+            <p:ph type="title"/>
+          </p:nvPr>
+        </p:nvSpPr>
+        <p:spPr/>
+        <p:txBody>
+          <a:bodyPr/>
+          <a:lstStyle/>
+          <a:p>
+            <a:r>
+              <a:rPr lang="en-US" dirty="0" smtClean="0"/>
+              <a:t>Results (2 slides)</a:t>
+            </a:r>
+            <a:endParaRPr lang="en-US" dirty="0"/>
+          </a:p>
+        </p:txBody>
+      </p:sp>
+      <p:sp>
+        <p:nvSpPr>
+          <p:cNvPr id="8" name="TextBox 7"/>
+          <p:cNvSpPr txBox="1"/>
+          <p:nvPr/>
+        </p:nvSpPr>
+        <p:spPr>
+          <a:xfrm>
+            <a:off x="384916" y="4928576"/>
+            <a:ext cx="11375296" cy="923330"/>
+          </a:xfrm>
+          <a:prstGeom prst="rect">
+            <a:avLst/>
+          </a:prstGeom>
+          <a:noFill/>
+        </p:spPr>
+        <p:txBody>
+          <a:bodyPr wrap="square" rtlCol="0">
+            <a:spAutoFit/>
+          </a:bodyPr>
+          <a:lstStyle/>
+          <a:p>
+            <a:pPr marL="285750" indent="-285750">
+              <a:buFont typeface="Arial" charset="0"/>
+              <a:buChar char="•"/>
+            </a:pPr>
+            <a:r>
+              <a:rPr lang="en-US" dirty="0" smtClean="0"/>
+              <a:t>Select one or two instances</a:t>
+            </a:r>
+          </a:p>
+          <a:p>
+            <a:pPr marL="285750" indent="-285750">
+              <a:buFont typeface="Arial" charset="0"/>
+              <a:buChar char="•"/>
+            </a:pPr>
+            <a:r>
+              <a:rPr lang="en-US" dirty="0" smtClean="0"/>
+              <a:t>Run your algorithm for 60 s with different parameters (e.g., # of threads, # of tasks)</a:t>
+            </a:r>
+          </a:p>
+          <a:p>
+            <a:pPr marL="285750" indent="-285750">
+              <a:buFont typeface="Arial" charset="0"/>
+              <a:buChar char="•"/>
+            </a:pPr>
+            <a:r>
+              <a:rPr lang="en-US" dirty="0" smtClean="0"/>
+              <a:t>Build a chart showing the change on the gap with respect to the change of parameters (see the example above)</a:t>
+            </a:r>
+          </a:p>
+        </p:txBody>
+      </p:sp>
+      <p:graphicFrame>
+        <p:nvGraphicFramePr>
+          <p:cNvPr id="10" name="Chart 9"/>
+          <p:cNvGraphicFramePr>
+            <a:graphicFrameLocks/>
+          </p:cNvGraphicFramePr>
+          <p:nvPr>
+            <p:extLst>
+              <p:ext uri="{D42A27DB-BD31-4B8C-83A1-F6EECF244321}">
+                <p14:modId xmlns:p14="http://schemas.microsoft.com/office/powerpoint/2010/main" val="1882126371"/>
+              </p:ext>
+            </p:extLst>
+          </p:nvPr>
+        </p:nvGraphicFramePr>
+        <p:xfrm>
+          <a:off x="2115136" y="1120204"/>
+          <a:ext cx="8176728" cy="3412886"/>
+        </p:xfrm>
+        <a:graphic>
+          <a:graphicData uri="http://schemas.openxmlformats.org/drawingml/2006/chart">
+            <c:chart xmlns:c="http://schemas.openxmlformats.org/drawingml/2006/chart" xmlns:r="http://schemas.openxmlformats.org/officeDocument/2006/relationships" r:id="rId2"/>
+          </a:graphicData>
+        </a:graphic>
+      </p:graphicFrame>
+    </p:spTree>
+    <p:extLst>
+      <p:ext uri="{BB962C8B-B14F-4D97-AF65-F5344CB8AC3E}">
+        <p14:creationId xmlns:p14="http://schemas.microsoft.com/office/powerpoint/2010/main" val="44227942"/>
+      </p:ext>
+    </p:extLst>
+  </p:cSld>
+  <p:clrMapOvr>
+    <a:masterClrMapping/>
+  </p:clrMapOvr>
+  <p:timing>
+    <p:tnLst>
+      <p:par>
+        <p:cTn id="1" dur="indefinite" restart="never" nodeType="tmRoot"/>
+      </p:par>
+    </p:tnLst>
+  </p:timing>
+</p:sld>
+</file>
+
+<file path=ppt/slides/slide9.xml><?xml version="1.0" encoding="utf-8"?>
+<p:sld xmlns:a="http://schemas.openxmlformats.org/drawingml/2006/main" xmlns:r="http://schemas.openxmlformats.org/officeDocument/2006/relationships" xmlns:p="http://schemas.openxmlformats.org/presentationml/2006/main">
+  <p:cSld>
+    <p:spTree>
+      <p:nvGrpSpPr>
+        <p:cNvPr id="1" name=""/>
+        <p:cNvGrpSpPr/>
+        <p:nvPr/>
+      </p:nvGrpSpPr>
+      <p:grpSpPr>
+        <a:xfrm>
+          <a:off x="0" y="0"/>
+          <a:ext cx="0" cy="0"/>
+          <a:chOff x="0" y="0"/>
+          <a:chExt cx="0" cy="0"/>
+        </a:xfrm>
+      </p:grpSpPr>
+      <p:sp>
+        <p:nvSpPr>
           <p:cNvPr id="2" name="Text Placeholder 1"/>
           <p:cNvSpPr>
             <a:spLocks noGrp="1"/>
@@ -11275,7 +12328,7 @@
     </p:spTree>
     <p:extLst>
       <p:ext uri="{BB962C8B-B14F-4D97-AF65-F5344CB8AC3E}">
-        <p14:creationId xmlns:p14="http://schemas.microsoft.com/office/powerpoint/2010/main" xmlns="" val="894479036"/>
+        <p14:creationId xmlns:p14="http://schemas.microsoft.com/office/powerpoint/2010/main" val="894479036"/>
       </p:ext>
     </p:extLst>
   </p:cSld>

--- a/presentation.pptx
+++ b/presentation.pptx
@@ -8,18 +8,19 @@
     <p:sldMasterId id="2147484023" r:id="rId5"/>
   </p:sldMasterIdLst>
   <p:notesMasterIdLst>
-    <p:notesMasterId r:id="rId15"/>
+    <p:notesMasterId r:id="rId16"/>
   </p:notesMasterIdLst>
   <p:sldIdLst>
     <p:sldId id="256" r:id="rId6"/>
     <p:sldId id="257" r:id="rId7"/>
     <p:sldId id="258" r:id="rId8"/>
-    <p:sldId id="261" r:id="rId9"/>
-    <p:sldId id="259" r:id="rId10"/>
-    <p:sldId id="260" r:id="rId11"/>
-    <p:sldId id="264" r:id="rId12"/>
-    <p:sldId id="262" r:id="rId13"/>
-    <p:sldId id="263" r:id="rId14"/>
+    <p:sldId id="265" r:id="rId9"/>
+    <p:sldId id="261" r:id="rId10"/>
+    <p:sldId id="259" r:id="rId11"/>
+    <p:sldId id="260" r:id="rId12"/>
+    <p:sldId id="264" r:id="rId13"/>
+    <p:sldId id="262" r:id="rId14"/>
+    <p:sldId id="263" r:id="rId15"/>
   </p:sldIdLst>
   <p:sldSz cx="12192000" cy="6858000"/>
   <p:notesSz cx="6858000" cy="9144000"/>
@@ -200,6 +201,7 @@
           </a:p>
         </c:rich>
       </c:tx>
+      <c:layout/>
       <c:overlay val="0"/>
       <c:spPr>
         <a:noFill/>
@@ -417,6 +419,7 @@
     </c:plotArea>
     <c:legend>
       <c:legendPos val="b"/>
+      <c:layout/>
       <c:overlay val="0"/>
       <c:spPr>
         <a:noFill/>
@@ -556,7 +559,7 @@
             <a:fld id="{C844735A-6EBE-4F02-86E9-F605F9C2786C}" type="datetimeFigureOut">
               <a:rPr lang="fr-FR" smtClean="0"/>
               <a:pPr/>
-              <a:t>14/04/2018</a:t>
+              <a:t>15/04/2018</a:t>
             </a:fld>
             <a:endParaRPr lang="fr-FR"/>
           </a:p>
@@ -5045,7 +5048,7 @@
             <a:noFill/>
             <a:extLst>
               <a:ext uri="{909E8E84-426E-40dd-AFC4-6F175D3DCCD1}">
-                <a14:hiddenFill xmlns="" xmlns:a14="http://schemas.microsoft.com/office/drawing/2010/main">
+                <a14:hiddenFill xmlns:a14="http://schemas.microsoft.com/office/drawing/2010/main" xmlns="">
                   <a:solidFill>
                     <a:srgbClr val="FFFFFF"/>
                   </a:solidFill>
@@ -5086,7 +5089,7 @@
             <a:noFill/>
             <a:extLst>
               <a:ext uri="{909E8E84-426E-40dd-AFC4-6F175D3DCCD1}">
-                <a14:hiddenFill xmlns="" xmlns:a14="http://schemas.microsoft.com/office/drawing/2010/main">
+                <a14:hiddenFill xmlns:a14="http://schemas.microsoft.com/office/drawing/2010/main" xmlns="">
                   <a:solidFill>
                     <a:srgbClr val="FFFFFF"/>
                   </a:solidFill>
@@ -5175,7 +5178,7 @@
             <a:noFill/>
             <a:extLst>
               <a:ext uri="{909E8E84-426E-40dd-AFC4-6F175D3DCCD1}">
-                <a14:hiddenFill xmlns="" xmlns:a14="http://schemas.microsoft.com/office/drawing/2010/main">
+                <a14:hiddenFill xmlns:a14="http://schemas.microsoft.com/office/drawing/2010/main" xmlns="">
                   <a:solidFill>
                     <a:srgbClr val="FFFFFF"/>
                   </a:solidFill>
@@ -7504,7 +7507,7 @@
             <a:noFill/>
             <a:extLst>
               <a:ext uri="{909E8E84-426E-40dd-AFC4-6F175D3DCCD1}">
-                <a14:hiddenFill xmlns="" xmlns:a14="http://schemas.microsoft.com/office/drawing/2010/main">
+                <a14:hiddenFill xmlns:a14="http://schemas.microsoft.com/office/drawing/2010/main" xmlns="">
                   <a:solidFill>
                     <a:srgbClr val="FFFFFF"/>
                   </a:solidFill>
@@ -7545,7 +7548,7 @@
             <a:noFill/>
             <a:extLst>
               <a:ext uri="{909E8E84-426E-40dd-AFC4-6F175D3DCCD1}">
-                <a14:hiddenFill xmlns="" xmlns:a14="http://schemas.microsoft.com/office/drawing/2010/main">
+                <a14:hiddenFill xmlns:a14="http://schemas.microsoft.com/office/drawing/2010/main" xmlns="">
                   <a:solidFill>
                     <a:srgbClr val="FFFFFF"/>
                   </a:solidFill>
@@ -7634,7 +7637,7 @@
             <a:noFill/>
             <a:extLst>
               <a:ext uri="{909E8E84-426E-40dd-AFC4-6F175D3DCCD1}">
-                <a14:hiddenFill xmlns="" xmlns:a14="http://schemas.microsoft.com/office/drawing/2010/main">
+                <a14:hiddenFill xmlns:a14="http://schemas.microsoft.com/office/drawing/2010/main" xmlns="">
                   <a:solidFill>
                     <a:srgbClr val="FFFFFF"/>
                   </a:solidFill>
@@ -9287,6 +9290,93 @@
 </p:sld>
 </file>
 
+<file path=ppt/slides/slide10.xml><?xml version="1.0" encoding="utf-8"?>
+<p:sld xmlns:a="http://schemas.openxmlformats.org/drawingml/2006/main" xmlns:r="http://schemas.openxmlformats.org/officeDocument/2006/relationships" xmlns:p="http://schemas.openxmlformats.org/presentationml/2006/main">
+  <p:cSld>
+    <p:spTree>
+      <p:nvGrpSpPr>
+        <p:cNvPr id="1" name=""/>
+        <p:cNvGrpSpPr/>
+        <p:nvPr/>
+      </p:nvGrpSpPr>
+      <p:grpSpPr>
+        <a:xfrm>
+          <a:off x="0" y="0"/>
+          <a:ext cx="0" cy="0"/>
+          <a:chOff x="0" y="0"/>
+          <a:chExt cx="0" cy="0"/>
+        </a:xfrm>
+      </p:grpSpPr>
+      <p:sp>
+        <p:nvSpPr>
+          <p:cNvPr id="2" name="Text Placeholder 1"/>
+          <p:cNvSpPr>
+            <a:spLocks noGrp="1"/>
+          </p:cNvSpPr>
+          <p:nvPr>
+            <p:ph type="body" sz="quarter" idx="11"/>
+          </p:nvPr>
+        </p:nvSpPr>
+        <p:spPr/>
+        <p:txBody>
+          <a:bodyPr/>
+          <a:lstStyle/>
+          <a:p>
+            <a:r>
+              <a:rPr lang="en-US" dirty="0" smtClean="0"/>
+              <a:t>What is the effect of parallelism in the performance of your algorithm?</a:t>
+            </a:r>
+          </a:p>
+          <a:p>
+            <a:r>
+              <a:rPr lang="en-US" dirty="0" smtClean="0"/>
+              <a:t>What can be improved?</a:t>
+            </a:r>
+          </a:p>
+          <a:p>
+            <a:r>
+              <a:rPr lang="en-US" dirty="0" smtClean="0"/>
+              <a:t>What did you learn?</a:t>
+            </a:r>
+          </a:p>
+        </p:txBody>
+      </p:sp>
+      <p:sp>
+        <p:nvSpPr>
+          <p:cNvPr id="3" name="Title 2"/>
+          <p:cNvSpPr>
+            <a:spLocks noGrp="1"/>
+          </p:cNvSpPr>
+          <p:nvPr>
+            <p:ph type="title"/>
+          </p:nvPr>
+        </p:nvSpPr>
+        <p:spPr/>
+        <p:txBody>
+          <a:bodyPr/>
+          <a:lstStyle/>
+          <a:p>
+            <a:r>
+              <a:rPr lang="en-US" dirty="0" smtClean="0"/>
+              <a:t>Conclusions (1 slide)</a:t>
+            </a:r>
+            <a:endParaRPr lang="en-US" dirty="0"/>
+          </a:p>
+        </p:txBody>
+      </p:sp>
+    </p:spTree>
+    <p:extLst>
+      <p:ext uri="{BB962C8B-B14F-4D97-AF65-F5344CB8AC3E}">
+        <p14:creationId xmlns:p14="http://schemas.microsoft.com/office/powerpoint/2010/main" val="894479036"/>
+      </p:ext>
+    </p:extLst>
+  </p:cSld>
+  <p:clrMapOvr>
+    <a:masterClrMapping/>
+  </p:clrMapOvr>
+</p:sld>
+</file>
+
 <file path=ppt/slides/slide2.xml><?xml version="1.0" encoding="utf-8"?>
 <p:sld xmlns:a="http://schemas.openxmlformats.org/drawingml/2006/main" xmlns:r="http://schemas.openxmlformats.org/officeDocument/2006/relationships" xmlns:p="http://schemas.openxmlformats.org/presentationml/2006/main">
   <p:cSld>
@@ -9466,72 +9556,51 @@
           <a:p>
             <a:r>
               <a:rPr lang="fr-FR" dirty="0" smtClean="0"/>
-              <a:t>Nous avons décomposé le problème en plusieurs tâches. Une première tâche consiste à générer une solution aléatoirement. Cette solution est ensuite utilisée pour les autres tâches. Chaque tâche réalise toutes les relocations pour une ville donnée et renvoie la meilleur solution trouvée.</a:t>
-            </a:r>
+              <a:t>Nous avons décomposé le problème en plusieurs tâches. </a:t>
+            </a:r>
+            <a:endParaRPr lang="fr-FR" dirty="0" smtClean="0"/>
           </a:p>
           <a:p>
             <a:r>
               <a:rPr lang="fr-FR" dirty="0" smtClean="0"/>
-              <a:t>Show the </a:t>
-            </a:r>
-            <a:r>
-              <a:rPr lang="fr-FR" dirty="0" err="1" smtClean="0"/>
-              <a:t>task</a:t>
+              <a:t>La </a:t>
             </a:r>
             <a:r>
               <a:rPr lang="fr-FR" dirty="0" smtClean="0"/>
-              <a:t> interaction graph</a:t>
+              <a:t>première va générer </a:t>
+            </a:r>
+            <a:r>
+              <a:rPr lang="fr-FR" dirty="0" smtClean="0"/>
+              <a:t>une solution aléatoirement</a:t>
+            </a:r>
+            <a:r>
+              <a:rPr lang="fr-FR" dirty="0" smtClean="0"/>
+              <a:t>. C’est ensuite cette solution qui sera utilisée par les tâches suivantes.</a:t>
             </a:r>
           </a:p>
           <a:p>
             <a:r>
+              <a:rPr lang="fr-FR" dirty="0" smtClean="0"/>
+              <a:t>Nous générons ensuite différentes tâches, chaque tâche va réaliser toutes les relocations pour une ville donnée et renvoie la meilleure solution trouvée.</a:t>
+            </a:r>
+          </a:p>
+          <a:p>
+            <a:endParaRPr lang="fr-FR" dirty="0"/>
+          </a:p>
+          <a:p>
+            <a:r>
+              <a:rPr lang="fr-FR" dirty="0" smtClean="0"/>
+              <a:t>On arrive ainsi à un </a:t>
+            </a:r>
+            <a:r>
               <a:rPr lang="fr-FR" dirty="0" err="1" smtClean="0"/>
-              <a:t>What</a:t>
+              <a:t>dégré</a:t>
             </a:r>
             <a:r>
               <a:rPr lang="fr-FR" dirty="0" smtClean="0"/>
-              <a:t> </a:t>
-            </a:r>
-            <a:r>
-              <a:rPr lang="fr-FR" dirty="0" err="1" smtClean="0"/>
-              <a:t>is</a:t>
-            </a:r>
-            <a:r>
-              <a:rPr lang="fr-FR" dirty="0" smtClean="0"/>
-              <a:t> the maximum </a:t>
-            </a:r>
-            <a:r>
-              <a:rPr lang="fr-FR" dirty="0" err="1" smtClean="0"/>
-              <a:t>degree</a:t>
-            </a:r>
-            <a:r>
-              <a:rPr lang="fr-FR" dirty="0" smtClean="0"/>
-              <a:t> of </a:t>
-            </a:r>
-            <a:r>
-              <a:rPr lang="fr-FR" dirty="0" err="1" smtClean="0"/>
-              <a:t>concurrency</a:t>
-            </a:r>
-            <a:r>
-              <a:rPr lang="fr-FR" dirty="0" smtClean="0"/>
-              <a:t> in </a:t>
-            </a:r>
-            <a:r>
-              <a:rPr lang="fr-FR" dirty="0" err="1" smtClean="0"/>
-              <a:t>your</a:t>
-            </a:r>
-            <a:r>
-              <a:rPr lang="fr-FR" dirty="0" smtClean="0"/>
-              <a:t> </a:t>
-            </a:r>
-            <a:r>
-              <a:rPr lang="fr-FR" dirty="0" err="1" smtClean="0"/>
-              <a:t>decomposition</a:t>
-            </a:r>
-            <a:r>
-              <a:rPr lang="fr-FR" dirty="0" smtClean="0"/>
-              <a:t>?</a:t>
-            </a:r>
+              <a:t> de concurrence maximal égal au nombre de villes de notre instance.</a:t>
+            </a:r>
+            <a:endParaRPr lang="fr-FR" dirty="0" smtClean="0"/>
           </a:p>
         </p:txBody>
       </p:sp>
@@ -9561,10 +9630,6 @@
             <a:r>
               <a:rPr lang="en-US" dirty="0" err="1" smtClean="0"/>
               <a:t>problème</a:t>
-            </a:r>
-            <a:r>
-              <a:rPr lang="en-US" dirty="0" smtClean="0"/>
-              <a:t> (2-3 slides)</a:t>
             </a:r>
             <a:endParaRPr lang="en-US" dirty="0"/>
           </a:p>
@@ -9617,82 +9682,55 @@
             <p:ph type="body" sz="quarter" idx="11"/>
           </p:nvPr>
         </p:nvSpPr>
-        <p:spPr/>
+        <p:spPr>
+          <a:xfrm>
+            <a:off x="263909" y="4704052"/>
+            <a:ext cx="4457977" cy="1524000"/>
+          </a:xfrm>
+        </p:spPr>
         <p:txBody>
           <a:bodyPr/>
           <a:lstStyle/>
           <a:p>
-            <a:r>
-              <a:rPr lang="fr-FR" dirty="0" smtClean="0"/>
-              <a:t>A l’aide d’un objet </a:t>
-            </a:r>
-            <a:r>
-              <a:rPr lang="fr-FR" i="1" dirty="0" err="1" smtClean="0"/>
-              <a:t>executor</a:t>
-            </a:r>
-            <a:r>
-              <a:rPr lang="fr-FR" dirty="0" smtClean="0"/>
-              <a:t> de la classe </a:t>
-            </a:r>
-            <a:r>
-              <a:rPr lang="fr-FR" dirty="0" err="1" smtClean="0"/>
-              <a:t>ExecutorService</a:t>
-            </a:r>
-            <a:r>
-              <a:rPr lang="fr-FR" dirty="0" smtClean="0"/>
-              <a:t>, on réalise une “</a:t>
-            </a:r>
-            <a:r>
-              <a:rPr lang="fr-FR" dirty="0" err="1" smtClean="0"/>
-              <a:t>newFixedThreadPool</a:t>
-            </a:r>
-            <a:r>
-              <a:rPr lang="fr-FR" dirty="0" smtClean="0"/>
-              <a:t>” qui contiendra autant de thread que le nombre indiqué dans le fichier de configuration. On crée ensuite les taches en les ajoutant à une </a:t>
-            </a:r>
-            <a:r>
-              <a:rPr lang="fr-FR" dirty="0" err="1" smtClean="0"/>
-              <a:t>ArrayList</a:t>
-            </a:r>
-            <a:r>
-              <a:rPr lang="fr-FR" dirty="0" smtClean="0"/>
-              <a:t> puis on appelle la méthode </a:t>
-            </a:r>
-            <a:r>
-              <a:rPr lang="fr-FR" i="1" dirty="0" err="1" smtClean="0"/>
-              <a:t>invokeAll</a:t>
-            </a:r>
-            <a:r>
-              <a:rPr lang="fr-FR" i="1" dirty="0" smtClean="0"/>
-              <a:t>() </a:t>
-            </a:r>
-            <a:r>
-              <a:rPr lang="fr-FR" dirty="0" smtClean="0"/>
-              <a:t>de l’objet </a:t>
-            </a:r>
-            <a:r>
-              <a:rPr lang="fr-FR" i="1" dirty="0" err="1" smtClean="0"/>
-              <a:t>executor</a:t>
-            </a:r>
-            <a:r>
-              <a:rPr lang="fr-FR" dirty="0" smtClean="0"/>
-              <a:t> en passant en </a:t>
-            </a:r>
-            <a:r>
-              <a:rPr lang="fr-FR" dirty="0" err="1" smtClean="0"/>
-              <a:t>parameter</a:t>
-            </a:r>
-            <a:r>
-              <a:rPr lang="fr-FR" dirty="0" smtClean="0"/>
-              <a:t> la liste de taches à exécuter.</a:t>
-            </a:r>
-            <a:endParaRPr lang="fr-FR" i="1" dirty="0" smtClean="0"/>
+            <a:pPr marL="457200" lvl="1" indent="-457200">
+              <a:buNone/>
+            </a:pPr>
+            <a:r>
+              <a:rPr lang="fr-FR" sz="2400" u="sng" dirty="0"/>
+              <a:t>Légende :</a:t>
+            </a:r>
           </a:p>
           <a:p>
-            <a:r>
-              <a:rPr lang="fr-FR" dirty="0" smtClean="0"/>
-              <a:t>En retour de cette méthode, on obtient une liste qui contient toutes les différentes meilleures solutions pour chaque ville, il ne nous reste ensuite plus qu’à récupérer la meilleure d’entre elle.</a:t>
-            </a:r>
+            <a:pPr marL="628650" lvl="1" indent="-342900"/>
+            <a:r>
+              <a:rPr lang="fr-FR" sz="2400" b="1" dirty="0" smtClean="0"/>
+              <a:t>Pr</a:t>
+            </a:r>
+            <a:r>
+              <a:rPr lang="fr-FR" sz="2400" dirty="0" smtClean="0"/>
+              <a:t> </a:t>
+            </a:r>
+            <a:r>
+              <a:rPr lang="fr-FR" sz="2400" dirty="0"/>
+              <a:t>: Algorithme </a:t>
+            </a:r>
+            <a:r>
+              <a:rPr lang="fr-FR" sz="2400" dirty="0" smtClean="0"/>
+              <a:t>principal</a:t>
+            </a:r>
+            <a:endParaRPr lang="fr-FR" sz="2400" dirty="0"/>
+          </a:p>
+          <a:p>
+            <a:pPr marL="628650" lvl="1" indent="-342900"/>
+            <a:r>
+              <a:rPr lang="fr-FR" sz="2400" b="1" dirty="0" smtClean="0"/>
+              <a:t>Tr</a:t>
+            </a:r>
+            <a:r>
+              <a:rPr lang="fr-FR" sz="2400" dirty="0" smtClean="0"/>
+              <a:t> : Tâche de relocation</a:t>
+            </a:r>
+            <a:endParaRPr lang="fr-FR" sz="2400" dirty="0" smtClean="0"/>
           </a:p>
         </p:txBody>
       </p:sp>
@@ -9712,21 +9750,432 @@
           <a:lstStyle/>
           <a:p>
             <a:r>
+              <a:rPr lang="en-US" dirty="0" err="1" smtClean="0"/>
+              <a:t>Décomposition</a:t>
+            </a:r>
+            <a:r>
               <a:rPr lang="en-US" dirty="0" smtClean="0"/>
-              <a:t>Assignation des </a:t>
+              <a:t> du </a:t>
             </a:r>
             <a:r>
               <a:rPr lang="en-US" dirty="0" err="1" smtClean="0"/>
-              <a:t>tâches</a:t>
+              <a:t>problème</a:t>
             </a:r>
             <a:endParaRPr lang="en-US" dirty="0"/>
+          </a:p>
+        </p:txBody>
+      </p:sp>
+      <p:pic>
+        <p:nvPicPr>
+          <p:cNvPr id="2" name="Image 1"/>
+          <p:cNvPicPr>
+            <a:picLocks noChangeAspect="1"/>
+          </p:cNvPicPr>
+          <p:nvPr/>
+        </p:nvPicPr>
+        <p:blipFill>
+          <a:blip r:embed="rId2">
+            <a:extLst>
+              <a:ext uri="{28A0092B-C50C-407E-A947-70E740481C1C}">
+                <a14:useLocalDpi xmlns:a14="http://schemas.microsoft.com/office/drawing/2010/main" val="0"/>
+              </a:ext>
+            </a:extLst>
+          </a:blip>
+          <a:stretch>
+            <a:fillRect/>
+          </a:stretch>
+        </p:blipFill>
+        <p:spPr>
+          <a:xfrm>
+            <a:off x="6837677" y="230708"/>
+            <a:ext cx="4971945" cy="5949480"/>
+          </a:xfrm>
+          <a:prstGeom prst="rect">
+            <a:avLst/>
+          </a:prstGeom>
+        </p:spPr>
+      </p:pic>
+      <p:sp>
+        <p:nvSpPr>
+          <p:cNvPr id="7" name="Espace réservé du texte 5"/>
+          <p:cNvSpPr txBox="1">
+            <a:spLocks/>
+          </p:cNvSpPr>
+          <p:nvPr/>
+        </p:nvSpPr>
+        <p:spPr>
+          <a:xfrm>
+            <a:off x="132496" y="967154"/>
+            <a:ext cx="6486923" cy="3604846"/>
+          </a:xfrm>
+          <a:prstGeom prst="rect">
+            <a:avLst/>
+          </a:prstGeom>
+        </p:spPr>
+        <p:txBody>
+          <a:bodyPr/>
+          <a:lstStyle>
+            <a:lvl1pPr marL="342900" indent="-342900" algn="l" defTabSz="914400" rtl="0" eaLnBrk="1" latinLnBrk="0" hangingPunct="1">
+              <a:spcBef>
+                <a:spcPts val="600"/>
+              </a:spcBef>
+              <a:spcAft>
+                <a:spcPts val="600"/>
+              </a:spcAft>
+              <a:buFont typeface="Arial" panose="020B0604020202020204" pitchFamily="34" charset="0"/>
+              <a:buChar char="•"/>
+              <a:defRPr sz="2800" kern="1200" baseline="0">
+                <a:solidFill>
+                  <a:schemeClr val="tx1"/>
+                </a:solidFill>
+                <a:latin typeface="Century Gothic" panose="020B0502020202020204" pitchFamily="34" charset="0"/>
+                <a:ea typeface="+mn-ea"/>
+                <a:cs typeface="+mn-cs"/>
+              </a:defRPr>
+            </a:lvl1pPr>
+            <a:lvl2pPr marL="742950" indent="-285750" algn="l" defTabSz="914400" rtl="0" eaLnBrk="1" latinLnBrk="0" hangingPunct="1">
+              <a:spcBef>
+                <a:spcPts val="600"/>
+              </a:spcBef>
+              <a:spcAft>
+                <a:spcPts val="600"/>
+              </a:spcAft>
+              <a:buFont typeface="Arial" panose="020B0604020202020204" pitchFamily="34" charset="0"/>
+              <a:buChar char="•"/>
+              <a:defRPr sz="2600" kern="1200">
+                <a:solidFill>
+                  <a:schemeClr val="tx1"/>
+                </a:solidFill>
+                <a:latin typeface="Century Gothic" panose="020B0502020202020204" pitchFamily="34" charset="0"/>
+                <a:ea typeface="+mn-ea"/>
+                <a:cs typeface="+mn-cs"/>
+              </a:defRPr>
+            </a:lvl2pPr>
+            <a:lvl3pPr marL="1143000" indent="-228600" algn="l" defTabSz="914400" rtl="0" eaLnBrk="1" latinLnBrk="0" hangingPunct="1">
+              <a:spcBef>
+                <a:spcPts val="600"/>
+              </a:spcBef>
+              <a:spcAft>
+                <a:spcPts val="600"/>
+              </a:spcAft>
+              <a:buFont typeface="Arial" panose="020B0604020202020204" pitchFamily="34" charset="0"/>
+              <a:buChar char="•"/>
+              <a:defRPr sz="2400" kern="1200">
+                <a:solidFill>
+                  <a:schemeClr val="tx1"/>
+                </a:solidFill>
+                <a:latin typeface="Century Gothic" panose="020B0502020202020204" pitchFamily="34" charset="0"/>
+                <a:ea typeface="+mn-ea"/>
+                <a:cs typeface="+mn-cs"/>
+              </a:defRPr>
+            </a:lvl3pPr>
+            <a:lvl4pPr marL="1600200" indent="-228600" algn="l" defTabSz="914400" rtl="0" eaLnBrk="1" latinLnBrk="0" hangingPunct="1">
+              <a:spcBef>
+                <a:spcPts val="600"/>
+              </a:spcBef>
+              <a:spcAft>
+                <a:spcPts val="600"/>
+              </a:spcAft>
+              <a:buFont typeface="Arial" panose="020B0604020202020204" pitchFamily="34" charset="0"/>
+              <a:buChar char="•"/>
+              <a:defRPr sz="2000" kern="1200">
+                <a:solidFill>
+                  <a:schemeClr val="tx1"/>
+                </a:solidFill>
+                <a:latin typeface="Century Gothic" panose="020B0502020202020204" pitchFamily="34" charset="0"/>
+                <a:ea typeface="+mn-ea"/>
+                <a:cs typeface="+mn-cs"/>
+              </a:defRPr>
+            </a:lvl4pPr>
+            <a:lvl5pPr marL="2057400" indent="-228600" algn="l" defTabSz="914400" rtl="0" eaLnBrk="1" latinLnBrk="0" hangingPunct="1">
+              <a:spcBef>
+                <a:spcPts val="600"/>
+              </a:spcBef>
+              <a:spcAft>
+                <a:spcPts val="600"/>
+              </a:spcAft>
+              <a:buFont typeface="Arial" panose="020B0604020202020204" pitchFamily="34" charset="0"/>
+              <a:buChar char="•"/>
+              <a:defRPr sz="2000" kern="1200" baseline="0">
+                <a:solidFill>
+                  <a:schemeClr val="tx1"/>
+                </a:solidFill>
+                <a:latin typeface="Century Gothic" panose="020B0502020202020204" pitchFamily="34" charset="0"/>
+                <a:ea typeface="+mn-ea"/>
+                <a:cs typeface="+mn-cs"/>
+              </a:defRPr>
+            </a:lvl5pPr>
+            <a:lvl6pPr marL="2514600" indent="-228600" algn="l" defTabSz="914400" rtl="0" eaLnBrk="1" latinLnBrk="0" hangingPunct="1">
+              <a:spcBef>
+                <a:spcPct val="20000"/>
+              </a:spcBef>
+              <a:buFont typeface="Arial" panose="020B0604020202020204" pitchFamily="34" charset="0"/>
+              <a:buChar char="•"/>
+              <a:defRPr sz="2000" kern="1200">
+                <a:solidFill>
+                  <a:schemeClr val="tx1"/>
+                </a:solidFill>
+                <a:latin typeface="+mn-lt"/>
+                <a:ea typeface="+mn-ea"/>
+                <a:cs typeface="+mn-cs"/>
+              </a:defRPr>
+            </a:lvl6pPr>
+            <a:lvl7pPr marL="2971800" indent="-228600" algn="l" defTabSz="914400" rtl="0" eaLnBrk="1" latinLnBrk="0" hangingPunct="1">
+              <a:spcBef>
+                <a:spcPct val="20000"/>
+              </a:spcBef>
+              <a:buFont typeface="Arial" panose="020B0604020202020204" pitchFamily="34" charset="0"/>
+              <a:buChar char="•"/>
+              <a:defRPr sz="2000" kern="1200">
+                <a:solidFill>
+                  <a:schemeClr val="tx1"/>
+                </a:solidFill>
+                <a:latin typeface="+mn-lt"/>
+                <a:ea typeface="+mn-ea"/>
+                <a:cs typeface="+mn-cs"/>
+              </a:defRPr>
+            </a:lvl7pPr>
+            <a:lvl8pPr marL="3429000" indent="-228600" algn="l" defTabSz="914400" rtl="0" eaLnBrk="1" latinLnBrk="0" hangingPunct="1">
+              <a:spcBef>
+                <a:spcPct val="20000"/>
+              </a:spcBef>
+              <a:buFont typeface="Arial" panose="020B0604020202020204" pitchFamily="34" charset="0"/>
+              <a:buChar char="•"/>
+              <a:defRPr sz="2000" kern="1200">
+                <a:solidFill>
+                  <a:schemeClr val="tx1"/>
+                </a:solidFill>
+                <a:latin typeface="+mn-lt"/>
+                <a:ea typeface="+mn-ea"/>
+                <a:cs typeface="+mn-cs"/>
+              </a:defRPr>
+            </a:lvl8pPr>
+            <a:lvl9pPr marL="3886200" indent="-228600" algn="l" defTabSz="914400" rtl="0" eaLnBrk="1" latinLnBrk="0" hangingPunct="1">
+              <a:spcBef>
+                <a:spcPct val="20000"/>
+              </a:spcBef>
+              <a:buFont typeface="Arial" panose="020B0604020202020204" pitchFamily="34" charset="0"/>
+              <a:buChar char="•"/>
+              <a:defRPr sz="2000" kern="1200">
+                <a:solidFill>
+                  <a:schemeClr val="tx1"/>
+                </a:solidFill>
+                <a:latin typeface="+mn-lt"/>
+                <a:ea typeface="+mn-ea"/>
+                <a:cs typeface="+mn-cs"/>
+              </a:defRPr>
+            </a:lvl9pPr>
+          </a:lstStyle>
+          <a:p>
+            <a:r>
+              <a:rPr lang="fr-FR" dirty="0" smtClean="0"/>
+              <a:t>Notre algorithme principal génère ainsi une solution qui sera utilisée en parallèle dans les différentes tâches de relocation.</a:t>
+            </a:r>
+          </a:p>
+          <a:p>
+            <a:r>
+              <a:rPr lang="fr-FR" dirty="0" smtClean="0"/>
+              <a:t>L’opération sera répétée autant de fois que possible, tant que le temps configuré par l’utilisateur n’est pas écoulé.</a:t>
+            </a:r>
+            <a:endParaRPr lang="fr-FR" dirty="0" smtClean="0"/>
+          </a:p>
+        </p:txBody>
+      </p:sp>
+      <p:sp>
+        <p:nvSpPr>
+          <p:cNvPr id="8" name="Espace réservé du texte 5"/>
+          <p:cNvSpPr txBox="1">
+            <a:spLocks/>
+          </p:cNvSpPr>
+          <p:nvPr/>
+        </p:nvSpPr>
+        <p:spPr>
+          <a:xfrm>
+            <a:off x="9256060" y="5466052"/>
+            <a:ext cx="2862050" cy="916275"/>
+          </a:xfrm>
+          <a:prstGeom prst="rect">
+            <a:avLst/>
+          </a:prstGeom>
+        </p:spPr>
+        <p:txBody>
+          <a:bodyPr/>
+          <a:lstStyle>
+            <a:lvl1pPr marL="342900" indent="-342900" algn="l" defTabSz="914400" rtl="0" eaLnBrk="1" latinLnBrk="0" hangingPunct="1">
+              <a:spcBef>
+                <a:spcPts val="600"/>
+              </a:spcBef>
+              <a:spcAft>
+                <a:spcPts val="600"/>
+              </a:spcAft>
+              <a:buFont typeface="Arial" panose="020B0604020202020204" pitchFamily="34" charset="0"/>
+              <a:buChar char="•"/>
+              <a:defRPr sz="2800" kern="1200" baseline="0">
+                <a:solidFill>
+                  <a:schemeClr val="tx1"/>
+                </a:solidFill>
+                <a:latin typeface="Century Gothic" panose="020B0502020202020204" pitchFamily="34" charset="0"/>
+                <a:ea typeface="+mn-ea"/>
+                <a:cs typeface="+mn-cs"/>
+              </a:defRPr>
+            </a:lvl1pPr>
+            <a:lvl2pPr marL="742950" indent="-285750" algn="l" defTabSz="914400" rtl="0" eaLnBrk="1" latinLnBrk="0" hangingPunct="1">
+              <a:spcBef>
+                <a:spcPts val="600"/>
+              </a:spcBef>
+              <a:spcAft>
+                <a:spcPts val="600"/>
+              </a:spcAft>
+              <a:buFont typeface="Arial" panose="020B0604020202020204" pitchFamily="34" charset="0"/>
+              <a:buChar char="•"/>
+              <a:defRPr sz="2600" kern="1200">
+                <a:solidFill>
+                  <a:schemeClr val="tx1"/>
+                </a:solidFill>
+                <a:latin typeface="Century Gothic" panose="020B0502020202020204" pitchFamily="34" charset="0"/>
+                <a:ea typeface="+mn-ea"/>
+                <a:cs typeface="+mn-cs"/>
+              </a:defRPr>
+            </a:lvl2pPr>
+            <a:lvl3pPr marL="1143000" indent="-228600" algn="l" defTabSz="914400" rtl="0" eaLnBrk="1" latinLnBrk="0" hangingPunct="1">
+              <a:spcBef>
+                <a:spcPts val="600"/>
+              </a:spcBef>
+              <a:spcAft>
+                <a:spcPts val="600"/>
+              </a:spcAft>
+              <a:buFont typeface="Arial" panose="020B0604020202020204" pitchFamily="34" charset="0"/>
+              <a:buChar char="•"/>
+              <a:defRPr sz="2400" kern="1200">
+                <a:solidFill>
+                  <a:schemeClr val="tx1"/>
+                </a:solidFill>
+                <a:latin typeface="Century Gothic" panose="020B0502020202020204" pitchFamily="34" charset="0"/>
+                <a:ea typeface="+mn-ea"/>
+                <a:cs typeface="+mn-cs"/>
+              </a:defRPr>
+            </a:lvl3pPr>
+            <a:lvl4pPr marL="1600200" indent="-228600" algn="l" defTabSz="914400" rtl="0" eaLnBrk="1" latinLnBrk="0" hangingPunct="1">
+              <a:spcBef>
+                <a:spcPts val="600"/>
+              </a:spcBef>
+              <a:spcAft>
+                <a:spcPts val="600"/>
+              </a:spcAft>
+              <a:buFont typeface="Arial" panose="020B0604020202020204" pitchFamily="34" charset="0"/>
+              <a:buChar char="•"/>
+              <a:defRPr sz="2000" kern="1200">
+                <a:solidFill>
+                  <a:schemeClr val="tx1"/>
+                </a:solidFill>
+                <a:latin typeface="Century Gothic" panose="020B0502020202020204" pitchFamily="34" charset="0"/>
+                <a:ea typeface="+mn-ea"/>
+                <a:cs typeface="+mn-cs"/>
+              </a:defRPr>
+            </a:lvl4pPr>
+            <a:lvl5pPr marL="2057400" indent="-228600" algn="l" defTabSz="914400" rtl="0" eaLnBrk="1" latinLnBrk="0" hangingPunct="1">
+              <a:spcBef>
+                <a:spcPts val="600"/>
+              </a:spcBef>
+              <a:spcAft>
+                <a:spcPts val="600"/>
+              </a:spcAft>
+              <a:buFont typeface="Arial" panose="020B0604020202020204" pitchFamily="34" charset="0"/>
+              <a:buChar char="•"/>
+              <a:defRPr sz="2000" kern="1200" baseline="0">
+                <a:solidFill>
+                  <a:schemeClr val="tx1"/>
+                </a:solidFill>
+                <a:latin typeface="Century Gothic" panose="020B0502020202020204" pitchFamily="34" charset="0"/>
+                <a:ea typeface="+mn-ea"/>
+                <a:cs typeface="+mn-cs"/>
+              </a:defRPr>
+            </a:lvl5pPr>
+            <a:lvl6pPr marL="2514600" indent="-228600" algn="l" defTabSz="914400" rtl="0" eaLnBrk="1" latinLnBrk="0" hangingPunct="1">
+              <a:spcBef>
+                <a:spcPct val="20000"/>
+              </a:spcBef>
+              <a:buFont typeface="Arial" panose="020B0604020202020204" pitchFamily="34" charset="0"/>
+              <a:buChar char="•"/>
+              <a:defRPr sz="2000" kern="1200">
+                <a:solidFill>
+                  <a:schemeClr val="tx1"/>
+                </a:solidFill>
+                <a:latin typeface="+mn-lt"/>
+                <a:ea typeface="+mn-ea"/>
+                <a:cs typeface="+mn-cs"/>
+              </a:defRPr>
+            </a:lvl6pPr>
+            <a:lvl7pPr marL="2971800" indent="-228600" algn="l" defTabSz="914400" rtl="0" eaLnBrk="1" latinLnBrk="0" hangingPunct="1">
+              <a:spcBef>
+                <a:spcPct val="20000"/>
+              </a:spcBef>
+              <a:buFont typeface="Arial" panose="020B0604020202020204" pitchFamily="34" charset="0"/>
+              <a:buChar char="•"/>
+              <a:defRPr sz="2000" kern="1200">
+                <a:solidFill>
+                  <a:schemeClr val="tx1"/>
+                </a:solidFill>
+                <a:latin typeface="+mn-lt"/>
+                <a:ea typeface="+mn-ea"/>
+                <a:cs typeface="+mn-cs"/>
+              </a:defRPr>
+            </a:lvl7pPr>
+            <a:lvl8pPr marL="3429000" indent="-228600" algn="l" defTabSz="914400" rtl="0" eaLnBrk="1" latinLnBrk="0" hangingPunct="1">
+              <a:spcBef>
+                <a:spcPct val="20000"/>
+              </a:spcBef>
+              <a:buFont typeface="Arial" panose="020B0604020202020204" pitchFamily="34" charset="0"/>
+              <a:buChar char="•"/>
+              <a:defRPr sz="2000" kern="1200">
+                <a:solidFill>
+                  <a:schemeClr val="tx1"/>
+                </a:solidFill>
+                <a:latin typeface="+mn-lt"/>
+                <a:ea typeface="+mn-ea"/>
+                <a:cs typeface="+mn-cs"/>
+              </a:defRPr>
+            </a:lvl8pPr>
+            <a:lvl9pPr marL="3886200" indent="-228600" algn="l" defTabSz="914400" rtl="0" eaLnBrk="1" latinLnBrk="0" hangingPunct="1">
+              <a:spcBef>
+                <a:spcPct val="20000"/>
+              </a:spcBef>
+              <a:buFont typeface="Arial" panose="020B0604020202020204" pitchFamily="34" charset="0"/>
+              <a:buChar char="•"/>
+              <a:defRPr sz="2000" kern="1200">
+                <a:solidFill>
+                  <a:schemeClr val="tx1"/>
+                </a:solidFill>
+                <a:latin typeface="+mn-lt"/>
+                <a:ea typeface="+mn-ea"/>
+                <a:cs typeface="+mn-cs"/>
+              </a:defRPr>
+            </a:lvl9pPr>
+          </a:lstStyle>
+          <a:p>
+            <a:pPr marL="0" indent="0" algn="ctr">
+              <a:buNone/>
+            </a:pPr>
+            <a:r>
+              <a:rPr lang="fr-FR" i="1" u="sng" dirty="0" err="1" smtClean="0"/>
+              <a:t>Task</a:t>
+            </a:r>
+            <a:r>
+              <a:rPr lang="fr-FR" i="1" u="sng" dirty="0" smtClean="0"/>
+              <a:t> interaction </a:t>
+            </a:r>
+            <a:r>
+              <a:rPr lang="fr-FR" i="1" u="sng" dirty="0" err="1" smtClean="0"/>
+              <a:t>diagram</a:t>
+            </a:r>
+            <a:endParaRPr lang="fr-FR" i="1" u="sng" dirty="0" smtClean="0"/>
           </a:p>
         </p:txBody>
       </p:sp>
     </p:spTree>
     <p:extLst>
       <p:ext uri="{BB962C8B-B14F-4D97-AF65-F5344CB8AC3E}">
-        <p14:creationId xmlns:p14="http://schemas.microsoft.com/office/powerpoint/2010/main" val="2014737294"/>
+        <p14:creationId xmlns:p14="http://schemas.microsoft.com/office/powerpoint/2010/main" val="87952829"/>
       </p:ext>
     </p:extLst>
   </p:cSld>
@@ -9776,6 +10225,159 @@
           <a:lstStyle/>
           <a:p>
             <a:r>
+              <a:rPr lang="fr-FR" dirty="0" smtClean="0"/>
+              <a:t>A l’aide d’un objet </a:t>
+            </a:r>
+            <a:r>
+              <a:rPr lang="fr-FR" i="1" dirty="0" err="1" smtClean="0"/>
+              <a:t>executor</a:t>
+            </a:r>
+            <a:r>
+              <a:rPr lang="fr-FR" dirty="0" smtClean="0"/>
+              <a:t> de la classe </a:t>
+            </a:r>
+            <a:r>
+              <a:rPr lang="fr-FR" dirty="0" err="1" smtClean="0"/>
+              <a:t>ExecutorService</a:t>
+            </a:r>
+            <a:r>
+              <a:rPr lang="fr-FR" dirty="0" smtClean="0"/>
+              <a:t>, on réalise une “</a:t>
+            </a:r>
+            <a:r>
+              <a:rPr lang="fr-FR" dirty="0" err="1" smtClean="0"/>
+              <a:t>newFixedThreadPool</a:t>
+            </a:r>
+            <a:r>
+              <a:rPr lang="fr-FR" dirty="0" smtClean="0"/>
+              <a:t>” qui contiendra autant de thread que le nombre indiqué dans le fichier de configuration. On crée ensuite les taches en les ajoutant à une </a:t>
+            </a:r>
+            <a:r>
+              <a:rPr lang="fr-FR" dirty="0" err="1" smtClean="0"/>
+              <a:t>ArrayList</a:t>
+            </a:r>
+            <a:r>
+              <a:rPr lang="fr-FR" dirty="0" smtClean="0"/>
+              <a:t> puis on appelle la méthode </a:t>
+            </a:r>
+            <a:r>
+              <a:rPr lang="fr-FR" i="1" dirty="0" err="1" smtClean="0"/>
+              <a:t>invokeAll</a:t>
+            </a:r>
+            <a:r>
+              <a:rPr lang="fr-FR" i="1" dirty="0" smtClean="0"/>
+              <a:t>() </a:t>
+            </a:r>
+            <a:r>
+              <a:rPr lang="fr-FR" dirty="0" smtClean="0"/>
+              <a:t>de l’objet </a:t>
+            </a:r>
+            <a:r>
+              <a:rPr lang="fr-FR" i="1" dirty="0" err="1" smtClean="0"/>
+              <a:t>executor</a:t>
+            </a:r>
+            <a:r>
+              <a:rPr lang="fr-FR" dirty="0" smtClean="0"/>
+              <a:t> en passant en </a:t>
+            </a:r>
+            <a:r>
+              <a:rPr lang="fr-FR" dirty="0" err="1" smtClean="0"/>
+              <a:t>parameter</a:t>
+            </a:r>
+            <a:r>
+              <a:rPr lang="fr-FR" dirty="0" smtClean="0"/>
+              <a:t> la liste de taches à exécuter.</a:t>
+            </a:r>
+            <a:endParaRPr lang="fr-FR" i="1" dirty="0" smtClean="0"/>
+          </a:p>
+          <a:p>
+            <a:r>
+              <a:rPr lang="fr-FR" dirty="0" smtClean="0"/>
+              <a:t>En retour de cette méthode, on obtient une liste qui contient toutes les différentes meilleures solutions pour chaque ville, il ne nous reste ensuite plus qu’à récupérer la meilleure d’entre elle.</a:t>
+            </a:r>
+          </a:p>
+        </p:txBody>
+      </p:sp>
+      <p:sp>
+        <p:nvSpPr>
+          <p:cNvPr id="5" name="Titre 4"/>
+          <p:cNvSpPr>
+            <a:spLocks noGrp="1"/>
+          </p:cNvSpPr>
+          <p:nvPr>
+            <p:ph type="title"/>
+          </p:nvPr>
+        </p:nvSpPr>
+        <p:spPr/>
+        <p:txBody>
+          <a:bodyPr/>
+          <a:lstStyle/>
+          <a:p>
+            <a:r>
+              <a:rPr lang="en-US" dirty="0" smtClean="0"/>
+              <a:t>Assignation des </a:t>
+            </a:r>
+            <a:r>
+              <a:rPr lang="en-US" dirty="0" err="1" smtClean="0"/>
+              <a:t>tâches</a:t>
+            </a:r>
+            <a:endParaRPr lang="en-US" dirty="0"/>
+          </a:p>
+        </p:txBody>
+      </p:sp>
+    </p:spTree>
+    <p:extLst>
+      <p:ext uri="{BB962C8B-B14F-4D97-AF65-F5344CB8AC3E}">
+        <p14:creationId xmlns:p14="http://schemas.microsoft.com/office/powerpoint/2010/main" val="2014737294"/>
+      </p:ext>
+    </p:extLst>
+  </p:cSld>
+  <p:clrMapOvr>
+    <a:masterClrMapping/>
+  </p:clrMapOvr>
+  <p:timing>
+    <p:tnLst>
+      <p:par>
+        <p:cTn id="1" dur="indefinite" restart="never" nodeType="tmRoot"/>
+      </p:par>
+    </p:tnLst>
+  </p:timing>
+</p:sld>
+</file>
+
+<file path=ppt/slides/slide6.xml><?xml version="1.0" encoding="utf-8"?>
+<p:sld xmlns:a="http://schemas.openxmlformats.org/drawingml/2006/main" xmlns:r="http://schemas.openxmlformats.org/officeDocument/2006/relationships" xmlns:p="http://schemas.openxmlformats.org/presentationml/2006/main">
+  <p:cSld>
+    <p:spTree>
+      <p:nvGrpSpPr>
+        <p:cNvPr id="1" name=""/>
+        <p:cNvGrpSpPr/>
+        <p:nvPr/>
+      </p:nvGrpSpPr>
+      <p:grpSpPr>
+        <a:xfrm>
+          <a:off x="0" y="0"/>
+          <a:ext cx="0" cy="0"/>
+          <a:chOff x="0" y="0"/>
+          <a:chExt cx="0" cy="0"/>
+        </a:xfrm>
+      </p:grpSpPr>
+      <p:sp>
+        <p:nvSpPr>
+          <p:cNvPr id="6" name="Espace réservé du texte 5"/>
+          <p:cNvSpPr>
+            <a:spLocks noGrp="1"/>
+          </p:cNvSpPr>
+          <p:nvPr>
+            <p:ph type="body" sz="quarter" idx="11"/>
+          </p:nvPr>
+        </p:nvSpPr>
+        <p:spPr/>
+        <p:txBody>
+          <a:bodyPr/>
+          <a:lstStyle/>
+          <a:p>
+            <a:r>
               <a:rPr lang="en-US" dirty="0" smtClean="0"/>
               <a:t>Show a class diagram</a:t>
             </a:r>
@@ -9795,8 +10397,22 @@
             </a:r>
             <a:r>
               <a:rPr lang="is-IS" dirty="0" smtClean="0"/>
-              <a:t>here? Why?</a:t>
-            </a:r>
+              <a:t>here? Why</a:t>
+            </a:r>
+            <a:r>
+              <a:rPr lang="is-IS" dirty="0" smtClean="0"/>
+              <a:t>?</a:t>
+            </a:r>
+          </a:p>
+          <a:p>
+            <a:endParaRPr lang="is-IS" dirty="0"/>
+          </a:p>
+          <a:p>
+            <a:r>
+              <a:rPr lang="is-IS" dirty="0" smtClean="0"/>
+              <a:t>Nous avons décidés d‘implémenter une méthode dans nos différentes tâches de relocation de ville afin</a:t>
+            </a:r>
+            <a:endParaRPr lang="is-IS" dirty="0" smtClean="0"/>
           </a:p>
         </p:txBody>
       </p:sp>
@@ -9843,7 +10459,7 @@
 </p:sld>
 </file>
 
-<file path=ppt/slides/slide6.xml><?xml version="1.0" encoding="utf-8"?>
+<file path=ppt/slides/slide7.xml><?xml version="1.0" encoding="utf-8"?>
 <p:sld xmlns:a="http://schemas.openxmlformats.org/drawingml/2006/main" xmlns:r="http://schemas.openxmlformats.org/officeDocument/2006/relationships" xmlns:p="http://schemas.openxmlformats.org/presentationml/2006/main">
   <p:cSld>
     <p:spTree>
@@ -10584,8 +11200,8 @@
           </a:graphicData>
         </a:graphic>
       </p:graphicFrame>
-      <mc:AlternateContent xmlns:mc="http://schemas.openxmlformats.org/markup-compatibility/2006">
-        <mc:Choice xmlns:a14="http://schemas.microsoft.com/office/drawing/2010/main" Requires="a14">
+      <mc:AlternateContent xmlns:mc="http://schemas.openxmlformats.org/markup-compatibility/2006" xmlns:a14="http://schemas.microsoft.com/office/drawing/2010/main">
+        <mc:Choice Requires="a14">
           <p:sp>
             <p:nvSpPr>
               <p:cNvPr id="7" name="TextBox 6"/>
@@ -10785,7 +11401,7 @@
             </p:txBody>
           </p:sp>
         </mc:Choice>
-        <mc:Fallback>
+        <mc:Fallback xmlns="">
           <p:sp>
             <p:nvSpPr>
               <p:cNvPr id="7" name="TextBox 6"/>
@@ -10832,8 +11448,8 @@
         </p:nvSpPr>
         <p:spPr>
           <a:xfrm>
-            <a:off x="117248" y="1398007"/>
-            <a:ext cx="5973836" cy="2862322"/>
+            <a:off x="117247" y="1398007"/>
+            <a:ext cx="6200425" cy="3139321"/>
           </a:xfrm>
           <a:prstGeom prst="rect">
             <a:avLst/>
@@ -10851,199 +11467,297 @@
               <a:buChar char="•"/>
             </a:pPr>
             <a:r>
-              <a:rPr lang="en-US" dirty="0" smtClean="0"/>
+              <a:rPr lang="en-US" dirty="0" smtClean="0">
+                <a:latin typeface="Century Gothic" panose="020B0502020202020204" pitchFamily="34" charset="0"/>
+              </a:rPr>
               <a:t>Après divers tests, nous </a:t>
             </a:r>
             <a:r>
-              <a:rPr lang="en-US" dirty="0" err="1" smtClean="0"/>
+              <a:rPr lang="en-US" dirty="0" err="1" smtClean="0">
+                <a:latin typeface="Century Gothic" panose="020B0502020202020204" pitchFamily="34" charset="0"/>
+              </a:rPr>
               <a:t>avons</a:t>
             </a:r>
             <a:r>
-              <a:rPr lang="en-US" dirty="0" smtClean="0"/>
+              <a:rPr lang="en-US" dirty="0" smtClean="0">
+                <a:latin typeface="Century Gothic" panose="020B0502020202020204" pitchFamily="34" charset="0"/>
+              </a:rPr>
               <a:t> </a:t>
             </a:r>
             <a:r>
-              <a:rPr lang="en-US" dirty="0" err="1" smtClean="0"/>
+              <a:rPr lang="en-US" dirty="0" err="1" smtClean="0">
+                <a:latin typeface="Century Gothic" panose="020B0502020202020204" pitchFamily="34" charset="0"/>
+              </a:rPr>
               <a:t>décidé</a:t>
             </a:r>
             <a:r>
-              <a:rPr lang="en-US" dirty="0" smtClean="0"/>
+              <a:rPr lang="en-US" dirty="0" smtClean="0">
+                <a:latin typeface="Century Gothic" panose="020B0502020202020204" pitchFamily="34" charset="0"/>
+              </a:rPr>
               <a:t> de </a:t>
             </a:r>
             <a:r>
-              <a:rPr lang="en-US" dirty="0" err="1" smtClean="0"/>
+              <a:rPr lang="en-US" dirty="0" err="1" smtClean="0">
+                <a:latin typeface="Century Gothic" panose="020B0502020202020204" pitchFamily="34" charset="0"/>
+              </a:rPr>
               <a:t>réaliser</a:t>
             </a:r>
             <a:r>
-              <a:rPr lang="en-US" dirty="0" smtClean="0"/>
+              <a:rPr lang="en-US" dirty="0" smtClean="0">
+                <a:latin typeface="Century Gothic" panose="020B0502020202020204" pitchFamily="34" charset="0"/>
+              </a:rPr>
               <a:t> </a:t>
             </a:r>
             <a:r>
-              <a:rPr lang="en-US" dirty="0" err="1" smtClean="0"/>
+              <a:rPr lang="en-US" dirty="0" err="1" smtClean="0">
+                <a:latin typeface="Century Gothic" panose="020B0502020202020204" pitchFamily="34" charset="0"/>
+              </a:rPr>
               <a:t>tous</a:t>
             </a:r>
             <a:r>
-              <a:rPr lang="en-US" dirty="0" smtClean="0"/>
+              <a:rPr lang="en-US" dirty="0" smtClean="0">
+                <a:latin typeface="Century Gothic" panose="020B0502020202020204" pitchFamily="34" charset="0"/>
+              </a:rPr>
               <a:t> </a:t>
             </a:r>
             <a:r>
-              <a:rPr lang="en-US" dirty="0" err="1" smtClean="0"/>
+              <a:rPr lang="en-US" dirty="0" err="1" smtClean="0">
+                <a:latin typeface="Century Gothic" panose="020B0502020202020204" pitchFamily="34" charset="0"/>
+              </a:rPr>
               <a:t>nos</a:t>
             </a:r>
             <a:r>
-              <a:rPr lang="en-US" dirty="0" smtClean="0"/>
+              <a:rPr lang="en-US" dirty="0" smtClean="0">
+                <a:latin typeface="Century Gothic" panose="020B0502020202020204" pitchFamily="34" charset="0"/>
+              </a:rPr>
               <a:t> tests avec 24 </a:t>
             </a:r>
             <a:r>
-              <a:rPr lang="en-US" dirty="0" err="1" smtClean="0"/>
+              <a:rPr lang="en-US" dirty="0" err="1" smtClean="0">
+                <a:latin typeface="Century Gothic" panose="020B0502020202020204" pitchFamily="34" charset="0"/>
+              </a:rPr>
               <a:t>tâches</a:t>
             </a:r>
             <a:r>
-              <a:rPr lang="en-US" dirty="0" smtClean="0"/>
+              <a:rPr lang="en-US" dirty="0" smtClean="0">
+                <a:latin typeface="Century Gothic" panose="020B0502020202020204" pitchFamily="34" charset="0"/>
+              </a:rPr>
               <a:t> </a:t>
             </a:r>
             <a:r>
-              <a:rPr lang="en-US" dirty="0" err="1" smtClean="0"/>
+              <a:rPr lang="en-US" dirty="0" err="1" smtClean="0">
+                <a:latin typeface="Century Gothic" panose="020B0502020202020204" pitchFamily="34" charset="0"/>
+              </a:rPr>
               <a:t>réparties</a:t>
             </a:r>
             <a:r>
-              <a:rPr lang="en-US" dirty="0" smtClean="0"/>
+              <a:rPr lang="en-US" dirty="0" smtClean="0">
+                <a:latin typeface="Century Gothic" panose="020B0502020202020204" pitchFamily="34" charset="0"/>
+              </a:rPr>
               <a:t> sur 6 threads. Nous </a:t>
             </a:r>
             <a:r>
-              <a:rPr lang="en-US" dirty="0" err="1" smtClean="0"/>
+              <a:rPr lang="en-US" dirty="0" err="1" smtClean="0">
+                <a:latin typeface="Century Gothic" panose="020B0502020202020204" pitchFamily="34" charset="0"/>
+              </a:rPr>
               <a:t>avons</a:t>
             </a:r>
             <a:r>
-              <a:rPr lang="en-US" dirty="0" smtClean="0"/>
+              <a:rPr lang="en-US" dirty="0" smtClean="0">
+                <a:latin typeface="Century Gothic" panose="020B0502020202020204" pitchFamily="34" charset="0"/>
+              </a:rPr>
               <a:t> </a:t>
             </a:r>
             <a:r>
-              <a:rPr lang="en-US" dirty="0" err="1" smtClean="0"/>
+              <a:rPr lang="en-US" dirty="0" err="1" smtClean="0">
+                <a:latin typeface="Century Gothic" panose="020B0502020202020204" pitchFamily="34" charset="0"/>
+              </a:rPr>
               <a:t>fixé</a:t>
             </a:r>
             <a:r>
-              <a:rPr lang="en-US" dirty="0" smtClean="0"/>
+              <a:rPr lang="en-US" dirty="0" smtClean="0">
+                <a:latin typeface="Century Gothic" panose="020B0502020202020204" pitchFamily="34" charset="0"/>
+              </a:rPr>
               <a:t> le </a:t>
             </a:r>
             <a:r>
-              <a:rPr lang="en-US" dirty="0" err="1" smtClean="0"/>
+              <a:rPr lang="en-US" dirty="0" err="1" smtClean="0">
+                <a:latin typeface="Century Gothic" panose="020B0502020202020204" pitchFamily="34" charset="0"/>
+              </a:rPr>
               <a:t>nombre</a:t>
             </a:r>
             <a:r>
-              <a:rPr lang="en-US" dirty="0" smtClean="0"/>
+              <a:rPr lang="en-US" dirty="0" smtClean="0">
+                <a:latin typeface="Century Gothic" panose="020B0502020202020204" pitchFamily="34" charset="0"/>
+              </a:rPr>
               <a:t> de thread à 6 car </a:t>
             </a:r>
             <a:r>
-              <a:rPr lang="en-US" dirty="0" err="1" smtClean="0"/>
+              <a:rPr lang="en-US" dirty="0" err="1" smtClean="0">
+                <a:latin typeface="Century Gothic" panose="020B0502020202020204" pitchFamily="34" charset="0"/>
+              </a:rPr>
               <a:t>nos</a:t>
             </a:r>
             <a:r>
-              <a:rPr lang="en-US" dirty="0" smtClean="0"/>
+              <a:rPr lang="en-US" dirty="0" smtClean="0">
+                <a:latin typeface="Century Gothic" panose="020B0502020202020204" pitchFamily="34" charset="0"/>
+              </a:rPr>
               <a:t> PC </a:t>
             </a:r>
             <a:r>
-              <a:rPr lang="en-US" dirty="0" err="1" smtClean="0"/>
+              <a:rPr lang="en-US" dirty="0" err="1" smtClean="0">
+                <a:latin typeface="Century Gothic" panose="020B0502020202020204" pitchFamily="34" charset="0"/>
+              </a:rPr>
               <a:t>disposaient</a:t>
             </a:r>
             <a:r>
-              <a:rPr lang="en-US" dirty="0" smtClean="0"/>
+              <a:rPr lang="en-US" dirty="0" smtClean="0">
+                <a:latin typeface="Century Gothic" panose="020B0502020202020204" pitchFamily="34" charset="0"/>
+              </a:rPr>
               <a:t> de 4 </a:t>
             </a:r>
             <a:r>
-              <a:rPr lang="en-US" dirty="0" err="1" smtClean="0"/>
+              <a:rPr lang="en-US" dirty="0" err="1" smtClean="0">
+                <a:latin typeface="Century Gothic" panose="020B0502020202020204" pitchFamily="34" charset="0"/>
+              </a:rPr>
               <a:t>coeurs</a:t>
             </a:r>
             <a:r>
-              <a:rPr lang="en-US" dirty="0" smtClean="0"/>
+              <a:rPr lang="en-US" dirty="0" smtClean="0">
+                <a:latin typeface="Century Gothic" panose="020B0502020202020204" pitchFamily="34" charset="0"/>
+              </a:rPr>
               <a:t>, or </a:t>
             </a:r>
             <a:r>
-              <a:rPr lang="en-US" dirty="0" err="1" smtClean="0"/>
+              <a:rPr lang="en-US" dirty="0" err="1" smtClean="0">
+                <a:latin typeface="Century Gothic" panose="020B0502020202020204" pitchFamily="34" charset="0"/>
+              </a:rPr>
               <a:t>lors</a:t>
             </a:r>
             <a:r>
-              <a:rPr lang="en-US" dirty="0" smtClean="0"/>
+              <a:rPr lang="en-US" dirty="0" smtClean="0">
+                <a:latin typeface="Century Gothic" panose="020B0502020202020204" pitchFamily="34" charset="0"/>
+              </a:rPr>
               <a:t> de </a:t>
             </a:r>
             <a:r>
-              <a:rPr lang="en-US" dirty="0" err="1" smtClean="0"/>
+              <a:rPr lang="en-US" dirty="0" err="1" smtClean="0">
+                <a:latin typeface="Century Gothic" panose="020B0502020202020204" pitchFamily="34" charset="0"/>
+              </a:rPr>
               <a:t>notre</a:t>
             </a:r>
             <a:r>
-              <a:rPr lang="en-US" dirty="0" smtClean="0"/>
+              <a:rPr lang="en-US" dirty="0" smtClean="0">
+                <a:latin typeface="Century Gothic" panose="020B0502020202020204" pitchFamily="34" charset="0"/>
+              </a:rPr>
               <a:t> CM </a:t>
             </a:r>
             <a:r>
-              <a:rPr lang="en-US" dirty="0" err="1" smtClean="0"/>
+              <a:rPr lang="en-US" dirty="0" err="1" smtClean="0">
+                <a:latin typeface="Century Gothic" panose="020B0502020202020204" pitchFamily="34" charset="0"/>
+              </a:rPr>
               <a:t>d’ASR</a:t>
             </a:r>
             <a:r>
-              <a:rPr lang="en-US" dirty="0" smtClean="0"/>
+              <a:rPr lang="en-US" dirty="0" smtClean="0">
+                <a:latin typeface="Century Gothic" panose="020B0502020202020204" pitchFamily="34" charset="0"/>
+              </a:rPr>
               <a:t> multi-thread, </a:t>
             </a:r>
             <a:r>
-              <a:rPr lang="en-US" dirty="0" err="1" smtClean="0"/>
+              <a:rPr lang="en-US" dirty="0" err="1" smtClean="0">
+                <a:latin typeface="Century Gothic" panose="020B0502020202020204" pitchFamily="34" charset="0"/>
+              </a:rPr>
               <a:t>il</a:t>
             </a:r>
             <a:r>
-              <a:rPr lang="en-US" dirty="0" smtClean="0"/>
+              <a:rPr lang="en-US" dirty="0" smtClean="0">
+                <a:latin typeface="Century Gothic" panose="020B0502020202020204" pitchFamily="34" charset="0"/>
+              </a:rPr>
               <a:t> nous a </a:t>
             </a:r>
             <a:r>
-              <a:rPr lang="en-US" dirty="0" err="1" smtClean="0"/>
+              <a:rPr lang="en-US" dirty="0" err="1" smtClean="0">
+                <a:latin typeface="Century Gothic" panose="020B0502020202020204" pitchFamily="34" charset="0"/>
+              </a:rPr>
               <a:t>été</a:t>
             </a:r>
             <a:r>
-              <a:rPr lang="en-US" dirty="0" smtClean="0"/>
+              <a:rPr lang="en-US" dirty="0" smtClean="0">
+                <a:latin typeface="Century Gothic" panose="020B0502020202020204" pitchFamily="34" charset="0"/>
+              </a:rPr>
               <a:t> </a:t>
             </a:r>
             <a:r>
-              <a:rPr lang="en-US" dirty="0" err="1" smtClean="0"/>
+              <a:rPr lang="en-US" dirty="0" err="1" smtClean="0">
+                <a:latin typeface="Century Gothic" panose="020B0502020202020204" pitchFamily="34" charset="0"/>
+              </a:rPr>
               <a:t>dit</a:t>
             </a:r>
             <a:r>
-              <a:rPr lang="en-US" dirty="0" smtClean="0"/>
+              <a:rPr lang="en-US" dirty="0" smtClean="0">
+                <a:latin typeface="Century Gothic" panose="020B0502020202020204" pitchFamily="34" charset="0"/>
+              </a:rPr>
               <a:t>  </a:t>
             </a:r>
             <a:r>
-              <a:rPr lang="en-US" dirty="0" err="1" smtClean="0"/>
+              <a:rPr lang="en-US" dirty="0" err="1" smtClean="0">
+                <a:latin typeface="Century Gothic" panose="020B0502020202020204" pitchFamily="34" charset="0"/>
+              </a:rPr>
               <a:t>qu’il</a:t>
             </a:r>
             <a:r>
-              <a:rPr lang="en-US" dirty="0" smtClean="0"/>
+              <a:rPr lang="en-US" dirty="0" smtClean="0">
+                <a:latin typeface="Century Gothic" panose="020B0502020202020204" pitchFamily="34" charset="0"/>
+              </a:rPr>
               <a:t> </a:t>
             </a:r>
             <a:r>
-              <a:rPr lang="en-US" dirty="0" err="1" smtClean="0"/>
+              <a:rPr lang="en-US" dirty="0" err="1" smtClean="0">
+                <a:latin typeface="Century Gothic" panose="020B0502020202020204" pitchFamily="34" charset="0"/>
+              </a:rPr>
               <a:t>fallait</a:t>
             </a:r>
             <a:r>
-              <a:rPr lang="en-US" dirty="0" smtClean="0"/>
+              <a:rPr lang="en-US" dirty="0" smtClean="0">
+                <a:latin typeface="Century Gothic" panose="020B0502020202020204" pitchFamily="34" charset="0"/>
+              </a:rPr>
               <a:t> </a:t>
             </a:r>
             <a:r>
-              <a:rPr lang="en-US" dirty="0" err="1" smtClean="0"/>
+              <a:rPr lang="en-US" dirty="0" err="1" smtClean="0">
+                <a:latin typeface="Century Gothic" panose="020B0502020202020204" pitchFamily="34" charset="0"/>
+              </a:rPr>
               <a:t>toujours</a:t>
             </a:r>
             <a:r>
-              <a:rPr lang="en-US" dirty="0" smtClean="0"/>
+              <a:rPr lang="en-US" dirty="0" smtClean="0">
+                <a:latin typeface="Century Gothic" panose="020B0502020202020204" pitchFamily="34" charset="0"/>
+              </a:rPr>
               <a:t> </a:t>
             </a:r>
             <a:r>
-              <a:rPr lang="en-US" dirty="0" err="1" smtClean="0"/>
+              <a:rPr lang="en-US" dirty="0" err="1" smtClean="0">
+                <a:latin typeface="Century Gothic" panose="020B0502020202020204" pitchFamily="34" charset="0"/>
+              </a:rPr>
               <a:t>avoir</a:t>
             </a:r>
             <a:r>
-              <a:rPr lang="en-US" dirty="0" smtClean="0"/>
+              <a:rPr lang="en-US" dirty="0" smtClean="0">
+                <a:latin typeface="Century Gothic" panose="020B0502020202020204" pitchFamily="34" charset="0"/>
+              </a:rPr>
               <a:t> plus de threads que de </a:t>
             </a:r>
             <a:r>
-              <a:rPr lang="en-US" dirty="0" err="1" smtClean="0"/>
+              <a:rPr lang="en-US" dirty="0" err="1" smtClean="0">
+                <a:latin typeface="Century Gothic" panose="020B0502020202020204" pitchFamily="34" charset="0"/>
+              </a:rPr>
               <a:t>coeurs</a:t>
             </a:r>
             <a:r>
-              <a:rPr lang="en-US" dirty="0" smtClean="0"/>
+              <a:rPr lang="en-US" dirty="0" smtClean="0">
+                <a:latin typeface="Century Gothic" panose="020B0502020202020204" pitchFamily="34" charset="0"/>
+              </a:rPr>
               <a:t>.</a:t>
             </a:r>
           </a:p>
@@ -11053,87 +11767,129 @@
               <a:buChar char="•"/>
             </a:pPr>
             <a:r>
-              <a:rPr lang="en-US" dirty="0" smtClean="0"/>
+              <a:rPr lang="en-US" dirty="0" smtClean="0">
+                <a:latin typeface="Century Gothic" panose="020B0502020202020204" pitchFamily="34" charset="0"/>
+              </a:rPr>
               <a:t>Les </a:t>
             </a:r>
             <a:r>
-              <a:rPr lang="en-US" dirty="0" err="1" smtClean="0"/>
+              <a:rPr lang="en-US" dirty="0" err="1" smtClean="0">
+                <a:latin typeface="Century Gothic" panose="020B0502020202020204" pitchFamily="34" charset="0"/>
+              </a:rPr>
               <a:t>différents</a:t>
             </a:r>
             <a:r>
-              <a:rPr lang="en-US" dirty="0" smtClean="0"/>
+              <a:rPr lang="en-US" dirty="0" smtClean="0">
+                <a:latin typeface="Century Gothic" panose="020B0502020202020204" pitchFamily="34" charset="0"/>
+              </a:rPr>
               <a:t> </a:t>
             </a:r>
             <a:r>
-              <a:rPr lang="en-US" dirty="0" err="1" smtClean="0"/>
+              <a:rPr lang="en-US" dirty="0" err="1" smtClean="0">
+                <a:latin typeface="Century Gothic" panose="020B0502020202020204" pitchFamily="34" charset="0"/>
+              </a:rPr>
               <a:t>résultats</a:t>
             </a:r>
             <a:r>
-              <a:rPr lang="en-US" dirty="0" smtClean="0"/>
+              <a:rPr lang="en-US" dirty="0" smtClean="0">
+                <a:latin typeface="Century Gothic" panose="020B0502020202020204" pitchFamily="34" charset="0"/>
+              </a:rPr>
               <a:t> que nous </a:t>
             </a:r>
             <a:r>
-              <a:rPr lang="en-US" dirty="0" err="1" smtClean="0"/>
+              <a:rPr lang="en-US" dirty="0" err="1" smtClean="0">
+                <a:latin typeface="Century Gothic" panose="020B0502020202020204" pitchFamily="34" charset="0"/>
+              </a:rPr>
               <a:t>avons</a:t>
             </a:r>
             <a:r>
-              <a:rPr lang="en-US" dirty="0" smtClean="0"/>
+              <a:rPr lang="en-US" dirty="0" smtClean="0">
+                <a:latin typeface="Century Gothic" panose="020B0502020202020204" pitchFamily="34" charset="0"/>
+              </a:rPr>
               <a:t> </a:t>
             </a:r>
             <a:r>
-              <a:rPr lang="en-US" dirty="0" err="1" smtClean="0"/>
+              <a:rPr lang="en-US" dirty="0" err="1" smtClean="0">
+                <a:latin typeface="Century Gothic" panose="020B0502020202020204" pitchFamily="34" charset="0"/>
+              </a:rPr>
               <a:t>ensuite</a:t>
             </a:r>
             <a:r>
-              <a:rPr lang="en-US" dirty="0" smtClean="0"/>
+              <a:rPr lang="en-US" dirty="0" smtClean="0">
+                <a:latin typeface="Century Gothic" panose="020B0502020202020204" pitchFamily="34" charset="0"/>
+              </a:rPr>
               <a:t> </a:t>
             </a:r>
             <a:r>
-              <a:rPr lang="en-US" dirty="0" err="1" smtClean="0"/>
+              <a:rPr lang="en-US" dirty="0" err="1" smtClean="0">
+                <a:latin typeface="Century Gothic" panose="020B0502020202020204" pitchFamily="34" charset="0"/>
+              </a:rPr>
               <a:t>obtenus</a:t>
             </a:r>
             <a:r>
-              <a:rPr lang="en-US" dirty="0" smtClean="0"/>
+              <a:rPr lang="en-US" dirty="0" smtClean="0">
+                <a:latin typeface="Century Gothic" panose="020B0502020202020204" pitchFamily="34" charset="0"/>
+              </a:rPr>
               <a:t> </a:t>
             </a:r>
             <a:r>
-              <a:rPr lang="en-US" dirty="0" err="1" smtClean="0"/>
+              <a:rPr lang="en-US" dirty="0" err="1" smtClean="0">
+                <a:latin typeface="Century Gothic" panose="020B0502020202020204" pitchFamily="34" charset="0"/>
+              </a:rPr>
               <a:t>sont</a:t>
             </a:r>
             <a:r>
-              <a:rPr lang="en-US" dirty="0" smtClean="0"/>
+              <a:rPr lang="en-US" dirty="0" smtClean="0">
+                <a:latin typeface="Century Gothic" panose="020B0502020202020204" pitchFamily="34" charset="0"/>
+              </a:rPr>
               <a:t> </a:t>
             </a:r>
             <a:r>
-              <a:rPr lang="en-US" dirty="0" err="1" smtClean="0"/>
+              <a:rPr lang="en-US" dirty="0" err="1" smtClean="0">
+                <a:latin typeface="Century Gothic" panose="020B0502020202020204" pitchFamily="34" charset="0"/>
+              </a:rPr>
               <a:t>tous</a:t>
             </a:r>
             <a:r>
-              <a:rPr lang="en-US" dirty="0" smtClean="0"/>
+              <a:rPr lang="en-US" dirty="0" smtClean="0">
+                <a:latin typeface="Century Gothic" panose="020B0502020202020204" pitchFamily="34" charset="0"/>
+              </a:rPr>
               <a:t> </a:t>
             </a:r>
             <a:r>
-              <a:rPr lang="en-US" dirty="0" err="1" smtClean="0"/>
+              <a:rPr lang="en-US" dirty="0" err="1" smtClean="0">
+                <a:latin typeface="Century Gothic" panose="020B0502020202020204" pitchFamily="34" charset="0"/>
+              </a:rPr>
               <a:t>indiqués</a:t>
             </a:r>
             <a:r>
-              <a:rPr lang="en-US" dirty="0" smtClean="0"/>
+              <a:rPr lang="en-US" dirty="0" smtClean="0">
+                <a:latin typeface="Century Gothic" panose="020B0502020202020204" pitchFamily="34" charset="0"/>
+              </a:rPr>
               <a:t> </a:t>
             </a:r>
             <a:r>
-              <a:rPr lang="en-US" dirty="0" err="1" smtClean="0"/>
+              <a:rPr lang="en-US" dirty="0" err="1" smtClean="0">
+                <a:latin typeface="Century Gothic" panose="020B0502020202020204" pitchFamily="34" charset="0"/>
+              </a:rPr>
               <a:t>dans</a:t>
             </a:r>
             <a:r>
-              <a:rPr lang="en-US" dirty="0" smtClean="0"/>
+              <a:rPr lang="en-US" dirty="0" smtClean="0">
+                <a:latin typeface="Century Gothic" panose="020B0502020202020204" pitchFamily="34" charset="0"/>
+              </a:rPr>
               <a:t> le tableau ci-</a:t>
             </a:r>
             <a:r>
-              <a:rPr lang="en-US" dirty="0" err="1" smtClean="0"/>
+              <a:rPr lang="en-US" dirty="0" err="1" smtClean="0">
+                <a:latin typeface="Century Gothic" panose="020B0502020202020204" pitchFamily="34" charset="0"/>
+              </a:rPr>
               <a:t>contre</a:t>
             </a:r>
             <a:r>
-              <a:rPr lang="en-US" dirty="0" smtClean="0"/>
+              <a:rPr lang="en-US" dirty="0" smtClean="0">
+                <a:latin typeface="Century Gothic" panose="020B0502020202020204" pitchFamily="34" charset="0"/>
+              </a:rPr>
               <a:t>.</a:t>
             </a:r>
           </a:p>
@@ -11143,66 +11899,95 @@
               <a:buChar char="•"/>
             </a:pPr>
             <a:r>
-              <a:rPr lang="en-US" dirty="0" smtClean="0"/>
+              <a:rPr lang="en-US" dirty="0" smtClean="0">
+                <a:latin typeface="Century Gothic" panose="020B0502020202020204" pitchFamily="34" charset="0"/>
+              </a:rPr>
               <a:t>Le </a:t>
             </a:r>
             <a:r>
-              <a:rPr lang="en-US" dirty="0" err="1" smtClean="0"/>
+              <a:rPr lang="en-US" dirty="0" err="1" smtClean="0">
+                <a:latin typeface="Century Gothic" panose="020B0502020202020204" pitchFamily="34" charset="0"/>
+              </a:rPr>
               <a:t>calcul</a:t>
             </a:r>
             <a:r>
-              <a:rPr lang="en-US" dirty="0" smtClean="0"/>
+              <a:rPr lang="en-US" dirty="0" smtClean="0">
+                <a:latin typeface="Century Gothic" panose="020B0502020202020204" pitchFamily="34" charset="0"/>
+              </a:rPr>
               <a:t> de </a:t>
             </a:r>
             <a:r>
-              <a:rPr lang="en-US" dirty="0" err="1" smtClean="0"/>
+              <a:rPr lang="en-US" dirty="0" err="1" smtClean="0">
+                <a:latin typeface="Century Gothic" panose="020B0502020202020204" pitchFamily="34" charset="0"/>
+              </a:rPr>
               <a:t>l’écart</a:t>
             </a:r>
             <a:r>
-              <a:rPr lang="en-US" dirty="0" smtClean="0"/>
+              <a:rPr lang="en-US" dirty="0" smtClean="0">
+                <a:latin typeface="Century Gothic" panose="020B0502020202020204" pitchFamily="34" charset="0"/>
+              </a:rPr>
               <a:t> </a:t>
             </a:r>
             <a:r>
-              <a:rPr lang="en-US" dirty="0" err="1" smtClean="0"/>
+              <a:rPr lang="en-US" dirty="0" err="1" smtClean="0">
+                <a:latin typeface="Century Gothic" panose="020B0502020202020204" pitchFamily="34" charset="0"/>
+              </a:rPr>
               <a:t>moyen</a:t>
             </a:r>
             <a:r>
-              <a:rPr lang="en-US" dirty="0" smtClean="0"/>
+              <a:rPr lang="en-US" dirty="0" smtClean="0">
+                <a:latin typeface="Century Gothic" panose="020B0502020202020204" pitchFamily="34" charset="0"/>
+              </a:rPr>
               <a:t> </a:t>
             </a:r>
             <a:r>
-              <a:rPr lang="en-US" dirty="0" err="1" smtClean="0"/>
+              <a:rPr lang="en-US" dirty="0" err="1" smtClean="0">
+                <a:latin typeface="Century Gothic" panose="020B0502020202020204" pitchFamily="34" charset="0"/>
+              </a:rPr>
               <a:t>est</a:t>
             </a:r>
             <a:r>
-              <a:rPr lang="en-US" dirty="0" smtClean="0"/>
+              <a:rPr lang="en-US" dirty="0" smtClean="0">
+                <a:latin typeface="Century Gothic" panose="020B0502020202020204" pitchFamily="34" charset="0"/>
+              </a:rPr>
               <a:t> fait à </a:t>
             </a:r>
             <a:r>
-              <a:rPr lang="en-US" dirty="0" err="1" smtClean="0"/>
+              <a:rPr lang="en-US" dirty="0" err="1" smtClean="0">
+                <a:latin typeface="Century Gothic" panose="020B0502020202020204" pitchFamily="34" charset="0"/>
+              </a:rPr>
               <a:t>l’aide</a:t>
             </a:r>
             <a:r>
-              <a:rPr lang="en-US" dirty="0" smtClean="0"/>
+              <a:rPr lang="en-US" dirty="0" smtClean="0">
+                <a:latin typeface="Century Gothic" panose="020B0502020202020204" pitchFamily="34" charset="0"/>
+              </a:rPr>
               <a:t> de la </a:t>
             </a:r>
             <a:r>
-              <a:rPr lang="en-US" dirty="0" err="1" smtClean="0"/>
+              <a:rPr lang="en-US" dirty="0" err="1" smtClean="0">
+                <a:latin typeface="Century Gothic" panose="020B0502020202020204" pitchFamily="34" charset="0"/>
+              </a:rPr>
               <a:t>formule</a:t>
             </a:r>
             <a:r>
-              <a:rPr lang="en-US" dirty="0" smtClean="0"/>
+              <a:rPr lang="en-US" dirty="0" smtClean="0">
+                <a:latin typeface="Century Gothic" panose="020B0502020202020204" pitchFamily="34" charset="0"/>
+              </a:rPr>
               <a:t> ci-</a:t>
             </a:r>
             <a:r>
-              <a:rPr lang="en-US" dirty="0" err="1" smtClean="0"/>
+              <a:rPr lang="en-US" dirty="0" err="1" smtClean="0">
+                <a:latin typeface="Century Gothic" panose="020B0502020202020204" pitchFamily="34" charset="0"/>
+              </a:rPr>
               <a:t>dessous</a:t>
             </a:r>
             <a:r>
-              <a:rPr lang="en-US" dirty="0" smtClean="0"/>
+              <a:rPr lang="en-US" dirty="0" smtClean="0">
+                <a:latin typeface="Century Gothic" panose="020B0502020202020204" pitchFamily="34" charset="0"/>
+              </a:rPr>
               <a:t>.</a:t>
             </a:r>
-            <a:endParaRPr lang="en-US" dirty="0" smtClean="0"/>
           </a:p>
         </p:txBody>
       </p:sp>
@@ -11226,7 +12011,7 @@
 </p:sld>
 </file>
 
-<file path=ppt/slides/slide7.xml><?xml version="1.0" encoding="utf-8"?>
+<file path=ppt/slides/slide8.xml><?xml version="1.0" encoding="utf-8"?>
 <p:sld xmlns:a="http://schemas.openxmlformats.org/drawingml/2006/main" xmlns:r="http://schemas.openxmlformats.org/officeDocument/2006/relationships" xmlns:p="http://schemas.openxmlformats.org/presentationml/2006/main">
   <p:cSld>
     <p:spTree>
@@ -11934,115 +12719,171 @@
               <a:buChar char="•"/>
             </a:pPr>
             <a:r>
-              <a:rPr lang="en-US" dirty="0" smtClean="0"/>
+              <a:rPr lang="en-US" dirty="0" smtClean="0">
+                <a:latin typeface="Century Gothic" panose="020B0502020202020204" pitchFamily="34" charset="0"/>
+              </a:rPr>
               <a:t>A </a:t>
             </a:r>
             <a:r>
-              <a:rPr lang="en-US" dirty="0" err="1"/>
+              <a:rPr lang="en-US" dirty="0" err="1">
+                <a:latin typeface="Century Gothic" panose="020B0502020202020204" pitchFamily="34" charset="0"/>
+              </a:rPr>
               <a:t>partir</a:t>
             </a:r>
             <a:r>
-              <a:rPr lang="en-US" dirty="0"/>
+              <a:rPr lang="en-US" dirty="0">
+                <a:latin typeface="Century Gothic" panose="020B0502020202020204" pitchFamily="34" charset="0"/>
+              </a:rPr>
               <a:t> de </a:t>
             </a:r>
             <a:r>
-              <a:rPr lang="en-US" dirty="0" err="1"/>
+              <a:rPr lang="en-US" dirty="0" err="1">
+                <a:latin typeface="Century Gothic" panose="020B0502020202020204" pitchFamily="34" charset="0"/>
+              </a:rPr>
               <a:t>l’échantillon</a:t>
             </a:r>
             <a:r>
-              <a:rPr lang="en-US" dirty="0"/>
+              <a:rPr lang="en-US" dirty="0">
+                <a:latin typeface="Century Gothic" panose="020B0502020202020204" pitchFamily="34" charset="0"/>
+              </a:rPr>
               <a:t> </a:t>
             </a:r>
             <a:r>
-              <a:rPr lang="en-US" i="1" dirty="0"/>
+              <a:rPr lang="en-US" i="1" dirty="0">
+                <a:latin typeface="Century Gothic" panose="020B0502020202020204" pitchFamily="34" charset="0"/>
+              </a:rPr>
               <a:t>nu3496</a:t>
             </a:r>
             <a:r>
-              <a:rPr lang="en-US" dirty="0"/>
+              <a:rPr lang="en-US" dirty="0">
+                <a:latin typeface="Century Gothic" panose="020B0502020202020204" pitchFamily="34" charset="0"/>
+              </a:rPr>
               <a:t>, le </a:t>
             </a:r>
             <a:r>
-              <a:rPr lang="en-US" dirty="0" err="1"/>
+              <a:rPr lang="en-US" dirty="0" err="1">
+                <a:latin typeface="Century Gothic" panose="020B0502020202020204" pitchFamily="34" charset="0"/>
+              </a:rPr>
               <a:t>programme</a:t>
             </a:r>
             <a:r>
-              <a:rPr lang="en-US" dirty="0"/>
+              <a:rPr lang="en-US" dirty="0">
+                <a:latin typeface="Century Gothic" panose="020B0502020202020204" pitchFamily="34" charset="0"/>
+              </a:rPr>
               <a:t> </a:t>
             </a:r>
             <a:r>
-              <a:rPr lang="en-US" dirty="0" err="1"/>
+              <a:rPr lang="en-US" dirty="0" err="1">
+                <a:latin typeface="Century Gothic" panose="020B0502020202020204" pitchFamily="34" charset="0"/>
+              </a:rPr>
               <a:t>n’a</a:t>
             </a:r>
             <a:r>
-              <a:rPr lang="en-US" dirty="0"/>
+              <a:rPr lang="en-US" dirty="0">
+                <a:latin typeface="Century Gothic" panose="020B0502020202020204" pitchFamily="34" charset="0"/>
+              </a:rPr>
               <a:t> plus </a:t>
             </a:r>
             <a:r>
-              <a:rPr lang="en-US" dirty="0" err="1"/>
+              <a:rPr lang="en-US" dirty="0" err="1">
+                <a:latin typeface="Century Gothic" panose="020B0502020202020204" pitchFamily="34" charset="0"/>
+              </a:rPr>
               <a:t>assez</a:t>
             </a:r>
             <a:r>
-              <a:rPr lang="en-US" dirty="0"/>
+              <a:rPr lang="en-US" dirty="0">
+                <a:latin typeface="Century Gothic" panose="020B0502020202020204" pitchFamily="34" charset="0"/>
+              </a:rPr>
               <a:t> de temps pour </a:t>
             </a:r>
             <a:r>
-              <a:rPr lang="en-US" dirty="0" err="1"/>
+              <a:rPr lang="en-US" dirty="0" err="1">
+                <a:latin typeface="Century Gothic" panose="020B0502020202020204" pitchFamily="34" charset="0"/>
+              </a:rPr>
               <a:t>terminer</a:t>
             </a:r>
             <a:r>
-              <a:rPr lang="en-US" dirty="0"/>
+              <a:rPr lang="en-US" dirty="0">
+                <a:latin typeface="Century Gothic" panose="020B0502020202020204" pitchFamily="34" charset="0"/>
+              </a:rPr>
               <a:t> les </a:t>
             </a:r>
             <a:r>
-              <a:rPr lang="en-US" dirty="0" err="1"/>
+              <a:rPr lang="en-US" dirty="0" err="1">
+                <a:latin typeface="Century Gothic" panose="020B0502020202020204" pitchFamily="34" charset="0"/>
+              </a:rPr>
               <a:t>calculs</a:t>
             </a:r>
             <a:r>
-              <a:rPr lang="en-US" dirty="0"/>
+              <a:rPr lang="en-US" dirty="0">
+                <a:latin typeface="Century Gothic" panose="020B0502020202020204" pitchFamily="34" charset="0"/>
+              </a:rPr>
               <a:t> : </a:t>
             </a:r>
             <a:r>
-              <a:rPr lang="en-US" dirty="0" err="1"/>
+              <a:rPr lang="en-US" dirty="0" err="1">
+                <a:latin typeface="Century Gothic" panose="020B0502020202020204" pitchFamily="34" charset="0"/>
+              </a:rPr>
               <a:t>une</a:t>
             </a:r>
             <a:r>
-              <a:rPr lang="en-US" dirty="0"/>
+              <a:rPr lang="en-US" dirty="0">
+                <a:latin typeface="Century Gothic" panose="020B0502020202020204" pitchFamily="34" charset="0"/>
+              </a:rPr>
               <a:t> exception </a:t>
             </a:r>
             <a:r>
-              <a:rPr lang="en-US" dirty="0" err="1"/>
+              <a:rPr lang="en-US" dirty="0" err="1">
+                <a:latin typeface="Century Gothic" panose="020B0502020202020204" pitchFamily="34" charset="0"/>
+              </a:rPr>
               <a:t>est</a:t>
             </a:r>
             <a:r>
-              <a:rPr lang="en-US" dirty="0"/>
+              <a:rPr lang="en-US" dirty="0">
+                <a:latin typeface="Century Gothic" panose="020B0502020202020204" pitchFamily="34" charset="0"/>
+              </a:rPr>
               <a:t> levee </a:t>
             </a:r>
             <a:r>
-              <a:rPr lang="en-US" dirty="0" smtClean="0"/>
+              <a:rPr lang="en-US" dirty="0" smtClean="0">
+                <a:latin typeface="Century Gothic" panose="020B0502020202020204" pitchFamily="34" charset="0"/>
+              </a:rPr>
               <a:t>(</a:t>
             </a:r>
             <a:r>
-              <a:rPr lang="en-US" dirty="0" err="1" smtClean="0"/>
+              <a:rPr lang="en-US" dirty="0" err="1" smtClean="0">
+                <a:latin typeface="Century Gothic" panose="020B0502020202020204" pitchFamily="34" charset="0"/>
+              </a:rPr>
               <a:t>voir</a:t>
             </a:r>
             <a:r>
-              <a:rPr lang="en-US" dirty="0" smtClean="0"/>
+              <a:rPr lang="en-US" dirty="0" smtClean="0">
+                <a:latin typeface="Century Gothic" panose="020B0502020202020204" pitchFamily="34" charset="0"/>
+              </a:rPr>
               <a:t> </a:t>
             </a:r>
             <a:r>
-              <a:rPr lang="en-US" dirty="0" err="1" smtClean="0"/>
+              <a:rPr lang="en-US" dirty="0" err="1" smtClean="0">
+                <a:latin typeface="Century Gothic" panose="020B0502020202020204" pitchFamily="34" charset="0"/>
+              </a:rPr>
               <a:t>l’image</a:t>
             </a:r>
             <a:r>
-              <a:rPr lang="en-US" dirty="0" smtClean="0"/>
+              <a:rPr lang="en-US" dirty="0" smtClean="0">
+                <a:latin typeface="Century Gothic" panose="020B0502020202020204" pitchFamily="34" charset="0"/>
+              </a:rPr>
               <a:t> ci-</a:t>
             </a:r>
             <a:r>
-              <a:rPr lang="en-US" dirty="0" err="1" smtClean="0"/>
+              <a:rPr lang="en-US" dirty="0" err="1" smtClean="0">
+                <a:latin typeface="Century Gothic" panose="020B0502020202020204" pitchFamily="34" charset="0"/>
+              </a:rPr>
               <a:t>dessous</a:t>
             </a:r>
             <a:r>
-              <a:rPr lang="en-US" dirty="0" smtClean="0"/>
+              <a:rPr lang="en-US" dirty="0" smtClean="0">
+                <a:latin typeface="Century Gothic" panose="020B0502020202020204" pitchFamily="34" charset="0"/>
+              </a:rPr>
               <a:t>).</a:t>
             </a:r>
           </a:p>
@@ -12052,19 +12893,27 @@
               <a:buChar char="•"/>
             </a:pPr>
             <a:r>
-              <a:rPr lang="en-US" dirty="0" smtClean="0"/>
+              <a:rPr lang="en-US" dirty="0" smtClean="0">
+                <a:latin typeface="Century Gothic" panose="020B0502020202020204" pitchFamily="34" charset="0"/>
+              </a:rPr>
               <a:t>Idem </a:t>
             </a:r>
             <a:r>
-              <a:rPr lang="en-US" dirty="0"/>
+              <a:rPr lang="en-US" dirty="0">
+                <a:latin typeface="Century Gothic" panose="020B0502020202020204" pitchFamily="34" charset="0"/>
+              </a:rPr>
               <a:t>pour les instances de plus de 3496 </a:t>
             </a:r>
             <a:r>
-              <a:rPr lang="en-US" dirty="0" err="1"/>
+              <a:rPr lang="en-US" dirty="0" err="1">
+                <a:latin typeface="Century Gothic" panose="020B0502020202020204" pitchFamily="34" charset="0"/>
+              </a:rPr>
               <a:t>villes</a:t>
             </a:r>
             <a:r>
-              <a:rPr lang="en-US" dirty="0"/>
+              <a:rPr lang="en-US" dirty="0">
+                <a:latin typeface="Century Gothic" panose="020B0502020202020204" pitchFamily="34" charset="0"/>
+              </a:rPr>
               <a:t>.</a:t>
             </a:r>
           </a:p>
@@ -12114,7 +12963,7 @@
 </p:sld>
 </file>
 
-<file path=ppt/slides/slide8.xml><?xml version="1.0" encoding="utf-8"?>
+<file path=ppt/slides/slide9.xml><?xml version="1.0" encoding="utf-8"?>
 <p:sld xmlns:a="http://schemas.openxmlformats.org/drawingml/2006/main" xmlns:r="http://schemas.openxmlformats.org/officeDocument/2006/relationships" xmlns:p="http://schemas.openxmlformats.org/presentationml/2006/main">
   <p:cSld>
     <p:spTree>
@@ -12248,93 +13097,6 @@
       </p:par>
     </p:tnLst>
   </p:timing>
-</p:sld>
-</file>
-
-<file path=ppt/slides/slide9.xml><?xml version="1.0" encoding="utf-8"?>
-<p:sld xmlns:a="http://schemas.openxmlformats.org/drawingml/2006/main" xmlns:r="http://schemas.openxmlformats.org/officeDocument/2006/relationships" xmlns:p="http://schemas.openxmlformats.org/presentationml/2006/main">
-  <p:cSld>
-    <p:spTree>
-      <p:nvGrpSpPr>
-        <p:cNvPr id="1" name=""/>
-        <p:cNvGrpSpPr/>
-        <p:nvPr/>
-      </p:nvGrpSpPr>
-      <p:grpSpPr>
-        <a:xfrm>
-          <a:off x="0" y="0"/>
-          <a:ext cx="0" cy="0"/>
-          <a:chOff x="0" y="0"/>
-          <a:chExt cx="0" cy="0"/>
-        </a:xfrm>
-      </p:grpSpPr>
-      <p:sp>
-        <p:nvSpPr>
-          <p:cNvPr id="2" name="Text Placeholder 1"/>
-          <p:cNvSpPr>
-            <a:spLocks noGrp="1"/>
-          </p:cNvSpPr>
-          <p:nvPr>
-            <p:ph type="body" sz="quarter" idx="11"/>
-          </p:nvPr>
-        </p:nvSpPr>
-        <p:spPr/>
-        <p:txBody>
-          <a:bodyPr/>
-          <a:lstStyle/>
-          <a:p>
-            <a:r>
-              <a:rPr lang="en-US" dirty="0" smtClean="0"/>
-              <a:t>What is the effect of parallelism in the performance of your algorithm?</a:t>
-            </a:r>
-          </a:p>
-          <a:p>
-            <a:r>
-              <a:rPr lang="en-US" dirty="0" smtClean="0"/>
-              <a:t>What can be improved?</a:t>
-            </a:r>
-          </a:p>
-          <a:p>
-            <a:r>
-              <a:rPr lang="en-US" dirty="0" smtClean="0"/>
-              <a:t>What did you learn?</a:t>
-            </a:r>
-          </a:p>
-        </p:txBody>
-      </p:sp>
-      <p:sp>
-        <p:nvSpPr>
-          <p:cNvPr id="3" name="Title 2"/>
-          <p:cNvSpPr>
-            <a:spLocks noGrp="1"/>
-          </p:cNvSpPr>
-          <p:nvPr>
-            <p:ph type="title"/>
-          </p:nvPr>
-        </p:nvSpPr>
-        <p:spPr/>
-        <p:txBody>
-          <a:bodyPr/>
-          <a:lstStyle/>
-          <a:p>
-            <a:r>
-              <a:rPr lang="en-US" dirty="0" smtClean="0"/>
-              <a:t>Conclusions (1 slide)</a:t>
-            </a:r>
-            <a:endParaRPr lang="en-US" dirty="0"/>
-          </a:p>
-        </p:txBody>
-      </p:sp>
-    </p:spTree>
-    <p:extLst>
-      <p:ext uri="{BB962C8B-B14F-4D97-AF65-F5344CB8AC3E}">
-        <p14:creationId xmlns:p14="http://schemas.microsoft.com/office/powerpoint/2010/main" val="894479036"/>
-      </p:ext>
-    </p:extLst>
-  </p:cSld>
-  <p:clrMapOvr>
-    <a:masterClrMapping/>
-  </p:clrMapOvr>
 </p:sld>
 </file>
 

--- a/presentation.pptx
+++ b/presentation.pptx
@@ -121,7 +121,7 @@
   </p:defaultTextStyle>
   <p:extLst>
     <p:ext uri="{EFAFB233-063F-42B5-8137-9DF3F51BA10A}">
-      <p15:sldGuideLst xmlns:p15="http://schemas.microsoft.com/office/powerpoint/2012/main">
+      <p15:sldGuideLst xmlns:p15="http://schemas.microsoft.com/office/powerpoint/2012/main" xmlns="">
         <p15:guide id="1" orient="horz" pos="2160">
           <p15:clr>
             <a:srgbClr val="A4A3A4"/>
@@ -135,7 +135,7 @@
       </p15:sldGuideLst>
     </p:ext>
     <p:ext uri="{2D200454-40CA-4A62-9FC3-DE9A4176ACB9}">
-      <p15:notesGuideLst xmlns:p15="http://schemas.microsoft.com/office/powerpoint/2012/main">
+      <p15:notesGuideLst xmlns:p15="http://schemas.microsoft.com/office/powerpoint/2012/main" xmlns="">
         <p15:guide id="1" orient="horz" pos="2880">
           <p15:clr>
             <a:srgbClr val="A4A3A4"/>
@@ -153,18 +153,8 @@
 </file>
 
 <file path=ppt/charts/chart1.xml><?xml version="1.0" encoding="utf-8"?>
-<c:chartSpace xmlns:c="http://schemas.openxmlformats.org/drawingml/2006/chart" xmlns:a="http://schemas.openxmlformats.org/drawingml/2006/main" xmlns:r="http://schemas.openxmlformats.org/officeDocument/2006/relationships" xmlns:c16r2="http://schemas.microsoft.com/office/drawing/2015/06/chart">
-  <c:date1904 val="0"/>
+<c:chartSpace xmlns:c="http://schemas.openxmlformats.org/drawingml/2006/chart" xmlns:a="http://schemas.openxmlformats.org/drawingml/2006/main" xmlns:r="http://schemas.openxmlformats.org/officeDocument/2006/relationships">
   <c:lang val="fr-FR"/>
-  <c:roundedCorners val="0"/>
-  <mc:AlternateContent xmlns:mc="http://schemas.openxmlformats.org/markup-compatibility/2006">
-    <mc:Choice xmlns:c14="http://schemas.microsoft.com/office/drawing/2007/8/2/chart" Requires="c14">
-      <c14:style val="102"/>
-    </mc:Choice>
-    <mc:Fallback>
-      <c:style val="2"/>
-    </mc:Fallback>
-  </mc:AlternateContent>
   <c:chart>
     <c:title>
       <c:tx>
@@ -202,7 +192,6 @@
         </c:rich>
       </c:tx>
       <c:layout/>
-      <c:overlay val="0"/>
       <c:spPr>
         <a:noFill/>
         <a:ln>
@@ -211,12 +200,10 @@
         <a:effectLst/>
       </c:spPr>
     </c:title>
-    <c:autoTitleDeleted val="0"/>
     <c:plotArea>
       <c:layout/>
       <c:lineChart>
         <c:grouping val="standard"/>
-        <c:varyColors val="0"/>
         <c:ser>
           <c:idx val="1"/>
           <c:order val="0"/>
@@ -266,52 +253,42 @@
                 <c:formatCode>0%</c:formatCode>
                 <c:ptCount val="5"/>
                 <c:pt idx="0">
-                  <c:v>0.30000000000000016</c:v>
+                  <c:v>0.30000000000000021</c:v>
                 </c:pt>
                 <c:pt idx="1">
                   <c:v>0.2</c:v>
                 </c:pt>
                 <c:pt idx="2">
-                  <c:v>8.0000000000000057E-2</c:v>
+                  <c:v>8.0000000000000071E-2</c:v>
                 </c:pt>
                 <c:pt idx="3">
-                  <c:v>5.0000000000000031E-2</c:v>
+                  <c:v>5.0000000000000037E-2</c:v>
                 </c:pt>
                 <c:pt idx="4">
-                  <c:v>1.0000000000000007E-2</c:v>
+                  <c:v>1.0000000000000009E-2</c:v>
                 </c:pt>
               </c:numCache>
             </c:numRef>
           </c:val>
-          <c:smooth val="0"/>
-          <c:extLst>
+          <c:extLst xmlns:c16r2="http://schemas.microsoft.com/office/drawing/2015/06/chart">
             <c:ext xmlns:c16="http://schemas.microsoft.com/office/drawing/2014/chart" uri="{C3380CC4-5D6E-409C-BE32-E72D297353CC}">
               <c16:uniqueId val="{00000000-EF17-4B01-8E48-F15C6C6E8E5B}"/>
             </c:ext>
           </c:extLst>
         </c:ser>
-        <c:dLbls>
-          <c:showLegendKey val="0"/>
-          <c:showVal val="0"/>
-          <c:showCatName val="0"/>
-          <c:showSerName val="0"/>
-          <c:showPercent val="0"/>
-          <c:showBubbleSize val="0"/>
-        </c:dLbls>
-        <c:smooth val="0"/>
-        <c:axId val="118685056"/>
-        <c:axId val="112526464"/>
+        <c:dLbls/>
+        <c:marker val="1"/>
+        <c:axId val="170148992"/>
+        <c:axId val="170150528"/>
       </c:lineChart>
       <c:catAx>
-        <c:axId val="118685056"/>
+        <c:axId val="170148992"/>
         <c:scaling>
           <c:orientation val="minMax"/>
         </c:scaling>
-        <c:delete val="0"/>
         <c:axPos val="b"/>
         <c:numFmt formatCode="General" sourceLinked="1"/>
         <c:majorTickMark val="none"/>
-        <c:minorTickMark val="none"/>
         <c:tickLblPos val="nextTo"/>
         <c:spPr>
           <a:noFill/>
@@ -346,19 +323,17 @@
             <a:endParaRPr lang="fr-FR"/>
           </a:p>
         </c:txPr>
-        <c:crossAx val="112526464"/>
+        <c:crossAx val="170150528"/>
         <c:crosses val="autoZero"/>
         <c:auto val="1"/>
         <c:lblAlgn val="ctr"/>
         <c:lblOffset val="100"/>
-        <c:noMultiLvlLbl val="0"/>
       </c:catAx>
       <c:valAx>
-        <c:axId val="112526464"/>
+        <c:axId val="170150528"/>
         <c:scaling>
           <c:orientation val="minMax"/>
         </c:scaling>
-        <c:delete val="0"/>
         <c:axPos val="l"/>
         <c:majorGridlines>
           <c:spPr>
@@ -376,7 +351,6 @@
         </c:majorGridlines>
         <c:numFmt formatCode="#,##0.00" sourceLinked="0"/>
         <c:majorTickMark val="none"/>
-        <c:minorTickMark val="none"/>
         <c:tickLblPos val="nextTo"/>
         <c:spPr>
           <a:noFill/>
@@ -405,7 +379,7 @@
             <a:endParaRPr lang="fr-FR"/>
           </a:p>
         </c:txPr>
-        <c:crossAx val="118685056"/>
+        <c:crossAx val="170148992"/>
         <c:crosses val="autoZero"/>
         <c:crossBetween val="between"/>
       </c:valAx>
@@ -420,7 +394,6 @@
     <c:legend>
       <c:legendPos val="b"/>
       <c:layout/>
-      <c:overlay val="0"/>
       <c:spPr>
         <a:noFill/>
         <a:ln>
@@ -451,7 +424,6 @@
     </c:legend>
     <c:plotVisOnly val="1"/>
     <c:dispBlanksAs val="gap"/>
-    <c:showDLblsOverMax val="0"/>
   </c:chart>
   <c:spPr>
     <a:noFill/>
@@ -470,9 +442,7 @@
       <a:endParaRPr lang="fr-FR"/>
     </a:p>
   </c:txPr>
-  <c:externalData r:id="rId1">
-    <c:autoUpdate val="0"/>
-  </c:externalData>
+  <c:externalData r:id="rId1"/>
 </c:chartSpace>
 </file>
 
@@ -728,7 +698,7 @@
     </p:spTree>
     <p:extLst>
       <p:ext uri="{BB962C8B-B14F-4D97-AF65-F5344CB8AC3E}">
-        <p14:creationId xmlns:p14="http://schemas.microsoft.com/office/powerpoint/2010/main" val="2479878953"/>
+        <p14:creationId xmlns:p14="http://schemas.microsoft.com/office/powerpoint/2010/main" xmlns="" val="2479878953"/>
       </p:ext>
     </p:extLst>
   </p:cSld>
@@ -972,7 +942,7 @@
     </p:spTree>
     <p:extLst>
       <p:ext uri="{BB962C8B-B14F-4D97-AF65-F5344CB8AC3E}">
-        <p14:creationId xmlns:p14="http://schemas.microsoft.com/office/powerpoint/2010/main" val="1597653524"/>
+        <p14:creationId xmlns:p14="http://schemas.microsoft.com/office/powerpoint/2010/main" xmlns="" val="1597653524"/>
       </p:ext>
     </p:extLst>
   </p:cSld>
@@ -1168,7 +1138,7 @@
     </p:spTree>
     <p:extLst>
       <p:ext uri="{BB962C8B-B14F-4D97-AF65-F5344CB8AC3E}">
-        <p14:creationId xmlns:p14="http://schemas.microsoft.com/office/powerpoint/2010/main" val="729632784"/>
+        <p14:creationId xmlns:p14="http://schemas.microsoft.com/office/powerpoint/2010/main" xmlns="" val="729632784"/>
       </p:ext>
     </p:extLst>
   </p:cSld>
@@ -1236,7 +1206,7 @@
     </p:spTree>
     <p:extLst>
       <p:ext uri="{BB962C8B-B14F-4D97-AF65-F5344CB8AC3E}">
-        <p14:creationId xmlns:p14="http://schemas.microsoft.com/office/powerpoint/2010/main" val="1056886810"/>
+        <p14:creationId xmlns:p14="http://schemas.microsoft.com/office/powerpoint/2010/main" xmlns="" val="1056886810"/>
       </p:ext>
     </p:extLst>
   </p:cSld>
@@ -1459,7 +1429,7 @@
     </p:spTree>
     <p:extLst>
       <p:ext uri="{BB962C8B-B14F-4D97-AF65-F5344CB8AC3E}">
-        <p14:creationId xmlns:p14="http://schemas.microsoft.com/office/powerpoint/2010/main" val="856040511"/>
+        <p14:creationId xmlns:p14="http://schemas.microsoft.com/office/powerpoint/2010/main" xmlns="" val="856040511"/>
       </p:ext>
     </p:extLst>
   </p:cSld>
@@ -1620,7 +1590,7 @@
     </p:spTree>
     <p:extLst>
       <p:ext uri="{BB962C8B-B14F-4D97-AF65-F5344CB8AC3E}">
-        <p14:creationId xmlns:p14="http://schemas.microsoft.com/office/powerpoint/2010/main" val="1491625700"/>
+        <p14:creationId xmlns:p14="http://schemas.microsoft.com/office/powerpoint/2010/main" xmlns="" val="1491625700"/>
       </p:ext>
     </p:extLst>
   </p:cSld>
@@ -1905,7 +1875,7 @@
     </p:spTree>
     <p:extLst>
       <p:ext uri="{BB962C8B-B14F-4D97-AF65-F5344CB8AC3E}">
-        <p14:creationId xmlns:p14="http://schemas.microsoft.com/office/powerpoint/2010/main" val="3368652214"/>
+        <p14:creationId xmlns:p14="http://schemas.microsoft.com/office/powerpoint/2010/main" xmlns="" val="3368652214"/>
       </p:ext>
     </p:extLst>
   </p:cSld>
@@ -2810,7 +2780,7 @@
     </p:spTree>
     <p:extLst>
       <p:ext uri="{BB962C8B-B14F-4D97-AF65-F5344CB8AC3E}">
-        <p14:creationId xmlns:p14="http://schemas.microsoft.com/office/powerpoint/2010/main" val="4143547553"/>
+        <p14:creationId xmlns:p14="http://schemas.microsoft.com/office/powerpoint/2010/main" xmlns="" val="4143547553"/>
       </p:ext>
     </p:extLst>
   </p:cSld>
@@ -2946,7 +2916,7 @@
     </p:spTree>
     <p:extLst>
       <p:ext uri="{BB962C8B-B14F-4D97-AF65-F5344CB8AC3E}">
-        <p14:creationId xmlns:p14="http://schemas.microsoft.com/office/powerpoint/2010/main" val="4027527166"/>
+        <p14:creationId xmlns:p14="http://schemas.microsoft.com/office/powerpoint/2010/main" xmlns="" val="4027527166"/>
       </p:ext>
     </p:extLst>
   </p:cSld>
@@ -3020,7 +2990,7 @@
     </p:spTree>
     <p:extLst>
       <p:ext uri="{BB962C8B-B14F-4D97-AF65-F5344CB8AC3E}">
-        <p14:creationId xmlns:p14="http://schemas.microsoft.com/office/powerpoint/2010/main" val="3304082058"/>
+        <p14:creationId xmlns:p14="http://schemas.microsoft.com/office/powerpoint/2010/main" xmlns="" val="3304082058"/>
       </p:ext>
     </p:extLst>
   </p:cSld>
@@ -3136,7 +3106,7 @@
     </p:spTree>
     <p:extLst>
       <p:ext uri="{BB962C8B-B14F-4D97-AF65-F5344CB8AC3E}">
-        <p14:creationId xmlns:p14="http://schemas.microsoft.com/office/powerpoint/2010/main" val="3081517712"/>
+        <p14:creationId xmlns:p14="http://schemas.microsoft.com/office/powerpoint/2010/main" xmlns="" val="3081517712"/>
       </p:ext>
     </p:extLst>
   </p:cSld>
@@ -3344,7 +3314,7 @@
     </p:spTree>
     <p:extLst>
       <p:ext uri="{BB962C8B-B14F-4D97-AF65-F5344CB8AC3E}">
-        <p14:creationId xmlns:p14="http://schemas.microsoft.com/office/powerpoint/2010/main" val="3142083048"/>
+        <p14:creationId xmlns:p14="http://schemas.microsoft.com/office/powerpoint/2010/main" xmlns="" val="3142083048"/>
       </p:ext>
     </p:extLst>
   </p:cSld>
@@ -5030,7 +5000,7 @@
             <a:blip r:embed="rId7">
               <a:extLst>
                 <a:ext uri="{28A0092B-C50C-407E-A947-70E740481C1C}">
-                  <a14:useLocalDpi xmlns:a14="http://schemas.microsoft.com/office/drawing/2010/main" val="0"/>
+                  <a14:useLocalDpi xmlns:a14="http://schemas.microsoft.com/office/drawing/2010/main" xmlns="" val="0"/>
                 </a:ext>
               </a:extLst>
             </a:blip>
@@ -5048,7 +5018,7 @@
             <a:noFill/>
             <a:extLst>
               <a:ext uri="{909E8E84-426E-40dd-AFC4-6F175D3DCCD1}">
-                <a14:hiddenFill xmlns:a14="http://schemas.microsoft.com/office/drawing/2010/main" xmlns="">
+                <a14:hiddenFill xmlns="" xmlns:a14="http://schemas.microsoft.com/office/drawing/2010/main">
                   <a:solidFill>
                     <a:srgbClr val="FFFFFF"/>
                   </a:solidFill>
@@ -5069,7 +5039,7 @@
             <a:blip r:embed="rId8" cstate="print">
               <a:extLst>
                 <a:ext uri="{28A0092B-C50C-407E-A947-70E740481C1C}">
-                  <a14:useLocalDpi xmlns:a14="http://schemas.microsoft.com/office/drawing/2010/main" val="0"/>
+                  <a14:useLocalDpi xmlns:a14="http://schemas.microsoft.com/office/drawing/2010/main" xmlns="" val="0"/>
                 </a:ext>
               </a:extLst>
             </a:blip>
@@ -5089,7 +5059,7 @@
             <a:noFill/>
             <a:extLst>
               <a:ext uri="{909E8E84-426E-40dd-AFC4-6F175D3DCCD1}">
-                <a14:hiddenFill xmlns:a14="http://schemas.microsoft.com/office/drawing/2010/main" xmlns="">
+                <a14:hiddenFill xmlns="" xmlns:a14="http://schemas.microsoft.com/office/drawing/2010/main">
                   <a:solidFill>
                     <a:srgbClr val="FFFFFF"/>
                   </a:solidFill>
@@ -5160,7 +5130,7 @@
             <a:blip r:embed="rId9" cstate="print">
               <a:extLst>
                 <a:ext uri="{28A0092B-C50C-407E-A947-70E740481C1C}">
-                  <a14:useLocalDpi xmlns:a14="http://schemas.microsoft.com/office/drawing/2010/main" val="0"/>
+                  <a14:useLocalDpi xmlns:a14="http://schemas.microsoft.com/office/drawing/2010/main" xmlns="" val="0"/>
                 </a:ext>
               </a:extLst>
             </a:blip>
@@ -5178,7 +5148,7 @@
             <a:noFill/>
             <a:extLst>
               <a:ext uri="{909E8E84-426E-40dd-AFC4-6F175D3DCCD1}">
-                <a14:hiddenFill xmlns:a14="http://schemas.microsoft.com/office/drawing/2010/main" xmlns="">
+                <a14:hiddenFill xmlns="" xmlns:a14="http://schemas.microsoft.com/office/drawing/2010/main">
                   <a:solidFill>
                     <a:srgbClr val="FFFFFF"/>
                   </a:solidFill>
@@ -5239,7 +5209,7 @@
     </p:spTree>
     <p:extLst>
       <p:ext uri="{BB962C8B-B14F-4D97-AF65-F5344CB8AC3E}">
-        <p14:creationId xmlns:p14="http://schemas.microsoft.com/office/powerpoint/2010/main" val="547571833"/>
+        <p14:creationId xmlns:p14="http://schemas.microsoft.com/office/powerpoint/2010/main" xmlns="" val="547571833"/>
       </p:ext>
     </p:extLst>
   </p:cSld>
@@ -7140,7 +7110,7 @@
     </p:spTree>
     <p:extLst>
       <p:ext uri="{BB962C8B-B14F-4D97-AF65-F5344CB8AC3E}">
-        <p14:creationId xmlns:p14="http://schemas.microsoft.com/office/powerpoint/2010/main" val="2357226408"/>
+        <p14:creationId xmlns:p14="http://schemas.microsoft.com/office/powerpoint/2010/main" xmlns="" val="2357226408"/>
       </p:ext>
     </p:extLst>
   </p:cSld>
@@ -7489,7 +7459,7 @@
             <a:blip r:embed="rId6">
               <a:extLst>
                 <a:ext uri="{28A0092B-C50C-407E-A947-70E740481C1C}">
-                  <a14:useLocalDpi xmlns:a14="http://schemas.microsoft.com/office/drawing/2010/main" val="0"/>
+                  <a14:useLocalDpi xmlns:a14="http://schemas.microsoft.com/office/drawing/2010/main" xmlns="" val="0"/>
                 </a:ext>
               </a:extLst>
             </a:blip>
@@ -7507,7 +7477,7 @@
             <a:noFill/>
             <a:extLst>
               <a:ext uri="{909E8E84-426E-40dd-AFC4-6F175D3DCCD1}">
-                <a14:hiddenFill xmlns:a14="http://schemas.microsoft.com/office/drawing/2010/main" xmlns="">
+                <a14:hiddenFill xmlns="" xmlns:a14="http://schemas.microsoft.com/office/drawing/2010/main">
                   <a:solidFill>
                     <a:srgbClr val="FFFFFF"/>
                   </a:solidFill>
@@ -7528,7 +7498,7 @@
             <a:blip r:embed="rId7" cstate="print">
               <a:extLst>
                 <a:ext uri="{28A0092B-C50C-407E-A947-70E740481C1C}">
-                  <a14:useLocalDpi xmlns:a14="http://schemas.microsoft.com/office/drawing/2010/main" val="0"/>
+                  <a14:useLocalDpi xmlns:a14="http://schemas.microsoft.com/office/drawing/2010/main" xmlns="" val="0"/>
                 </a:ext>
               </a:extLst>
             </a:blip>
@@ -7548,7 +7518,7 @@
             <a:noFill/>
             <a:extLst>
               <a:ext uri="{909E8E84-426E-40dd-AFC4-6F175D3DCCD1}">
-                <a14:hiddenFill xmlns:a14="http://schemas.microsoft.com/office/drawing/2010/main" xmlns="">
+                <a14:hiddenFill xmlns="" xmlns:a14="http://schemas.microsoft.com/office/drawing/2010/main">
                   <a:solidFill>
                     <a:srgbClr val="FFFFFF"/>
                   </a:solidFill>
@@ -7619,7 +7589,7 @@
             <a:blip r:embed="rId8" cstate="print">
               <a:extLst>
                 <a:ext uri="{28A0092B-C50C-407E-A947-70E740481C1C}">
-                  <a14:useLocalDpi xmlns:a14="http://schemas.microsoft.com/office/drawing/2010/main" val="0"/>
+                  <a14:useLocalDpi xmlns:a14="http://schemas.microsoft.com/office/drawing/2010/main" xmlns="" val="0"/>
                 </a:ext>
               </a:extLst>
             </a:blip>
@@ -7637,7 +7607,7 @@
             <a:noFill/>
             <a:extLst>
               <a:ext uri="{909E8E84-426E-40dd-AFC4-6F175D3DCCD1}">
-                <a14:hiddenFill xmlns:a14="http://schemas.microsoft.com/office/drawing/2010/main" xmlns="">
+                <a14:hiddenFill xmlns="" xmlns:a14="http://schemas.microsoft.com/office/drawing/2010/main">
                   <a:solidFill>
                     <a:srgbClr val="FFFFFF"/>
                   </a:solidFill>
@@ -8499,7 +8469,7 @@
     </p:spTree>
     <p:extLst>
       <p:ext uri="{BB962C8B-B14F-4D97-AF65-F5344CB8AC3E}">
-        <p14:creationId xmlns:p14="http://schemas.microsoft.com/office/powerpoint/2010/main" val="168395928"/>
+        <p14:creationId xmlns:p14="http://schemas.microsoft.com/office/powerpoint/2010/main" xmlns="" val="168395928"/>
       </p:ext>
     </p:extLst>
   </p:cSld>
@@ -8897,7 +8867,7 @@
     </p:spTree>
     <p:extLst>
       <p:ext uri="{BB962C8B-B14F-4D97-AF65-F5344CB8AC3E}">
-        <p14:creationId xmlns:p14="http://schemas.microsoft.com/office/powerpoint/2010/main" val="3707583858"/>
+        <p14:creationId xmlns:p14="http://schemas.microsoft.com/office/powerpoint/2010/main" xmlns="" val="3707583858"/>
       </p:ext>
     </p:extLst>
   </p:cSld>
@@ -9273,7 +9243,7 @@
     </p:spTree>
     <p:extLst>
       <p:ext uri="{BB962C8B-B14F-4D97-AF65-F5344CB8AC3E}">
-        <p14:creationId xmlns:p14="http://schemas.microsoft.com/office/powerpoint/2010/main" val="98231638"/>
+        <p14:creationId xmlns:p14="http://schemas.microsoft.com/office/powerpoint/2010/main" xmlns="" val="98231638"/>
       </p:ext>
     </p:extLst>
   </p:cSld>
@@ -9358,7 +9328,7 @@
           <a:p>
             <a:r>
               <a:rPr lang="en-US" dirty="0" smtClean="0"/>
-              <a:t>Conclusions (1 slide)</a:t>
+              <a:t>Conclusion</a:t>
             </a:r>
             <a:endParaRPr lang="en-US" dirty="0"/>
           </a:p>
@@ -9367,7 +9337,7 @@
     </p:spTree>
     <p:extLst>
       <p:ext uri="{BB962C8B-B14F-4D97-AF65-F5344CB8AC3E}">
-        <p14:creationId xmlns:p14="http://schemas.microsoft.com/office/powerpoint/2010/main" val="894479036"/>
+        <p14:creationId xmlns:p14="http://schemas.microsoft.com/office/powerpoint/2010/main" xmlns="" val="894479036"/>
       </p:ext>
     </p:extLst>
   </p:cSld>
@@ -9505,7 +9475,7 @@
     </p:spTree>
     <p:extLst>
       <p:ext uri="{BB962C8B-B14F-4D97-AF65-F5344CB8AC3E}">
-        <p14:creationId xmlns:p14="http://schemas.microsoft.com/office/powerpoint/2010/main" val="3773551245"/>
+        <p14:creationId xmlns:p14="http://schemas.microsoft.com/office/powerpoint/2010/main" xmlns="" val="3773551245"/>
       </p:ext>
     </p:extLst>
   </p:cSld>
@@ -9558,24 +9528,11 @@
               <a:rPr lang="fr-FR" dirty="0" smtClean="0"/>
               <a:t>Nous avons décomposé le problème en plusieurs tâches. </a:t>
             </a:r>
-            <a:endParaRPr lang="fr-FR" dirty="0" smtClean="0"/>
           </a:p>
           <a:p>
             <a:r>
               <a:rPr lang="fr-FR" dirty="0" smtClean="0"/>
-              <a:t>La </a:t>
-            </a:r>
-            <a:r>
-              <a:rPr lang="fr-FR" dirty="0" smtClean="0"/>
-              <a:t>première va générer </a:t>
-            </a:r>
-            <a:r>
-              <a:rPr lang="fr-FR" dirty="0" smtClean="0"/>
-              <a:t>une solution aléatoirement</a:t>
-            </a:r>
-            <a:r>
-              <a:rPr lang="fr-FR" dirty="0" smtClean="0"/>
-              <a:t>. C’est ensuite cette solution qui sera utilisée par les tâches suivantes.</a:t>
+              <a:t>La première va générer une solution aléatoirement. C’est ensuite cette solution qui sera utilisée par les tâches suivantes.</a:t>
             </a:r>
           </a:p>
           <a:p>
@@ -9600,7 +9557,6 @@
               <a:rPr lang="fr-FR" dirty="0" smtClean="0"/>
               <a:t> de concurrence maximal égal au nombre de villes de notre instance.</a:t>
             </a:r>
-            <a:endParaRPr lang="fr-FR" dirty="0" smtClean="0"/>
           </a:p>
         </p:txBody>
       </p:sp>
@@ -9638,7 +9594,7 @@
     </p:spTree>
     <p:extLst>
       <p:ext uri="{BB962C8B-B14F-4D97-AF65-F5344CB8AC3E}">
-        <p14:creationId xmlns:p14="http://schemas.microsoft.com/office/powerpoint/2010/main" val="565318803"/>
+        <p14:creationId xmlns:p14="http://schemas.microsoft.com/office/powerpoint/2010/main" xmlns="" val="565318803"/>
       </p:ext>
     </p:extLst>
   </p:cSld>
@@ -9730,7 +9686,6 @@
               <a:rPr lang="fr-FR" sz="2400" dirty="0" smtClean="0"/>
               <a:t> : Tâche de relocation</a:t>
             </a:r>
-            <a:endParaRPr lang="fr-FR" sz="2400" dirty="0" smtClean="0"/>
           </a:p>
         </p:txBody>
       </p:sp>
@@ -9777,7 +9732,7 @@
           <a:blip r:embed="rId2">
             <a:extLst>
               <a:ext uri="{28A0092B-C50C-407E-A947-70E740481C1C}">
-                <a14:useLocalDpi xmlns:a14="http://schemas.microsoft.com/office/drawing/2010/main" val="0"/>
+                <a14:useLocalDpi xmlns:a14="http://schemas.microsoft.com/office/drawing/2010/main" xmlns="" val="0"/>
               </a:ext>
             </a:extLst>
           </a:blip>
@@ -9977,7 +9932,6 @@
               <a:rPr lang="fr-FR" dirty="0" smtClean="0"/>
               <a:t>L’opération sera répétée autant de fois que possible, tant que le temps configuré par l’utilisateur n’est pas écoulé.</a:t>
             </a:r>
-            <a:endParaRPr lang="fr-FR" dirty="0" smtClean="0"/>
           </a:p>
         </p:txBody>
       </p:sp>
@@ -10175,7 +10129,7 @@
     </p:spTree>
     <p:extLst>
       <p:ext uri="{BB962C8B-B14F-4D97-AF65-F5344CB8AC3E}">
-        <p14:creationId xmlns:p14="http://schemas.microsoft.com/office/powerpoint/2010/main" val="87952829"/>
+        <p14:creationId xmlns:p14="http://schemas.microsoft.com/office/powerpoint/2010/main" xmlns="" val="87952829"/>
       </p:ext>
     </p:extLst>
   </p:cSld>
@@ -10281,12 +10235,12 @@
               <a:t> en passant en </a:t>
             </a:r>
             <a:r>
-              <a:rPr lang="fr-FR" dirty="0" err="1" smtClean="0"/>
-              <a:t>parameter</a:t>
-            </a:r>
-            <a:r>
               <a:rPr lang="fr-FR" dirty="0" smtClean="0"/>
-              <a:t> la liste de taches à exécuter.</a:t>
+              <a:t>paramètre </a:t>
+            </a:r>
+            <a:r>
+              <a:rPr lang="fr-FR" dirty="0" smtClean="0"/>
+              <a:t>la liste de taches à exécuter.</a:t>
             </a:r>
             <a:endParaRPr lang="fr-FR" i="1" dirty="0" smtClean="0"/>
           </a:p>
@@ -10328,7 +10282,7 @@
     </p:spTree>
     <p:extLst>
       <p:ext uri="{BB962C8B-B14F-4D97-AF65-F5344CB8AC3E}">
-        <p14:creationId xmlns:p14="http://schemas.microsoft.com/office/powerpoint/2010/main" val="2014737294"/>
+        <p14:creationId xmlns:p14="http://schemas.microsoft.com/office/powerpoint/2010/main" xmlns="" val="2014737294"/>
       </p:ext>
     </p:extLst>
   </p:cSld>
@@ -10397,11 +10351,7 @@
             </a:r>
             <a:r>
               <a:rPr lang="is-IS" dirty="0" smtClean="0"/>
-              <a:t>here? Why</a:t>
-            </a:r>
-            <a:r>
-              <a:rPr lang="is-IS" dirty="0" smtClean="0"/>
-              <a:t>?</a:t>
+              <a:t>here? Why?</a:t>
             </a:r>
           </a:p>
           <a:p>
@@ -10410,7 +10360,27 @@
           <a:p>
             <a:r>
               <a:rPr lang="is-IS" dirty="0" smtClean="0"/>
-              <a:t>Nous avons décidés d‘implémenter une méthode dans nos différentes tâches de relocation de ville afin</a:t>
+              <a:t>Nous avons décidés d‘implémenter une méthode </a:t>
+            </a:r>
+            <a:r>
+              <a:rPr lang="is-IS" dirty="0" smtClean="0"/>
+              <a:t>de recherche locale dans </a:t>
+            </a:r>
+            <a:r>
+              <a:rPr lang="is-IS" dirty="0" smtClean="0"/>
+              <a:t>nos </a:t>
+            </a:r>
+            <a:r>
+              <a:rPr lang="is-IS" dirty="0" smtClean="0"/>
+              <a:t>différentes tâches </a:t>
+            </a:r>
+            <a:r>
+              <a:rPr lang="is-IS" dirty="0" smtClean="0"/>
+              <a:t>de relocation de ville </a:t>
+            </a:r>
+            <a:r>
+              <a:rPr lang="is-IS" dirty="0" smtClean="0"/>
+              <a:t>afin de génerer un voisinage partiel </a:t>
             </a:r>
             <a:endParaRPr lang="is-IS" dirty="0" smtClean="0"/>
           </a:p>
@@ -10442,7 +10412,7 @@
     </p:spTree>
     <p:extLst>
       <p:ext uri="{BB962C8B-B14F-4D97-AF65-F5344CB8AC3E}">
-        <p14:creationId xmlns:p14="http://schemas.microsoft.com/office/powerpoint/2010/main" val="493409273"/>
+        <p14:creationId xmlns:p14="http://schemas.microsoft.com/office/powerpoint/2010/main" xmlns="" val="493409273"/>
       </p:ext>
     </p:extLst>
   </p:cSld>
@@ -10508,7 +10478,7 @@
           <p:nvPr>
             <p:extLst>
               <p:ext uri="{D42A27DB-BD31-4B8C-83A1-F6EECF244321}">
-                <p14:modId xmlns:p14="http://schemas.microsoft.com/office/powerpoint/2010/main" val="2166556259"/>
+                <p14:modId xmlns:p14="http://schemas.microsoft.com/office/powerpoint/2010/main" xmlns="" val="2166556259"/>
               </p:ext>
             </p:extLst>
           </p:nvPr>
@@ -10527,21 +10497,21 @@
                 <a:gridCol w="1075835">
                   <a:extLst>
                     <a:ext uri="{9D8B030D-6E8A-4147-A177-3AD203B41FA5}">
-                      <a16:colId xmlns:a16="http://schemas.microsoft.com/office/drawing/2014/main" val="20000"/>
+                      <a16:colId xmlns:a16="http://schemas.microsoft.com/office/drawing/2014/main" xmlns="" val="20000"/>
                     </a:ext>
                   </a:extLst>
                 </a:gridCol>
                 <a:gridCol w="1560601">
                   <a:extLst>
                     <a:ext uri="{9D8B030D-6E8A-4147-A177-3AD203B41FA5}">
-                      <a16:colId xmlns:a16="http://schemas.microsoft.com/office/drawing/2014/main" val="20001"/>
+                      <a16:colId xmlns:a16="http://schemas.microsoft.com/office/drawing/2014/main" xmlns="" val="20001"/>
                     </a:ext>
                   </a:extLst>
                 </a:gridCol>
                 <a:gridCol w="2718755">
                   <a:extLst>
                     <a:ext uri="{9D8B030D-6E8A-4147-A177-3AD203B41FA5}">
-                      <a16:colId xmlns:a16="http://schemas.microsoft.com/office/drawing/2014/main" val="20002"/>
+                      <a16:colId xmlns:a16="http://schemas.microsoft.com/office/drawing/2014/main" xmlns="" val="20002"/>
                     </a:ext>
                   </a:extLst>
                 </a:gridCol>
@@ -10664,7 +10634,7 @@
                 </a:tc>
                 <a:extLst>
                   <a:ext uri="{0D108BD9-81ED-4DB2-BD59-A6C34878D82A}">
-                    <a16:rowId xmlns:a16="http://schemas.microsoft.com/office/drawing/2014/main" val="10000"/>
+                    <a16:rowId xmlns:a16="http://schemas.microsoft.com/office/drawing/2014/main" xmlns="" val="10000"/>
                   </a:ext>
                 </a:extLst>
               </a:tr>
@@ -10716,7 +10686,7 @@
                 </a:tc>
                 <a:extLst>
                   <a:ext uri="{0D108BD9-81ED-4DB2-BD59-A6C34878D82A}">
-                    <a16:rowId xmlns:a16="http://schemas.microsoft.com/office/drawing/2014/main" val="874662559"/>
+                    <a16:rowId xmlns:a16="http://schemas.microsoft.com/office/drawing/2014/main" xmlns="" val="874662559"/>
                   </a:ext>
                 </a:extLst>
               </a:tr>
@@ -10768,7 +10738,7 @@
                 </a:tc>
                 <a:extLst>
                   <a:ext uri="{0D108BD9-81ED-4DB2-BD59-A6C34878D82A}">
-                    <a16:rowId xmlns:a16="http://schemas.microsoft.com/office/drawing/2014/main" val="10001"/>
+                    <a16:rowId xmlns:a16="http://schemas.microsoft.com/office/drawing/2014/main" xmlns="" val="10001"/>
                   </a:ext>
                 </a:extLst>
               </a:tr>
@@ -10820,7 +10790,7 @@
                 </a:tc>
                 <a:extLst>
                   <a:ext uri="{0D108BD9-81ED-4DB2-BD59-A6C34878D82A}">
-                    <a16:rowId xmlns:a16="http://schemas.microsoft.com/office/drawing/2014/main" val="1361785963"/>
+                    <a16:rowId xmlns:a16="http://schemas.microsoft.com/office/drawing/2014/main" xmlns="" val="1361785963"/>
                   </a:ext>
                 </a:extLst>
               </a:tr>
@@ -10872,7 +10842,7 @@
                 </a:tc>
                 <a:extLst>
                   <a:ext uri="{0D108BD9-81ED-4DB2-BD59-A6C34878D82A}">
-                    <a16:rowId xmlns:a16="http://schemas.microsoft.com/office/drawing/2014/main" val="10002"/>
+                    <a16:rowId xmlns:a16="http://schemas.microsoft.com/office/drawing/2014/main" xmlns="" val="10002"/>
                   </a:ext>
                 </a:extLst>
               </a:tr>
@@ -10939,7 +10909,7 @@
                 </a:tc>
                 <a:extLst>
                   <a:ext uri="{0D108BD9-81ED-4DB2-BD59-A6C34878D82A}">
-                    <a16:rowId xmlns:a16="http://schemas.microsoft.com/office/drawing/2014/main" val="10003"/>
+                    <a16:rowId xmlns:a16="http://schemas.microsoft.com/office/drawing/2014/main" xmlns="" val="10003"/>
                   </a:ext>
                 </a:extLst>
               </a:tr>
@@ -11006,7 +10976,7 @@
                 </a:tc>
                 <a:extLst>
                   <a:ext uri="{0D108BD9-81ED-4DB2-BD59-A6C34878D82A}">
-                    <a16:rowId xmlns:a16="http://schemas.microsoft.com/office/drawing/2014/main" val="1527334627"/>
+                    <a16:rowId xmlns:a16="http://schemas.microsoft.com/office/drawing/2014/main" xmlns="" val="1527334627"/>
                   </a:ext>
                 </a:extLst>
               </a:tr>
@@ -11058,7 +11028,7 @@
                 </a:tc>
                 <a:extLst>
                   <a:ext uri="{0D108BD9-81ED-4DB2-BD59-A6C34878D82A}">
-                    <a16:rowId xmlns:a16="http://schemas.microsoft.com/office/drawing/2014/main" val="3792653972"/>
+                    <a16:rowId xmlns:a16="http://schemas.microsoft.com/office/drawing/2014/main" xmlns="" val="3792653972"/>
                   </a:ext>
                 </a:extLst>
               </a:tr>
@@ -11125,7 +11095,7 @@
                 </a:tc>
                 <a:extLst>
                   <a:ext uri="{0D108BD9-81ED-4DB2-BD59-A6C34878D82A}">
-                    <a16:rowId xmlns:a16="http://schemas.microsoft.com/office/drawing/2014/main" val="2943019833"/>
+                    <a16:rowId xmlns:a16="http://schemas.microsoft.com/office/drawing/2014/main" xmlns="" val="2943019833"/>
                   </a:ext>
                 </a:extLst>
               </a:tr>
@@ -11192,7 +11162,7 @@
                 </a:tc>
                 <a:extLst>
                   <a:ext uri="{0D108BD9-81ED-4DB2-BD59-A6C34878D82A}">
-                    <a16:rowId xmlns:a16="http://schemas.microsoft.com/office/drawing/2014/main" val="3543114398"/>
+                    <a16:rowId xmlns:a16="http://schemas.microsoft.com/office/drawing/2014/main" xmlns="" val="3543114398"/>
                   </a:ext>
                 </a:extLst>
               </a:tr>
@@ -11200,8 +11170,8 @@
           </a:graphicData>
         </a:graphic>
       </p:graphicFrame>
-      <mc:AlternateContent xmlns:mc="http://schemas.openxmlformats.org/markup-compatibility/2006" xmlns:a14="http://schemas.microsoft.com/office/drawing/2010/main">
-        <mc:Choice Requires="a14">
+      <mc:AlternateContent xmlns:mc="http://schemas.openxmlformats.org/markup-compatibility/2006">
+        <mc:Choice xmlns:a14="http://schemas.microsoft.com/office/drawing/2010/main" xmlns="" Requires="a14">
           <p:sp>
             <p:nvSpPr>
               <p:cNvPr id="7" name="TextBox 6"/>
@@ -11401,7 +11371,7 @@
             </p:txBody>
           </p:sp>
         </mc:Choice>
-        <mc:Fallback xmlns="">
+        <mc:Fallback>
           <p:sp>
             <p:nvSpPr>
               <p:cNvPr id="7" name="TextBox 6"/>
@@ -11994,7 +11964,7 @@
     </p:spTree>
     <p:extLst>
       <p:ext uri="{BB962C8B-B14F-4D97-AF65-F5344CB8AC3E}">
-        <p14:creationId xmlns:p14="http://schemas.microsoft.com/office/powerpoint/2010/main" val="2033306419"/>
+        <p14:creationId xmlns:p14="http://schemas.microsoft.com/office/powerpoint/2010/main" xmlns="" val="2033306419"/>
       </p:ext>
     </p:extLst>
   </p:cSld>
@@ -12060,7 +12030,7 @@
           <p:nvPr>
             <p:extLst>
               <p:ext uri="{D42A27DB-BD31-4B8C-83A1-F6EECF244321}">
-                <p14:modId xmlns:p14="http://schemas.microsoft.com/office/powerpoint/2010/main" val="3839855374"/>
+                <p14:modId xmlns:p14="http://schemas.microsoft.com/office/powerpoint/2010/main" xmlns="" val="3839855374"/>
               </p:ext>
             </p:extLst>
           </p:nvPr>
@@ -12079,21 +12049,21 @@
                 <a:gridCol w="1075835">
                   <a:extLst>
                     <a:ext uri="{9D8B030D-6E8A-4147-A177-3AD203B41FA5}">
-                      <a16:colId xmlns:a16="http://schemas.microsoft.com/office/drawing/2014/main" val="20000"/>
+                      <a16:colId xmlns:a16="http://schemas.microsoft.com/office/drawing/2014/main" xmlns="" val="20000"/>
                     </a:ext>
                   </a:extLst>
                 </a:gridCol>
                 <a:gridCol w="1560601">
                   <a:extLst>
                     <a:ext uri="{9D8B030D-6E8A-4147-A177-3AD203B41FA5}">
-                      <a16:colId xmlns:a16="http://schemas.microsoft.com/office/drawing/2014/main" val="20001"/>
+                      <a16:colId xmlns:a16="http://schemas.microsoft.com/office/drawing/2014/main" xmlns="" val="20001"/>
                     </a:ext>
                   </a:extLst>
                 </a:gridCol>
                 <a:gridCol w="2718755">
                   <a:extLst>
                     <a:ext uri="{9D8B030D-6E8A-4147-A177-3AD203B41FA5}">
-                      <a16:colId xmlns:a16="http://schemas.microsoft.com/office/drawing/2014/main" val="20002"/>
+                      <a16:colId xmlns:a16="http://schemas.microsoft.com/office/drawing/2014/main" xmlns="" val="20002"/>
                     </a:ext>
                   </a:extLst>
                 </a:gridCol>
@@ -12216,7 +12186,7 @@
                 </a:tc>
                 <a:extLst>
                   <a:ext uri="{0D108BD9-81ED-4DB2-BD59-A6C34878D82A}">
-                    <a16:rowId xmlns:a16="http://schemas.microsoft.com/office/drawing/2014/main" val="10000"/>
+                    <a16:rowId xmlns:a16="http://schemas.microsoft.com/office/drawing/2014/main" xmlns="" val="10000"/>
                   </a:ext>
                 </a:extLst>
               </a:tr>
@@ -12268,7 +12238,7 @@
                 </a:tc>
                 <a:extLst>
                   <a:ext uri="{0D108BD9-81ED-4DB2-BD59-A6C34878D82A}">
-                    <a16:rowId xmlns:a16="http://schemas.microsoft.com/office/drawing/2014/main" val="2808459390"/>
+                    <a16:rowId xmlns:a16="http://schemas.microsoft.com/office/drawing/2014/main" xmlns="" val="2808459390"/>
                   </a:ext>
                 </a:extLst>
               </a:tr>
@@ -12320,7 +12290,7 @@
                 </a:tc>
                 <a:extLst>
                   <a:ext uri="{0D108BD9-81ED-4DB2-BD59-A6C34878D82A}">
-                    <a16:rowId xmlns:a16="http://schemas.microsoft.com/office/drawing/2014/main" val="10001"/>
+                    <a16:rowId xmlns:a16="http://schemas.microsoft.com/office/drawing/2014/main" xmlns="" val="10001"/>
                   </a:ext>
                 </a:extLst>
               </a:tr>
@@ -12372,7 +12342,7 @@
                 </a:tc>
                 <a:extLst>
                   <a:ext uri="{0D108BD9-81ED-4DB2-BD59-A6C34878D82A}">
-                    <a16:rowId xmlns:a16="http://schemas.microsoft.com/office/drawing/2014/main" val="1361785963"/>
+                    <a16:rowId xmlns:a16="http://schemas.microsoft.com/office/drawing/2014/main" xmlns="" val="1361785963"/>
                   </a:ext>
                 </a:extLst>
               </a:tr>
@@ -12424,7 +12394,7 @@
                 </a:tc>
                 <a:extLst>
                   <a:ext uri="{0D108BD9-81ED-4DB2-BD59-A6C34878D82A}">
-                    <a16:rowId xmlns:a16="http://schemas.microsoft.com/office/drawing/2014/main" val="10002"/>
+                    <a16:rowId xmlns:a16="http://schemas.microsoft.com/office/drawing/2014/main" xmlns="" val="10002"/>
                   </a:ext>
                 </a:extLst>
               </a:tr>
@@ -12476,7 +12446,7 @@
                 </a:tc>
                 <a:extLst>
                   <a:ext uri="{0D108BD9-81ED-4DB2-BD59-A6C34878D82A}">
-                    <a16:rowId xmlns:a16="http://schemas.microsoft.com/office/drawing/2014/main" val="10003"/>
+                    <a16:rowId xmlns:a16="http://schemas.microsoft.com/office/drawing/2014/main" xmlns="" val="10003"/>
                   </a:ext>
                 </a:extLst>
               </a:tr>
@@ -12528,7 +12498,7 @@
                 </a:tc>
                 <a:extLst>
                   <a:ext uri="{0D108BD9-81ED-4DB2-BD59-A6C34878D82A}">
-                    <a16:rowId xmlns:a16="http://schemas.microsoft.com/office/drawing/2014/main" val="1527334627"/>
+                    <a16:rowId xmlns:a16="http://schemas.microsoft.com/office/drawing/2014/main" xmlns="" val="1527334627"/>
                   </a:ext>
                 </a:extLst>
               </a:tr>
@@ -12580,7 +12550,7 @@
                 </a:tc>
                 <a:extLst>
                   <a:ext uri="{0D108BD9-81ED-4DB2-BD59-A6C34878D82A}">
-                    <a16:rowId xmlns:a16="http://schemas.microsoft.com/office/drawing/2014/main" val="3792653972"/>
+                    <a16:rowId xmlns:a16="http://schemas.microsoft.com/office/drawing/2014/main" xmlns="" val="3792653972"/>
                   </a:ext>
                 </a:extLst>
               </a:tr>
@@ -12632,7 +12602,7 @@
                 </a:tc>
                 <a:extLst>
                   <a:ext uri="{0D108BD9-81ED-4DB2-BD59-A6C34878D82A}">
-                    <a16:rowId xmlns:a16="http://schemas.microsoft.com/office/drawing/2014/main" val="2943019833"/>
+                    <a16:rowId xmlns:a16="http://schemas.microsoft.com/office/drawing/2014/main" xmlns="" val="2943019833"/>
                   </a:ext>
                 </a:extLst>
               </a:tr>
@@ -12684,7 +12654,7 @@
                 </a:tc>
                 <a:extLst>
                   <a:ext uri="{0D108BD9-81ED-4DB2-BD59-A6C34878D82A}">
-                    <a16:rowId xmlns:a16="http://schemas.microsoft.com/office/drawing/2014/main" val="3543114398"/>
+                    <a16:rowId xmlns:a16="http://schemas.microsoft.com/office/drawing/2014/main" xmlns="" val="3543114398"/>
                   </a:ext>
                 </a:extLst>
               </a:tr>
@@ -12946,7 +12916,7 @@
     </p:spTree>
     <p:extLst>
       <p:ext uri="{BB962C8B-B14F-4D97-AF65-F5344CB8AC3E}">
-        <p14:creationId xmlns:p14="http://schemas.microsoft.com/office/powerpoint/2010/main" val="1879248739"/>
+        <p14:creationId xmlns:p14="http://schemas.microsoft.com/office/powerpoint/2010/main" xmlns="" val="1879248739"/>
       </p:ext>
     </p:extLst>
   </p:cSld>
@@ -12996,8 +12966,8 @@
           <a:lstStyle/>
           <a:p>
             <a:r>
-              <a:rPr lang="en-US" dirty="0" smtClean="0"/>
-              <a:t>Results (2 slides)</a:t>
+              <a:rPr lang="en-US" dirty="0" err="1" smtClean="0"/>
+              <a:t>Résultats</a:t>
             </a:r>
             <a:endParaRPr lang="en-US" dirty="0"/>
           </a:p>
@@ -13065,7 +13035,7 @@
           <p:nvPr>
             <p:extLst>
               <p:ext uri="{D42A27DB-BD31-4B8C-83A1-F6EECF244321}">
-                <p14:modId xmlns:p14="http://schemas.microsoft.com/office/powerpoint/2010/main" val="1882126371"/>
+                <p14:modId xmlns:p14="http://schemas.microsoft.com/office/powerpoint/2010/main" xmlns="" val="1882126371"/>
               </p:ext>
             </p:extLst>
           </p:nvPr>
@@ -13083,7 +13053,7 @@
     </p:spTree>
     <p:extLst>
       <p:ext uri="{BB962C8B-B14F-4D97-AF65-F5344CB8AC3E}">
-        <p14:creationId xmlns:p14="http://schemas.microsoft.com/office/powerpoint/2010/main" val="44227942"/>
+        <p14:creationId xmlns:p14="http://schemas.microsoft.com/office/powerpoint/2010/main" xmlns="" val="44227942"/>
       </p:ext>
     </p:extLst>
   </p:cSld>

--- a/presentation.pptx
+++ b/presentation.pptx
@@ -8,7 +8,7 @@
     <p:sldMasterId id="2147484023" r:id="rId5"/>
   </p:sldMasterIdLst>
   <p:notesMasterIdLst>
-    <p:notesMasterId r:id="rId16"/>
+    <p:notesMasterId r:id="rId17"/>
   </p:notesMasterIdLst>
   <p:sldIdLst>
     <p:sldId id="256" r:id="rId6"/>
@@ -17,10 +17,11 @@
     <p:sldId id="265" r:id="rId9"/>
     <p:sldId id="261" r:id="rId10"/>
     <p:sldId id="259" r:id="rId11"/>
-    <p:sldId id="260" r:id="rId12"/>
-    <p:sldId id="264" r:id="rId13"/>
-    <p:sldId id="262" r:id="rId14"/>
-    <p:sldId id="263" r:id="rId15"/>
+    <p:sldId id="266" r:id="rId12"/>
+    <p:sldId id="260" r:id="rId13"/>
+    <p:sldId id="264" r:id="rId14"/>
+    <p:sldId id="262" r:id="rId15"/>
+    <p:sldId id="263" r:id="rId16"/>
   </p:sldIdLst>
   <p:sldSz cx="12192000" cy="6858000"/>
   <p:notesSz cx="6858000" cy="9144000"/>
@@ -121,7 +122,7 @@
   </p:defaultTextStyle>
   <p:extLst>
     <p:ext uri="{EFAFB233-063F-42B5-8137-9DF3F51BA10A}">
-      <p15:sldGuideLst xmlns:p15="http://schemas.microsoft.com/office/powerpoint/2012/main" xmlns="">
+      <p15:sldGuideLst xmlns:p15="http://schemas.microsoft.com/office/powerpoint/2012/main">
         <p15:guide id="1" orient="horz" pos="2160">
           <p15:clr>
             <a:srgbClr val="A4A3A4"/>
@@ -135,7 +136,7 @@
       </p15:sldGuideLst>
     </p:ext>
     <p:ext uri="{2D200454-40CA-4A62-9FC3-DE9A4176ACB9}">
-      <p15:notesGuideLst xmlns:p15="http://schemas.microsoft.com/office/powerpoint/2012/main" xmlns="">
+      <p15:notesGuideLst xmlns:p15="http://schemas.microsoft.com/office/powerpoint/2012/main">
         <p15:guide id="1" orient="horz" pos="2880">
           <p15:clr>
             <a:srgbClr val="A4A3A4"/>
@@ -153,8 +154,18 @@
 </file>
 
 <file path=ppt/charts/chart1.xml><?xml version="1.0" encoding="utf-8"?>
-<c:chartSpace xmlns:c="http://schemas.openxmlformats.org/drawingml/2006/chart" xmlns:a="http://schemas.openxmlformats.org/drawingml/2006/main" xmlns:r="http://schemas.openxmlformats.org/officeDocument/2006/relationships">
+<c:chartSpace xmlns:c="http://schemas.openxmlformats.org/drawingml/2006/chart" xmlns:a="http://schemas.openxmlformats.org/drawingml/2006/main" xmlns:r="http://schemas.openxmlformats.org/officeDocument/2006/relationships" xmlns:c16r2="http://schemas.microsoft.com/office/drawing/2015/06/chart">
+  <c:date1904 val="0"/>
   <c:lang val="fr-FR"/>
+  <c:roundedCorners val="0"/>
+  <mc:AlternateContent xmlns:mc="http://schemas.openxmlformats.org/markup-compatibility/2006">
+    <mc:Choice xmlns:c14="http://schemas.microsoft.com/office/drawing/2007/8/2/chart" Requires="c14">
+      <c14:style val="102"/>
+    </mc:Choice>
+    <mc:Fallback>
+      <c:style val="2"/>
+    </mc:Fallback>
+  </mc:AlternateContent>
   <c:chart>
     <c:title>
       <c:tx>
@@ -192,6 +203,7 @@
         </c:rich>
       </c:tx>
       <c:layout/>
+      <c:overlay val="0"/>
       <c:spPr>
         <a:noFill/>
         <a:ln>
@@ -200,10 +212,12 @@
         <a:effectLst/>
       </c:spPr>
     </c:title>
+    <c:autoTitleDeleted val="0"/>
     <c:plotArea>
       <c:layout/>
       <c:lineChart>
         <c:grouping val="standard"/>
+        <c:varyColors val="0"/>
         <c:ser>
           <c:idx val="1"/>
           <c:order val="0"/>
@@ -270,14 +284,22 @@
               </c:numCache>
             </c:numRef>
           </c:val>
-          <c:extLst xmlns:c16r2="http://schemas.microsoft.com/office/drawing/2015/06/chart">
+          <c:smooth val="0"/>
+          <c:extLst>
             <c:ext xmlns:c16="http://schemas.microsoft.com/office/drawing/2014/chart" uri="{C3380CC4-5D6E-409C-BE32-E72D297353CC}">
               <c16:uniqueId val="{00000000-EF17-4B01-8E48-F15C6C6E8E5B}"/>
             </c:ext>
           </c:extLst>
         </c:ser>
-        <c:dLbls/>
-        <c:marker val="1"/>
+        <c:dLbls>
+          <c:showLegendKey val="0"/>
+          <c:showVal val="0"/>
+          <c:showCatName val="0"/>
+          <c:showSerName val="0"/>
+          <c:showPercent val="0"/>
+          <c:showBubbleSize val="0"/>
+        </c:dLbls>
+        <c:smooth val="0"/>
         <c:axId val="170148992"/>
         <c:axId val="170150528"/>
       </c:lineChart>
@@ -286,9 +308,11 @@
         <c:scaling>
           <c:orientation val="minMax"/>
         </c:scaling>
+        <c:delete val="0"/>
         <c:axPos val="b"/>
         <c:numFmt formatCode="General" sourceLinked="1"/>
         <c:majorTickMark val="none"/>
+        <c:minorTickMark val="none"/>
         <c:tickLblPos val="nextTo"/>
         <c:spPr>
           <a:noFill/>
@@ -328,12 +352,14 @@
         <c:auto val="1"/>
         <c:lblAlgn val="ctr"/>
         <c:lblOffset val="100"/>
+        <c:noMultiLvlLbl val="0"/>
       </c:catAx>
       <c:valAx>
         <c:axId val="170150528"/>
         <c:scaling>
           <c:orientation val="minMax"/>
         </c:scaling>
+        <c:delete val="0"/>
         <c:axPos val="l"/>
         <c:majorGridlines>
           <c:spPr>
@@ -351,6 +377,7 @@
         </c:majorGridlines>
         <c:numFmt formatCode="#,##0.00" sourceLinked="0"/>
         <c:majorTickMark val="none"/>
+        <c:minorTickMark val="none"/>
         <c:tickLblPos val="nextTo"/>
         <c:spPr>
           <a:noFill/>
@@ -394,6 +421,7 @@
     <c:legend>
       <c:legendPos val="b"/>
       <c:layout/>
+      <c:overlay val="0"/>
       <c:spPr>
         <a:noFill/>
         <a:ln>
@@ -424,6 +452,7 @@
     </c:legend>
     <c:plotVisOnly val="1"/>
     <c:dispBlanksAs val="gap"/>
+    <c:showDLblsOverMax val="0"/>
   </c:chart>
   <c:spPr>
     <a:noFill/>
@@ -442,7 +471,9 @@
       <a:endParaRPr lang="fr-FR"/>
     </a:p>
   </c:txPr>
-  <c:externalData r:id="rId1"/>
+  <c:externalData r:id="rId1">
+    <c:autoUpdate val="0"/>
+  </c:externalData>
 </c:chartSpace>
 </file>
 
@@ -698,7 +729,7 @@
     </p:spTree>
     <p:extLst>
       <p:ext uri="{BB962C8B-B14F-4D97-AF65-F5344CB8AC3E}">
-        <p14:creationId xmlns:p14="http://schemas.microsoft.com/office/powerpoint/2010/main" xmlns="" val="2479878953"/>
+        <p14:creationId xmlns:p14="http://schemas.microsoft.com/office/powerpoint/2010/main" val="2479878953"/>
       </p:ext>
     </p:extLst>
   </p:cSld>
@@ -942,7 +973,7 @@
     </p:spTree>
     <p:extLst>
       <p:ext uri="{BB962C8B-B14F-4D97-AF65-F5344CB8AC3E}">
-        <p14:creationId xmlns:p14="http://schemas.microsoft.com/office/powerpoint/2010/main" xmlns="" val="1597653524"/>
+        <p14:creationId xmlns:p14="http://schemas.microsoft.com/office/powerpoint/2010/main" val="1597653524"/>
       </p:ext>
     </p:extLst>
   </p:cSld>
@@ -1138,7 +1169,7 @@
     </p:spTree>
     <p:extLst>
       <p:ext uri="{BB962C8B-B14F-4D97-AF65-F5344CB8AC3E}">
-        <p14:creationId xmlns:p14="http://schemas.microsoft.com/office/powerpoint/2010/main" xmlns="" val="729632784"/>
+        <p14:creationId xmlns:p14="http://schemas.microsoft.com/office/powerpoint/2010/main" val="729632784"/>
       </p:ext>
     </p:extLst>
   </p:cSld>
@@ -1206,7 +1237,7 @@
     </p:spTree>
     <p:extLst>
       <p:ext uri="{BB962C8B-B14F-4D97-AF65-F5344CB8AC3E}">
-        <p14:creationId xmlns:p14="http://schemas.microsoft.com/office/powerpoint/2010/main" xmlns="" val="1056886810"/>
+        <p14:creationId xmlns:p14="http://schemas.microsoft.com/office/powerpoint/2010/main" val="1056886810"/>
       </p:ext>
     </p:extLst>
   </p:cSld>
@@ -1429,7 +1460,7 @@
     </p:spTree>
     <p:extLst>
       <p:ext uri="{BB962C8B-B14F-4D97-AF65-F5344CB8AC3E}">
-        <p14:creationId xmlns:p14="http://schemas.microsoft.com/office/powerpoint/2010/main" xmlns="" val="856040511"/>
+        <p14:creationId xmlns:p14="http://schemas.microsoft.com/office/powerpoint/2010/main" val="856040511"/>
       </p:ext>
     </p:extLst>
   </p:cSld>
@@ -1590,7 +1621,7 @@
     </p:spTree>
     <p:extLst>
       <p:ext uri="{BB962C8B-B14F-4D97-AF65-F5344CB8AC3E}">
-        <p14:creationId xmlns:p14="http://schemas.microsoft.com/office/powerpoint/2010/main" xmlns="" val="1491625700"/>
+        <p14:creationId xmlns:p14="http://schemas.microsoft.com/office/powerpoint/2010/main" val="1491625700"/>
       </p:ext>
     </p:extLst>
   </p:cSld>
@@ -1875,7 +1906,7 @@
     </p:spTree>
     <p:extLst>
       <p:ext uri="{BB962C8B-B14F-4D97-AF65-F5344CB8AC3E}">
-        <p14:creationId xmlns:p14="http://schemas.microsoft.com/office/powerpoint/2010/main" xmlns="" val="3368652214"/>
+        <p14:creationId xmlns:p14="http://schemas.microsoft.com/office/powerpoint/2010/main" val="3368652214"/>
       </p:ext>
     </p:extLst>
   </p:cSld>
@@ -2780,7 +2811,7 @@
     </p:spTree>
     <p:extLst>
       <p:ext uri="{BB962C8B-B14F-4D97-AF65-F5344CB8AC3E}">
-        <p14:creationId xmlns:p14="http://schemas.microsoft.com/office/powerpoint/2010/main" xmlns="" val="4143547553"/>
+        <p14:creationId xmlns:p14="http://schemas.microsoft.com/office/powerpoint/2010/main" val="4143547553"/>
       </p:ext>
     </p:extLst>
   </p:cSld>
@@ -2916,7 +2947,7 @@
     </p:spTree>
     <p:extLst>
       <p:ext uri="{BB962C8B-B14F-4D97-AF65-F5344CB8AC3E}">
-        <p14:creationId xmlns:p14="http://schemas.microsoft.com/office/powerpoint/2010/main" xmlns="" val="4027527166"/>
+        <p14:creationId xmlns:p14="http://schemas.microsoft.com/office/powerpoint/2010/main" val="4027527166"/>
       </p:ext>
     </p:extLst>
   </p:cSld>
@@ -2990,7 +3021,7 @@
     </p:spTree>
     <p:extLst>
       <p:ext uri="{BB962C8B-B14F-4D97-AF65-F5344CB8AC3E}">
-        <p14:creationId xmlns:p14="http://schemas.microsoft.com/office/powerpoint/2010/main" xmlns="" val="3304082058"/>
+        <p14:creationId xmlns:p14="http://schemas.microsoft.com/office/powerpoint/2010/main" val="3304082058"/>
       </p:ext>
     </p:extLst>
   </p:cSld>
@@ -3106,7 +3137,7 @@
     </p:spTree>
     <p:extLst>
       <p:ext uri="{BB962C8B-B14F-4D97-AF65-F5344CB8AC3E}">
-        <p14:creationId xmlns:p14="http://schemas.microsoft.com/office/powerpoint/2010/main" xmlns="" val="3081517712"/>
+        <p14:creationId xmlns:p14="http://schemas.microsoft.com/office/powerpoint/2010/main" val="3081517712"/>
       </p:ext>
     </p:extLst>
   </p:cSld>
@@ -3314,7 +3345,7 @@
     </p:spTree>
     <p:extLst>
       <p:ext uri="{BB962C8B-B14F-4D97-AF65-F5344CB8AC3E}">
-        <p14:creationId xmlns:p14="http://schemas.microsoft.com/office/powerpoint/2010/main" xmlns="" val="3142083048"/>
+        <p14:creationId xmlns:p14="http://schemas.microsoft.com/office/powerpoint/2010/main" val="3142083048"/>
       </p:ext>
     </p:extLst>
   </p:cSld>
@@ -5000,7 +5031,7 @@
             <a:blip r:embed="rId7">
               <a:extLst>
                 <a:ext uri="{28A0092B-C50C-407E-A947-70E740481C1C}">
-                  <a14:useLocalDpi xmlns:a14="http://schemas.microsoft.com/office/drawing/2010/main" xmlns="" val="0"/>
+                  <a14:useLocalDpi xmlns:a14="http://schemas.microsoft.com/office/drawing/2010/main" val="0"/>
                 </a:ext>
               </a:extLst>
             </a:blip>
@@ -5018,7 +5049,7 @@
             <a:noFill/>
             <a:extLst>
               <a:ext uri="{909E8E84-426E-40dd-AFC4-6F175D3DCCD1}">
-                <a14:hiddenFill xmlns="" xmlns:a14="http://schemas.microsoft.com/office/drawing/2010/main">
+                <a14:hiddenFill xmlns:a14="http://schemas.microsoft.com/office/drawing/2010/main" xmlns="">
                   <a:solidFill>
                     <a:srgbClr val="FFFFFF"/>
                   </a:solidFill>
@@ -5039,7 +5070,7 @@
             <a:blip r:embed="rId8" cstate="print">
               <a:extLst>
                 <a:ext uri="{28A0092B-C50C-407E-A947-70E740481C1C}">
-                  <a14:useLocalDpi xmlns:a14="http://schemas.microsoft.com/office/drawing/2010/main" xmlns="" val="0"/>
+                  <a14:useLocalDpi xmlns:a14="http://schemas.microsoft.com/office/drawing/2010/main" val="0"/>
                 </a:ext>
               </a:extLst>
             </a:blip>
@@ -5059,7 +5090,7 @@
             <a:noFill/>
             <a:extLst>
               <a:ext uri="{909E8E84-426E-40dd-AFC4-6F175D3DCCD1}">
-                <a14:hiddenFill xmlns="" xmlns:a14="http://schemas.microsoft.com/office/drawing/2010/main">
+                <a14:hiddenFill xmlns:a14="http://schemas.microsoft.com/office/drawing/2010/main" xmlns="">
                   <a:solidFill>
                     <a:srgbClr val="FFFFFF"/>
                   </a:solidFill>
@@ -5130,7 +5161,7 @@
             <a:blip r:embed="rId9" cstate="print">
               <a:extLst>
                 <a:ext uri="{28A0092B-C50C-407E-A947-70E740481C1C}">
-                  <a14:useLocalDpi xmlns:a14="http://schemas.microsoft.com/office/drawing/2010/main" xmlns="" val="0"/>
+                  <a14:useLocalDpi xmlns:a14="http://schemas.microsoft.com/office/drawing/2010/main" val="0"/>
                 </a:ext>
               </a:extLst>
             </a:blip>
@@ -5148,7 +5179,7 @@
             <a:noFill/>
             <a:extLst>
               <a:ext uri="{909E8E84-426E-40dd-AFC4-6F175D3DCCD1}">
-                <a14:hiddenFill xmlns="" xmlns:a14="http://schemas.microsoft.com/office/drawing/2010/main">
+                <a14:hiddenFill xmlns:a14="http://schemas.microsoft.com/office/drawing/2010/main" xmlns="">
                   <a:solidFill>
                     <a:srgbClr val="FFFFFF"/>
                   </a:solidFill>
@@ -5209,7 +5240,7 @@
     </p:spTree>
     <p:extLst>
       <p:ext uri="{BB962C8B-B14F-4D97-AF65-F5344CB8AC3E}">
-        <p14:creationId xmlns:p14="http://schemas.microsoft.com/office/powerpoint/2010/main" xmlns="" val="547571833"/>
+        <p14:creationId xmlns:p14="http://schemas.microsoft.com/office/powerpoint/2010/main" val="547571833"/>
       </p:ext>
     </p:extLst>
   </p:cSld>
@@ -7110,7 +7141,7 @@
     </p:spTree>
     <p:extLst>
       <p:ext uri="{BB962C8B-B14F-4D97-AF65-F5344CB8AC3E}">
-        <p14:creationId xmlns:p14="http://schemas.microsoft.com/office/powerpoint/2010/main" xmlns="" val="2357226408"/>
+        <p14:creationId xmlns:p14="http://schemas.microsoft.com/office/powerpoint/2010/main" val="2357226408"/>
       </p:ext>
     </p:extLst>
   </p:cSld>
@@ -7459,7 +7490,7 @@
             <a:blip r:embed="rId6">
               <a:extLst>
                 <a:ext uri="{28A0092B-C50C-407E-A947-70E740481C1C}">
-                  <a14:useLocalDpi xmlns:a14="http://schemas.microsoft.com/office/drawing/2010/main" xmlns="" val="0"/>
+                  <a14:useLocalDpi xmlns:a14="http://schemas.microsoft.com/office/drawing/2010/main" val="0"/>
                 </a:ext>
               </a:extLst>
             </a:blip>
@@ -7477,7 +7508,7 @@
             <a:noFill/>
             <a:extLst>
               <a:ext uri="{909E8E84-426E-40dd-AFC4-6F175D3DCCD1}">
-                <a14:hiddenFill xmlns="" xmlns:a14="http://schemas.microsoft.com/office/drawing/2010/main">
+                <a14:hiddenFill xmlns:a14="http://schemas.microsoft.com/office/drawing/2010/main" xmlns="">
                   <a:solidFill>
                     <a:srgbClr val="FFFFFF"/>
                   </a:solidFill>
@@ -7498,7 +7529,7 @@
             <a:blip r:embed="rId7" cstate="print">
               <a:extLst>
                 <a:ext uri="{28A0092B-C50C-407E-A947-70E740481C1C}">
-                  <a14:useLocalDpi xmlns:a14="http://schemas.microsoft.com/office/drawing/2010/main" xmlns="" val="0"/>
+                  <a14:useLocalDpi xmlns:a14="http://schemas.microsoft.com/office/drawing/2010/main" val="0"/>
                 </a:ext>
               </a:extLst>
             </a:blip>
@@ -7518,7 +7549,7 @@
             <a:noFill/>
             <a:extLst>
               <a:ext uri="{909E8E84-426E-40dd-AFC4-6F175D3DCCD1}">
-                <a14:hiddenFill xmlns="" xmlns:a14="http://schemas.microsoft.com/office/drawing/2010/main">
+                <a14:hiddenFill xmlns:a14="http://schemas.microsoft.com/office/drawing/2010/main" xmlns="">
                   <a:solidFill>
                     <a:srgbClr val="FFFFFF"/>
                   </a:solidFill>
@@ -7589,7 +7620,7 @@
             <a:blip r:embed="rId8" cstate="print">
               <a:extLst>
                 <a:ext uri="{28A0092B-C50C-407E-A947-70E740481C1C}">
-                  <a14:useLocalDpi xmlns:a14="http://schemas.microsoft.com/office/drawing/2010/main" xmlns="" val="0"/>
+                  <a14:useLocalDpi xmlns:a14="http://schemas.microsoft.com/office/drawing/2010/main" val="0"/>
                 </a:ext>
               </a:extLst>
             </a:blip>
@@ -7607,7 +7638,7 @@
             <a:noFill/>
             <a:extLst>
               <a:ext uri="{909E8E84-426E-40dd-AFC4-6F175D3DCCD1}">
-                <a14:hiddenFill xmlns="" xmlns:a14="http://schemas.microsoft.com/office/drawing/2010/main">
+                <a14:hiddenFill xmlns:a14="http://schemas.microsoft.com/office/drawing/2010/main" xmlns="">
                   <a:solidFill>
                     <a:srgbClr val="FFFFFF"/>
                   </a:solidFill>
@@ -8469,7 +8500,7 @@
     </p:spTree>
     <p:extLst>
       <p:ext uri="{BB962C8B-B14F-4D97-AF65-F5344CB8AC3E}">
-        <p14:creationId xmlns:p14="http://schemas.microsoft.com/office/powerpoint/2010/main" xmlns="" val="168395928"/>
+        <p14:creationId xmlns:p14="http://schemas.microsoft.com/office/powerpoint/2010/main" val="168395928"/>
       </p:ext>
     </p:extLst>
   </p:cSld>
@@ -8867,7 +8898,7 @@
     </p:spTree>
     <p:extLst>
       <p:ext uri="{BB962C8B-B14F-4D97-AF65-F5344CB8AC3E}">
-        <p14:creationId xmlns:p14="http://schemas.microsoft.com/office/powerpoint/2010/main" xmlns="" val="3707583858"/>
+        <p14:creationId xmlns:p14="http://schemas.microsoft.com/office/powerpoint/2010/main" val="3707583858"/>
       </p:ext>
     </p:extLst>
   </p:cSld>
@@ -9243,7 +9274,7 @@
     </p:spTree>
     <p:extLst>
       <p:ext uri="{BB962C8B-B14F-4D97-AF65-F5344CB8AC3E}">
-        <p14:creationId xmlns:p14="http://schemas.microsoft.com/office/powerpoint/2010/main" xmlns="" val="98231638"/>
+        <p14:creationId xmlns:p14="http://schemas.microsoft.com/office/powerpoint/2010/main" val="98231638"/>
       </p:ext>
     </p:extLst>
   </p:cSld>
@@ -9279,6 +9310,143 @@
       </p:grpSpPr>
       <p:sp>
         <p:nvSpPr>
+          <p:cNvPr id="5" name="Titre 4"/>
+          <p:cNvSpPr>
+            <a:spLocks noGrp="1"/>
+          </p:cNvSpPr>
+          <p:nvPr>
+            <p:ph type="title"/>
+          </p:nvPr>
+        </p:nvSpPr>
+        <p:spPr/>
+        <p:txBody>
+          <a:bodyPr/>
+          <a:lstStyle/>
+          <a:p>
+            <a:r>
+              <a:rPr lang="en-US" dirty="0" err="1" smtClean="0"/>
+              <a:t>Résultats</a:t>
+            </a:r>
+            <a:endParaRPr lang="en-US" dirty="0"/>
+          </a:p>
+        </p:txBody>
+      </p:sp>
+      <p:sp>
+        <p:nvSpPr>
+          <p:cNvPr id="8" name="TextBox 7"/>
+          <p:cNvSpPr txBox="1"/>
+          <p:nvPr/>
+        </p:nvSpPr>
+        <p:spPr>
+          <a:xfrm>
+            <a:off x="384916" y="4928576"/>
+            <a:ext cx="11375296" cy="923330"/>
+          </a:xfrm>
+          <a:prstGeom prst="rect">
+            <a:avLst/>
+          </a:prstGeom>
+          <a:noFill/>
+        </p:spPr>
+        <p:txBody>
+          <a:bodyPr wrap="square" rtlCol="0">
+            <a:spAutoFit/>
+          </a:bodyPr>
+          <a:lstStyle/>
+          <a:p>
+            <a:pPr marL="285750" indent="-285750">
+              <a:buFont typeface="Arial" charset="0"/>
+              <a:buChar char="•"/>
+            </a:pPr>
+            <a:r>
+              <a:rPr lang="en-US" dirty="0" smtClean="0"/>
+              <a:t>Select one or two instances</a:t>
+            </a:r>
+          </a:p>
+          <a:p>
+            <a:pPr marL="285750" indent="-285750">
+              <a:buFont typeface="Arial" charset="0"/>
+              <a:buChar char="•"/>
+            </a:pPr>
+            <a:r>
+              <a:rPr lang="en-US" dirty="0" smtClean="0"/>
+              <a:t>Run your algorithm for 60 s with different parameters (e.g., # of threads, # of tasks)</a:t>
+            </a:r>
+          </a:p>
+          <a:p>
+            <a:pPr marL="285750" indent="-285750">
+              <a:buFont typeface="Arial" charset="0"/>
+              <a:buChar char="•"/>
+            </a:pPr>
+            <a:r>
+              <a:rPr lang="en-US" dirty="0" smtClean="0"/>
+              <a:t>Build a chart showing the change on the gap with respect to the change of parameters (see the example above)</a:t>
+            </a:r>
+          </a:p>
+        </p:txBody>
+      </p:sp>
+      <p:graphicFrame>
+        <p:nvGraphicFramePr>
+          <p:cNvPr id="10" name="Chart 9"/>
+          <p:cNvGraphicFramePr>
+            <a:graphicFrameLocks/>
+          </p:cNvGraphicFramePr>
+          <p:nvPr>
+            <p:extLst>
+              <p:ext uri="{D42A27DB-BD31-4B8C-83A1-F6EECF244321}">
+                <p14:modId xmlns:p14="http://schemas.microsoft.com/office/powerpoint/2010/main" val="1882126371"/>
+              </p:ext>
+            </p:extLst>
+          </p:nvPr>
+        </p:nvGraphicFramePr>
+        <p:xfrm>
+          <a:off x="2115136" y="1120204"/>
+          <a:ext cx="8176728" cy="3412886"/>
+        </p:xfrm>
+        <a:graphic>
+          <a:graphicData uri="http://schemas.openxmlformats.org/drawingml/2006/chart">
+            <c:chart xmlns:c="http://schemas.openxmlformats.org/drawingml/2006/chart" xmlns:r="http://schemas.openxmlformats.org/officeDocument/2006/relationships" r:id="rId2"/>
+          </a:graphicData>
+        </a:graphic>
+      </p:graphicFrame>
+    </p:spTree>
+    <p:extLst>
+      <p:ext uri="{BB962C8B-B14F-4D97-AF65-F5344CB8AC3E}">
+        <p14:creationId xmlns:p14="http://schemas.microsoft.com/office/powerpoint/2010/main" val="44227942"/>
+      </p:ext>
+    </p:extLst>
+  </p:cSld>
+  <p:clrMapOvr>
+    <a:masterClrMapping/>
+  </p:clrMapOvr>
+  <p:timing>
+    <p:tnLst>
+      <p:par>
+        <p:cTn id="1" dur="indefinite" restart="never" nodeType="tmRoot"/>
+      </p:par>
+    </p:tnLst>
+  </p:timing>
+</p:sld>
+</file>
+
+<file path=ppt/slides/slide11.xml><?xml version="1.0" encoding="utf-8"?>
+<p:sld xmlns:a="http://schemas.openxmlformats.org/drawingml/2006/main" xmlns:r="http://schemas.openxmlformats.org/officeDocument/2006/relationships" xmlns:p="http://schemas.openxmlformats.org/presentationml/2006/main">
+  <p:cSld>
+    <p:spTree>
+      <p:nvGrpSpPr>
+        <p:cNvPr id="1" name=""/>
+        <p:cNvGrpSpPr/>
+        <p:nvPr/>
+      </p:nvGrpSpPr>
+      <p:grpSpPr>
+        <a:xfrm>
+          <a:off x="0" y="0"/>
+          <a:ext cx="0" cy="0"/>
+          <a:chOff x="0" y="0"/>
+          <a:chExt cx="0" cy="0"/>
+        </a:xfrm>
+      </p:grpSpPr>
+      <p:sp>
+        <p:nvSpPr>
           <p:cNvPr id="2" name="Text Placeholder 1"/>
           <p:cNvSpPr>
             <a:spLocks noGrp="1"/>
@@ -9337,7 +9505,7 @@
     </p:spTree>
     <p:extLst>
       <p:ext uri="{BB962C8B-B14F-4D97-AF65-F5344CB8AC3E}">
-        <p14:creationId xmlns:p14="http://schemas.microsoft.com/office/powerpoint/2010/main" xmlns="" val="894479036"/>
+        <p14:creationId xmlns:p14="http://schemas.microsoft.com/office/powerpoint/2010/main" val="894479036"/>
       </p:ext>
     </p:extLst>
   </p:cSld>
@@ -9475,7 +9643,7 @@
     </p:spTree>
     <p:extLst>
       <p:ext uri="{BB962C8B-B14F-4D97-AF65-F5344CB8AC3E}">
-        <p14:creationId xmlns:p14="http://schemas.microsoft.com/office/powerpoint/2010/main" xmlns="" val="3773551245"/>
+        <p14:creationId xmlns:p14="http://schemas.microsoft.com/office/powerpoint/2010/main" val="3773551245"/>
       </p:ext>
     </p:extLst>
   </p:cSld>
@@ -9594,7 +9762,7 @@
     </p:spTree>
     <p:extLst>
       <p:ext uri="{BB962C8B-B14F-4D97-AF65-F5344CB8AC3E}">
-        <p14:creationId xmlns:p14="http://schemas.microsoft.com/office/powerpoint/2010/main" xmlns="" val="565318803"/>
+        <p14:creationId xmlns:p14="http://schemas.microsoft.com/office/powerpoint/2010/main" val="565318803"/>
       </p:ext>
     </p:extLst>
   </p:cSld>
@@ -9732,7 +9900,7 @@
           <a:blip r:embed="rId2">
             <a:extLst>
               <a:ext uri="{28A0092B-C50C-407E-A947-70E740481C1C}">
-                <a14:useLocalDpi xmlns:a14="http://schemas.microsoft.com/office/drawing/2010/main" xmlns="" val="0"/>
+                <a14:useLocalDpi xmlns:a14="http://schemas.microsoft.com/office/drawing/2010/main" val="0"/>
               </a:ext>
             </a:extLst>
           </a:blip>
@@ -10129,7 +10297,7 @@
     </p:spTree>
     <p:extLst>
       <p:ext uri="{BB962C8B-B14F-4D97-AF65-F5344CB8AC3E}">
-        <p14:creationId xmlns:p14="http://schemas.microsoft.com/office/powerpoint/2010/main" xmlns="" val="87952829"/>
+        <p14:creationId xmlns:p14="http://schemas.microsoft.com/office/powerpoint/2010/main" val="87952829"/>
       </p:ext>
     </p:extLst>
   </p:cSld>
@@ -10232,15 +10400,7 @@
             </a:r>
             <a:r>
               <a:rPr lang="fr-FR" dirty="0" smtClean="0"/>
-              <a:t> en passant en </a:t>
-            </a:r>
-            <a:r>
-              <a:rPr lang="fr-FR" dirty="0" smtClean="0"/>
-              <a:t>paramètre </a:t>
-            </a:r>
-            <a:r>
-              <a:rPr lang="fr-FR" dirty="0" smtClean="0"/>
-              <a:t>la liste de taches à exécuter.</a:t>
+              <a:t> en passant en paramètre la liste de taches à exécuter.</a:t>
             </a:r>
             <a:endParaRPr lang="fr-FR" i="1" dirty="0" smtClean="0"/>
           </a:p>
@@ -10282,7 +10442,7 @@
     </p:spTree>
     <p:extLst>
       <p:ext uri="{BB962C8B-B14F-4D97-AF65-F5344CB8AC3E}">
-        <p14:creationId xmlns:p14="http://schemas.microsoft.com/office/powerpoint/2010/main" xmlns="" val="2014737294"/>
+        <p14:creationId xmlns:p14="http://schemas.microsoft.com/office/powerpoint/2010/main" val="2014737294"/>
       </p:ext>
     </p:extLst>
   </p:cSld>
@@ -10326,63 +10486,64 @@
             <p:ph type="body" sz="quarter" idx="11"/>
           </p:nvPr>
         </p:nvSpPr>
-        <p:spPr/>
+        <p:spPr>
+          <a:xfrm>
+            <a:off x="117248" y="1227280"/>
+            <a:ext cx="5495768" cy="4702015"/>
+          </a:xfrm>
+        </p:spPr>
         <p:txBody>
           <a:bodyPr/>
           <a:lstStyle/>
           <a:p>
             <a:r>
-              <a:rPr lang="en-US" dirty="0" smtClean="0"/>
-              <a:t>Show a class diagram</a:t>
+              <a:rPr lang="is-IS" sz="2400" dirty="0" smtClean="0"/>
+              <a:t>Au sein de la classe </a:t>
+            </a:r>
+            <a:r>
+              <a:rPr lang="is-IS" sz="2400" i="1" dirty="0" smtClean="0"/>
+              <a:t>MainAlgorithm</a:t>
+            </a:r>
+            <a:r>
+              <a:rPr lang="is-IS" sz="2400" dirty="0" smtClean="0"/>
+              <a:t>, un objet </a:t>
+            </a:r>
+            <a:r>
+              <a:rPr lang="is-IS" sz="2400" i="1" dirty="0" smtClean="0"/>
+              <a:t>ExecutorService</a:t>
+            </a:r>
+            <a:r>
+              <a:rPr lang="is-IS" sz="2400" dirty="0" smtClean="0"/>
+              <a:t> est créé.</a:t>
             </a:r>
           </a:p>
           <a:p>
             <a:r>
-              <a:rPr lang="en-US" dirty="0" smtClean="0"/>
-              <a:t>Did you use any synchronization mechanism (e.g., locks, barriers, synchronized methods,</a:t>
-            </a:r>
-            <a:r>
-              <a:rPr lang="is-IS" dirty="0" smtClean="0"/>
-              <a:t>…) in your implementation? </a:t>
-            </a:r>
-            <a:r>
-              <a:rPr lang="en-US" dirty="0" smtClean="0"/>
-              <a:t>W</a:t>
-            </a:r>
-            <a:r>
-              <a:rPr lang="is-IS" dirty="0" smtClean="0"/>
-              <a:t>here? Why?</a:t>
+              <a:rPr lang="is-IS" sz="2400" dirty="0" smtClean="0"/>
+              <a:t>C‘est à cet objet qu‘on attribue les différentes tâches </a:t>
+            </a:r>
+            <a:r>
+              <a:rPr lang="is-IS" sz="2400" i="1" dirty="0" smtClean="0"/>
+              <a:t>LocalSearch </a:t>
+            </a:r>
+            <a:r>
+              <a:rPr lang="is-IS" sz="2400" dirty="0" smtClean="0"/>
+              <a:t>qui sont ensuite executées.</a:t>
             </a:r>
           </a:p>
           <a:p>
-            <a:endParaRPr lang="is-IS" dirty="0"/>
-          </a:p>
-          <a:p>
-            <a:r>
-              <a:rPr lang="is-IS" dirty="0" smtClean="0"/>
-              <a:t>Nous avons décidés d‘implémenter une méthode </a:t>
-            </a:r>
-            <a:r>
-              <a:rPr lang="is-IS" dirty="0" smtClean="0"/>
-              <a:t>de recherche locale dans </a:t>
-            </a:r>
-            <a:r>
-              <a:rPr lang="is-IS" dirty="0" smtClean="0"/>
-              <a:t>nos </a:t>
-            </a:r>
-            <a:r>
-              <a:rPr lang="is-IS" dirty="0" smtClean="0"/>
-              <a:t>différentes tâches </a:t>
-            </a:r>
-            <a:r>
-              <a:rPr lang="is-IS" dirty="0" smtClean="0"/>
-              <a:t>de relocation de ville </a:t>
-            </a:r>
-            <a:r>
-              <a:rPr lang="is-IS" dirty="0" smtClean="0"/>
-              <a:t>afin de génerer un voisinage partiel </a:t>
-            </a:r>
-            <a:endParaRPr lang="is-IS" dirty="0" smtClean="0"/>
+            <a:r>
+              <a:rPr lang="is-IS" sz="2400" dirty="0" smtClean="0"/>
+              <a:t>La classe Coordinator permet de stopper les objets </a:t>
+            </a:r>
+            <a:r>
+              <a:rPr lang="is-IS" sz="2400" i="1" dirty="0" smtClean="0"/>
+              <a:t>LocalSearch</a:t>
+            </a:r>
+            <a:r>
+              <a:rPr lang="is-IS" sz="2400" dirty="0" smtClean="0"/>
+              <a:t> si jamais le temps dépasse celui indiqué par l‘utilisateur.</a:t>
+            </a:r>
           </a:p>
         </p:txBody>
       </p:sp>
@@ -10403,16 +10564,40 @@
           <a:p>
             <a:r>
               <a:rPr lang="en-US" dirty="0" smtClean="0"/>
-              <a:t>Implementation (1-3 slides)</a:t>
+              <a:t>Implementation</a:t>
             </a:r>
             <a:endParaRPr lang="en-US" dirty="0"/>
           </a:p>
         </p:txBody>
       </p:sp>
+      <p:pic>
+        <p:nvPicPr>
+          <p:cNvPr id="3" name="Image 2"/>
+          <p:cNvPicPr>
+            <a:picLocks noChangeAspect="1"/>
+          </p:cNvPicPr>
+          <p:nvPr/>
+        </p:nvPicPr>
+        <p:blipFill>
+          <a:blip r:embed="rId2"/>
+          <a:stretch>
+            <a:fillRect/>
+          </a:stretch>
+        </p:blipFill>
+        <p:spPr>
+          <a:xfrm>
+            <a:off x="5782253" y="1487409"/>
+            <a:ext cx="6180972" cy="4181759"/>
+          </a:xfrm>
+          <a:prstGeom prst="rect">
+            <a:avLst/>
+          </a:prstGeom>
+        </p:spPr>
+      </p:pic>
     </p:spTree>
     <p:extLst>
       <p:ext uri="{BB962C8B-B14F-4D97-AF65-F5344CB8AC3E}">
-        <p14:creationId xmlns:p14="http://schemas.microsoft.com/office/powerpoint/2010/main" xmlns="" val="493409273"/>
+        <p14:creationId xmlns:p14="http://schemas.microsoft.com/office/powerpoint/2010/main" val="493409273"/>
       </p:ext>
     </p:extLst>
   </p:cSld>
@@ -10448,6 +10633,94 @@
       </p:grpSpPr>
       <p:sp>
         <p:nvSpPr>
+          <p:cNvPr id="6" name="Espace réservé du texte 5"/>
+          <p:cNvSpPr>
+            <a:spLocks noGrp="1"/>
+          </p:cNvSpPr>
+          <p:nvPr>
+            <p:ph type="body" sz="quarter" idx="11"/>
+          </p:nvPr>
+        </p:nvSpPr>
+        <p:spPr>
+          <a:xfrm>
+            <a:off x="132496" y="967154"/>
+            <a:ext cx="11895384" cy="5222270"/>
+          </a:xfrm>
+        </p:spPr>
+        <p:txBody>
+          <a:bodyPr/>
+          <a:lstStyle/>
+          <a:p>
+            <a:r>
+              <a:rPr lang="is-IS" dirty="0" smtClean="0"/>
+              <a:t>Nous </a:t>
+            </a:r>
+            <a:r>
+              <a:rPr lang="is-IS" dirty="0" smtClean="0"/>
+              <a:t>avons </a:t>
+            </a:r>
+            <a:r>
+              <a:rPr lang="is-IS" dirty="0" smtClean="0"/>
+              <a:t>ensuite décidé </a:t>
+            </a:r>
+            <a:r>
+              <a:rPr lang="is-IS" dirty="0" smtClean="0"/>
+              <a:t>d‘implémenter une méthode </a:t>
+            </a:r>
+            <a:r>
+              <a:rPr lang="is-IS" dirty="0" smtClean="0"/>
+              <a:t>de recherche locale dans </a:t>
+            </a:r>
+            <a:r>
+              <a:rPr lang="is-IS" dirty="0" smtClean="0"/>
+              <a:t>nos différentes tâches de relocation de ville afin de </a:t>
+            </a:r>
+            <a:r>
+              <a:rPr lang="is-IS" dirty="0" smtClean="0"/>
+              <a:t>générer </a:t>
+            </a:r>
+            <a:r>
+              <a:rPr lang="is-IS" dirty="0" smtClean="0"/>
+              <a:t>un voisinage </a:t>
+            </a:r>
+            <a:r>
+              <a:rPr lang="is-IS" dirty="0" smtClean="0"/>
+              <a:t>partiel.</a:t>
+            </a:r>
+          </a:p>
+          <a:p>
+            <a:r>
+              <a:rPr lang="is-IS" dirty="0" smtClean="0"/>
+              <a:t>Nous avons également réalisé une méthode permettant de calculer la fonction objectif au sein même de notre classe </a:t>
+            </a:r>
+            <a:r>
+              <a:rPr lang="is-IS" i="1" dirty="0" smtClean="0"/>
+              <a:t>LocalSearch</a:t>
+            </a:r>
+            <a:r>
+              <a:rPr lang="is-IS" dirty="0" smtClean="0"/>
+              <a:t>, ceci afin de ne pas utiliser la méthode présente dans la classe </a:t>
+            </a:r>
+            <a:r>
+              <a:rPr lang="is-IS" i="1" dirty="0" smtClean="0"/>
+              <a:t>TSPCostCalculator</a:t>
+            </a:r>
+            <a:r>
+              <a:rPr lang="is-IS" dirty="0" smtClean="0"/>
+              <a:t>. </a:t>
+            </a:r>
+          </a:p>
+          <a:p>
+            <a:r>
+              <a:rPr lang="is-IS" dirty="0" smtClean="0"/>
+              <a:t>En effet, cette méthode étant statique, lorsqu‘elle était appelée, elle forçait nos tâches à être executée en série, en attente de la libération de cet objet. C‘est pourquoi, nous l‘avons remplacée.</a:t>
+            </a:r>
+            <a:endParaRPr lang="is-IS" i="1" dirty="0" smtClean="0"/>
+          </a:p>
+        </p:txBody>
+      </p:sp>
+      <p:sp>
+        <p:nvSpPr>
           <p:cNvPr id="5" name="Titre 4"/>
           <p:cNvSpPr>
             <a:spLocks noGrp="1"/>
@@ -10462,6 +10735,66 @@
           <a:lstStyle/>
           <a:p>
             <a:r>
+              <a:rPr lang="en-US" dirty="0" smtClean="0"/>
+              <a:t>Implementation</a:t>
+            </a:r>
+            <a:endParaRPr lang="en-US" dirty="0"/>
+          </a:p>
+        </p:txBody>
+      </p:sp>
+    </p:spTree>
+    <p:extLst>
+      <p:ext uri="{BB962C8B-B14F-4D97-AF65-F5344CB8AC3E}">
+        <p14:creationId xmlns:p14="http://schemas.microsoft.com/office/powerpoint/2010/main" val="497253000"/>
+      </p:ext>
+    </p:extLst>
+  </p:cSld>
+  <p:clrMapOvr>
+    <a:masterClrMapping/>
+  </p:clrMapOvr>
+  <p:timing>
+    <p:tnLst>
+      <p:par>
+        <p:cTn id="1" dur="indefinite" restart="never" nodeType="tmRoot"/>
+      </p:par>
+    </p:tnLst>
+  </p:timing>
+</p:sld>
+</file>
+
+<file path=ppt/slides/slide8.xml><?xml version="1.0" encoding="utf-8"?>
+<p:sld xmlns:a="http://schemas.openxmlformats.org/drawingml/2006/main" xmlns:r="http://schemas.openxmlformats.org/officeDocument/2006/relationships" xmlns:p="http://schemas.openxmlformats.org/presentationml/2006/main">
+  <p:cSld>
+    <p:spTree>
+      <p:nvGrpSpPr>
+        <p:cNvPr id="1" name=""/>
+        <p:cNvGrpSpPr/>
+        <p:nvPr/>
+      </p:nvGrpSpPr>
+      <p:grpSpPr>
+        <a:xfrm>
+          <a:off x="0" y="0"/>
+          <a:ext cx="0" cy="0"/>
+          <a:chOff x="0" y="0"/>
+          <a:chExt cx="0" cy="0"/>
+        </a:xfrm>
+      </p:grpSpPr>
+      <p:sp>
+        <p:nvSpPr>
+          <p:cNvPr id="5" name="Titre 4"/>
+          <p:cNvSpPr>
+            <a:spLocks noGrp="1"/>
+          </p:cNvSpPr>
+          <p:nvPr>
+            <p:ph type="title"/>
+          </p:nvPr>
+        </p:nvSpPr>
+        <p:spPr/>
+        <p:txBody>
+          <a:bodyPr/>
+          <a:lstStyle/>
+          <a:p>
+            <a:r>
               <a:rPr lang="en-US" dirty="0" err="1" smtClean="0"/>
               <a:t>Résultats</a:t>
             </a:r>
@@ -10478,7 +10811,7 @@
           <p:nvPr>
             <p:extLst>
               <p:ext uri="{D42A27DB-BD31-4B8C-83A1-F6EECF244321}">
-                <p14:modId xmlns:p14="http://schemas.microsoft.com/office/powerpoint/2010/main" xmlns="" val="2166556259"/>
+                <p14:modId xmlns:p14="http://schemas.microsoft.com/office/powerpoint/2010/main" val="2166556259"/>
               </p:ext>
             </p:extLst>
           </p:nvPr>
@@ -10497,21 +10830,21 @@
                 <a:gridCol w="1075835">
                   <a:extLst>
                     <a:ext uri="{9D8B030D-6E8A-4147-A177-3AD203B41FA5}">
-                      <a16:colId xmlns:a16="http://schemas.microsoft.com/office/drawing/2014/main" xmlns="" val="20000"/>
+                      <a16:colId xmlns:a16="http://schemas.microsoft.com/office/drawing/2014/main" val="20000"/>
                     </a:ext>
                   </a:extLst>
                 </a:gridCol>
                 <a:gridCol w="1560601">
                   <a:extLst>
                     <a:ext uri="{9D8B030D-6E8A-4147-A177-3AD203B41FA5}">
-                      <a16:colId xmlns:a16="http://schemas.microsoft.com/office/drawing/2014/main" xmlns="" val="20001"/>
+                      <a16:colId xmlns:a16="http://schemas.microsoft.com/office/drawing/2014/main" val="20001"/>
                     </a:ext>
                   </a:extLst>
                 </a:gridCol>
                 <a:gridCol w="2718755">
                   <a:extLst>
                     <a:ext uri="{9D8B030D-6E8A-4147-A177-3AD203B41FA5}">
-                      <a16:colId xmlns:a16="http://schemas.microsoft.com/office/drawing/2014/main" xmlns="" val="20002"/>
+                      <a16:colId xmlns:a16="http://schemas.microsoft.com/office/drawing/2014/main" val="20002"/>
                     </a:ext>
                   </a:extLst>
                 </a:gridCol>
@@ -10634,7 +10967,7 @@
                 </a:tc>
                 <a:extLst>
                   <a:ext uri="{0D108BD9-81ED-4DB2-BD59-A6C34878D82A}">
-                    <a16:rowId xmlns:a16="http://schemas.microsoft.com/office/drawing/2014/main" xmlns="" val="10000"/>
+                    <a16:rowId xmlns:a16="http://schemas.microsoft.com/office/drawing/2014/main" val="10000"/>
                   </a:ext>
                 </a:extLst>
               </a:tr>
@@ -10686,7 +11019,7 @@
                 </a:tc>
                 <a:extLst>
                   <a:ext uri="{0D108BD9-81ED-4DB2-BD59-A6C34878D82A}">
-                    <a16:rowId xmlns:a16="http://schemas.microsoft.com/office/drawing/2014/main" xmlns="" val="874662559"/>
+                    <a16:rowId xmlns:a16="http://schemas.microsoft.com/office/drawing/2014/main" val="874662559"/>
                   </a:ext>
                 </a:extLst>
               </a:tr>
@@ -10738,7 +11071,7 @@
                 </a:tc>
                 <a:extLst>
                   <a:ext uri="{0D108BD9-81ED-4DB2-BD59-A6C34878D82A}">
-                    <a16:rowId xmlns:a16="http://schemas.microsoft.com/office/drawing/2014/main" xmlns="" val="10001"/>
+                    <a16:rowId xmlns:a16="http://schemas.microsoft.com/office/drawing/2014/main" val="10001"/>
                   </a:ext>
                 </a:extLst>
               </a:tr>
@@ -10790,7 +11123,7 @@
                 </a:tc>
                 <a:extLst>
                   <a:ext uri="{0D108BD9-81ED-4DB2-BD59-A6C34878D82A}">
-                    <a16:rowId xmlns:a16="http://schemas.microsoft.com/office/drawing/2014/main" xmlns="" val="1361785963"/>
+                    <a16:rowId xmlns:a16="http://schemas.microsoft.com/office/drawing/2014/main" val="1361785963"/>
                   </a:ext>
                 </a:extLst>
               </a:tr>
@@ -10842,7 +11175,7 @@
                 </a:tc>
                 <a:extLst>
                   <a:ext uri="{0D108BD9-81ED-4DB2-BD59-A6C34878D82A}">
-                    <a16:rowId xmlns:a16="http://schemas.microsoft.com/office/drawing/2014/main" xmlns="" val="10002"/>
+                    <a16:rowId xmlns:a16="http://schemas.microsoft.com/office/drawing/2014/main" val="10002"/>
                   </a:ext>
                 </a:extLst>
               </a:tr>
@@ -10909,7 +11242,7 @@
                 </a:tc>
                 <a:extLst>
                   <a:ext uri="{0D108BD9-81ED-4DB2-BD59-A6C34878D82A}">
-                    <a16:rowId xmlns:a16="http://schemas.microsoft.com/office/drawing/2014/main" xmlns="" val="10003"/>
+                    <a16:rowId xmlns:a16="http://schemas.microsoft.com/office/drawing/2014/main" val="10003"/>
                   </a:ext>
                 </a:extLst>
               </a:tr>
@@ -10976,7 +11309,7 @@
                 </a:tc>
                 <a:extLst>
                   <a:ext uri="{0D108BD9-81ED-4DB2-BD59-A6C34878D82A}">
-                    <a16:rowId xmlns:a16="http://schemas.microsoft.com/office/drawing/2014/main" xmlns="" val="1527334627"/>
+                    <a16:rowId xmlns:a16="http://schemas.microsoft.com/office/drawing/2014/main" val="1527334627"/>
                   </a:ext>
                 </a:extLst>
               </a:tr>
@@ -11028,7 +11361,7 @@
                 </a:tc>
                 <a:extLst>
                   <a:ext uri="{0D108BD9-81ED-4DB2-BD59-A6C34878D82A}">
-                    <a16:rowId xmlns:a16="http://schemas.microsoft.com/office/drawing/2014/main" xmlns="" val="3792653972"/>
+                    <a16:rowId xmlns:a16="http://schemas.microsoft.com/office/drawing/2014/main" val="3792653972"/>
                   </a:ext>
                 </a:extLst>
               </a:tr>
@@ -11095,7 +11428,7 @@
                 </a:tc>
                 <a:extLst>
                   <a:ext uri="{0D108BD9-81ED-4DB2-BD59-A6C34878D82A}">
-                    <a16:rowId xmlns:a16="http://schemas.microsoft.com/office/drawing/2014/main" xmlns="" val="2943019833"/>
+                    <a16:rowId xmlns:a16="http://schemas.microsoft.com/office/drawing/2014/main" val="2943019833"/>
                   </a:ext>
                 </a:extLst>
               </a:tr>
@@ -11162,7 +11495,7 @@
                 </a:tc>
                 <a:extLst>
                   <a:ext uri="{0D108BD9-81ED-4DB2-BD59-A6C34878D82A}">
-                    <a16:rowId xmlns:a16="http://schemas.microsoft.com/office/drawing/2014/main" xmlns="" val="3543114398"/>
+                    <a16:rowId xmlns:a16="http://schemas.microsoft.com/office/drawing/2014/main" val="3543114398"/>
                   </a:ext>
                 </a:extLst>
               </a:tr>
@@ -11170,8 +11503,8 @@
           </a:graphicData>
         </a:graphic>
       </p:graphicFrame>
-      <mc:AlternateContent xmlns:mc="http://schemas.openxmlformats.org/markup-compatibility/2006">
-        <mc:Choice xmlns:a14="http://schemas.microsoft.com/office/drawing/2010/main" xmlns="" Requires="a14">
+      <mc:AlternateContent xmlns:mc="http://schemas.openxmlformats.org/markup-compatibility/2006" xmlns:a14="http://schemas.microsoft.com/office/drawing/2010/main">
+        <mc:Choice Requires="a14">
           <p:sp>
             <p:nvSpPr>
               <p:cNvPr id="7" name="TextBox 6"/>
@@ -11371,7 +11704,7 @@
             </p:txBody>
           </p:sp>
         </mc:Choice>
-        <mc:Fallback>
+        <mc:Fallback xmlns="">
           <p:sp>
             <p:nvSpPr>
               <p:cNvPr id="7" name="TextBox 6"/>
@@ -11964,7 +12297,7 @@
     </p:spTree>
     <p:extLst>
       <p:ext uri="{BB962C8B-B14F-4D97-AF65-F5344CB8AC3E}">
-        <p14:creationId xmlns:p14="http://schemas.microsoft.com/office/powerpoint/2010/main" xmlns="" val="2033306419"/>
+        <p14:creationId xmlns:p14="http://schemas.microsoft.com/office/powerpoint/2010/main" val="2033306419"/>
       </p:ext>
     </p:extLst>
   </p:cSld>
@@ -11981,7 +12314,7 @@
 </p:sld>
 </file>
 
-<file path=ppt/slides/slide8.xml><?xml version="1.0" encoding="utf-8"?>
+<file path=ppt/slides/slide9.xml><?xml version="1.0" encoding="utf-8"?>
 <p:sld xmlns:a="http://schemas.openxmlformats.org/drawingml/2006/main" xmlns:r="http://schemas.openxmlformats.org/officeDocument/2006/relationships" xmlns:p="http://schemas.openxmlformats.org/presentationml/2006/main">
   <p:cSld>
     <p:spTree>
@@ -12030,7 +12363,7 @@
           <p:nvPr>
             <p:extLst>
               <p:ext uri="{D42A27DB-BD31-4B8C-83A1-F6EECF244321}">
-                <p14:modId xmlns:p14="http://schemas.microsoft.com/office/powerpoint/2010/main" xmlns="" val="3839855374"/>
+                <p14:modId xmlns:p14="http://schemas.microsoft.com/office/powerpoint/2010/main" val="3839855374"/>
               </p:ext>
             </p:extLst>
           </p:nvPr>
@@ -12049,21 +12382,21 @@
                 <a:gridCol w="1075835">
                   <a:extLst>
                     <a:ext uri="{9D8B030D-6E8A-4147-A177-3AD203B41FA5}">
-                      <a16:colId xmlns:a16="http://schemas.microsoft.com/office/drawing/2014/main" xmlns="" val="20000"/>
+                      <a16:colId xmlns:a16="http://schemas.microsoft.com/office/drawing/2014/main" val="20000"/>
                     </a:ext>
                   </a:extLst>
                 </a:gridCol>
                 <a:gridCol w="1560601">
                   <a:extLst>
                     <a:ext uri="{9D8B030D-6E8A-4147-A177-3AD203B41FA5}">
-                      <a16:colId xmlns:a16="http://schemas.microsoft.com/office/drawing/2014/main" xmlns="" val="20001"/>
+                      <a16:colId xmlns:a16="http://schemas.microsoft.com/office/drawing/2014/main" val="20001"/>
                     </a:ext>
                   </a:extLst>
                 </a:gridCol>
                 <a:gridCol w="2718755">
                   <a:extLst>
                     <a:ext uri="{9D8B030D-6E8A-4147-A177-3AD203B41FA5}">
-                      <a16:colId xmlns:a16="http://schemas.microsoft.com/office/drawing/2014/main" xmlns="" val="20002"/>
+                      <a16:colId xmlns:a16="http://schemas.microsoft.com/office/drawing/2014/main" val="20002"/>
                     </a:ext>
                   </a:extLst>
                 </a:gridCol>
@@ -12186,7 +12519,7 @@
                 </a:tc>
                 <a:extLst>
                   <a:ext uri="{0D108BD9-81ED-4DB2-BD59-A6C34878D82A}">
-                    <a16:rowId xmlns:a16="http://schemas.microsoft.com/office/drawing/2014/main" xmlns="" val="10000"/>
+                    <a16:rowId xmlns:a16="http://schemas.microsoft.com/office/drawing/2014/main" val="10000"/>
                   </a:ext>
                 </a:extLst>
               </a:tr>
@@ -12238,7 +12571,7 @@
                 </a:tc>
                 <a:extLst>
                   <a:ext uri="{0D108BD9-81ED-4DB2-BD59-A6C34878D82A}">
-                    <a16:rowId xmlns:a16="http://schemas.microsoft.com/office/drawing/2014/main" xmlns="" val="2808459390"/>
+                    <a16:rowId xmlns:a16="http://schemas.microsoft.com/office/drawing/2014/main" val="2808459390"/>
                   </a:ext>
                 </a:extLst>
               </a:tr>
@@ -12290,7 +12623,7 @@
                 </a:tc>
                 <a:extLst>
                   <a:ext uri="{0D108BD9-81ED-4DB2-BD59-A6C34878D82A}">
-                    <a16:rowId xmlns:a16="http://schemas.microsoft.com/office/drawing/2014/main" xmlns="" val="10001"/>
+                    <a16:rowId xmlns:a16="http://schemas.microsoft.com/office/drawing/2014/main" val="10001"/>
                   </a:ext>
                 </a:extLst>
               </a:tr>
@@ -12342,7 +12675,7 @@
                 </a:tc>
                 <a:extLst>
                   <a:ext uri="{0D108BD9-81ED-4DB2-BD59-A6C34878D82A}">
-                    <a16:rowId xmlns:a16="http://schemas.microsoft.com/office/drawing/2014/main" xmlns="" val="1361785963"/>
+                    <a16:rowId xmlns:a16="http://schemas.microsoft.com/office/drawing/2014/main" val="1361785963"/>
                   </a:ext>
                 </a:extLst>
               </a:tr>
@@ -12394,7 +12727,7 @@
                 </a:tc>
                 <a:extLst>
                   <a:ext uri="{0D108BD9-81ED-4DB2-BD59-A6C34878D82A}">
-                    <a16:rowId xmlns:a16="http://schemas.microsoft.com/office/drawing/2014/main" xmlns="" val="10002"/>
+                    <a16:rowId xmlns:a16="http://schemas.microsoft.com/office/drawing/2014/main" val="10002"/>
                   </a:ext>
                 </a:extLst>
               </a:tr>
@@ -12446,7 +12779,7 @@
                 </a:tc>
                 <a:extLst>
                   <a:ext uri="{0D108BD9-81ED-4DB2-BD59-A6C34878D82A}">
-                    <a16:rowId xmlns:a16="http://schemas.microsoft.com/office/drawing/2014/main" xmlns="" val="10003"/>
+                    <a16:rowId xmlns:a16="http://schemas.microsoft.com/office/drawing/2014/main" val="10003"/>
                   </a:ext>
                 </a:extLst>
               </a:tr>
@@ -12498,7 +12831,7 @@
                 </a:tc>
                 <a:extLst>
                   <a:ext uri="{0D108BD9-81ED-4DB2-BD59-A6C34878D82A}">
-                    <a16:rowId xmlns:a16="http://schemas.microsoft.com/office/drawing/2014/main" xmlns="" val="1527334627"/>
+                    <a16:rowId xmlns:a16="http://schemas.microsoft.com/office/drawing/2014/main" val="1527334627"/>
                   </a:ext>
                 </a:extLst>
               </a:tr>
@@ -12550,7 +12883,7 @@
                 </a:tc>
                 <a:extLst>
                   <a:ext uri="{0D108BD9-81ED-4DB2-BD59-A6C34878D82A}">
-                    <a16:rowId xmlns:a16="http://schemas.microsoft.com/office/drawing/2014/main" xmlns="" val="3792653972"/>
+                    <a16:rowId xmlns:a16="http://schemas.microsoft.com/office/drawing/2014/main" val="3792653972"/>
                   </a:ext>
                 </a:extLst>
               </a:tr>
@@ -12602,7 +12935,7 @@
                 </a:tc>
                 <a:extLst>
                   <a:ext uri="{0D108BD9-81ED-4DB2-BD59-A6C34878D82A}">
-                    <a16:rowId xmlns:a16="http://schemas.microsoft.com/office/drawing/2014/main" xmlns="" val="2943019833"/>
+                    <a16:rowId xmlns:a16="http://schemas.microsoft.com/office/drawing/2014/main" val="2943019833"/>
                   </a:ext>
                 </a:extLst>
               </a:tr>
@@ -12654,7 +12987,7 @@
                 </a:tc>
                 <a:extLst>
                   <a:ext uri="{0D108BD9-81ED-4DB2-BD59-A6C34878D82A}">
-                    <a16:rowId xmlns:a16="http://schemas.microsoft.com/office/drawing/2014/main" xmlns="" val="3543114398"/>
+                    <a16:rowId xmlns:a16="http://schemas.microsoft.com/office/drawing/2014/main" val="3543114398"/>
                   </a:ext>
                 </a:extLst>
               </a:tr>
@@ -12916,144 +13249,7 @@
     </p:spTree>
     <p:extLst>
       <p:ext uri="{BB962C8B-B14F-4D97-AF65-F5344CB8AC3E}">
-        <p14:creationId xmlns:p14="http://schemas.microsoft.com/office/powerpoint/2010/main" xmlns="" val="1879248739"/>
-      </p:ext>
-    </p:extLst>
-  </p:cSld>
-  <p:clrMapOvr>
-    <a:masterClrMapping/>
-  </p:clrMapOvr>
-  <p:timing>
-    <p:tnLst>
-      <p:par>
-        <p:cTn id="1" dur="indefinite" restart="never" nodeType="tmRoot"/>
-      </p:par>
-    </p:tnLst>
-  </p:timing>
-</p:sld>
-</file>
-
-<file path=ppt/slides/slide9.xml><?xml version="1.0" encoding="utf-8"?>
-<p:sld xmlns:a="http://schemas.openxmlformats.org/drawingml/2006/main" xmlns:r="http://schemas.openxmlformats.org/officeDocument/2006/relationships" xmlns:p="http://schemas.openxmlformats.org/presentationml/2006/main">
-  <p:cSld>
-    <p:spTree>
-      <p:nvGrpSpPr>
-        <p:cNvPr id="1" name=""/>
-        <p:cNvGrpSpPr/>
-        <p:nvPr/>
-      </p:nvGrpSpPr>
-      <p:grpSpPr>
-        <a:xfrm>
-          <a:off x="0" y="0"/>
-          <a:ext cx="0" cy="0"/>
-          <a:chOff x="0" y="0"/>
-          <a:chExt cx="0" cy="0"/>
-        </a:xfrm>
-      </p:grpSpPr>
-      <p:sp>
-        <p:nvSpPr>
-          <p:cNvPr id="5" name="Titre 4"/>
-          <p:cNvSpPr>
-            <a:spLocks noGrp="1"/>
-          </p:cNvSpPr>
-          <p:nvPr>
-            <p:ph type="title"/>
-          </p:nvPr>
-        </p:nvSpPr>
-        <p:spPr/>
-        <p:txBody>
-          <a:bodyPr/>
-          <a:lstStyle/>
-          <a:p>
-            <a:r>
-              <a:rPr lang="en-US" dirty="0" err="1" smtClean="0"/>
-              <a:t>Résultats</a:t>
-            </a:r>
-            <a:endParaRPr lang="en-US" dirty="0"/>
-          </a:p>
-        </p:txBody>
-      </p:sp>
-      <p:sp>
-        <p:nvSpPr>
-          <p:cNvPr id="8" name="TextBox 7"/>
-          <p:cNvSpPr txBox="1"/>
-          <p:nvPr/>
-        </p:nvSpPr>
-        <p:spPr>
-          <a:xfrm>
-            <a:off x="384916" y="4928576"/>
-            <a:ext cx="11375296" cy="923330"/>
-          </a:xfrm>
-          <a:prstGeom prst="rect">
-            <a:avLst/>
-          </a:prstGeom>
-          <a:noFill/>
-        </p:spPr>
-        <p:txBody>
-          <a:bodyPr wrap="square" rtlCol="0">
-            <a:spAutoFit/>
-          </a:bodyPr>
-          <a:lstStyle/>
-          <a:p>
-            <a:pPr marL="285750" indent="-285750">
-              <a:buFont typeface="Arial" charset="0"/>
-              <a:buChar char="•"/>
-            </a:pPr>
-            <a:r>
-              <a:rPr lang="en-US" dirty="0" smtClean="0"/>
-              <a:t>Select one or two instances</a:t>
-            </a:r>
-          </a:p>
-          <a:p>
-            <a:pPr marL="285750" indent="-285750">
-              <a:buFont typeface="Arial" charset="0"/>
-              <a:buChar char="•"/>
-            </a:pPr>
-            <a:r>
-              <a:rPr lang="en-US" dirty="0" smtClean="0"/>
-              <a:t>Run your algorithm for 60 s with different parameters (e.g., # of threads, # of tasks)</a:t>
-            </a:r>
-          </a:p>
-          <a:p>
-            <a:pPr marL="285750" indent="-285750">
-              <a:buFont typeface="Arial" charset="0"/>
-              <a:buChar char="•"/>
-            </a:pPr>
-            <a:r>
-              <a:rPr lang="en-US" dirty="0" smtClean="0"/>
-              <a:t>Build a chart showing the change on the gap with respect to the change of parameters (see the example above)</a:t>
-            </a:r>
-          </a:p>
-        </p:txBody>
-      </p:sp>
-      <p:graphicFrame>
-        <p:nvGraphicFramePr>
-          <p:cNvPr id="10" name="Chart 9"/>
-          <p:cNvGraphicFramePr>
-            <a:graphicFrameLocks/>
-          </p:cNvGraphicFramePr>
-          <p:nvPr>
-            <p:extLst>
-              <p:ext uri="{D42A27DB-BD31-4B8C-83A1-F6EECF244321}">
-                <p14:modId xmlns:p14="http://schemas.microsoft.com/office/powerpoint/2010/main" xmlns="" val="1882126371"/>
-              </p:ext>
-            </p:extLst>
-          </p:nvPr>
-        </p:nvGraphicFramePr>
-        <p:xfrm>
-          <a:off x="2115136" y="1120204"/>
-          <a:ext cx="8176728" cy="3412886"/>
-        </p:xfrm>
-        <a:graphic>
-          <a:graphicData uri="http://schemas.openxmlformats.org/drawingml/2006/chart">
-            <c:chart xmlns:c="http://schemas.openxmlformats.org/drawingml/2006/chart" xmlns:r="http://schemas.openxmlformats.org/officeDocument/2006/relationships" r:id="rId2"/>
-          </a:graphicData>
-        </a:graphic>
-      </p:graphicFrame>
-    </p:spTree>
-    <p:extLst>
-      <p:ext uri="{BB962C8B-B14F-4D97-AF65-F5344CB8AC3E}">
-        <p14:creationId xmlns:p14="http://schemas.microsoft.com/office/powerpoint/2010/main" xmlns="" val="44227942"/>
+        <p14:creationId xmlns:p14="http://schemas.microsoft.com/office/powerpoint/2010/main" val="1879248739"/>
       </p:ext>
     </p:extLst>
   </p:cSld>
